--- a/МАГ.ДИСС/предзащита.pptx
+++ b/МАГ.ДИСС/предзащита.pptx
@@ -5,7 +5,7 @@
     <p:sldMasterId id="2147483648" r:id="rId1"/>
   </p:sldMasterIdLst>
   <p:notesMasterIdLst>
-    <p:notesMasterId r:id="rId14"/>
+    <p:notesMasterId r:id="rId18"/>
   </p:notesMasterIdLst>
   <p:sldIdLst>
     <p:sldId id="256" r:id="rId2"/>
@@ -19,7 +19,11 @@
     <p:sldId id="264" r:id="rId10"/>
     <p:sldId id="265" r:id="rId11"/>
     <p:sldId id="266" r:id="rId12"/>
-    <p:sldId id="267" r:id="rId13"/>
+    <p:sldId id="269" r:id="rId13"/>
+    <p:sldId id="270" r:id="rId14"/>
+    <p:sldId id="271" r:id="rId15"/>
+    <p:sldId id="272" r:id="rId16"/>
+    <p:sldId id="267" r:id="rId17"/>
   </p:sldIdLst>
   <p:sldSz cx="12192000" cy="6858000"/>
   <p:notesSz cx="6858000" cy="9144000"/>
@@ -208,7 +212,7 @@
           <a:p>
             <a:fld id="{F7D55C1D-A154-4711-9524-B1FA3FCBE86D}" type="datetimeFigureOut">
               <a:rPr lang="ru-RU" smtClean="0"/>
-              <a:t>06.04.2021</a:t>
+              <a:t>21.04.2021</a:t>
             </a:fld>
             <a:endParaRPr lang="ru-RU"/>
           </a:p>
@@ -607,7 +611,7 @@
           <a:p>
             <a:fld id="{4BCDFBBF-EC8C-4C87-8117-70FE4D6E7A1B}" type="datetime1">
               <a:rPr lang="ru-RU" smtClean="0"/>
-              <a:t>06.04.2021</a:t>
+              <a:t>21.04.2021</a:t>
             </a:fld>
             <a:endParaRPr lang="ru-RU"/>
           </a:p>
@@ -777,7 +781,7 @@
           <a:p>
             <a:fld id="{37A44E4C-D519-4C53-B50C-5505EB2683C8}" type="datetime1">
               <a:rPr lang="ru-RU" smtClean="0"/>
-              <a:t>06.04.2021</a:t>
+              <a:t>21.04.2021</a:t>
             </a:fld>
             <a:endParaRPr lang="ru-RU"/>
           </a:p>
@@ -957,7 +961,7 @@
           <a:p>
             <a:fld id="{B279B224-0C90-4764-BECE-2371B5D94BD4}" type="datetime1">
               <a:rPr lang="ru-RU" smtClean="0"/>
-              <a:t>06.04.2021</a:t>
+              <a:t>21.04.2021</a:t>
             </a:fld>
             <a:endParaRPr lang="ru-RU"/>
           </a:p>
@@ -1127,7 +1131,7 @@
           <a:p>
             <a:fld id="{5582A512-79AF-4C1F-BF9D-462BC1FCCFA0}" type="datetime1">
               <a:rPr lang="ru-RU" smtClean="0"/>
-              <a:t>06.04.2021</a:t>
+              <a:t>21.04.2021</a:t>
             </a:fld>
             <a:endParaRPr lang="ru-RU"/>
           </a:p>
@@ -1373,7 +1377,7 @@
           <a:p>
             <a:fld id="{D7AE4C7E-E627-4DA4-B6B8-850AEF4F7BC2}" type="datetime1">
               <a:rPr lang="ru-RU" smtClean="0"/>
-              <a:t>06.04.2021</a:t>
+              <a:t>21.04.2021</a:t>
             </a:fld>
             <a:endParaRPr lang="ru-RU"/>
           </a:p>
@@ -1605,7 +1609,7 @@
           <a:p>
             <a:fld id="{73B56BA5-4F41-41AF-8BD8-E2CD42C6862F}" type="datetime1">
               <a:rPr lang="ru-RU" smtClean="0"/>
-              <a:t>06.04.2021</a:t>
+              <a:t>21.04.2021</a:t>
             </a:fld>
             <a:endParaRPr lang="ru-RU"/>
           </a:p>
@@ -1972,7 +1976,7 @@
           <a:p>
             <a:fld id="{0DF487A4-7DE3-4860-85C9-49FDD669A906}" type="datetime1">
               <a:rPr lang="ru-RU" smtClean="0"/>
-              <a:t>06.04.2021</a:t>
+              <a:t>21.04.2021</a:t>
             </a:fld>
             <a:endParaRPr lang="ru-RU"/>
           </a:p>
@@ -2090,7 +2094,7 @@
           <a:p>
             <a:fld id="{C1A88C33-8A17-400A-8B56-D24460C5C0DC}" type="datetime1">
               <a:rPr lang="ru-RU" smtClean="0"/>
-              <a:t>06.04.2021</a:t>
+              <a:t>21.04.2021</a:t>
             </a:fld>
             <a:endParaRPr lang="ru-RU"/>
           </a:p>
@@ -2185,7 +2189,7 @@
           <a:p>
             <a:fld id="{0F835C61-00AA-4FB4-B27D-4EF80EAEFA5D}" type="datetime1">
               <a:rPr lang="ru-RU" smtClean="0"/>
-              <a:t>06.04.2021</a:t>
+              <a:t>21.04.2021</a:t>
             </a:fld>
             <a:endParaRPr lang="ru-RU"/>
           </a:p>
@@ -2462,7 +2466,7 @@
           <a:p>
             <a:fld id="{A7AA2D40-F6CA-4D8C-8966-EBED997BC50D}" type="datetime1">
               <a:rPr lang="ru-RU" smtClean="0"/>
-              <a:t>06.04.2021</a:t>
+              <a:t>21.04.2021</a:t>
             </a:fld>
             <a:endParaRPr lang="ru-RU"/>
           </a:p>
@@ -2715,7 +2719,7 @@
           <a:p>
             <a:fld id="{6826C45A-2710-42A3-8015-E825D0DB8249}" type="datetime1">
               <a:rPr lang="ru-RU" smtClean="0"/>
-              <a:t>06.04.2021</a:t>
+              <a:t>21.04.2021</a:t>
             </a:fld>
             <a:endParaRPr lang="ru-RU"/>
           </a:p>
@@ -2928,7 +2932,7 @@
           <a:p>
             <a:fld id="{73EDAB0A-51D9-4FE7-8B34-B080672EA6C6}" type="datetime1">
               <a:rPr lang="ru-RU" smtClean="0"/>
-              <a:t>06.04.2021</a:t>
+              <a:t>21.04.2021</a:t>
             </a:fld>
             <a:endParaRPr lang="ru-RU"/>
           </a:p>
@@ -3360,7 +3364,6 @@
               <a:rPr lang="ru-RU" sz="2800" b="1" cap="all" dirty="0"/>
               <a:t>Спектральная диагностика наносекундных разрядов в сверхзвуковых потоках воздуха</a:t>
             </a:r>
-            <a:endParaRPr lang="ru-RU" sz="2800" b="1" cap="all" dirty="0"/>
           </a:p>
         </p:txBody>
       </p:sp>
@@ -3534,7 +3537,7 @@
         <p:spPr>
           <a:xfrm>
             <a:off x="693821" y="2128862"/>
-            <a:ext cx="6096000" cy="2308324"/>
+            <a:ext cx="6096000" cy="2677656"/>
           </a:xfrm>
           <a:prstGeom prst="rect">
             <a:avLst/>
@@ -3551,8 +3554,16 @@
               <a:buChar char="•"/>
             </a:pPr>
             <a:r>
+              <a:rPr lang="en-US" sz="2400" dirty="0" smtClean="0"/>
+              <a:t> </a:t>
+            </a:r>
+            <a:r>
+              <a:rPr lang="ru-RU" sz="2400" dirty="0" smtClean="0"/>
+              <a:t>Спектры </a:t>
+            </a:r>
+            <a:r>
               <a:rPr lang="ru-RU" sz="2400" dirty="0"/>
-              <a:t>Спектры излучения нормировались на определенную длину волны.</a:t>
+              <a:t>излучения нормировались на определенную длину волны.</a:t>
             </a:r>
           </a:p>
           <a:p>
@@ -3562,8 +3573,19 @@
             </a:pPr>
             <a:r>
               <a:rPr lang="ru-RU" sz="2400" dirty="0"/>
-              <a:t>  На получившийся спектр наносятся теоретические зависимости для разных энергий электронов.</a:t>
-            </a:r>
+              <a:t>  На получившийся спектр наносятся теоретические зависимости для разных энергий электронов</a:t>
+            </a:r>
+            <a:r>
+              <a:rPr lang="ru-RU" sz="2400" dirty="0" smtClean="0"/>
+              <a:t>.</a:t>
+            </a:r>
+          </a:p>
+          <a:p>
+            <a:pPr>
+              <a:buFont typeface="Arial" pitchFamily="34" charset="0"/>
+              <a:buChar char="•"/>
+            </a:pPr>
+            <a:endParaRPr lang="ru-RU" sz="2400" dirty="0"/>
           </a:p>
           <a:p>
             <a:r>
@@ -4055,6 +4077,44 @@
           </a:p>
         </p:txBody>
       </p:sp>
+      <p:sp>
+        <p:nvSpPr>
+          <p:cNvPr id="3" name="TextBox 2"/>
+          <p:cNvSpPr txBox="1"/>
+          <p:nvPr/>
+        </p:nvSpPr>
+        <p:spPr>
+          <a:xfrm>
+            <a:off x="9474406" y="5314245"/>
+            <a:ext cx="1114525" cy="307777"/>
+          </a:xfrm>
+          <a:prstGeom prst="rect">
+            <a:avLst/>
+          </a:prstGeom>
+          <a:noFill/>
+        </p:spPr>
+        <p:txBody>
+          <a:bodyPr wrap="square" rtlCol="0">
+            <a:spAutoFit/>
+          </a:bodyPr>
+          <a:lstStyle/>
+          <a:p>
+            <a:r>
+              <a:rPr lang="ru-RU" sz="1400" dirty="0" smtClean="0"/>
+              <a:t>(</a:t>
+            </a:r>
+            <a:r>
+              <a:rPr lang="ru-RU" sz="1400" dirty="0" err="1" smtClean="0"/>
+              <a:t>нм</a:t>
+            </a:r>
+            <a:r>
+              <a:rPr lang="ru-RU" sz="1400" dirty="0" smtClean="0"/>
+              <a:t>)</a:t>
+            </a:r>
+            <a:endParaRPr lang="ru-RU" sz="1400" dirty="0"/>
+          </a:p>
+        </p:txBody>
+      </p:sp>
     </p:spTree>
     <p:extLst>
       <p:ext uri="{BB962C8B-B14F-4D97-AF65-F5344CB8AC3E}">
@@ -4225,8 +4285,8 @@
         </p:nvSpPr>
         <p:spPr>
           <a:xfrm>
-            <a:off x="7475621" y="2105072"/>
-            <a:ext cx="641684" cy="461665"/>
+            <a:off x="7217105" y="1968052"/>
+            <a:ext cx="1445386" cy="461665"/>
           </a:xfrm>
           <a:prstGeom prst="rect">
             <a:avLst/>
@@ -4247,6 +4307,10 @@
               <a:rPr lang="ru-RU" sz="2400" baseline="-25000" dirty="0" smtClean="0"/>
               <a:t>2</a:t>
             </a:r>
+            <a:r>
+              <a:rPr lang="ru-RU" sz="2400" dirty="0" smtClean="0"/>
+              <a:t> (0-0)</a:t>
+            </a:r>
             <a:endParaRPr lang="ru-RU" sz="2400" dirty="0"/>
           </a:p>
         </p:txBody>
@@ -4259,8 +4323,8 @@
         </p:nvSpPr>
         <p:spPr>
           <a:xfrm>
-            <a:off x="10186736" y="2759242"/>
-            <a:ext cx="617621" cy="738664"/>
+            <a:off x="9982200" y="2780435"/>
+            <a:ext cx="1383941" cy="461665"/>
           </a:xfrm>
           <a:prstGeom prst="rect">
             <a:avLst/>
@@ -4285,10 +4349,11 @@
               <a:rPr lang="ru-RU" sz="2400" baseline="30000" dirty="0"/>
               <a:t>+</a:t>
             </a:r>
+            <a:r>
+              <a:rPr lang="ru-RU" sz="2400" dirty="0" smtClean="0"/>
+              <a:t>(0-0)</a:t>
+            </a:r>
             <a:endParaRPr lang="ru-RU" sz="2400" dirty="0"/>
-          </a:p>
-          <a:p>
-            <a:endParaRPr lang="ru-RU" dirty="0"/>
           </a:p>
         </p:txBody>
       </p:sp>
@@ -4782,8 +4847,840 @@
           <a:chExt cx="0" cy="0"/>
         </a:xfrm>
       </p:grpSpPr>
-      <mc:AlternateContent xmlns:mc="http://schemas.openxmlformats.org/markup-compatibility/2006" xmlns:a14="http://schemas.microsoft.com/office/drawing/2010/main">
-        <mc:Choice Requires="a14">
+      <p:sp>
+        <p:nvSpPr>
+          <p:cNvPr id="4" name="Номер слайда 3"/>
+          <p:cNvSpPr>
+            <a:spLocks noGrp="1"/>
+          </p:cNvSpPr>
+          <p:nvPr>
+            <p:ph type="sldNum" sz="quarter" idx="12"/>
+          </p:nvPr>
+        </p:nvSpPr>
+        <p:spPr/>
+        <p:txBody>
+          <a:bodyPr/>
+          <a:lstStyle/>
+          <a:p>
+            <a:fld id="{9FAB18EA-D421-4479-A48C-D4262B204458}" type="slidenum">
+              <a:rPr lang="ru-RU" smtClean="0"/>
+              <a:t>12</a:t>
+            </a:fld>
+            <a:endParaRPr lang="ru-RU"/>
+          </a:p>
+        </p:txBody>
+      </p:sp>
+      <p:sp>
+        <p:nvSpPr>
+          <p:cNvPr id="6" name="Заголовок 1"/>
+          <p:cNvSpPr>
+            <a:spLocks noGrp="1"/>
+          </p:cNvSpPr>
+          <p:nvPr>
+            <p:ph type="title"/>
+          </p:nvPr>
+        </p:nvSpPr>
+        <p:spPr/>
+        <p:txBody>
+          <a:bodyPr>
+            <a:normAutofit/>
+          </a:bodyPr>
+          <a:lstStyle/>
+          <a:p>
+            <a:r>
+              <a:rPr lang="ru-RU" sz="3600" b="1" u="sng" dirty="0" smtClean="0">
+                <a:latin typeface="Arial Black" panose="020B0A04020102020204" pitchFamily="34" charset="0"/>
+              </a:rPr>
+              <a:t>Результаты обработки спектров</a:t>
+            </a:r>
+            <a:endParaRPr lang="ru-RU" sz="3600" b="1" u="sng" dirty="0">
+              <a:latin typeface="Arial Black" panose="020B0A04020102020204" pitchFamily="34" charset="0"/>
+            </a:endParaRPr>
+          </a:p>
+        </p:txBody>
+      </p:sp>
+      <p:pic>
+        <p:nvPicPr>
+          <p:cNvPr id="7" name="Рисунок 6"/>
+          <p:cNvPicPr>
+            <a:picLocks noChangeAspect="1"/>
+          </p:cNvPicPr>
+          <p:nvPr/>
+        </p:nvPicPr>
+        <p:blipFill>
+          <a:blip r:embed="rId2">
+            <a:extLst>
+              <a:ext uri="{28A0092B-C50C-407E-A947-70E740481C1C}">
+                <a14:useLocalDpi xmlns:a14="http://schemas.microsoft.com/office/drawing/2010/main" val="0"/>
+              </a:ext>
+            </a:extLst>
+          </a:blip>
+          <a:stretch>
+            <a:fillRect/>
+          </a:stretch>
+        </p:blipFill>
+        <p:spPr>
+          <a:xfrm>
+            <a:off x="243828" y="1282561"/>
+            <a:ext cx="5852172" cy="4389129"/>
+          </a:xfrm>
+          <a:prstGeom prst="rect">
+            <a:avLst/>
+          </a:prstGeom>
+        </p:spPr>
+      </p:pic>
+      <p:pic>
+        <p:nvPicPr>
+          <p:cNvPr id="8" name="Рисунок 7"/>
+          <p:cNvPicPr>
+            <a:picLocks noChangeAspect="1"/>
+          </p:cNvPicPr>
+          <p:nvPr/>
+        </p:nvPicPr>
+        <p:blipFill>
+          <a:blip r:embed="rId3">
+            <a:extLst>
+              <a:ext uri="{28A0092B-C50C-407E-A947-70E740481C1C}">
+                <a14:useLocalDpi xmlns:a14="http://schemas.microsoft.com/office/drawing/2010/main" val="0"/>
+              </a:ext>
+            </a:extLst>
+          </a:blip>
+          <a:stretch>
+            <a:fillRect/>
+          </a:stretch>
+        </p:blipFill>
+        <p:spPr>
+          <a:xfrm>
+            <a:off x="6096000" y="1282561"/>
+            <a:ext cx="5852172" cy="4389129"/>
+          </a:xfrm>
+          <a:prstGeom prst="rect">
+            <a:avLst/>
+          </a:prstGeom>
+        </p:spPr>
+      </p:pic>
+      <p:sp>
+        <p:nvSpPr>
+          <p:cNvPr id="9" name="TextBox 8"/>
+          <p:cNvSpPr txBox="1"/>
+          <p:nvPr/>
+        </p:nvSpPr>
+        <p:spPr>
+          <a:xfrm>
+            <a:off x="2294021" y="5887453"/>
+            <a:ext cx="7315200" cy="707886"/>
+          </a:xfrm>
+          <a:prstGeom prst="rect">
+            <a:avLst/>
+          </a:prstGeom>
+          <a:noFill/>
+        </p:spPr>
+        <p:txBody>
+          <a:bodyPr wrap="square" rtlCol="0">
+            <a:spAutoFit/>
+          </a:bodyPr>
+          <a:lstStyle/>
+          <a:p>
+            <a:pPr algn="ctr"/>
+            <a:r>
+              <a:rPr lang="ru-RU" sz="2000" b="1" u="sng" dirty="0" smtClean="0"/>
+              <a:t>Концентрация электронов (а) неподвижный воздух, (</a:t>
+            </a:r>
+            <a:r>
+              <a:rPr lang="en-US" sz="2000" b="1" u="sng" dirty="0" smtClean="0"/>
+              <a:t>b) </a:t>
+            </a:r>
+            <a:r>
+              <a:rPr lang="ru-RU" sz="2000" b="1" u="sng" dirty="0" smtClean="0"/>
+              <a:t>в сверхзвуковые потоки </a:t>
+            </a:r>
+            <a:endParaRPr lang="ru-RU" sz="2000" b="1" u="sng" dirty="0"/>
+          </a:p>
+        </p:txBody>
+      </p:sp>
+      <p:sp>
+        <p:nvSpPr>
+          <p:cNvPr id="10" name="TextBox 9"/>
+          <p:cNvSpPr txBox="1"/>
+          <p:nvPr/>
+        </p:nvSpPr>
+        <p:spPr>
+          <a:xfrm>
+            <a:off x="243828" y="1429238"/>
+            <a:ext cx="1007456" cy="369332"/>
+          </a:xfrm>
+          <a:prstGeom prst="rect">
+            <a:avLst/>
+          </a:prstGeom>
+          <a:noFill/>
+        </p:spPr>
+        <p:txBody>
+          <a:bodyPr wrap="square" rtlCol="0">
+            <a:spAutoFit/>
+          </a:bodyPr>
+          <a:lstStyle/>
+          <a:p>
+            <a:r>
+              <a:rPr lang="en-US" b="1" dirty="0" smtClean="0"/>
+              <a:t>a)</a:t>
+            </a:r>
+            <a:endParaRPr lang="ru-RU" b="1" dirty="0"/>
+          </a:p>
+        </p:txBody>
+      </p:sp>
+      <p:sp>
+        <p:nvSpPr>
+          <p:cNvPr id="11" name="TextBox 10"/>
+          <p:cNvSpPr txBox="1"/>
+          <p:nvPr/>
+        </p:nvSpPr>
+        <p:spPr>
+          <a:xfrm>
+            <a:off x="6186644" y="1429238"/>
+            <a:ext cx="1007456" cy="369332"/>
+          </a:xfrm>
+          <a:prstGeom prst="rect">
+            <a:avLst/>
+          </a:prstGeom>
+          <a:noFill/>
+        </p:spPr>
+        <p:txBody>
+          <a:bodyPr wrap="square" rtlCol="0">
+            <a:spAutoFit/>
+          </a:bodyPr>
+          <a:lstStyle/>
+          <a:p>
+            <a:r>
+              <a:rPr lang="en-US" b="1" dirty="0"/>
+              <a:t>b</a:t>
+            </a:r>
+            <a:r>
+              <a:rPr lang="en-US" b="1" dirty="0" smtClean="0"/>
+              <a:t>)</a:t>
+            </a:r>
+            <a:endParaRPr lang="ru-RU" b="1" dirty="0"/>
+          </a:p>
+        </p:txBody>
+      </p:sp>
+    </p:spTree>
+    <p:extLst>
+      <p:ext uri="{BB962C8B-B14F-4D97-AF65-F5344CB8AC3E}">
+        <p14:creationId xmlns:p14="http://schemas.microsoft.com/office/powerpoint/2010/main" val="3145618155"/>
+      </p:ext>
+    </p:extLst>
+  </p:cSld>
+  <p:clrMapOvr>
+    <a:masterClrMapping/>
+  </p:clrMapOvr>
+  <p:timing>
+    <p:tnLst>
+      <p:par>
+        <p:cTn id="1" dur="indefinite" restart="never" nodeType="tmRoot"/>
+      </p:par>
+    </p:tnLst>
+  </p:timing>
+</p:sld>
+</file>
+
+<file path=ppt/slides/slide13.xml><?xml version="1.0" encoding="utf-8"?>
+<p:sld xmlns:a="http://schemas.openxmlformats.org/drawingml/2006/main" xmlns:r="http://schemas.openxmlformats.org/officeDocument/2006/relationships" xmlns:p="http://schemas.openxmlformats.org/presentationml/2006/main">
+  <p:cSld>
+    <p:spTree>
+      <p:nvGrpSpPr>
+        <p:cNvPr id="1" name=""/>
+        <p:cNvGrpSpPr/>
+        <p:nvPr/>
+      </p:nvGrpSpPr>
+      <p:grpSpPr>
+        <a:xfrm>
+          <a:off x="0" y="0"/>
+          <a:ext cx="0" cy="0"/>
+          <a:chOff x="0" y="0"/>
+          <a:chExt cx="0" cy="0"/>
+        </a:xfrm>
+      </p:grpSpPr>
+      <p:sp>
+        <p:nvSpPr>
+          <p:cNvPr id="4" name="Номер слайда 3"/>
+          <p:cNvSpPr>
+            <a:spLocks noGrp="1"/>
+          </p:cNvSpPr>
+          <p:nvPr>
+            <p:ph type="sldNum" sz="quarter" idx="12"/>
+          </p:nvPr>
+        </p:nvSpPr>
+        <p:spPr/>
+        <p:txBody>
+          <a:bodyPr/>
+          <a:lstStyle/>
+          <a:p>
+            <a:fld id="{9FAB18EA-D421-4479-A48C-D4262B204458}" type="slidenum">
+              <a:rPr lang="ru-RU" smtClean="0"/>
+              <a:t>13</a:t>
+            </a:fld>
+            <a:endParaRPr lang="ru-RU"/>
+          </a:p>
+        </p:txBody>
+      </p:sp>
+      <p:sp>
+        <p:nvSpPr>
+          <p:cNvPr id="5" name="Заголовок 1"/>
+          <p:cNvSpPr>
+            <a:spLocks noGrp="1"/>
+          </p:cNvSpPr>
+          <p:nvPr>
+            <p:ph type="title"/>
+          </p:nvPr>
+        </p:nvSpPr>
+        <p:spPr/>
+        <p:txBody>
+          <a:bodyPr>
+            <a:normAutofit/>
+          </a:bodyPr>
+          <a:lstStyle/>
+          <a:p>
+            <a:r>
+              <a:rPr lang="ru-RU" sz="3600" b="1" u="sng" dirty="0" smtClean="0">
+                <a:latin typeface="Arial Black" panose="020B0A04020102020204" pitchFamily="34" charset="0"/>
+              </a:rPr>
+              <a:t>Результаты обработки спектров</a:t>
+            </a:r>
+            <a:endParaRPr lang="ru-RU" sz="3600" b="1" u="sng" dirty="0">
+              <a:latin typeface="Arial Black" panose="020B0A04020102020204" pitchFamily="34" charset="0"/>
+            </a:endParaRPr>
+          </a:p>
+        </p:txBody>
+      </p:sp>
+      <p:pic>
+        <p:nvPicPr>
+          <p:cNvPr id="6" name="Рисунок 5"/>
+          <p:cNvPicPr>
+            <a:picLocks noChangeAspect="1"/>
+          </p:cNvPicPr>
+          <p:nvPr/>
+        </p:nvPicPr>
+        <p:blipFill>
+          <a:blip r:embed="rId2">
+            <a:extLst>
+              <a:ext uri="{28A0092B-C50C-407E-A947-70E740481C1C}">
+                <a14:useLocalDpi xmlns:a14="http://schemas.microsoft.com/office/drawing/2010/main" val="0"/>
+              </a:ext>
+            </a:extLst>
+          </a:blip>
+          <a:stretch>
+            <a:fillRect/>
+          </a:stretch>
+        </p:blipFill>
+        <p:spPr>
+          <a:xfrm>
+            <a:off x="6338260" y="1474421"/>
+            <a:ext cx="5852172" cy="4389129"/>
+          </a:xfrm>
+          <a:prstGeom prst="rect">
+            <a:avLst/>
+          </a:prstGeom>
+        </p:spPr>
+      </p:pic>
+      <p:pic>
+        <p:nvPicPr>
+          <p:cNvPr id="7" name="Рисунок 6"/>
+          <p:cNvPicPr>
+            <a:picLocks noChangeAspect="1"/>
+          </p:cNvPicPr>
+          <p:nvPr/>
+        </p:nvPicPr>
+        <p:blipFill>
+          <a:blip r:embed="rId3">
+            <a:extLst>
+              <a:ext uri="{28A0092B-C50C-407E-A947-70E740481C1C}">
+                <a14:useLocalDpi xmlns:a14="http://schemas.microsoft.com/office/drawing/2010/main" val="0"/>
+              </a:ext>
+            </a:extLst>
+          </a:blip>
+          <a:stretch>
+            <a:fillRect/>
+          </a:stretch>
+        </p:blipFill>
+        <p:spPr>
+          <a:xfrm>
+            <a:off x="-22465" y="1474420"/>
+            <a:ext cx="5852172" cy="4389129"/>
+          </a:xfrm>
+          <a:prstGeom prst="rect">
+            <a:avLst/>
+          </a:prstGeom>
+        </p:spPr>
+      </p:pic>
+      <p:sp>
+        <p:nvSpPr>
+          <p:cNvPr id="8" name="TextBox 7"/>
+          <p:cNvSpPr txBox="1"/>
+          <p:nvPr/>
+        </p:nvSpPr>
+        <p:spPr>
+          <a:xfrm>
+            <a:off x="243828" y="1506022"/>
+            <a:ext cx="1007456" cy="369332"/>
+          </a:xfrm>
+          <a:prstGeom prst="rect">
+            <a:avLst/>
+          </a:prstGeom>
+          <a:noFill/>
+        </p:spPr>
+        <p:txBody>
+          <a:bodyPr wrap="square" rtlCol="0">
+            <a:spAutoFit/>
+          </a:bodyPr>
+          <a:lstStyle/>
+          <a:p>
+            <a:r>
+              <a:rPr lang="en-US" b="1" dirty="0" smtClean="0"/>
+              <a:t>a)</a:t>
+            </a:r>
+            <a:endParaRPr lang="ru-RU" b="1" dirty="0"/>
+          </a:p>
+        </p:txBody>
+      </p:sp>
+      <p:sp>
+        <p:nvSpPr>
+          <p:cNvPr id="9" name="TextBox 8"/>
+          <p:cNvSpPr txBox="1"/>
+          <p:nvPr/>
+        </p:nvSpPr>
+        <p:spPr>
+          <a:xfrm>
+            <a:off x="6338260" y="1506022"/>
+            <a:ext cx="1007456" cy="369332"/>
+          </a:xfrm>
+          <a:prstGeom prst="rect">
+            <a:avLst/>
+          </a:prstGeom>
+          <a:noFill/>
+        </p:spPr>
+        <p:txBody>
+          <a:bodyPr wrap="square" rtlCol="0">
+            <a:spAutoFit/>
+          </a:bodyPr>
+          <a:lstStyle/>
+          <a:p>
+            <a:r>
+              <a:rPr lang="en-US" b="1" dirty="0"/>
+              <a:t>b</a:t>
+            </a:r>
+            <a:r>
+              <a:rPr lang="en-US" b="1" dirty="0" smtClean="0"/>
+              <a:t>)</a:t>
+            </a:r>
+            <a:endParaRPr lang="ru-RU" b="1" dirty="0"/>
+          </a:p>
+        </p:txBody>
+      </p:sp>
+      <p:sp>
+        <p:nvSpPr>
+          <p:cNvPr id="10" name="TextBox 9"/>
+          <p:cNvSpPr txBox="1"/>
+          <p:nvPr/>
+        </p:nvSpPr>
+        <p:spPr>
+          <a:xfrm>
+            <a:off x="2294021" y="5887453"/>
+            <a:ext cx="7315200" cy="707886"/>
+          </a:xfrm>
+          <a:prstGeom prst="rect">
+            <a:avLst/>
+          </a:prstGeom>
+          <a:noFill/>
+        </p:spPr>
+        <p:txBody>
+          <a:bodyPr wrap="square" rtlCol="0">
+            <a:spAutoFit/>
+          </a:bodyPr>
+          <a:lstStyle/>
+          <a:p>
+            <a:pPr algn="ctr"/>
+            <a:r>
+              <a:rPr lang="ru-RU" sz="2000" b="1" u="sng" dirty="0" smtClean="0"/>
+              <a:t>Энергия электронов (а) неподвижный воздух, (</a:t>
+            </a:r>
+            <a:r>
+              <a:rPr lang="en-US" sz="2000" b="1" u="sng" dirty="0" smtClean="0"/>
+              <a:t>b) </a:t>
+            </a:r>
+            <a:r>
+              <a:rPr lang="ru-RU" sz="2000" b="1" u="sng" dirty="0" smtClean="0"/>
+              <a:t>в сверхзвуковые потоки </a:t>
+            </a:r>
+            <a:endParaRPr lang="ru-RU" sz="2000" b="1" u="sng" dirty="0"/>
+          </a:p>
+        </p:txBody>
+      </p:sp>
+    </p:spTree>
+    <p:extLst>
+      <p:ext uri="{BB962C8B-B14F-4D97-AF65-F5344CB8AC3E}">
+        <p14:creationId xmlns:p14="http://schemas.microsoft.com/office/powerpoint/2010/main" val="326206670"/>
+      </p:ext>
+    </p:extLst>
+  </p:cSld>
+  <p:clrMapOvr>
+    <a:masterClrMapping/>
+  </p:clrMapOvr>
+  <p:timing>
+    <p:tnLst>
+      <p:par>
+        <p:cTn id="1" dur="indefinite" restart="never" nodeType="tmRoot"/>
+      </p:par>
+    </p:tnLst>
+  </p:timing>
+</p:sld>
+</file>
+
+<file path=ppt/slides/slide14.xml><?xml version="1.0" encoding="utf-8"?>
+<p:sld xmlns:a="http://schemas.openxmlformats.org/drawingml/2006/main" xmlns:r="http://schemas.openxmlformats.org/officeDocument/2006/relationships" xmlns:p="http://schemas.openxmlformats.org/presentationml/2006/main">
+  <p:cSld>
+    <p:spTree>
+      <p:nvGrpSpPr>
+        <p:cNvPr id="1" name=""/>
+        <p:cNvGrpSpPr/>
+        <p:nvPr/>
+      </p:nvGrpSpPr>
+      <p:grpSpPr>
+        <a:xfrm>
+          <a:off x="0" y="0"/>
+          <a:ext cx="0" cy="0"/>
+          <a:chOff x="0" y="0"/>
+          <a:chExt cx="0" cy="0"/>
+        </a:xfrm>
+      </p:grpSpPr>
+      <p:sp>
+        <p:nvSpPr>
+          <p:cNvPr id="4" name="Номер слайда 3"/>
+          <p:cNvSpPr>
+            <a:spLocks noGrp="1"/>
+          </p:cNvSpPr>
+          <p:nvPr>
+            <p:ph type="sldNum" sz="quarter" idx="12"/>
+          </p:nvPr>
+        </p:nvSpPr>
+        <p:spPr/>
+        <p:txBody>
+          <a:bodyPr/>
+          <a:lstStyle/>
+          <a:p>
+            <a:fld id="{9FAB18EA-D421-4479-A48C-D4262B204458}" type="slidenum">
+              <a:rPr lang="ru-RU" smtClean="0"/>
+              <a:t>14</a:t>
+            </a:fld>
+            <a:endParaRPr lang="ru-RU"/>
+          </a:p>
+        </p:txBody>
+      </p:sp>
+      <p:sp>
+        <p:nvSpPr>
+          <p:cNvPr id="5" name="Заголовок 1"/>
+          <p:cNvSpPr>
+            <a:spLocks noGrp="1"/>
+          </p:cNvSpPr>
+          <p:nvPr>
+            <p:ph type="title"/>
+          </p:nvPr>
+        </p:nvSpPr>
+        <p:spPr/>
+        <p:txBody>
+          <a:bodyPr>
+            <a:normAutofit/>
+          </a:bodyPr>
+          <a:lstStyle/>
+          <a:p>
+            <a:r>
+              <a:rPr lang="ru-RU" sz="3600" b="1" u="sng" dirty="0" smtClean="0">
+                <a:latin typeface="Arial Black" panose="020B0A04020102020204" pitchFamily="34" charset="0"/>
+              </a:rPr>
+              <a:t>9-ти кадровая съемка</a:t>
+            </a:r>
+            <a:endParaRPr lang="ru-RU" sz="3600" b="1" u="sng" dirty="0">
+              <a:latin typeface="Arial Black" panose="020B0A04020102020204" pitchFamily="34" charset="0"/>
+            </a:endParaRPr>
+          </a:p>
+        </p:txBody>
+      </p:sp>
+      <p:pic>
+        <p:nvPicPr>
+          <p:cNvPr id="6" name="Рисунок 5"/>
+          <p:cNvPicPr>
+            <a:picLocks noChangeAspect="1"/>
+          </p:cNvPicPr>
+          <p:nvPr/>
+        </p:nvPicPr>
+        <p:blipFill>
+          <a:blip r:embed="rId2">
+            <a:extLst>
+              <a:ext uri="{28A0092B-C50C-407E-A947-70E740481C1C}">
+                <a14:useLocalDpi xmlns:a14="http://schemas.microsoft.com/office/drawing/2010/main" val="0"/>
+              </a:ext>
+            </a:extLst>
+          </a:blip>
+          <a:stretch>
+            <a:fillRect/>
+          </a:stretch>
+        </p:blipFill>
+        <p:spPr>
+          <a:xfrm>
+            <a:off x="6805110" y="1648113"/>
+            <a:ext cx="4962525" cy="4219575"/>
+          </a:xfrm>
+          <a:prstGeom prst="rect">
+            <a:avLst/>
+          </a:prstGeom>
+          <a:ln>
+            <a:noFill/>
+          </a:ln>
+          <a:effectLst>
+            <a:outerShdw blurRad="190500" algn="tl" rotWithShape="0">
+              <a:srgbClr val="000000">
+                <a:alpha val="70000"/>
+              </a:srgbClr>
+            </a:outerShdw>
+          </a:effectLst>
+        </p:spPr>
+      </p:pic>
+      <p:sp>
+        <p:nvSpPr>
+          <p:cNvPr id="7" name="TextBox 6"/>
+          <p:cNvSpPr txBox="1"/>
+          <p:nvPr/>
+        </p:nvSpPr>
+        <p:spPr>
+          <a:xfrm>
+            <a:off x="7218947" y="5910263"/>
+            <a:ext cx="4134853" cy="646331"/>
+          </a:xfrm>
+          <a:prstGeom prst="rect">
+            <a:avLst/>
+          </a:prstGeom>
+          <a:noFill/>
+        </p:spPr>
+        <p:txBody>
+          <a:bodyPr wrap="square" rtlCol="0">
+            <a:spAutoFit/>
+          </a:bodyPr>
+          <a:lstStyle/>
+          <a:p>
+            <a:pPr algn="ctr"/>
+            <a:r>
+              <a:rPr lang="ru-RU" i="1" dirty="0" smtClean="0"/>
+              <a:t>Свечение яркого канала в сверхзвуковом потоке число Маха(-)</a:t>
+            </a:r>
+            <a:endParaRPr lang="ru-RU" i="1" dirty="0"/>
+          </a:p>
+        </p:txBody>
+      </p:sp>
+      <p:sp>
+        <p:nvSpPr>
+          <p:cNvPr id="9" name="TextBox 8"/>
+          <p:cNvSpPr txBox="1"/>
+          <p:nvPr/>
+        </p:nvSpPr>
+        <p:spPr>
+          <a:xfrm>
+            <a:off x="1351311" y="5883307"/>
+            <a:ext cx="3572954" cy="646331"/>
+          </a:xfrm>
+          <a:prstGeom prst="rect">
+            <a:avLst/>
+          </a:prstGeom>
+          <a:noFill/>
+        </p:spPr>
+        <p:txBody>
+          <a:bodyPr wrap="square" rtlCol="0">
+            <a:spAutoFit/>
+          </a:bodyPr>
+          <a:lstStyle/>
+          <a:p>
+            <a:pPr algn="ctr"/>
+            <a:r>
+              <a:rPr lang="ru-RU" i="1" dirty="0" smtClean="0"/>
+              <a:t>Свечение разряда в неподвижном воздухе (давление 53 </a:t>
+            </a:r>
+            <a:r>
+              <a:rPr lang="ru-RU" i="1" dirty="0" err="1" smtClean="0"/>
+              <a:t>Торр</a:t>
+            </a:r>
+            <a:r>
+              <a:rPr lang="ru-RU" i="1" dirty="0" smtClean="0"/>
+              <a:t>)</a:t>
+            </a:r>
+            <a:endParaRPr lang="ru-RU" i="1" dirty="0"/>
+          </a:p>
+        </p:txBody>
+      </p:sp>
+      <p:pic>
+        <p:nvPicPr>
+          <p:cNvPr id="11" name="Рисунок 10"/>
+          <p:cNvPicPr>
+            <a:picLocks noChangeAspect="1"/>
+          </p:cNvPicPr>
+          <p:nvPr/>
+        </p:nvPicPr>
+        <p:blipFill>
+          <a:blip r:embed="rId3">
+            <a:extLst>
+              <a:ext uri="{28A0092B-C50C-407E-A947-70E740481C1C}">
+                <a14:useLocalDpi xmlns:a14="http://schemas.microsoft.com/office/drawing/2010/main" val="0"/>
+              </a:ext>
+            </a:extLst>
+          </a:blip>
+          <a:stretch>
+            <a:fillRect/>
+          </a:stretch>
+        </p:blipFill>
+        <p:spPr>
+          <a:xfrm>
+            <a:off x="556153" y="1690688"/>
+            <a:ext cx="5163271" cy="4134427"/>
+          </a:xfrm>
+          <a:prstGeom prst="rect">
+            <a:avLst/>
+          </a:prstGeom>
+          <a:ln>
+            <a:noFill/>
+          </a:ln>
+          <a:effectLst>
+            <a:outerShdw blurRad="190500" algn="tl" rotWithShape="0">
+              <a:srgbClr val="000000">
+                <a:alpha val="70000"/>
+              </a:srgbClr>
+            </a:outerShdw>
+          </a:effectLst>
+        </p:spPr>
+      </p:pic>
+    </p:spTree>
+    <p:extLst>
+      <p:ext uri="{BB962C8B-B14F-4D97-AF65-F5344CB8AC3E}">
+        <p14:creationId xmlns:p14="http://schemas.microsoft.com/office/powerpoint/2010/main" val="3506401083"/>
+      </p:ext>
+    </p:extLst>
+  </p:cSld>
+  <p:clrMapOvr>
+    <a:masterClrMapping/>
+  </p:clrMapOvr>
+  <p:timing>
+    <p:tnLst>
+      <p:par>
+        <p:cTn id="1" dur="indefinite" restart="never" nodeType="tmRoot"/>
+      </p:par>
+    </p:tnLst>
+  </p:timing>
+</p:sld>
+</file>
+
+<file path=ppt/slides/slide15.xml><?xml version="1.0" encoding="utf-8"?>
+<p:sld xmlns:a="http://schemas.openxmlformats.org/drawingml/2006/main" xmlns:r="http://schemas.openxmlformats.org/officeDocument/2006/relationships" xmlns:p="http://schemas.openxmlformats.org/presentationml/2006/main">
+  <p:cSld>
+    <p:spTree>
+      <p:nvGrpSpPr>
+        <p:cNvPr id="1" name=""/>
+        <p:cNvGrpSpPr/>
+        <p:nvPr/>
+      </p:nvGrpSpPr>
+      <p:grpSpPr>
+        <a:xfrm>
+          <a:off x="0" y="0"/>
+          <a:ext cx="0" cy="0"/>
+          <a:chOff x="0" y="0"/>
+          <a:chExt cx="0" cy="0"/>
+        </a:xfrm>
+      </p:grpSpPr>
+      <p:sp>
+        <p:nvSpPr>
+          <p:cNvPr id="4" name="Номер слайда 3"/>
+          <p:cNvSpPr>
+            <a:spLocks noGrp="1"/>
+          </p:cNvSpPr>
+          <p:nvPr>
+            <p:ph type="sldNum" sz="quarter" idx="12"/>
+          </p:nvPr>
+        </p:nvSpPr>
+        <p:spPr/>
+        <p:txBody>
+          <a:bodyPr/>
+          <a:lstStyle/>
+          <a:p>
+            <a:fld id="{9FAB18EA-D421-4479-A48C-D4262B204458}" type="slidenum">
+              <a:rPr lang="ru-RU" smtClean="0"/>
+              <a:t>15</a:t>
+            </a:fld>
+            <a:endParaRPr lang="ru-RU"/>
+          </a:p>
+        </p:txBody>
+      </p:sp>
+      <p:sp>
+        <p:nvSpPr>
+          <p:cNvPr id="5" name="Заголовок 1"/>
+          <p:cNvSpPr>
+            <a:spLocks noGrp="1"/>
+          </p:cNvSpPr>
+          <p:nvPr>
+            <p:ph type="title"/>
+          </p:nvPr>
+        </p:nvSpPr>
+        <p:spPr/>
+        <p:txBody>
+          <a:bodyPr>
+            <a:normAutofit/>
+          </a:bodyPr>
+          <a:lstStyle/>
+          <a:p>
+            <a:r>
+              <a:rPr lang="ru-RU" sz="3600" b="1" u="sng" dirty="0" smtClean="0">
+                <a:latin typeface="Arial Black" panose="020B0A04020102020204" pitchFamily="34" charset="0"/>
+              </a:rPr>
+              <a:t>Длительность свечения</a:t>
+            </a:r>
+            <a:endParaRPr lang="ru-RU" sz="3600" b="1" u="sng" dirty="0">
+              <a:latin typeface="Arial Black" panose="020B0A04020102020204" pitchFamily="34" charset="0"/>
+            </a:endParaRPr>
+          </a:p>
+        </p:txBody>
+      </p:sp>
+    </p:spTree>
+    <p:extLst>
+      <p:ext uri="{BB962C8B-B14F-4D97-AF65-F5344CB8AC3E}">
+        <p14:creationId xmlns:p14="http://schemas.microsoft.com/office/powerpoint/2010/main" val="3329572568"/>
+      </p:ext>
+    </p:extLst>
+  </p:cSld>
+  <p:clrMapOvr>
+    <a:masterClrMapping/>
+  </p:clrMapOvr>
+  <p:timing>
+    <p:tnLst>
+      <p:par>
+        <p:cTn id="1" dur="indefinite" restart="never" nodeType="tmRoot"/>
+      </p:par>
+    </p:tnLst>
+  </p:timing>
+</p:sld>
+</file>
+
+<file path=ppt/slides/slide16.xml><?xml version="1.0" encoding="utf-8"?>
+<p:sld xmlns:a="http://schemas.openxmlformats.org/drawingml/2006/main" xmlns:r="http://schemas.openxmlformats.org/officeDocument/2006/relationships" xmlns:p="http://schemas.openxmlformats.org/presentationml/2006/main">
+  <p:cSld>
+    <p:spTree>
+      <p:nvGrpSpPr>
+        <p:cNvPr id="1" name=""/>
+        <p:cNvGrpSpPr/>
+        <p:nvPr/>
+      </p:nvGrpSpPr>
+      <p:grpSpPr>
+        <a:xfrm>
+          <a:off x="0" y="0"/>
+          <a:ext cx="0" cy="0"/>
+          <a:chOff x="0" y="0"/>
+          <a:chExt cx="0" cy="0"/>
+        </a:xfrm>
+      </p:grpSpPr>
+      <mc:AlternateContent xmlns:mc="http://schemas.openxmlformats.org/markup-compatibility/2006">
+        <mc:Choice xmlns:a14="http://schemas.microsoft.com/office/drawing/2010/main" Requires="a14">
           <p:sp>
             <p:nvSpPr>
               <p:cNvPr id="3" name="Объект 2"/>
@@ -4794,10 +5691,15 @@
                 <p:ph idx="1"/>
               </p:nvPr>
             </p:nvSpPr>
-            <p:spPr/>
+            <p:spPr>
+              <a:xfrm>
+                <a:off x="838200" y="1825625"/>
+                <a:ext cx="10515600" cy="4895850"/>
+              </a:xfrm>
+            </p:spPr>
             <p:txBody>
               <a:bodyPr>
-                <a:normAutofit fontScale="92500" lnSpcReduction="10000"/>
+                <a:normAutofit lnSpcReduction="10000"/>
               </a:bodyPr>
               <a:lstStyle/>
               <a:p>
@@ -4817,7 +5719,23 @@
                 </a:r>
                 <a:r>
                   <a:rPr lang="ru-RU" b="1" dirty="0"/>
-                  <a:t>(0.7 – 1.4) </a:t>
+                  <a:t>(</a:t>
+                </a:r>
+                <a:r>
+                  <a:rPr lang="ru-RU" b="1" dirty="0" smtClean="0"/>
+                  <a:t>0.3 </a:t>
+                </a:r>
+                <a:r>
+                  <a:rPr lang="ru-RU" b="1" dirty="0"/>
+                  <a:t>– 1.</a:t>
+                </a:r>
+                <a:r>
+                  <a:rPr lang="ru-RU" b="1" dirty="0" smtClean="0"/>
+                  <a:t>2</a:t>
+                </a:r>
+                <a:r>
+                  <a:rPr lang="ru-RU" b="1" dirty="0"/>
+                  <a:t>) </a:t>
                 </a:r>
                 <a14:m>
                   <m:oMath xmlns:m="http://schemas.openxmlformats.org/officeDocument/2006/math">
@@ -4906,6 +5824,110 @@
                     </m:r>
                   </m:oMath>
                 </a14:m>
+                <a:r>
+                  <a:rPr lang="ru-RU" dirty="0" smtClean="0"/>
+                  <a:t> </a:t>
+                </a:r>
+                <a:r>
+                  <a:rPr lang="ru-RU" dirty="0" smtClean="0"/>
+                  <a:t>При высоких числах Маха (</a:t>
+                </a:r>
+                <a:r>
+                  <a:rPr lang="en-US" dirty="0" smtClean="0"/>
+                  <a:t> &gt;4 )</a:t>
+                </a:r>
+                <a:r>
+                  <a:rPr lang="ru-RU" dirty="0" smtClean="0"/>
+                  <a:t> концентрация электронов </a:t>
+                </a:r>
+                <a:r>
+                  <a:rPr lang="ru-RU" b="1" dirty="0" smtClean="0"/>
+                  <a:t>2.1</a:t>
+                </a:r>
+                <a:r>
+                  <a:rPr lang="ru-RU" b="1" dirty="0"/>
+                  <a:t> </a:t>
+                </a:r>
+                <a14:m>
+                  <m:oMath xmlns:m="http://schemas.openxmlformats.org/officeDocument/2006/math">
+                    <m:r>
+                      <a:rPr lang="en-US" b="1" i="1" dirty="0">
+                        <a:latin typeface="Cambria Math" panose="02040503050406030204" pitchFamily="18" charset="0"/>
+                      </a:rPr>
+                      <m:t> </m:t>
+                    </m:r>
+                    <m:r>
+                      <a:rPr lang="en-US" b="1" i="1" dirty="0">
+                        <a:latin typeface="Cambria Math" panose="02040503050406030204" pitchFamily="18" charset="0"/>
+                        <a:ea typeface="Cambria Math" panose="02040503050406030204" pitchFamily="18" charset="0"/>
+                      </a:rPr>
+                      <m:t>×</m:t>
+                    </m:r>
+                    <m:sSup>
+                      <m:sSupPr>
+                        <m:ctrlPr>
+                          <a:rPr lang="en-US" b="1" i="1" dirty="0">
+                            <a:latin typeface="Cambria Math" panose="02040503050406030204" pitchFamily="18" charset="0"/>
+                            <a:ea typeface="Cambria Math" panose="02040503050406030204" pitchFamily="18" charset="0"/>
+                          </a:rPr>
+                        </m:ctrlPr>
+                      </m:sSupPr>
+                      <m:e>
+                        <m:r>
+                          <a:rPr lang="ru-RU" b="1" i="1" dirty="0">
+                            <a:latin typeface="Cambria Math" panose="02040503050406030204" pitchFamily="18" charset="0"/>
+                            <a:ea typeface="Cambria Math" panose="02040503050406030204" pitchFamily="18" charset="0"/>
+                          </a:rPr>
+                          <m:t>𝟏𝟎</m:t>
+                        </m:r>
+                      </m:e>
+                      <m:sup>
+                        <m:r>
+                          <a:rPr lang="ru-RU" b="1" i="1" dirty="0">
+                            <a:latin typeface="Cambria Math" panose="02040503050406030204" pitchFamily="18" charset="0"/>
+                            <a:ea typeface="Cambria Math" panose="02040503050406030204" pitchFamily="18" charset="0"/>
+                          </a:rPr>
+                          <m:t>𝟏𝟓</m:t>
+                        </m:r>
+                      </m:sup>
+                    </m:sSup>
+                    <m:sSup>
+                      <m:sSupPr>
+                        <m:ctrlPr>
+                          <a:rPr lang="en-US" b="1" i="1" dirty="0">
+                            <a:latin typeface="Cambria Math" panose="02040503050406030204" pitchFamily="18" charset="0"/>
+                            <a:ea typeface="Cambria Math" panose="02040503050406030204" pitchFamily="18" charset="0"/>
+                          </a:rPr>
+                        </m:ctrlPr>
+                      </m:sSupPr>
+                      <m:e>
+                        <m:r>
+                          <a:rPr lang="ru-RU" b="1" i="1" dirty="0">
+                            <a:latin typeface="Cambria Math" panose="02040503050406030204" pitchFamily="18" charset="0"/>
+                            <a:ea typeface="Cambria Math" panose="02040503050406030204" pitchFamily="18" charset="0"/>
+                          </a:rPr>
+                          <m:t>см</m:t>
+                        </m:r>
+                      </m:e>
+                      <m:sup>
+                        <m:r>
+                          <a:rPr lang="ru-RU" b="1" i="1" dirty="0">
+                            <a:latin typeface="Cambria Math" panose="02040503050406030204" pitchFamily="18" charset="0"/>
+                            <a:ea typeface="Cambria Math" panose="02040503050406030204" pitchFamily="18" charset="0"/>
+                          </a:rPr>
+                          <m:t>−</m:t>
+                        </m:r>
+                        <m:r>
+                          <a:rPr lang="ru-RU" b="1" i="1" dirty="0">
+                            <a:latin typeface="Cambria Math" panose="02040503050406030204" pitchFamily="18" charset="0"/>
+                            <a:ea typeface="Cambria Math" panose="02040503050406030204" pitchFamily="18" charset="0"/>
+                          </a:rPr>
+                          <m:t>𝟑</m:t>
+                        </m:r>
+                      </m:sup>
+                    </m:sSup>
+                  </m:oMath>
+                </a14:m>
                 <a:endParaRPr lang="ru-RU" dirty="0" smtClean="0"/>
               </a:p>
               <a:p>
@@ -4915,7 +5937,15 @@
                 </a:r>
                 <a:r>
                   <a:rPr lang="ru-RU" b="1" dirty="0" smtClean="0"/>
-                  <a:t>1.4-2.8 эВ</a:t>
+                  <a:t>2</a:t>
+                </a:r>
+                <a:r>
+                  <a:rPr lang="ru-RU" b="1" dirty="0" smtClean="0"/>
+                  <a:t>-3.5 </a:t>
+                </a:r>
+                <a:r>
+                  <a:rPr lang="ru-RU" b="1" dirty="0" smtClean="0"/>
+                  <a:t>эВ</a:t>
                 </a:r>
                 <a:r>
                   <a:rPr lang="ru-RU" dirty="0" smtClean="0"/>
@@ -4961,7 +5991,7 @@
             </p:txBody>
           </p:sp>
         </mc:Choice>
-        <mc:Fallback xmlns="">
+        <mc:Fallback>
           <p:sp>
             <p:nvSpPr>
               <p:cNvPr id="3" name="Объект 2"/>
@@ -4973,10 +6003,14 @@
               </p:nvPr>
             </p:nvSpPr>
             <p:spPr>
+              <a:xfrm>
+                <a:off x="838200" y="1825625"/>
+                <a:ext cx="10515600" cy="4895850"/>
+              </a:xfrm>
               <a:blipFill>
                 <a:blip r:embed="rId2"/>
                 <a:stretch>
-                  <a:fillRect l="-928" t="-2801" r="-1275"/>
+                  <a:fillRect l="-1043" t="-2736" r="-754" b="-124"/>
                 </a:stretch>
               </a:blipFill>
             </p:spPr>
@@ -5041,7 +6075,7 @@
           <a:p>
             <a:fld id="{9FAB18EA-D421-4479-A48C-D4262B204458}" type="slidenum">
               <a:rPr lang="ru-RU" smtClean="0"/>
-              <a:t>12</a:t>
+              <a:t>16</a:t>
             </a:fld>
             <a:endParaRPr lang="ru-RU"/>
           </a:p>
@@ -6024,7 +7058,7 @@
               <a:rPr lang="ru-RU" sz="1400" dirty="0" smtClean="0">
                 <a:latin typeface="Arial" panose="020B0604020202020204" pitchFamily="34" charset="0"/>
               </a:rPr>
-              <a:t>4.2</a:t>
+              <a:t>4.28</a:t>
             </a:r>
             <a:endParaRPr lang="ru-RU" sz="1400" dirty="0">
               <a:latin typeface="Arial" panose="020B0604020202020204" pitchFamily="34" charset="0"/>
@@ -6330,7 +7364,7 @@
               <a:buChar char="•"/>
             </a:pPr>
             <a:r>
-              <a:rPr lang="ru-RU" sz="1600" b="0" strike="noStrike" spc="-1" dirty="0" smtClean="0">
+              <a:rPr lang="ru-RU" sz="1400" b="0" strike="noStrike" spc="-1" dirty="0" smtClean="0">
                 <a:solidFill>
                   <a:srgbClr val="000000"/>
                 </a:solidFill>
@@ -6345,7 +7379,7 @@
               <a:t>Спектрометр AvaSpec-2048 (200-1100 </a:t>
             </a:r>
             <a:r>
-              <a:rPr lang="ru-RU" sz="1600" b="0" strike="noStrike" spc="-1" dirty="0" err="1" smtClean="0">
+              <a:rPr lang="ru-RU" sz="1400" b="0" strike="noStrike" spc="-1" dirty="0" err="1" smtClean="0">
                 <a:solidFill>
                   <a:srgbClr val="000000"/>
                 </a:solidFill>
@@ -6360,7 +7394,7 @@
               <a:t>нм</a:t>
             </a:r>
             <a:r>
-              <a:rPr lang="ru-RU" sz="1600" b="0" strike="noStrike" spc="-1" dirty="0" smtClean="0">
+              <a:rPr lang="ru-RU" sz="1400" b="0" strike="noStrike" spc="-1" dirty="0" smtClean="0">
                 <a:solidFill>
                   <a:srgbClr val="000000"/>
                 </a:solidFill>
@@ -6374,7 +7408,7 @@
               </a:rPr>
               <a:t>)</a:t>
             </a:r>
-            <a:endParaRPr lang="ru-RU" sz="1600" b="0" strike="noStrike" spc="-1" dirty="0">
+            <a:endParaRPr lang="ru-RU" sz="1400" b="0" strike="noStrike" spc="-1" dirty="0">
               <a:solidFill>
                 <a:srgbClr val="000000"/>
               </a:solidFill>
@@ -6399,7 +7433,7 @@
               <a:buChar char="•"/>
             </a:pPr>
             <a:r>
-              <a:rPr lang="ru-RU" sz="1600" b="0" strike="noStrike" spc="-1" dirty="0" err="1" smtClean="0">
+              <a:rPr lang="ru-RU" sz="1400" b="0" strike="noStrike" spc="-1" dirty="0" err="1" smtClean="0">
                 <a:solidFill>
                   <a:srgbClr val="000000"/>
                 </a:solidFill>
@@ -6414,7 +7448,7 @@
               <a:t>Малоиндуктивный</a:t>
             </a:r>
             <a:r>
-              <a:rPr lang="ru-RU" sz="1600" b="0" strike="noStrike" spc="-1" dirty="0" smtClean="0">
+              <a:rPr lang="ru-RU" sz="1400" b="0" strike="noStrike" spc="-1" dirty="0" smtClean="0">
                 <a:solidFill>
                   <a:srgbClr val="000000"/>
                 </a:solidFill>
@@ -6428,7 +7462,7 @@
               </a:rPr>
               <a:t> шунт для регистрации тока разряда</a:t>
             </a:r>
-            <a:endParaRPr lang="ru-RU" sz="1600" b="0" strike="noStrike" spc="-1" dirty="0">
+            <a:endParaRPr lang="ru-RU" sz="1400" b="0" strike="noStrike" spc="-1" dirty="0">
               <a:solidFill>
                 <a:srgbClr val="000000"/>
               </a:solidFill>
@@ -6453,7 +7487,7 @@
               <a:buChar char="•"/>
             </a:pPr>
             <a:r>
-              <a:rPr lang="ru-RU" sz="1600" b="0" strike="noStrike" spc="-1" dirty="0" smtClean="0">
+              <a:rPr lang="ru-RU" sz="1400" b="0" strike="noStrike" spc="-1" dirty="0" smtClean="0">
                 <a:solidFill>
                   <a:srgbClr val="000000"/>
                 </a:solidFill>
@@ -6465,8 +7499,73 @@
                 <a:latin typeface="Times New Roman" panose="02020603050405020304" pitchFamily="18" charset="0"/>
                 <a:cs typeface="Times New Roman" panose="02020603050405020304" pitchFamily="18" charset="0"/>
               </a:rPr>
-              <a:t>Высокоскоростная камера (частота кадров 750000 к/с, время экспозиции 1 мкс) для регистрации поля течения (теневая визуализация)</a:t>
-            </a:r>
+              <a:t>Высокоскоростная камера (частота кадров 750000 к/с, время экспозиции 1 мкс) для регистрации поля течения (теневая визуализация</a:t>
+            </a:r>
+            <a:r>
+              <a:rPr lang="ru-RU" sz="1400" b="0" strike="noStrike" spc="-1" dirty="0" smtClean="0">
+                <a:solidFill>
+                  <a:srgbClr val="000000"/>
+                </a:solidFill>
+                <a:uFill>
+                  <a:solidFill>
+                    <a:srgbClr val="FFFFFF"/>
+                  </a:solidFill>
+                </a:uFill>
+                <a:latin typeface="Times New Roman" panose="02020603050405020304" pitchFamily="18" charset="0"/>
+                <a:cs typeface="Times New Roman" panose="02020603050405020304" pitchFamily="18" charset="0"/>
+              </a:rPr>
+              <a:t>)</a:t>
+            </a:r>
+          </a:p>
+          <a:p>
+            <a:pPr marL="285840" indent="-285480">
+              <a:spcBef>
+                <a:spcPts val="600"/>
+              </a:spcBef>
+              <a:buClr>
+                <a:srgbClr val="000000"/>
+              </a:buClr>
+              <a:buFont typeface="Arial"/>
+              <a:buChar char="•"/>
+            </a:pPr>
+            <a:r>
+              <a:rPr lang="ru-RU" sz="1400" dirty="0" err="1">
+                <a:latin typeface="Times New Roman" panose="02020603050405020304" pitchFamily="18" charset="0"/>
+                <a:cs typeface="Times New Roman" panose="02020603050405020304" pitchFamily="18" charset="0"/>
+              </a:rPr>
+              <a:t>Девятикадровая</a:t>
+            </a:r>
+            <a:r>
+              <a:rPr lang="ru-RU" sz="1400" dirty="0">
+                <a:latin typeface="Times New Roman" panose="02020603050405020304" pitchFamily="18" charset="0"/>
+                <a:cs typeface="Times New Roman" panose="02020603050405020304" pitchFamily="18" charset="0"/>
+              </a:rPr>
+              <a:t> электронно-оптическая камера К011</a:t>
+            </a:r>
+            <a:endParaRPr lang="ru-RU" sz="1400" strike="noStrike" spc="-1" dirty="0" smtClean="0">
+              <a:solidFill>
+                <a:srgbClr val="000000"/>
+              </a:solidFill>
+              <a:uFill>
+                <a:solidFill>
+                  <a:srgbClr val="FFFFFF"/>
+                </a:solidFill>
+              </a:uFill>
+              <a:latin typeface="Times New Roman" panose="02020603050405020304" pitchFamily="18" charset="0"/>
+              <a:cs typeface="Times New Roman" panose="02020603050405020304" pitchFamily="18" charset="0"/>
+            </a:endParaRPr>
+          </a:p>
+          <a:p>
+            <a:pPr marL="285840" indent="-285480">
+              <a:spcBef>
+                <a:spcPts val="600"/>
+              </a:spcBef>
+              <a:buClr>
+                <a:srgbClr val="000000"/>
+              </a:buClr>
+              <a:buFont typeface="Arial"/>
+              <a:buChar char="•"/>
+            </a:pPr>
             <a:endParaRPr lang="ru-RU" sz="1600" b="0" strike="noStrike" spc="-1" dirty="0">
               <a:solidFill>
                 <a:srgbClr val="000000"/>
@@ -9619,8 +10718,8 @@
               </a:p>
             </p:txBody>
           </p:sp>
-          <mc:AlternateContent xmlns:mc="http://schemas.openxmlformats.org/markup-compatibility/2006" xmlns:a14="http://schemas.microsoft.com/office/drawing/2010/main">
-            <mc:Choice Requires="a14">
+          <mc:AlternateContent xmlns:mc="http://schemas.openxmlformats.org/markup-compatibility/2006">
+            <mc:Choice xmlns:a14="http://schemas.microsoft.com/office/drawing/2010/main" Requires="a14">
               <p:sp>
                 <p:nvSpPr>
                   <p:cNvPr id="7" name="TextBox 6"/>
@@ -9630,7 +10729,7 @@
                 <p:spPr>
                   <a:xfrm>
                     <a:off x="4205011" y="1039985"/>
-                    <a:ext cx="1490126" cy="375359"/>
+                    <a:ext cx="1490126" cy="413013"/>
                   </a:xfrm>
                   <a:prstGeom prst="rect">
                     <a:avLst/>
@@ -9683,7 +10782,14 @@
                                     <m:t>2</m:t>
                                   </m:r>
                                 </m:sub>
-                                <m:sup/>
+                                <m:sup>
+                                  <m:r>
+                                    <a:rPr lang="ru-RU" sz="1600" b="0" i="1" smtClean="0">
+                                      <a:latin typeface="Cambria Math" panose="02040503050406030204" pitchFamily="18" charset="0"/>
+                                    </a:rPr>
+                                    <m:t>+</m:t>
+                                  </m:r>
+                                </m:sup>
                               </m:sSubSup>
                             </m:e>
                             <m:sup/>
@@ -9729,7 +10835,7 @@
                 </p:txBody>
               </p:sp>
             </mc:Choice>
-            <mc:Fallback xmlns="">
+            <mc:Fallback>
               <p:sp>
                 <p:nvSpPr>
                   <p:cNvPr id="7" name="TextBox 6"/>
@@ -9741,7 +10847,7 @@
                 <p:spPr>
                   <a:xfrm>
                     <a:off x="4205011" y="1039985"/>
-                    <a:ext cx="1490126" cy="375359"/>
+                    <a:ext cx="1490126" cy="413013"/>
                   </a:xfrm>
                   <a:prstGeom prst="rect">
                     <a:avLst/>
@@ -9749,7 +10855,7 @@
                   <a:blipFill>
                     <a:blip r:embed="rId3"/>
                     <a:stretch>
-                      <a:fillRect b="-28333"/>
+                      <a:fillRect b="-9091"/>
                     </a:stretch>
                   </a:blipFill>
                 </p:spPr>
@@ -10568,8 +11674,8 @@
           </a:p>
         </p:txBody>
       </p:sp>
-      <mc:AlternateContent xmlns:mc="http://schemas.openxmlformats.org/markup-compatibility/2006" xmlns:a14="http://schemas.microsoft.com/office/drawing/2010/main">
-        <mc:Choice Requires="a14">
+      <mc:AlternateContent xmlns:mc="http://schemas.openxmlformats.org/markup-compatibility/2006">
+        <mc:Choice xmlns:a14="http://schemas.microsoft.com/office/drawing/2010/main" Requires="a14">
           <p:sp>
             <p:nvSpPr>
               <p:cNvPr id="6" name="Прямоугольник 5"/>
@@ -10607,7 +11713,7 @@
               <a:p>
                 <a:pPr algn="ctr"/>
                 <a:r>
-                  <a:rPr lang="ru-RU" dirty="0"/>
+                  <a:rPr lang="ru-RU" dirty="0" smtClean="0"/>
                   <a:t>Определялась полуширина профиля и высчитывалась концентрация электронов по формуле:</a:t>
                 </a:r>
                 <a:endParaRPr lang="en-US" dirty="0"/>
@@ -10810,7 +11916,19 @@
                         <a:rPr lang="ru-RU" b="0" i="1">
                           <a:latin typeface="Cambria Math"/>
                         </a:rPr>
-                        <m:t>,где  ∆</m:t>
+                        <m:t>,где</m:t>
+                      </m:r>
+                      <m:r>
+                        <a:rPr lang="en-US" b="0" i="1" smtClean="0">
+                          <a:latin typeface="Cambria Math" panose="02040503050406030204" pitchFamily="18" charset="0"/>
+                        </a:rPr>
+                        <m:t> </m:t>
+                      </m:r>
+                      <m:r>
+                        <a:rPr lang="ru-RU" i="1">
+                          <a:latin typeface="Cambria Math"/>
+                        </a:rPr>
+                        <m:t>∆</m:t>
                       </m:r>
                       <m:sSub>
                         <m:sSubPr>
@@ -10822,7 +11940,7 @@
                         </m:sSubPr>
                         <m:e>
                           <m:r>
-                            <a:rPr lang="ru-RU" b="0" i="1">
+                            <a:rPr lang="ru-RU" i="1">
                               <a:latin typeface="Cambria Math"/>
                             </a:rPr>
                             <m:t>𝜆</m:t>
@@ -10830,10 +11948,10 @@
                         </m:e>
                         <m:sub>
                           <m:r>
-                            <a:rPr lang="ru-RU" b="0" i="1">
+                            <a:rPr lang="en-US" i="1">
                               <a:latin typeface="Cambria Math"/>
                             </a:rPr>
-                            <m:t>𝑆𝑡𝑎𝑟𝑘</m:t>
+                            <m:t>𝑔𝑎𝑢𝑠𝑠</m:t>
                           </m:r>
                         </m:sub>
                       </m:sSub>
@@ -10841,7 +11959,13 @@
                         <a:rPr lang="ru-RU" b="0" i="1">
                           <a:latin typeface="Cambria Math"/>
                         </a:rPr>
-                        <m:t>=∆</m:t>
+                        <m:t>=</m:t>
+                      </m:r>
+                      <m:r>
+                        <a:rPr lang="ru-RU" i="1">
+                          <a:latin typeface="Cambria Math"/>
+                        </a:rPr>
+                        <m:t>∆</m:t>
                       </m:r>
                       <m:sSub>
                         <m:sSubPr>
@@ -10853,7 +11977,7 @@
                         </m:sSubPr>
                         <m:e>
                           <m:r>
-                            <a:rPr lang="ru-RU" b="0" i="1">
+                            <a:rPr lang="ru-RU" i="1">
                               <a:latin typeface="Cambria Math"/>
                             </a:rPr>
                             <m:t>𝜆</m:t>
@@ -10861,10 +11985,10 @@
                         </m:e>
                         <m:sub>
                           <m:r>
-                            <a:rPr lang="en-US" b="0" i="1">
+                            <a:rPr lang="ru-RU" i="1">
                               <a:latin typeface="Cambria Math"/>
                             </a:rPr>
-                            <m:t>𝑔𝑎𝑢𝑠𝑠</m:t>
+                            <m:t>𝑆𝑡𝑎𝑟𝑘</m:t>
                           </m:r>
                         </m:sub>
                       </m:sSub>
@@ -10907,7 +12031,7 @@
             </p:txBody>
           </p:sp>
         </mc:Choice>
-        <mc:Fallback xmlns="">
+        <mc:Fallback>
           <p:sp>
             <p:nvSpPr>
               <p:cNvPr id="6" name="Прямоугольник 5"/>
@@ -11018,130 +12142,6 @@
           </a:p>
         </p:txBody>
       </p:sp>
-      <p:grpSp>
-        <p:nvGrpSpPr>
-          <p:cNvPr id="9" name="Группа 8"/>
-          <p:cNvGrpSpPr/>
-          <p:nvPr/>
-        </p:nvGrpSpPr>
-        <p:grpSpPr>
-          <a:xfrm>
-            <a:off x="7330247" y="3975384"/>
-            <a:ext cx="4397101" cy="2882616"/>
-            <a:chOff x="7167717" y="1081000"/>
-            <a:chExt cx="4397101" cy="2882616"/>
-          </a:xfrm>
-        </p:grpSpPr>
-        <p:pic>
-          <p:nvPicPr>
-            <p:cNvPr id="11" name="Рисунок 10"/>
-            <p:cNvPicPr preferRelativeResize="0">
-              <a:picLocks noChangeAspect="1"/>
-            </p:cNvPicPr>
-            <p:nvPr/>
-          </p:nvPicPr>
-          <p:blipFill>
-            <a:blip r:embed="rId4"/>
-            <a:stretch>
-              <a:fillRect/>
-            </a:stretch>
-          </p:blipFill>
-          <p:spPr>
-            <a:xfrm>
-              <a:off x="7423353" y="1526842"/>
-              <a:ext cx="3721288" cy="2119755"/>
-            </a:xfrm>
-            <a:prstGeom prst="rect">
-              <a:avLst/>
-            </a:prstGeom>
-          </p:spPr>
-        </p:pic>
-        <p:sp>
-          <p:nvSpPr>
-            <p:cNvPr id="12" name="Прямоугольник 11"/>
-            <p:cNvSpPr/>
-            <p:nvPr/>
-          </p:nvSpPr>
-          <p:spPr>
-            <a:xfrm>
-              <a:off x="7167717" y="1081000"/>
-              <a:ext cx="4397101" cy="307777"/>
-            </a:xfrm>
-            <a:prstGeom prst="rect">
-              <a:avLst/>
-            </a:prstGeom>
-          </p:spPr>
-          <p:txBody>
-            <a:bodyPr wrap="none">
-              <a:spAutoFit/>
-            </a:bodyPr>
-            <a:lstStyle/>
-            <a:p>
-              <a:r>
-                <a:rPr lang="ru-RU" sz="1400" u="sng" dirty="0" smtClean="0">
-                  <a:solidFill>
-                    <a:schemeClr val="tx1">
-                      <a:lumMod val="85000"/>
-                      <a:lumOff val="15000"/>
-                    </a:schemeClr>
-                  </a:solidFill>
-                </a:rPr>
-                <a:t>Концентрация электронов в неподвижном воздухе</a:t>
-              </a:r>
-              <a:endParaRPr lang="ru-RU" sz="1400" u="sng" dirty="0">
-                <a:solidFill>
-                  <a:schemeClr val="tx1">
-                    <a:lumMod val="85000"/>
-                    <a:lumOff val="15000"/>
-                  </a:schemeClr>
-                </a:solidFill>
-              </a:endParaRPr>
-            </a:p>
-          </p:txBody>
-        </p:sp>
-        <p:sp>
-          <p:nvSpPr>
-            <p:cNvPr id="13" name="Прямоугольник 12"/>
-            <p:cNvSpPr/>
-            <p:nvPr/>
-          </p:nvSpPr>
-          <p:spPr>
-            <a:xfrm>
-              <a:off x="7423353" y="3686617"/>
-              <a:ext cx="3929967" cy="276999"/>
-            </a:xfrm>
-            <a:prstGeom prst="rect">
-              <a:avLst/>
-            </a:prstGeom>
-          </p:spPr>
-          <p:txBody>
-            <a:bodyPr wrap="square">
-              <a:spAutoFit/>
-            </a:bodyPr>
-            <a:lstStyle/>
-            <a:p>
-              <a:pPr algn="ctr"/>
-              <a:r>
-                <a:rPr lang="ru-RU" sz="1200" dirty="0" smtClean="0"/>
-                <a:t>расчет: </a:t>
-              </a:r>
-              <a:r>
-                <a:rPr lang="ru-RU" sz="1200" dirty="0" smtClean="0">
-                  <a:solidFill>
-                    <a:srgbClr val="C00000"/>
-                  </a:solidFill>
-                </a:rPr>
-                <a:t>1 – по спектрам</a:t>
-              </a:r>
-              <a:r>
-                <a:rPr lang="ru-RU" sz="1200" dirty="0" smtClean="0"/>
-                <a:t>, 2 – по току разряда.</a:t>
-              </a:r>
-              <a:endParaRPr lang="ru-RU" sz="1200" dirty="0"/>
-            </a:p>
-          </p:txBody>
-        </p:sp>
-      </p:grpSp>
       <p:sp>
         <p:nvSpPr>
           <p:cNvPr id="14" name="TextBox 13"/>
@@ -11194,78 +12194,6 @@
           </a:p>
         </p:txBody>
       </p:sp>
-      <p:cxnSp>
-        <p:nvCxnSpPr>
-          <p:cNvPr id="3" name="Прямая со стрелкой 2"/>
-          <p:cNvCxnSpPr>
-            <a:stCxn id="5" idx="2"/>
-            <a:endCxn id="14" idx="0"/>
-          </p:cNvCxnSpPr>
-          <p:nvPr/>
-        </p:nvCxnSpPr>
-        <p:spPr>
-          <a:xfrm>
-            <a:off x="3934581" y="2556037"/>
-            <a:ext cx="1" cy="569780"/>
-          </a:xfrm>
-          <a:prstGeom prst="straightConnector1">
-            <a:avLst/>
-          </a:prstGeom>
-          <a:ln>
-            <a:tailEnd type="triangle"/>
-          </a:ln>
-        </p:spPr>
-        <p:style>
-          <a:lnRef idx="3">
-            <a:schemeClr val="dk1"/>
-          </a:lnRef>
-          <a:fillRef idx="0">
-            <a:schemeClr val="dk1"/>
-          </a:fillRef>
-          <a:effectRef idx="2">
-            <a:schemeClr val="dk1"/>
-          </a:effectRef>
-          <a:fontRef idx="minor">
-            <a:schemeClr val="tx1"/>
-          </a:fontRef>
-        </p:style>
-      </p:cxnSp>
-      <p:cxnSp>
-        <p:nvCxnSpPr>
-          <p:cNvPr id="15" name="Прямая со стрелкой 14"/>
-          <p:cNvCxnSpPr>
-            <a:stCxn id="14" idx="2"/>
-            <a:endCxn id="6" idx="0"/>
-          </p:cNvCxnSpPr>
-          <p:nvPr/>
-        </p:nvCxnSpPr>
-        <p:spPr>
-          <a:xfrm flipH="1">
-            <a:off x="3934580" y="3772148"/>
-            <a:ext cx="2" cy="626641"/>
-          </a:xfrm>
-          <a:prstGeom prst="straightConnector1">
-            <a:avLst/>
-          </a:prstGeom>
-          <a:ln>
-            <a:tailEnd type="triangle"/>
-          </a:ln>
-        </p:spPr>
-        <p:style>
-          <a:lnRef idx="3">
-            <a:schemeClr val="dk1"/>
-          </a:lnRef>
-          <a:fillRef idx="0">
-            <a:schemeClr val="dk1"/>
-          </a:fillRef>
-          <a:effectRef idx="2">
-            <a:schemeClr val="dk1"/>
-          </a:effectRef>
-          <a:fontRef idx="minor">
-            <a:schemeClr val="tx1"/>
-          </a:fontRef>
-        </p:style>
-      </p:cxnSp>
       <p:sp>
         <p:nvSpPr>
           <p:cNvPr id="45" name="Номер слайда 44"/>
@@ -11289,6 +12217,28 @@
           </a:p>
         </p:txBody>
       </p:sp>
+      <p:pic>
+        <p:nvPicPr>
+          <p:cNvPr id="16" name="Рисунок 15"/>
+          <p:cNvPicPr/>
+          <p:nvPr/>
+        </p:nvPicPr>
+        <p:blipFill>
+          <a:blip r:embed="rId4"/>
+          <a:stretch>
+            <a:fillRect/>
+          </a:stretch>
+        </p:blipFill>
+        <p:spPr bwMode="auto">
+          <a:xfrm>
+            <a:off x="7679131" y="4109946"/>
+            <a:ext cx="3584556" cy="2611529"/>
+          </a:xfrm>
+          <a:prstGeom prst="rect">
+            <a:avLst/>
+          </a:prstGeom>
+        </p:spPr>
+      </p:pic>
     </p:spTree>
     <p:extLst>
       <p:ext uri="{BB962C8B-B14F-4D97-AF65-F5344CB8AC3E}">
@@ -11302,9 +12252,334 @@
   <p:timing>
     <p:tnLst>
       <p:par>
-        <p:cTn id="1" dur="indefinite" restart="never" nodeType="tmRoot"/>
+        <p:cTn id="1" dur="indefinite" restart="never" nodeType="tmRoot">
+          <p:childTnLst>
+            <p:seq concurrent="1" nextAc="seek">
+              <p:cTn id="2" dur="indefinite" nodeType="mainSeq">
+                <p:childTnLst>
+                  <p:par>
+                    <p:cTn id="3" fill="hold">
+                      <p:stCondLst>
+                        <p:cond delay="indefinite"/>
+                      </p:stCondLst>
+                      <p:childTnLst>
+                        <p:par>
+                          <p:cTn id="4" fill="hold">
+                            <p:stCondLst>
+                              <p:cond delay="0"/>
+                            </p:stCondLst>
+                            <p:childTnLst>
+                              <p:par>
+                                <p:cTn id="5" presetID="42" presetClass="entr" presetSubtype="0" fill="hold" grpId="0" nodeType="clickEffect">
+                                  <p:stCondLst>
+                                    <p:cond delay="0"/>
+                                  </p:stCondLst>
+                                  <p:childTnLst>
+                                    <p:set>
+                                      <p:cBhvr>
+                                        <p:cTn id="6" dur="1" fill="hold">
+                                          <p:stCondLst>
+                                            <p:cond delay="0"/>
+                                          </p:stCondLst>
+                                        </p:cTn>
+                                        <p:tgtEl>
+                                          <p:spTgt spid="5"/>
+                                        </p:tgtEl>
+                                        <p:attrNameLst>
+                                          <p:attrName>style.visibility</p:attrName>
+                                        </p:attrNameLst>
+                                      </p:cBhvr>
+                                      <p:to>
+                                        <p:strVal val="visible"/>
+                                      </p:to>
+                                    </p:set>
+                                    <p:animEffect transition="in" filter="fade">
+                                      <p:cBhvr>
+                                        <p:cTn id="7" dur="1000"/>
+                                        <p:tgtEl>
+                                          <p:spTgt spid="5"/>
+                                        </p:tgtEl>
+                                      </p:cBhvr>
+                                    </p:animEffect>
+                                    <p:anim calcmode="lin" valueType="num">
+                                      <p:cBhvr>
+                                        <p:cTn id="8" dur="1000" fill="hold"/>
+                                        <p:tgtEl>
+                                          <p:spTgt spid="5"/>
+                                        </p:tgtEl>
+                                        <p:attrNameLst>
+                                          <p:attrName>ppt_x</p:attrName>
+                                        </p:attrNameLst>
+                                      </p:cBhvr>
+                                      <p:tavLst>
+                                        <p:tav tm="0">
+                                          <p:val>
+                                            <p:strVal val="#ppt_x"/>
+                                          </p:val>
+                                        </p:tav>
+                                        <p:tav tm="100000">
+                                          <p:val>
+                                            <p:strVal val="#ppt_x"/>
+                                          </p:val>
+                                        </p:tav>
+                                      </p:tavLst>
+                                    </p:anim>
+                                    <p:anim calcmode="lin" valueType="num">
+                                      <p:cBhvr>
+                                        <p:cTn id="9" dur="1000" fill="hold"/>
+                                        <p:tgtEl>
+                                          <p:spTgt spid="5"/>
+                                        </p:tgtEl>
+                                        <p:attrNameLst>
+                                          <p:attrName>ppt_y</p:attrName>
+                                        </p:attrNameLst>
+                                      </p:cBhvr>
+                                      <p:tavLst>
+                                        <p:tav tm="0">
+                                          <p:val>
+                                            <p:strVal val="#ppt_y+.1"/>
+                                          </p:val>
+                                        </p:tav>
+                                        <p:tav tm="100000">
+                                          <p:val>
+                                            <p:strVal val="#ppt_y"/>
+                                          </p:val>
+                                        </p:tav>
+                                      </p:tavLst>
+                                    </p:anim>
+                                  </p:childTnLst>
+                                </p:cTn>
+                              </p:par>
+                            </p:childTnLst>
+                          </p:cTn>
+                        </p:par>
+                      </p:childTnLst>
+                    </p:cTn>
+                  </p:par>
+                  <p:par>
+                    <p:cTn id="10" fill="hold">
+                      <p:stCondLst>
+                        <p:cond delay="indefinite"/>
+                      </p:stCondLst>
+                      <p:childTnLst>
+                        <p:par>
+                          <p:cTn id="11" fill="hold">
+                            <p:stCondLst>
+                              <p:cond delay="0"/>
+                            </p:stCondLst>
+                            <p:childTnLst>
+                              <p:par>
+                                <p:cTn id="12" presetID="42" presetClass="entr" presetSubtype="0" fill="hold" grpId="0" nodeType="clickEffect">
+                                  <p:stCondLst>
+                                    <p:cond delay="0"/>
+                                  </p:stCondLst>
+                                  <p:childTnLst>
+                                    <p:set>
+                                      <p:cBhvr>
+                                        <p:cTn id="13" dur="1" fill="hold">
+                                          <p:stCondLst>
+                                            <p:cond delay="0"/>
+                                          </p:stCondLst>
+                                        </p:cTn>
+                                        <p:tgtEl>
+                                          <p:spTgt spid="14"/>
+                                        </p:tgtEl>
+                                        <p:attrNameLst>
+                                          <p:attrName>style.visibility</p:attrName>
+                                        </p:attrNameLst>
+                                      </p:cBhvr>
+                                      <p:to>
+                                        <p:strVal val="visible"/>
+                                      </p:to>
+                                    </p:set>
+                                    <p:animEffect transition="in" filter="fade">
+                                      <p:cBhvr>
+                                        <p:cTn id="14" dur="1000"/>
+                                        <p:tgtEl>
+                                          <p:spTgt spid="14"/>
+                                        </p:tgtEl>
+                                      </p:cBhvr>
+                                    </p:animEffect>
+                                    <p:anim calcmode="lin" valueType="num">
+                                      <p:cBhvr>
+                                        <p:cTn id="15" dur="1000" fill="hold"/>
+                                        <p:tgtEl>
+                                          <p:spTgt spid="14"/>
+                                        </p:tgtEl>
+                                        <p:attrNameLst>
+                                          <p:attrName>ppt_x</p:attrName>
+                                        </p:attrNameLst>
+                                      </p:cBhvr>
+                                      <p:tavLst>
+                                        <p:tav tm="0">
+                                          <p:val>
+                                            <p:strVal val="#ppt_x"/>
+                                          </p:val>
+                                        </p:tav>
+                                        <p:tav tm="100000">
+                                          <p:val>
+                                            <p:strVal val="#ppt_x"/>
+                                          </p:val>
+                                        </p:tav>
+                                      </p:tavLst>
+                                    </p:anim>
+                                    <p:anim calcmode="lin" valueType="num">
+                                      <p:cBhvr>
+                                        <p:cTn id="16" dur="1000" fill="hold"/>
+                                        <p:tgtEl>
+                                          <p:spTgt spid="14"/>
+                                        </p:tgtEl>
+                                        <p:attrNameLst>
+                                          <p:attrName>ppt_y</p:attrName>
+                                        </p:attrNameLst>
+                                      </p:cBhvr>
+                                      <p:tavLst>
+                                        <p:tav tm="0">
+                                          <p:val>
+                                            <p:strVal val="#ppt_y+.1"/>
+                                          </p:val>
+                                        </p:tav>
+                                        <p:tav tm="100000">
+                                          <p:val>
+                                            <p:strVal val="#ppt_y"/>
+                                          </p:val>
+                                        </p:tav>
+                                      </p:tavLst>
+                                    </p:anim>
+                                  </p:childTnLst>
+                                </p:cTn>
+                              </p:par>
+                            </p:childTnLst>
+                          </p:cTn>
+                        </p:par>
+                      </p:childTnLst>
+                    </p:cTn>
+                  </p:par>
+                  <p:par>
+                    <p:cTn id="17" fill="hold">
+                      <p:stCondLst>
+                        <p:cond delay="indefinite"/>
+                      </p:stCondLst>
+                      <p:childTnLst>
+                        <p:par>
+                          <p:cTn id="18" fill="hold">
+                            <p:stCondLst>
+                              <p:cond delay="0"/>
+                            </p:stCondLst>
+                            <p:childTnLst>
+                              <p:par>
+                                <p:cTn id="19" presetID="42" presetClass="entr" presetSubtype="0" fill="hold" grpId="0" nodeType="clickEffect">
+                                  <p:stCondLst>
+                                    <p:cond delay="0"/>
+                                  </p:stCondLst>
+                                  <p:childTnLst>
+                                    <p:set>
+                                      <p:cBhvr>
+                                        <p:cTn id="20" dur="1" fill="hold">
+                                          <p:stCondLst>
+                                            <p:cond delay="0"/>
+                                          </p:stCondLst>
+                                        </p:cTn>
+                                        <p:tgtEl>
+                                          <p:spTgt spid="6"/>
+                                        </p:tgtEl>
+                                        <p:attrNameLst>
+                                          <p:attrName>style.visibility</p:attrName>
+                                        </p:attrNameLst>
+                                      </p:cBhvr>
+                                      <p:to>
+                                        <p:strVal val="visible"/>
+                                      </p:to>
+                                    </p:set>
+                                    <p:animEffect transition="in" filter="fade">
+                                      <p:cBhvr>
+                                        <p:cTn id="21" dur="1000"/>
+                                        <p:tgtEl>
+                                          <p:spTgt spid="6"/>
+                                        </p:tgtEl>
+                                      </p:cBhvr>
+                                    </p:animEffect>
+                                    <p:anim calcmode="lin" valueType="num">
+                                      <p:cBhvr>
+                                        <p:cTn id="22" dur="1000" fill="hold"/>
+                                        <p:tgtEl>
+                                          <p:spTgt spid="6"/>
+                                        </p:tgtEl>
+                                        <p:attrNameLst>
+                                          <p:attrName>ppt_x</p:attrName>
+                                        </p:attrNameLst>
+                                      </p:cBhvr>
+                                      <p:tavLst>
+                                        <p:tav tm="0">
+                                          <p:val>
+                                            <p:strVal val="#ppt_x"/>
+                                          </p:val>
+                                        </p:tav>
+                                        <p:tav tm="100000">
+                                          <p:val>
+                                            <p:strVal val="#ppt_x"/>
+                                          </p:val>
+                                        </p:tav>
+                                      </p:tavLst>
+                                    </p:anim>
+                                    <p:anim calcmode="lin" valueType="num">
+                                      <p:cBhvr>
+                                        <p:cTn id="23" dur="1000" fill="hold"/>
+                                        <p:tgtEl>
+                                          <p:spTgt spid="6"/>
+                                        </p:tgtEl>
+                                        <p:attrNameLst>
+                                          <p:attrName>ppt_y</p:attrName>
+                                        </p:attrNameLst>
+                                      </p:cBhvr>
+                                      <p:tavLst>
+                                        <p:tav tm="0">
+                                          <p:val>
+                                            <p:strVal val="#ppt_y+.1"/>
+                                          </p:val>
+                                        </p:tav>
+                                        <p:tav tm="100000">
+                                          <p:val>
+                                            <p:strVal val="#ppt_y"/>
+                                          </p:val>
+                                        </p:tav>
+                                      </p:tavLst>
+                                    </p:anim>
+                                  </p:childTnLst>
+                                </p:cTn>
+                              </p:par>
+                            </p:childTnLst>
+                          </p:cTn>
+                        </p:par>
+                      </p:childTnLst>
+                    </p:cTn>
+                  </p:par>
+                </p:childTnLst>
+              </p:cTn>
+              <p:prevCondLst>
+                <p:cond evt="onPrev" delay="0">
+                  <p:tgtEl>
+                    <p:sldTgt/>
+                  </p:tgtEl>
+                </p:cond>
+              </p:prevCondLst>
+              <p:nextCondLst>
+                <p:cond evt="onNext" delay="0">
+                  <p:tgtEl>
+                    <p:sldTgt/>
+                  </p:tgtEl>
+                </p:cond>
+              </p:nextCondLst>
+            </p:seq>
+          </p:childTnLst>
+        </p:cTn>
       </p:par>
     </p:tnLst>
+    <p:bldLst>
+      <p:bldP spid="5" grpId="0" animBg="1"/>
+      <p:bldP spid="6" grpId="0" animBg="1"/>
+      <p:bldP spid="14" grpId="0" animBg="1"/>
+    </p:bldLst>
   </p:timing>
 </p:sld>
 </file>

--- a/МАГ.ДИСС/предзащита.pptx
+++ b/МАГ.ДИСС/предзащита.pptx
@@ -5,7 +5,7 @@
     <p:sldMasterId id="2147483648" r:id="rId1"/>
   </p:sldMasterIdLst>
   <p:notesMasterIdLst>
-    <p:notesMasterId r:id="rId18"/>
+    <p:notesMasterId r:id="rId21"/>
   </p:notesMasterIdLst>
   <p:sldIdLst>
     <p:sldId id="256" r:id="rId2"/>
@@ -24,6 +24,9 @@
     <p:sldId id="271" r:id="rId15"/>
     <p:sldId id="272" r:id="rId16"/>
     <p:sldId id="267" r:id="rId17"/>
+    <p:sldId id="274" r:id="rId18"/>
+    <p:sldId id="275" r:id="rId19"/>
+    <p:sldId id="273" r:id="rId20"/>
   </p:sldIdLst>
   <p:sldSz cx="12192000" cy="6858000"/>
   <p:notesSz cx="6858000" cy="9144000"/>
@@ -6085,6 +6088,1033 @@
     <p:extLst>
       <p:ext uri="{BB962C8B-B14F-4D97-AF65-F5344CB8AC3E}">
         <p14:creationId xmlns:p14="http://schemas.microsoft.com/office/powerpoint/2010/main" val="1680738077"/>
+      </p:ext>
+    </p:extLst>
+  </p:cSld>
+  <p:clrMapOvr>
+    <a:masterClrMapping/>
+  </p:clrMapOvr>
+  <p:timing>
+    <p:tnLst>
+      <p:par>
+        <p:cTn id="1" dur="indefinite" restart="never" nodeType="tmRoot"/>
+      </p:par>
+    </p:tnLst>
+  </p:timing>
+</p:sld>
+</file>
+
+<file path=ppt/slides/slide17.xml><?xml version="1.0" encoding="utf-8"?>
+<p:sld xmlns:a="http://schemas.openxmlformats.org/drawingml/2006/main" xmlns:r="http://schemas.openxmlformats.org/officeDocument/2006/relationships" xmlns:p="http://schemas.openxmlformats.org/presentationml/2006/main">
+  <p:cSld>
+    <p:spTree>
+      <p:nvGrpSpPr>
+        <p:cNvPr id="1" name=""/>
+        <p:cNvGrpSpPr/>
+        <p:nvPr/>
+      </p:nvGrpSpPr>
+      <p:grpSpPr>
+        <a:xfrm>
+          <a:off x="0" y="0"/>
+          <a:ext cx="0" cy="0"/>
+          <a:chOff x="0" y="0"/>
+          <a:chExt cx="0" cy="0"/>
+        </a:xfrm>
+      </p:grpSpPr>
+      <p:sp>
+        <p:nvSpPr>
+          <p:cNvPr id="4" name="Номер слайда 3"/>
+          <p:cNvSpPr>
+            <a:spLocks noGrp="1"/>
+          </p:cNvSpPr>
+          <p:nvPr>
+            <p:ph type="sldNum" sz="quarter" idx="12"/>
+          </p:nvPr>
+        </p:nvSpPr>
+        <p:spPr/>
+        <p:txBody>
+          <a:bodyPr/>
+          <a:lstStyle/>
+          <a:p>
+            <a:fld id="{9FAB18EA-D421-4479-A48C-D4262B204458}" type="slidenum">
+              <a:rPr lang="ru-RU" smtClean="0"/>
+              <a:t>17</a:t>
+            </a:fld>
+            <a:endParaRPr lang="ru-RU"/>
+          </a:p>
+        </p:txBody>
+      </p:sp>
+      <p:sp>
+        <p:nvSpPr>
+          <p:cNvPr id="6" name="Заголовок 1"/>
+          <p:cNvSpPr txBox="1">
+            <a:spLocks/>
+          </p:cNvSpPr>
+          <p:nvPr/>
+        </p:nvSpPr>
+        <p:spPr>
+          <a:xfrm>
+            <a:off x="990600" y="517525"/>
+            <a:ext cx="10515600" cy="1325563"/>
+          </a:xfrm>
+          <a:prstGeom prst="rect">
+            <a:avLst/>
+          </a:prstGeom>
+        </p:spPr>
+        <p:txBody>
+          <a:bodyPr vert="horz" lIns="91440" tIns="45720" rIns="91440" bIns="45720" rtlCol="0" anchor="ctr">
+            <a:normAutofit/>
+          </a:bodyPr>
+          <a:lstStyle>
+            <a:lvl1pPr algn="l" defTabSz="914400" rtl="0" eaLnBrk="1" latinLnBrk="0" hangingPunct="1">
+              <a:lnSpc>
+                <a:spcPct val="90000"/>
+              </a:lnSpc>
+              <a:spcBef>
+                <a:spcPct val="0"/>
+              </a:spcBef>
+              <a:buNone/>
+              <a:defRPr sz="4400" kern="1200">
+                <a:solidFill>
+                  <a:schemeClr val="tx1"/>
+                </a:solidFill>
+                <a:latin typeface="+mj-lt"/>
+                <a:ea typeface="+mj-ea"/>
+                <a:cs typeface="+mj-cs"/>
+              </a:defRPr>
+            </a:lvl1pPr>
+          </a:lstStyle>
+          <a:p>
+            <a:r>
+              <a:rPr lang="ru-RU" sz="3600" b="1" u="sng" dirty="0" smtClean="0">
+                <a:latin typeface="Arial Black" panose="020B0A04020102020204" pitchFamily="34" charset="0"/>
+              </a:rPr>
+              <a:t>Статьи</a:t>
+            </a:r>
+            <a:endParaRPr lang="ru-RU" sz="3600" b="1" u="sng" dirty="0">
+              <a:latin typeface="Arial Black" panose="020B0A04020102020204" pitchFamily="34" charset="0"/>
+            </a:endParaRPr>
+          </a:p>
+        </p:txBody>
+      </p:sp>
+      <p:sp>
+        <p:nvSpPr>
+          <p:cNvPr id="8" name="TextBox 7"/>
+          <p:cNvSpPr txBox="1"/>
+          <p:nvPr/>
+        </p:nvSpPr>
+        <p:spPr>
+          <a:xfrm>
+            <a:off x="990600" y="1841334"/>
+            <a:ext cx="9753600" cy="3970318"/>
+          </a:xfrm>
+          <a:prstGeom prst="rect">
+            <a:avLst/>
+          </a:prstGeom>
+          <a:noFill/>
+        </p:spPr>
+        <p:txBody>
+          <a:bodyPr wrap="square" rtlCol="0">
+            <a:spAutoFit/>
+          </a:bodyPr>
+          <a:lstStyle/>
+          <a:p>
+            <a:pPr marL="285750" indent="-285750">
+              <a:buFont typeface="Arial" panose="020B0604020202020204" pitchFamily="34" charset="0"/>
+              <a:buChar char="•"/>
+            </a:pPr>
+            <a:r>
+              <a:rPr lang="en-US" dirty="0">
+                <a:latin typeface="Times New Roman" panose="02020603050405020304" pitchFamily="18" charset="0"/>
+                <a:cs typeface="Times New Roman" panose="02020603050405020304" pitchFamily="18" charset="0"/>
+              </a:rPr>
+              <a:t>2019 Radiation of the sliding surface discharge interacting with the shock </a:t>
+            </a:r>
+            <a:r>
+              <a:rPr lang="en-US" dirty="0" smtClean="0">
+                <a:latin typeface="Times New Roman" panose="02020603050405020304" pitchFamily="18" charset="0"/>
+                <a:cs typeface="Times New Roman" panose="02020603050405020304" pitchFamily="18" charset="0"/>
+              </a:rPr>
+              <a:t>wave</a:t>
+            </a:r>
+            <a:r>
+              <a:rPr lang="ru-RU" dirty="0" smtClean="0">
+                <a:latin typeface="Times New Roman" panose="02020603050405020304" pitchFamily="18" charset="0"/>
+                <a:cs typeface="Times New Roman" panose="02020603050405020304" pitchFamily="18" charset="0"/>
+              </a:rPr>
+              <a:t>. </a:t>
+            </a:r>
+            <a:r>
+              <a:rPr lang="en-US" dirty="0" err="1" smtClean="0">
+                <a:latin typeface="Times New Roman" panose="02020603050405020304" pitchFamily="18" charset="0"/>
+                <a:cs typeface="Times New Roman" panose="02020603050405020304" pitchFamily="18" charset="0"/>
+              </a:rPr>
+              <a:t>Mursenkova</a:t>
+            </a:r>
+            <a:r>
+              <a:rPr lang="en-US" dirty="0" smtClean="0">
+                <a:latin typeface="Times New Roman" panose="02020603050405020304" pitchFamily="18" charset="0"/>
+                <a:cs typeface="Times New Roman" panose="02020603050405020304" pitchFamily="18" charset="0"/>
+              </a:rPr>
+              <a:t> </a:t>
+            </a:r>
+            <a:r>
+              <a:rPr lang="en-US" dirty="0">
+                <a:latin typeface="Times New Roman" panose="02020603050405020304" pitchFamily="18" charset="0"/>
+                <a:cs typeface="Times New Roman" panose="02020603050405020304" pitchFamily="18" charset="0"/>
+              </a:rPr>
+              <a:t>I., </a:t>
+            </a:r>
+            <a:r>
+              <a:rPr lang="en-US" dirty="0" err="1">
+                <a:latin typeface="Times New Roman" panose="02020603050405020304" pitchFamily="18" charset="0"/>
+                <a:cs typeface="Times New Roman" panose="02020603050405020304" pitchFamily="18" charset="0"/>
+              </a:rPr>
+              <a:t>Kuznetsov</a:t>
+            </a:r>
+            <a:r>
+              <a:rPr lang="en-US" dirty="0">
+                <a:latin typeface="Times New Roman" panose="02020603050405020304" pitchFamily="18" charset="0"/>
+                <a:cs typeface="Times New Roman" panose="02020603050405020304" pitchFamily="18" charset="0"/>
+              </a:rPr>
+              <a:t> A., </a:t>
+            </a:r>
+            <a:r>
+              <a:rPr lang="en-US" dirty="0" err="1">
+                <a:latin typeface="Times New Roman" panose="02020603050405020304" pitchFamily="18" charset="0"/>
+                <a:cs typeface="Times New Roman" panose="02020603050405020304" pitchFamily="18" charset="0"/>
+              </a:rPr>
+              <a:t>Ulanov</a:t>
+            </a:r>
+            <a:r>
+              <a:rPr lang="en-US" dirty="0">
+                <a:latin typeface="Times New Roman" panose="02020603050405020304" pitchFamily="18" charset="0"/>
+                <a:cs typeface="Times New Roman" panose="02020603050405020304" pitchFamily="18" charset="0"/>
+              </a:rPr>
+              <a:t> </a:t>
+            </a:r>
+            <a:r>
+              <a:rPr lang="en-US" dirty="0" smtClean="0">
+                <a:latin typeface="Times New Roman" panose="02020603050405020304" pitchFamily="18" charset="0"/>
+                <a:cs typeface="Times New Roman" panose="02020603050405020304" pitchFamily="18" charset="0"/>
+              </a:rPr>
+              <a:t>P.</a:t>
+            </a:r>
+            <a:r>
+              <a:rPr lang="ru-RU" dirty="0" smtClean="0">
+                <a:latin typeface="Times New Roman" panose="02020603050405020304" pitchFamily="18" charset="0"/>
+                <a:cs typeface="Times New Roman" panose="02020603050405020304" pitchFamily="18" charset="0"/>
+              </a:rPr>
+              <a:t> </a:t>
+            </a:r>
+            <a:r>
+              <a:rPr lang="en-US" dirty="0" smtClean="0">
+                <a:latin typeface="Times New Roman" panose="02020603050405020304" pitchFamily="18" charset="0"/>
+                <a:cs typeface="Times New Roman" panose="02020603050405020304" pitchFamily="18" charset="0"/>
+              </a:rPr>
+              <a:t>Proceedings </a:t>
+            </a:r>
+            <a:r>
+              <a:rPr lang="en-US" dirty="0">
+                <a:latin typeface="Times New Roman" panose="02020603050405020304" pitchFamily="18" charset="0"/>
+                <a:cs typeface="Times New Roman" panose="02020603050405020304" pitchFamily="18" charset="0"/>
+              </a:rPr>
+              <a:t>of XXXIV ICPIG &amp; ICRP-10 (E-Book), </a:t>
+            </a:r>
+            <a:r>
+              <a:rPr lang="en-US" dirty="0" smtClean="0">
+                <a:latin typeface="Times New Roman" panose="02020603050405020304" pitchFamily="18" charset="0"/>
+                <a:cs typeface="Times New Roman" panose="02020603050405020304" pitchFamily="18" charset="0"/>
+              </a:rPr>
+              <a:t>Sapporo</a:t>
+            </a:r>
+            <a:r>
+              <a:rPr lang="en-US" dirty="0">
+                <a:latin typeface="Times New Roman" panose="02020603050405020304" pitchFamily="18" charset="0"/>
+                <a:cs typeface="Times New Roman" panose="02020603050405020304" pitchFamily="18" charset="0"/>
+              </a:rPr>
+              <a:t>, Japan, </a:t>
+            </a:r>
+            <a:r>
+              <a:rPr lang="ru-RU" dirty="0">
+                <a:latin typeface="Times New Roman" panose="02020603050405020304" pitchFamily="18" charset="0"/>
+                <a:cs typeface="Times New Roman" panose="02020603050405020304" pitchFamily="18" charset="0"/>
+              </a:rPr>
+              <a:t>с. </a:t>
+            </a:r>
+            <a:r>
+              <a:rPr lang="en-US" dirty="0" smtClean="0">
+                <a:latin typeface="Times New Roman" panose="02020603050405020304" pitchFamily="18" charset="0"/>
+                <a:cs typeface="Times New Roman" panose="02020603050405020304" pitchFamily="18" charset="0"/>
+              </a:rPr>
+              <a:t>PO18AM-034-1-PO18AM-034-2</a:t>
+            </a:r>
+            <a:endParaRPr lang="ru-RU" dirty="0" smtClean="0">
+              <a:latin typeface="Times New Roman" panose="02020603050405020304" pitchFamily="18" charset="0"/>
+              <a:cs typeface="Times New Roman" panose="02020603050405020304" pitchFamily="18" charset="0"/>
+            </a:endParaRPr>
+          </a:p>
+          <a:p>
+            <a:pPr marL="285750" indent="-285750">
+              <a:buFont typeface="Arial" panose="020B0604020202020204" pitchFamily="34" charset="0"/>
+              <a:buChar char="•"/>
+            </a:pPr>
+            <a:r>
+              <a:rPr lang="ru-RU" dirty="0">
+                <a:latin typeface="Times New Roman" panose="02020603050405020304" pitchFamily="18" charset="0"/>
+                <a:cs typeface="Times New Roman" panose="02020603050405020304" pitchFamily="18" charset="0"/>
+              </a:rPr>
+              <a:t>2019 Динамика излучения наносекундного поверхностного скользящего разряда в потоке с ударной </a:t>
+            </a:r>
+            <a:r>
+              <a:rPr lang="ru-RU" dirty="0" smtClean="0">
+                <a:latin typeface="Times New Roman" panose="02020603050405020304" pitchFamily="18" charset="0"/>
+                <a:cs typeface="Times New Roman" panose="02020603050405020304" pitchFamily="18" charset="0"/>
+              </a:rPr>
+              <a:t>волной. Кузнецов </a:t>
+            </a:r>
+            <a:r>
+              <a:rPr lang="ru-RU" dirty="0">
+                <a:latin typeface="Times New Roman" panose="02020603050405020304" pitchFamily="18" charset="0"/>
+                <a:cs typeface="Times New Roman" panose="02020603050405020304" pitchFamily="18" charset="0"/>
+              </a:rPr>
+              <a:t>А.Ю., </a:t>
+            </a:r>
+            <a:r>
+              <a:rPr lang="ru-RU" dirty="0" err="1">
+                <a:latin typeface="Times New Roman" panose="02020603050405020304" pitchFamily="18" charset="0"/>
+                <a:cs typeface="Times New Roman" panose="02020603050405020304" pitchFamily="18" charset="0"/>
+              </a:rPr>
+              <a:t>Мурсенкова</a:t>
+            </a:r>
+            <a:r>
+              <a:rPr lang="ru-RU" dirty="0">
+                <a:latin typeface="Times New Roman" panose="02020603050405020304" pitchFamily="18" charset="0"/>
+                <a:cs typeface="Times New Roman" panose="02020603050405020304" pitchFamily="18" charset="0"/>
+              </a:rPr>
+              <a:t> И.В., Уланов П.Ю</a:t>
+            </a:r>
+            <a:r>
+              <a:rPr lang="ru-RU" dirty="0" smtClean="0">
+                <a:latin typeface="Times New Roman" panose="02020603050405020304" pitchFamily="18" charset="0"/>
+                <a:cs typeface="Times New Roman" panose="02020603050405020304" pitchFamily="18" charset="0"/>
+              </a:rPr>
+              <a:t>. Письма </a:t>
+            </a:r>
+            <a:r>
+              <a:rPr lang="ru-RU" dirty="0">
+                <a:latin typeface="Times New Roman" panose="02020603050405020304" pitchFamily="18" charset="0"/>
+                <a:cs typeface="Times New Roman" panose="02020603050405020304" pitchFamily="18" charset="0"/>
+              </a:rPr>
+              <a:t>в "Журнал технической физики", </a:t>
+            </a:r>
+            <a:r>
+              <a:rPr lang="ru-RU" dirty="0" smtClean="0">
+                <a:latin typeface="Times New Roman" panose="02020603050405020304" pitchFamily="18" charset="0"/>
+                <a:cs typeface="Times New Roman" panose="02020603050405020304" pitchFamily="18" charset="0"/>
+              </a:rPr>
+              <a:t>Наука</a:t>
+            </a:r>
+            <a:r>
+              <a:rPr lang="ru-RU" dirty="0">
+                <a:latin typeface="Times New Roman" panose="02020603050405020304" pitchFamily="18" charset="0"/>
+                <a:cs typeface="Times New Roman" panose="02020603050405020304" pitchFamily="18" charset="0"/>
+              </a:rPr>
+              <a:t>. С.-</a:t>
+            </a:r>
+            <a:r>
+              <a:rPr lang="ru-RU" dirty="0" err="1">
+                <a:latin typeface="Times New Roman" panose="02020603050405020304" pitchFamily="18" charset="0"/>
+                <a:cs typeface="Times New Roman" panose="02020603050405020304" pitchFamily="18" charset="0"/>
+              </a:rPr>
+              <a:t>Петерб</a:t>
+            </a:r>
+            <a:r>
+              <a:rPr lang="ru-RU" dirty="0">
+                <a:latin typeface="Times New Roman" panose="02020603050405020304" pitchFamily="18" charset="0"/>
+                <a:cs typeface="Times New Roman" panose="02020603050405020304" pitchFamily="18" charset="0"/>
+              </a:rPr>
+              <a:t>. </a:t>
+            </a:r>
+            <a:r>
+              <a:rPr lang="ru-RU" dirty="0" err="1">
+                <a:latin typeface="Times New Roman" panose="02020603050405020304" pitchFamily="18" charset="0"/>
+                <a:cs typeface="Times New Roman" panose="02020603050405020304" pitchFamily="18" charset="0"/>
+              </a:rPr>
+              <a:t>отд-ние</a:t>
+            </a:r>
+            <a:r>
+              <a:rPr lang="ru-RU" dirty="0">
+                <a:latin typeface="Times New Roman" panose="02020603050405020304" pitchFamily="18" charset="0"/>
+                <a:cs typeface="Times New Roman" panose="02020603050405020304" pitchFamily="18" charset="0"/>
+              </a:rPr>
+              <a:t> (СПб.), том 45, № 24, с. 48-51 </a:t>
+            </a:r>
+            <a:r>
+              <a:rPr lang="ru-RU" dirty="0" smtClean="0">
+                <a:latin typeface="Times New Roman" panose="02020603050405020304" pitchFamily="18" charset="0"/>
+                <a:cs typeface="Times New Roman" panose="02020603050405020304" pitchFamily="18" charset="0"/>
+              </a:rPr>
+              <a:t>DOI</a:t>
+            </a:r>
+          </a:p>
+          <a:p>
+            <a:pPr marL="285750" indent="-285750">
+              <a:buFont typeface="Arial" panose="020B0604020202020204" pitchFamily="34" charset="0"/>
+              <a:buChar char="•"/>
+            </a:pPr>
+            <a:r>
+              <a:rPr lang="en-US" dirty="0">
+                <a:latin typeface="Times New Roman" panose="02020603050405020304" pitchFamily="18" charset="0"/>
+                <a:cs typeface="Times New Roman" panose="02020603050405020304" pitchFamily="18" charset="0"/>
+              </a:rPr>
+              <a:t>2020 Nanosecond surface sliding discharge in a supersonic flow with oblique shock </a:t>
+            </a:r>
+            <a:r>
+              <a:rPr lang="en-US" dirty="0" smtClean="0">
+                <a:latin typeface="Times New Roman" panose="02020603050405020304" pitchFamily="18" charset="0"/>
+                <a:cs typeface="Times New Roman" panose="02020603050405020304" pitchFamily="18" charset="0"/>
+              </a:rPr>
+              <a:t>wave</a:t>
+            </a:r>
+            <a:r>
+              <a:rPr lang="ru-RU" dirty="0" smtClean="0">
+                <a:latin typeface="Times New Roman" panose="02020603050405020304" pitchFamily="18" charset="0"/>
+                <a:cs typeface="Times New Roman" panose="02020603050405020304" pitchFamily="18" charset="0"/>
+              </a:rPr>
+              <a:t>. </a:t>
+            </a:r>
+            <a:r>
+              <a:rPr lang="en-US" dirty="0" err="1" smtClean="0">
+                <a:latin typeface="Times New Roman" panose="02020603050405020304" pitchFamily="18" charset="0"/>
+                <a:cs typeface="Times New Roman" panose="02020603050405020304" pitchFamily="18" charset="0"/>
+              </a:rPr>
+              <a:t>Mursenkova</a:t>
+            </a:r>
+            <a:r>
+              <a:rPr lang="en-US" dirty="0" smtClean="0">
+                <a:latin typeface="Times New Roman" panose="02020603050405020304" pitchFamily="18" charset="0"/>
+                <a:cs typeface="Times New Roman" panose="02020603050405020304" pitchFamily="18" charset="0"/>
+              </a:rPr>
+              <a:t> </a:t>
+            </a:r>
+            <a:r>
+              <a:rPr lang="en-US" dirty="0">
+                <a:latin typeface="Times New Roman" panose="02020603050405020304" pitchFamily="18" charset="0"/>
+                <a:cs typeface="Times New Roman" panose="02020603050405020304" pitchFamily="18" charset="0"/>
+              </a:rPr>
+              <a:t>I., Ivanov I.E., </a:t>
+            </a:r>
+            <a:r>
+              <a:rPr lang="en-US" dirty="0" err="1">
+                <a:latin typeface="Times New Roman" panose="02020603050405020304" pitchFamily="18" charset="0"/>
+                <a:cs typeface="Times New Roman" panose="02020603050405020304" pitchFamily="18" charset="0"/>
+              </a:rPr>
+              <a:t>Ulanov</a:t>
+            </a:r>
+            <a:r>
+              <a:rPr lang="en-US" dirty="0">
+                <a:latin typeface="Times New Roman" panose="02020603050405020304" pitchFamily="18" charset="0"/>
+                <a:cs typeface="Times New Roman" panose="02020603050405020304" pitchFamily="18" charset="0"/>
+              </a:rPr>
+              <a:t> P., Liao Yu, </a:t>
+            </a:r>
+            <a:r>
+              <a:rPr lang="en-US" dirty="0" err="1">
+                <a:latin typeface="Times New Roman" panose="02020603050405020304" pitchFamily="18" charset="0"/>
+                <a:cs typeface="Times New Roman" panose="02020603050405020304" pitchFamily="18" charset="0"/>
+              </a:rPr>
+              <a:t>Sazonov</a:t>
+            </a:r>
+            <a:r>
+              <a:rPr lang="en-US" dirty="0">
+                <a:latin typeface="Times New Roman" panose="02020603050405020304" pitchFamily="18" charset="0"/>
+                <a:cs typeface="Times New Roman" panose="02020603050405020304" pitchFamily="18" charset="0"/>
+              </a:rPr>
+              <a:t> A</a:t>
+            </a:r>
+            <a:r>
+              <a:rPr lang="en-US" dirty="0" smtClean="0">
+                <a:latin typeface="Times New Roman" panose="02020603050405020304" pitchFamily="18" charset="0"/>
+                <a:cs typeface="Times New Roman" panose="02020603050405020304" pitchFamily="18" charset="0"/>
+              </a:rPr>
+              <a:t>. Proceedings </a:t>
+            </a:r>
+            <a:r>
+              <a:rPr lang="en-US" dirty="0">
+                <a:latin typeface="Times New Roman" panose="02020603050405020304" pitchFamily="18" charset="0"/>
+                <a:cs typeface="Times New Roman" panose="02020603050405020304" pitchFamily="18" charset="0"/>
+              </a:rPr>
+              <a:t>of the 19th Workshop on Magneto-Plasma Aerodynamics Ed. V.A. </a:t>
+            </a:r>
+            <a:r>
+              <a:rPr lang="en-US" dirty="0" err="1">
+                <a:latin typeface="Times New Roman" panose="02020603050405020304" pitchFamily="18" charset="0"/>
+                <a:cs typeface="Times New Roman" panose="02020603050405020304" pitchFamily="18" charset="0"/>
+              </a:rPr>
+              <a:t>Bityurin</a:t>
+            </a:r>
+            <a:r>
+              <a:rPr lang="en-US" dirty="0">
+                <a:latin typeface="Times New Roman" panose="02020603050405020304" pitchFamily="18" charset="0"/>
+                <a:cs typeface="Times New Roman" panose="02020603050405020304" pitchFamily="18" charset="0"/>
+              </a:rPr>
+              <a:t>, </a:t>
+            </a:r>
+            <a:r>
+              <a:rPr lang="en-US" dirty="0" smtClean="0">
+                <a:latin typeface="Times New Roman" panose="02020603050405020304" pitchFamily="18" charset="0"/>
+                <a:cs typeface="Times New Roman" panose="02020603050405020304" pitchFamily="18" charset="0"/>
+              </a:rPr>
+              <a:t>Joint </a:t>
+            </a:r>
+            <a:r>
+              <a:rPr lang="en-US" dirty="0">
+                <a:latin typeface="Times New Roman" panose="02020603050405020304" pitchFamily="18" charset="0"/>
+                <a:cs typeface="Times New Roman" panose="02020603050405020304" pitchFamily="18" charset="0"/>
+              </a:rPr>
+              <a:t>Institute for High Temperatures of Russian Academy of Sciences Moscow, JIHT RAS, </a:t>
+            </a:r>
+            <a:r>
+              <a:rPr lang="ru-RU" dirty="0">
+                <a:latin typeface="Times New Roman" panose="02020603050405020304" pitchFamily="18" charset="0"/>
+                <a:cs typeface="Times New Roman" panose="02020603050405020304" pitchFamily="18" charset="0"/>
+              </a:rPr>
+              <a:t>с. </a:t>
+            </a:r>
+            <a:r>
+              <a:rPr lang="ru-RU" dirty="0" smtClean="0">
+                <a:latin typeface="Times New Roman" panose="02020603050405020304" pitchFamily="18" charset="0"/>
+                <a:cs typeface="Times New Roman" panose="02020603050405020304" pitchFamily="18" charset="0"/>
+              </a:rPr>
+              <a:t>22-27</a:t>
+            </a:r>
+          </a:p>
+          <a:p>
+            <a:pPr marL="285750" indent="-285750">
+              <a:buFont typeface="Arial" panose="020B0604020202020204" pitchFamily="34" charset="0"/>
+              <a:buChar char="•"/>
+            </a:pPr>
+            <a:r>
+              <a:rPr lang="en-US" dirty="0">
+                <a:latin typeface="Times New Roman" panose="02020603050405020304" pitchFamily="18" charset="0"/>
+                <a:cs typeface="Times New Roman" panose="02020603050405020304" pitchFamily="18" charset="0"/>
+              </a:rPr>
+              <a:t>2020 Investigation on nanosecond surface sliding discharge in a supersonic airflow with oblique shock </a:t>
+            </a:r>
+            <a:r>
+              <a:rPr lang="en-US" dirty="0" smtClean="0">
+                <a:latin typeface="Times New Roman" panose="02020603050405020304" pitchFamily="18" charset="0"/>
+                <a:cs typeface="Times New Roman" panose="02020603050405020304" pitchFamily="18" charset="0"/>
+              </a:rPr>
+              <a:t>wave</a:t>
+            </a:r>
+            <a:r>
+              <a:rPr lang="ru-RU" dirty="0" smtClean="0">
+                <a:latin typeface="Times New Roman" panose="02020603050405020304" pitchFamily="18" charset="0"/>
+                <a:cs typeface="Times New Roman" panose="02020603050405020304" pitchFamily="18" charset="0"/>
+              </a:rPr>
+              <a:t>. </a:t>
+            </a:r>
+            <a:r>
+              <a:rPr lang="en-US" dirty="0" err="1" smtClean="0">
+                <a:latin typeface="Times New Roman" panose="02020603050405020304" pitchFamily="18" charset="0"/>
+                <a:cs typeface="Times New Roman" panose="02020603050405020304" pitchFamily="18" charset="0"/>
+              </a:rPr>
+              <a:t>Mursenkova</a:t>
+            </a:r>
+            <a:r>
+              <a:rPr lang="en-US" dirty="0" smtClean="0">
+                <a:latin typeface="Times New Roman" panose="02020603050405020304" pitchFamily="18" charset="0"/>
+                <a:cs typeface="Times New Roman" panose="02020603050405020304" pitchFamily="18" charset="0"/>
+              </a:rPr>
+              <a:t> </a:t>
+            </a:r>
+            <a:r>
+              <a:rPr lang="en-US" dirty="0">
+                <a:latin typeface="Times New Roman" panose="02020603050405020304" pitchFamily="18" charset="0"/>
+                <a:cs typeface="Times New Roman" panose="02020603050405020304" pitchFamily="18" charset="0"/>
+              </a:rPr>
+              <a:t>I., Ivanov I.E., </a:t>
+            </a:r>
+            <a:r>
+              <a:rPr lang="en-US" dirty="0" err="1">
+                <a:latin typeface="Times New Roman" panose="02020603050405020304" pitchFamily="18" charset="0"/>
+                <a:cs typeface="Times New Roman" panose="02020603050405020304" pitchFamily="18" charset="0"/>
+              </a:rPr>
+              <a:t>Ulanov</a:t>
+            </a:r>
+            <a:r>
+              <a:rPr lang="en-US" dirty="0">
+                <a:latin typeface="Times New Roman" panose="02020603050405020304" pitchFamily="18" charset="0"/>
+                <a:cs typeface="Times New Roman" panose="02020603050405020304" pitchFamily="18" charset="0"/>
+              </a:rPr>
+              <a:t> P., Liao Yu, </a:t>
+            </a:r>
+            <a:r>
+              <a:rPr lang="en-US" dirty="0" err="1">
+                <a:latin typeface="Times New Roman" panose="02020603050405020304" pitchFamily="18" charset="0"/>
+                <a:cs typeface="Times New Roman" panose="02020603050405020304" pitchFamily="18" charset="0"/>
+              </a:rPr>
+              <a:t>Sazonov</a:t>
+            </a:r>
+            <a:r>
+              <a:rPr lang="en-US" dirty="0">
+                <a:latin typeface="Times New Roman" panose="02020603050405020304" pitchFamily="18" charset="0"/>
+                <a:cs typeface="Times New Roman" panose="02020603050405020304" pitchFamily="18" charset="0"/>
+              </a:rPr>
+              <a:t> A</a:t>
+            </a:r>
+            <a:r>
+              <a:rPr lang="en-US" dirty="0" smtClean="0">
+                <a:latin typeface="Times New Roman" panose="02020603050405020304" pitchFamily="18" charset="0"/>
+                <a:cs typeface="Times New Roman" panose="02020603050405020304" pitchFamily="18" charset="0"/>
+              </a:rPr>
+              <a:t>. Journal </a:t>
+            </a:r>
+            <a:r>
+              <a:rPr lang="en-US" dirty="0">
+                <a:latin typeface="Times New Roman" panose="02020603050405020304" pitchFamily="18" charset="0"/>
+                <a:cs typeface="Times New Roman" panose="02020603050405020304" pitchFamily="18" charset="0"/>
+              </a:rPr>
+              <a:t>of Physics: Conference Series, </a:t>
+            </a:r>
+            <a:r>
+              <a:rPr lang="en-US" dirty="0" smtClean="0">
+                <a:latin typeface="Times New Roman" panose="02020603050405020304" pitchFamily="18" charset="0"/>
+                <a:cs typeface="Times New Roman" panose="02020603050405020304" pitchFamily="18" charset="0"/>
+              </a:rPr>
+              <a:t>IOP </a:t>
+            </a:r>
+            <a:r>
+              <a:rPr lang="en-US" dirty="0">
+                <a:latin typeface="Times New Roman" panose="02020603050405020304" pitchFamily="18" charset="0"/>
+                <a:cs typeface="Times New Roman" panose="02020603050405020304" pitchFamily="18" charset="0"/>
+              </a:rPr>
+              <a:t>Publishing ([Bristol, UK], England), </a:t>
+            </a:r>
+            <a:r>
+              <a:rPr lang="ru-RU" dirty="0">
+                <a:latin typeface="Times New Roman" panose="02020603050405020304" pitchFamily="18" charset="0"/>
+                <a:cs typeface="Times New Roman" panose="02020603050405020304" pitchFamily="18" charset="0"/>
+              </a:rPr>
+              <a:t>том 1698 </a:t>
+            </a:r>
+            <a:r>
+              <a:rPr lang="en-US" dirty="0">
+                <a:latin typeface="Times New Roman" panose="02020603050405020304" pitchFamily="18" charset="0"/>
+                <a:cs typeface="Times New Roman" panose="02020603050405020304" pitchFamily="18" charset="0"/>
+              </a:rPr>
+              <a:t>DOI</a:t>
+            </a:r>
+            <a:endParaRPr lang="ru-RU" dirty="0" smtClean="0">
+              <a:latin typeface="Times New Roman" panose="02020603050405020304" pitchFamily="18" charset="0"/>
+              <a:cs typeface="Times New Roman" panose="02020603050405020304" pitchFamily="18" charset="0"/>
+            </a:endParaRPr>
+          </a:p>
+          <a:p>
+            <a:pPr marL="285750" indent="-285750">
+              <a:buFont typeface="Arial" panose="020B0604020202020204" pitchFamily="34" charset="0"/>
+              <a:buChar char="•"/>
+            </a:pPr>
+            <a:endParaRPr lang="ru-RU" dirty="0"/>
+          </a:p>
+        </p:txBody>
+      </p:sp>
+    </p:spTree>
+    <p:extLst>
+      <p:ext uri="{BB962C8B-B14F-4D97-AF65-F5344CB8AC3E}">
+        <p14:creationId xmlns:p14="http://schemas.microsoft.com/office/powerpoint/2010/main" val="2172365014"/>
+      </p:ext>
+    </p:extLst>
+  </p:cSld>
+  <p:clrMapOvr>
+    <a:masterClrMapping/>
+  </p:clrMapOvr>
+  <p:timing>
+    <p:tnLst>
+      <p:par>
+        <p:cTn id="1" dur="indefinite" restart="never" nodeType="tmRoot"/>
+      </p:par>
+    </p:tnLst>
+  </p:timing>
+</p:sld>
+</file>
+
+<file path=ppt/slides/slide18.xml><?xml version="1.0" encoding="utf-8"?>
+<p:sld xmlns:a="http://schemas.openxmlformats.org/drawingml/2006/main" xmlns:r="http://schemas.openxmlformats.org/officeDocument/2006/relationships" xmlns:p="http://schemas.openxmlformats.org/presentationml/2006/main">
+  <p:cSld>
+    <p:spTree>
+      <p:nvGrpSpPr>
+        <p:cNvPr id="1" name=""/>
+        <p:cNvGrpSpPr/>
+        <p:nvPr/>
+      </p:nvGrpSpPr>
+      <p:grpSpPr>
+        <a:xfrm>
+          <a:off x="0" y="0"/>
+          <a:ext cx="0" cy="0"/>
+          <a:chOff x="0" y="0"/>
+          <a:chExt cx="0" cy="0"/>
+        </a:xfrm>
+      </p:grpSpPr>
+      <p:sp>
+        <p:nvSpPr>
+          <p:cNvPr id="4" name="Номер слайда 3"/>
+          <p:cNvSpPr>
+            <a:spLocks noGrp="1"/>
+          </p:cNvSpPr>
+          <p:nvPr>
+            <p:ph type="sldNum" sz="quarter" idx="12"/>
+          </p:nvPr>
+        </p:nvSpPr>
+        <p:spPr/>
+        <p:txBody>
+          <a:bodyPr/>
+          <a:lstStyle/>
+          <a:p>
+            <a:fld id="{9FAB18EA-D421-4479-A48C-D4262B204458}" type="slidenum">
+              <a:rPr lang="ru-RU" smtClean="0"/>
+              <a:t>18</a:t>
+            </a:fld>
+            <a:endParaRPr lang="ru-RU"/>
+          </a:p>
+        </p:txBody>
+      </p:sp>
+      <p:sp>
+        <p:nvSpPr>
+          <p:cNvPr id="5" name="Заголовок 1"/>
+          <p:cNvSpPr txBox="1">
+            <a:spLocks/>
+          </p:cNvSpPr>
+          <p:nvPr/>
+        </p:nvSpPr>
+        <p:spPr>
+          <a:xfrm>
+            <a:off x="990600" y="517525"/>
+            <a:ext cx="10515600" cy="1325563"/>
+          </a:xfrm>
+          <a:prstGeom prst="rect">
+            <a:avLst/>
+          </a:prstGeom>
+        </p:spPr>
+        <p:txBody>
+          <a:bodyPr vert="horz" lIns="91440" tIns="45720" rIns="91440" bIns="45720" rtlCol="0" anchor="ctr">
+            <a:normAutofit/>
+          </a:bodyPr>
+          <a:lstStyle>
+            <a:lvl1pPr algn="l" defTabSz="914400" rtl="0" eaLnBrk="1" latinLnBrk="0" hangingPunct="1">
+              <a:lnSpc>
+                <a:spcPct val="90000"/>
+              </a:lnSpc>
+              <a:spcBef>
+                <a:spcPct val="0"/>
+              </a:spcBef>
+              <a:buNone/>
+              <a:defRPr sz="4400" kern="1200">
+                <a:solidFill>
+                  <a:schemeClr val="tx1"/>
+                </a:solidFill>
+                <a:latin typeface="+mj-lt"/>
+                <a:ea typeface="+mj-ea"/>
+                <a:cs typeface="+mj-cs"/>
+              </a:defRPr>
+            </a:lvl1pPr>
+          </a:lstStyle>
+          <a:p>
+            <a:r>
+              <a:rPr lang="ru-RU" sz="3600" b="1" u="sng" dirty="0" smtClean="0">
+                <a:latin typeface="Arial Black" panose="020B0A04020102020204" pitchFamily="34" charset="0"/>
+              </a:rPr>
+              <a:t>Доклады на конференциях</a:t>
+            </a:r>
+            <a:endParaRPr lang="ru-RU" sz="3600" b="1" u="sng" dirty="0">
+              <a:latin typeface="Arial Black" panose="020B0A04020102020204" pitchFamily="34" charset="0"/>
+            </a:endParaRPr>
+          </a:p>
+        </p:txBody>
+      </p:sp>
+      <p:sp>
+        <p:nvSpPr>
+          <p:cNvPr id="6" name="TextBox 5"/>
+          <p:cNvSpPr txBox="1"/>
+          <p:nvPr/>
+        </p:nvSpPr>
+        <p:spPr>
+          <a:xfrm>
+            <a:off x="990600" y="2502568"/>
+            <a:ext cx="8955505" cy="2585323"/>
+          </a:xfrm>
+          <a:prstGeom prst="rect">
+            <a:avLst/>
+          </a:prstGeom>
+          <a:noFill/>
+        </p:spPr>
+        <p:txBody>
+          <a:bodyPr wrap="square" rtlCol="0">
+            <a:spAutoFit/>
+          </a:bodyPr>
+          <a:lstStyle/>
+          <a:p>
+            <a:pPr marL="285750" indent="-285750">
+              <a:buFont typeface="Arial" panose="020B0604020202020204" pitchFamily="34" charset="0"/>
+              <a:buChar char="•"/>
+            </a:pPr>
+            <a:r>
+              <a:rPr lang="ru-RU" dirty="0"/>
+              <a:t>2019 Излучение импульсного поверхностного скользящего разряда в сверхзвуковом потоке с ударной волной. (Стендовый</a:t>
+            </a:r>
+            <a:r>
+              <a:rPr lang="ru-RU" dirty="0" smtClean="0"/>
+              <a:t>). Сазонов </a:t>
+            </a:r>
+            <a:r>
+              <a:rPr lang="ru-RU" dirty="0"/>
+              <a:t>А.С., Уланов П.Ю., Кузнецов А.Ю., </a:t>
+            </a:r>
+            <a:r>
+              <a:rPr lang="ru-RU" dirty="0" err="1"/>
+              <a:t>Мурсенкова</a:t>
+            </a:r>
+            <a:r>
+              <a:rPr lang="ru-RU" dirty="0"/>
+              <a:t> </a:t>
+            </a:r>
+            <a:r>
+              <a:rPr lang="ru-RU" dirty="0" smtClean="0"/>
+              <a:t>И.В. XLVI </a:t>
+            </a:r>
+            <a:r>
+              <a:rPr lang="ru-RU" dirty="0"/>
+              <a:t>МЕЖДУНАРОДНАЯ (ЗВЕНИГОРОДСКАЯ) КОНФЕРЕНЦИЯ ПО ФИЗИКЕ ПЛАЗМЫ И УПРАВЛЯЕМОМУ ТЕРМОЯДЕРНОМУ СИНТЕЗУ, Звенигород, Россия, 18-22 марта </a:t>
+            </a:r>
+            <a:r>
+              <a:rPr lang="ru-RU" dirty="0" smtClean="0"/>
+              <a:t>2019</a:t>
+            </a:r>
+          </a:p>
+          <a:p>
+            <a:pPr marL="285750" indent="-285750">
+              <a:buFont typeface="Arial" panose="020B0604020202020204" pitchFamily="34" charset="0"/>
+              <a:buChar char="•"/>
+            </a:pPr>
+            <a:r>
+              <a:rPr lang="ru-RU" dirty="0"/>
+              <a:t>2020 Наносекундный поверхностный скользящий разряд в сверхзвуковом потоке с косым скачком уплотнения (Устный</a:t>
+            </a:r>
+            <a:r>
+              <a:rPr lang="ru-RU" dirty="0" smtClean="0"/>
+              <a:t>). </a:t>
+            </a:r>
+            <a:r>
+              <a:rPr lang="ru-RU" dirty="0" err="1" smtClean="0"/>
+              <a:t>Мурсенкова</a:t>
+            </a:r>
+            <a:r>
+              <a:rPr lang="ru-RU" dirty="0" smtClean="0"/>
+              <a:t> </a:t>
+            </a:r>
+            <a:r>
+              <a:rPr lang="ru-RU" dirty="0"/>
+              <a:t>И.В., Иванов И.Э., </a:t>
+            </a:r>
+            <a:r>
+              <a:rPr lang="ru-RU" dirty="0" err="1"/>
+              <a:t>Ляо</a:t>
+            </a:r>
+            <a:r>
+              <a:rPr lang="ru-RU" dirty="0"/>
+              <a:t> Ю., Уланов П., Сазонов </a:t>
+            </a:r>
+            <a:r>
+              <a:rPr lang="ru-RU" dirty="0" smtClean="0"/>
+              <a:t>А.С. XIX </a:t>
+            </a:r>
+            <a:r>
+              <a:rPr lang="ru-RU" dirty="0"/>
+              <a:t>Международное Совещание по Магнитоплазменной </a:t>
+            </a:r>
+            <a:r>
+              <a:rPr lang="ru-RU" dirty="0" smtClean="0"/>
+              <a:t>Аэродинамике, </a:t>
+            </a:r>
+            <a:r>
+              <a:rPr lang="ru-RU" dirty="0"/>
+              <a:t>Москва, ОИВТ РАН, Россия, 15-17 сентября 2020</a:t>
+            </a:r>
+          </a:p>
+        </p:txBody>
+      </p:sp>
+    </p:spTree>
+    <p:extLst>
+      <p:ext uri="{BB962C8B-B14F-4D97-AF65-F5344CB8AC3E}">
+        <p14:creationId xmlns:p14="http://schemas.microsoft.com/office/powerpoint/2010/main" val="2578966653"/>
+      </p:ext>
+    </p:extLst>
+  </p:cSld>
+  <p:clrMapOvr>
+    <a:masterClrMapping/>
+  </p:clrMapOvr>
+  <p:timing>
+    <p:tnLst>
+      <p:par>
+        <p:cTn id="1" dur="indefinite" restart="never" nodeType="tmRoot"/>
+      </p:par>
+    </p:tnLst>
+  </p:timing>
+</p:sld>
+</file>
+
+<file path=ppt/slides/slide19.xml><?xml version="1.0" encoding="utf-8"?>
+<p:sld xmlns:a="http://schemas.openxmlformats.org/drawingml/2006/main" xmlns:r="http://schemas.openxmlformats.org/officeDocument/2006/relationships" xmlns:p="http://schemas.openxmlformats.org/presentationml/2006/main">
+  <p:cSld>
+    <p:spTree>
+      <p:nvGrpSpPr>
+        <p:cNvPr id="1" name=""/>
+        <p:cNvGrpSpPr/>
+        <p:nvPr/>
+      </p:nvGrpSpPr>
+      <p:grpSpPr>
+        <a:xfrm>
+          <a:off x="0" y="0"/>
+          <a:ext cx="0" cy="0"/>
+          <a:chOff x="0" y="0"/>
+          <a:chExt cx="0" cy="0"/>
+        </a:xfrm>
+      </p:grpSpPr>
+      <p:sp>
+        <p:nvSpPr>
+          <p:cNvPr id="4" name="Номер слайда 3"/>
+          <p:cNvSpPr>
+            <a:spLocks noGrp="1"/>
+          </p:cNvSpPr>
+          <p:nvPr>
+            <p:ph type="sldNum" sz="quarter" idx="12"/>
+          </p:nvPr>
+        </p:nvSpPr>
+        <p:spPr/>
+        <p:txBody>
+          <a:bodyPr/>
+          <a:lstStyle/>
+          <a:p>
+            <a:fld id="{9FAB18EA-D421-4479-A48C-D4262B204458}" type="slidenum">
+              <a:rPr lang="ru-RU" smtClean="0"/>
+              <a:t>19</a:t>
+            </a:fld>
+            <a:endParaRPr lang="ru-RU"/>
+          </a:p>
+        </p:txBody>
+      </p:sp>
+      <p:sp>
+        <p:nvSpPr>
+          <p:cNvPr id="5" name="Заголовок 1"/>
+          <p:cNvSpPr>
+            <a:spLocks noGrp="1"/>
+          </p:cNvSpPr>
+          <p:nvPr>
+            <p:ph type="title"/>
+          </p:nvPr>
+        </p:nvSpPr>
+        <p:spPr/>
+        <p:txBody>
+          <a:bodyPr>
+            <a:normAutofit/>
+          </a:bodyPr>
+          <a:lstStyle/>
+          <a:p>
+            <a:r>
+              <a:rPr lang="ru-RU" sz="3600" b="1" u="sng" dirty="0" smtClean="0">
+                <a:latin typeface="Arial Black" panose="020B0A04020102020204" pitchFamily="34" charset="0"/>
+              </a:rPr>
+              <a:t>Пример соответствия спектров</a:t>
+            </a:r>
+            <a:endParaRPr lang="ru-RU" sz="3600" b="1" u="sng" dirty="0">
+              <a:latin typeface="Arial Black" panose="020B0A04020102020204" pitchFamily="34" charset="0"/>
+            </a:endParaRPr>
+          </a:p>
+        </p:txBody>
+      </p:sp>
+      <p:pic>
+        <p:nvPicPr>
+          <p:cNvPr id="6" name="Рисунок 5"/>
+          <p:cNvPicPr>
+            <a:picLocks noChangeAspect="1"/>
+          </p:cNvPicPr>
+          <p:nvPr/>
+        </p:nvPicPr>
+        <p:blipFill>
+          <a:blip r:embed="rId2">
+            <a:extLst>
+              <a:ext uri="{28A0092B-C50C-407E-A947-70E740481C1C}">
+                <a14:useLocalDpi xmlns:a14="http://schemas.microsoft.com/office/drawing/2010/main" val="0"/>
+              </a:ext>
+            </a:extLst>
+          </a:blip>
+          <a:stretch>
+            <a:fillRect/>
+          </a:stretch>
+        </p:blipFill>
+        <p:spPr>
+          <a:xfrm>
+            <a:off x="3218040" y="1314645"/>
+            <a:ext cx="5729445" cy="4297084"/>
+          </a:xfrm>
+          <a:prstGeom prst="rect">
+            <a:avLst/>
+          </a:prstGeom>
+        </p:spPr>
+      </p:pic>
+      <p:sp>
+        <p:nvSpPr>
+          <p:cNvPr id="7" name="TextBox 6"/>
+          <p:cNvSpPr txBox="1"/>
+          <p:nvPr/>
+        </p:nvSpPr>
+        <p:spPr>
+          <a:xfrm>
+            <a:off x="2476092" y="5637919"/>
+            <a:ext cx="7213340" cy="923330"/>
+          </a:xfrm>
+          <a:prstGeom prst="rect">
+            <a:avLst/>
+          </a:prstGeom>
+          <a:noFill/>
+        </p:spPr>
+        <p:txBody>
+          <a:bodyPr wrap="square" rtlCol="0">
+            <a:spAutoFit/>
+          </a:bodyPr>
+          <a:lstStyle/>
+          <a:p>
+            <a:pPr algn="ctr"/>
+            <a:r>
+              <a:rPr lang="ru-RU" i="1" dirty="0" smtClean="0"/>
+              <a:t>Красный – экспериментальные данные (параметры)</a:t>
+            </a:r>
+            <a:r>
+              <a:rPr lang="en-US" i="1" dirty="0" smtClean="0"/>
+              <a:t>; </a:t>
+            </a:r>
+            <a:r>
+              <a:rPr lang="ru-RU" i="1" dirty="0" smtClean="0"/>
+              <a:t>Синий – теоретические спектр тормозного излучения при энергии электронов 3 </a:t>
+            </a:r>
+            <a:r>
+              <a:rPr lang="ru-RU" i="1" dirty="0" err="1" smtClean="0"/>
+              <a:t>еВ</a:t>
+            </a:r>
+            <a:r>
+              <a:rPr lang="ru-RU" i="1" dirty="0" smtClean="0"/>
+              <a:t> </a:t>
+            </a:r>
+            <a:endParaRPr lang="ru-RU" i="1" dirty="0"/>
+          </a:p>
+        </p:txBody>
+      </p:sp>
+    </p:spTree>
+    <p:extLst>
+      <p:ext uri="{BB962C8B-B14F-4D97-AF65-F5344CB8AC3E}">
+        <p14:creationId xmlns:p14="http://schemas.microsoft.com/office/powerpoint/2010/main" val="457928486"/>
       </p:ext>
     </p:extLst>
   </p:cSld>

--- a/МАГ.ДИСС/предзащита.pptx
+++ b/МАГ.ДИСС/предзащита.pptx
@@ -16,20 +16,20 @@
     <p:sldId id="260" r:id="rId7"/>
     <p:sldId id="268" r:id="rId8"/>
     <p:sldId id="262" r:id="rId9"/>
-    <p:sldId id="277" r:id="rId10"/>
-    <p:sldId id="263" r:id="rId11"/>
-    <p:sldId id="282" r:id="rId12"/>
-    <p:sldId id="265" r:id="rId13"/>
-    <p:sldId id="270" r:id="rId14"/>
-    <p:sldId id="266" r:id="rId15"/>
-    <p:sldId id="278" r:id="rId16"/>
-    <p:sldId id="271" r:id="rId17"/>
-    <p:sldId id="272" r:id="rId18"/>
-    <p:sldId id="279" r:id="rId19"/>
-    <p:sldId id="267" r:id="rId20"/>
-    <p:sldId id="283" r:id="rId21"/>
-    <p:sldId id="274" r:id="rId22"/>
-    <p:sldId id="275" r:id="rId23"/>
+    <p:sldId id="263" r:id="rId10"/>
+    <p:sldId id="282" r:id="rId11"/>
+    <p:sldId id="265" r:id="rId12"/>
+    <p:sldId id="270" r:id="rId13"/>
+    <p:sldId id="266" r:id="rId14"/>
+    <p:sldId id="278" r:id="rId15"/>
+    <p:sldId id="271" r:id="rId16"/>
+    <p:sldId id="272" r:id="rId17"/>
+    <p:sldId id="279" r:id="rId18"/>
+    <p:sldId id="267" r:id="rId19"/>
+    <p:sldId id="283" r:id="rId20"/>
+    <p:sldId id="274" r:id="rId21"/>
+    <p:sldId id="275" r:id="rId22"/>
+    <p:sldId id="284" r:id="rId23"/>
     <p:sldId id="273" r:id="rId24"/>
     <p:sldId id="280" r:id="rId25"/>
     <p:sldId id="281" r:id="rId26"/>
@@ -221,7 +221,7 @@
           <a:p>
             <a:fld id="{F7D55C1D-A154-4711-9524-B1FA3FCBE86D}" type="datetimeFigureOut">
               <a:rPr lang="ru-RU" smtClean="0"/>
-              <a:t>22.04.2021</a:t>
+              <a:t>25.04.2021</a:t>
             </a:fld>
             <a:endParaRPr lang="ru-RU"/>
           </a:p>
@@ -620,7 +620,7 @@
           <a:p>
             <a:fld id="{4BCDFBBF-EC8C-4C87-8117-70FE4D6E7A1B}" type="datetime1">
               <a:rPr lang="ru-RU" smtClean="0"/>
-              <a:t>22.04.2021</a:t>
+              <a:t>25.04.2021</a:t>
             </a:fld>
             <a:endParaRPr lang="ru-RU"/>
           </a:p>
@@ -790,7 +790,7 @@
           <a:p>
             <a:fld id="{37A44E4C-D519-4C53-B50C-5505EB2683C8}" type="datetime1">
               <a:rPr lang="ru-RU" smtClean="0"/>
-              <a:t>22.04.2021</a:t>
+              <a:t>25.04.2021</a:t>
             </a:fld>
             <a:endParaRPr lang="ru-RU"/>
           </a:p>
@@ -970,7 +970,7 @@
           <a:p>
             <a:fld id="{B279B224-0C90-4764-BECE-2371B5D94BD4}" type="datetime1">
               <a:rPr lang="ru-RU" smtClean="0"/>
-              <a:t>22.04.2021</a:t>
+              <a:t>25.04.2021</a:t>
             </a:fld>
             <a:endParaRPr lang="ru-RU"/>
           </a:p>
@@ -1140,7 +1140,7 @@
           <a:p>
             <a:fld id="{5582A512-79AF-4C1F-BF9D-462BC1FCCFA0}" type="datetime1">
               <a:rPr lang="ru-RU" smtClean="0"/>
-              <a:t>22.04.2021</a:t>
+              <a:t>25.04.2021</a:t>
             </a:fld>
             <a:endParaRPr lang="ru-RU"/>
           </a:p>
@@ -1386,7 +1386,7 @@
           <a:p>
             <a:fld id="{D7AE4C7E-E627-4DA4-B6B8-850AEF4F7BC2}" type="datetime1">
               <a:rPr lang="ru-RU" smtClean="0"/>
-              <a:t>22.04.2021</a:t>
+              <a:t>25.04.2021</a:t>
             </a:fld>
             <a:endParaRPr lang="ru-RU"/>
           </a:p>
@@ -1618,7 +1618,7 @@
           <a:p>
             <a:fld id="{73B56BA5-4F41-41AF-8BD8-E2CD42C6862F}" type="datetime1">
               <a:rPr lang="ru-RU" smtClean="0"/>
-              <a:t>22.04.2021</a:t>
+              <a:t>25.04.2021</a:t>
             </a:fld>
             <a:endParaRPr lang="ru-RU"/>
           </a:p>
@@ -1985,7 +1985,7 @@
           <a:p>
             <a:fld id="{0DF487A4-7DE3-4860-85C9-49FDD669A906}" type="datetime1">
               <a:rPr lang="ru-RU" smtClean="0"/>
-              <a:t>22.04.2021</a:t>
+              <a:t>25.04.2021</a:t>
             </a:fld>
             <a:endParaRPr lang="ru-RU"/>
           </a:p>
@@ -2103,7 +2103,7 @@
           <a:p>
             <a:fld id="{C1A88C33-8A17-400A-8B56-D24460C5C0DC}" type="datetime1">
               <a:rPr lang="ru-RU" smtClean="0"/>
-              <a:t>22.04.2021</a:t>
+              <a:t>25.04.2021</a:t>
             </a:fld>
             <a:endParaRPr lang="ru-RU"/>
           </a:p>
@@ -2198,7 +2198,7 @@
           <a:p>
             <a:fld id="{0F835C61-00AA-4FB4-B27D-4EF80EAEFA5D}" type="datetime1">
               <a:rPr lang="ru-RU" smtClean="0"/>
-              <a:t>22.04.2021</a:t>
+              <a:t>25.04.2021</a:t>
             </a:fld>
             <a:endParaRPr lang="ru-RU"/>
           </a:p>
@@ -2475,7 +2475,7 @@
           <a:p>
             <a:fld id="{A7AA2D40-F6CA-4D8C-8966-EBED997BC50D}" type="datetime1">
               <a:rPr lang="ru-RU" smtClean="0"/>
-              <a:t>22.04.2021</a:t>
+              <a:t>25.04.2021</a:t>
             </a:fld>
             <a:endParaRPr lang="ru-RU"/>
           </a:p>
@@ -2728,7 +2728,7 @@
           <a:p>
             <a:fld id="{6826C45A-2710-42A3-8015-E825D0DB8249}" type="datetime1">
               <a:rPr lang="ru-RU" smtClean="0"/>
-              <a:t>22.04.2021</a:t>
+              <a:t>25.04.2021</a:t>
             </a:fld>
             <a:endParaRPr lang="ru-RU"/>
           </a:p>
@@ -2941,7 +2941,7 @@
           <a:p>
             <a:fld id="{73EDAB0A-51D9-4FE7-8B34-B080672EA6C6}" type="datetime1">
               <a:rPr lang="ru-RU" smtClean="0"/>
-              <a:t>22.04.2021</a:t>
+              <a:t>25.04.2021</a:t>
             </a:fld>
             <a:endParaRPr lang="ru-RU"/>
           </a:p>
@@ -3359,7 +3359,7 @@
         </p:nvSpPr>
         <p:spPr>
           <a:xfrm>
-            <a:off x="1540329" y="2784109"/>
+            <a:off x="1540329" y="2960571"/>
             <a:ext cx="9144000" cy="891075"/>
           </a:xfrm>
         </p:spPr>
@@ -3407,24 +3407,62 @@
       </p:sp>
       <p:sp>
         <p:nvSpPr>
-          <p:cNvPr id="7" name="Прямоугольник 6"/>
+          <p:cNvPr id="8" name="Прямоугольник 7"/>
           <p:cNvSpPr/>
           <p:nvPr/>
         </p:nvSpPr>
         <p:spPr>
           <a:xfrm>
-            <a:off x="3048000" y="549854"/>
-            <a:ext cx="6096000" cy="859723"/>
+            <a:off x="658013" y="263131"/>
+            <a:ext cx="10908632" cy="1852815"/>
           </a:xfrm>
           <a:prstGeom prst="rect">
             <a:avLst/>
           </a:prstGeom>
         </p:spPr>
         <p:txBody>
-          <a:bodyPr>
+          <a:bodyPr wrap="square">
             <a:spAutoFit/>
           </a:bodyPr>
           <a:lstStyle/>
+          <a:p>
+            <a:pPr algn="ctr">
+              <a:lnSpc>
+                <a:spcPct val="115000"/>
+              </a:lnSpc>
+              <a:spcAft>
+                <a:spcPts val="800"/>
+              </a:spcAft>
+            </a:pPr>
+            <a:r>
+              <a:rPr lang="ru-RU" sz="2000" dirty="0">
+                <a:ea typeface="Calibri" panose="020F0502020204030204" pitchFamily="34" charset="0"/>
+                <a:cs typeface="Gotham Pro" panose="02000503040000020004" pitchFamily="2" charset="0"/>
+              </a:rPr>
+              <a:t>ФЕДЕРАЛЬНОЕ ГОСУДАРСТВЕННОЕ БЮДЖЕТНОЕ ОБРАЗОВАТЕЛЬНОЕ УЧРЕЖДЕНИЕ ВЫСШЕГО </a:t>
+            </a:r>
+            <a:r>
+              <a:rPr lang="ru-RU" sz="2000" dirty="0" smtClean="0">
+                <a:ea typeface="Calibri" panose="020F0502020204030204" pitchFamily="34" charset="0"/>
+                <a:cs typeface="Gotham Pro" panose="02000503040000020004" pitchFamily="2" charset="0"/>
+              </a:rPr>
+              <a:t>ОБРАЗОВАНИЯ </a:t>
+            </a:r>
+            <a:r>
+              <a:rPr lang="ru-RU" sz="2000" dirty="0">
+                <a:ea typeface="Calibri" panose="020F0502020204030204" pitchFamily="34" charset="0"/>
+                <a:cs typeface="Gotham Pro" panose="02000503040000020004" pitchFamily="2" charset="0"/>
+              </a:rPr>
+              <a:t>«МОСКОВСКИЙ ГОСУДАРСТВЕННЫЙ УНИВЕРСИТЕТ </a:t>
+            </a:r>
+            <a:r>
+              <a:rPr lang="ru-RU" sz="2000" dirty="0" smtClean="0">
+                <a:ea typeface="Calibri" panose="020F0502020204030204" pitchFamily="34" charset="0"/>
+                <a:cs typeface="Gotham Pro" panose="02000503040000020004" pitchFamily="2" charset="0"/>
+              </a:rPr>
+              <a:t>имени М.В. Ломоносова»</a:t>
+            </a:r>
+          </a:p>
           <a:p>
             <a:pPr lvl="0" algn="ctr">
               <a:lnSpc>
@@ -3434,16 +3472,13 @@
                 <a:spcPts val="800"/>
               </a:spcAft>
             </a:pPr>
-            <a:r>
-              <a:rPr lang="ru-RU" dirty="0" smtClean="0">
-                <a:solidFill>
-                  <a:prstClr val="black"/>
-                </a:solidFill>
-                <a:ea typeface="Calibri" panose="020F0502020204030204" pitchFamily="34" charset="0"/>
-                <a:cs typeface="Gotham Pro" panose="02000503040000020004" pitchFamily="2" charset="0"/>
-              </a:rPr>
-              <a:t>Физический факультет</a:t>
-            </a:r>
+            <a:endParaRPr lang="ru-RU" sz="2000" dirty="0" smtClean="0">
+              <a:solidFill>
+                <a:prstClr val="black"/>
+              </a:solidFill>
+              <a:ea typeface="Calibri" panose="020F0502020204030204" pitchFamily="34" charset="0"/>
+              <a:cs typeface="Gotham Pro" panose="02000503040000020004" pitchFamily="2" charset="0"/>
+            </a:endParaRPr>
           </a:p>
           <a:p>
             <a:pPr lvl="0" algn="ctr">
@@ -3455,16 +3490,57 @@
               </a:spcAft>
             </a:pPr>
             <a:r>
-              <a:rPr lang="ru-RU" dirty="0" smtClean="0">
+              <a:rPr lang="ru-RU" sz="2000" dirty="0" smtClean="0">
                 <a:solidFill>
                   <a:prstClr val="black"/>
                 </a:solidFill>
                 <a:ea typeface="Calibri" panose="020F0502020204030204" pitchFamily="34" charset="0"/>
                 <a:cs typeface="Gotham Pro" panose="02000503040000020004" pitchFamily="2" charset="0"/>
               </a:rPr>
-              <a:t>Кафедра молекулярных процессов и экстремальных состояний вещества</a:t>
-            </a:r>
-            <a:endParaRPr lang="ru-RU" dirty="0">
+              <a:t>Физический </a:t>
+            </a:r>
+            <a:r>
+              <a:rPr lang="ru-RU" sz="2000" dirty="0">
+                <a:solidFill>
+                  <a:prstClr val="black"/>
+                </a:solidFill>
+                <a:ea typeface="Calibri" panose="020F0502020204030204" pitchFamily="34" charset="0"/>
+                <a:cs typeface="Gotham Pro" panose="02000503040000020004" pitchFamily="2" charset="0"/>
+              </a:rPr>
+              <a:t>факультет</a:t>
+            </a:r>
+          </a:p>
+          <a:p>
+            <a:pPr lvl="0" algn="ctr">
+              <a:lnSpc>
+                <a:spcPct val="80000"/>
+              </a:lnSpc>
+              <a:spcAft>
+                <a:spcPts val="800"/>
+              </a:spcAft>
+            </a:pPr>
+            <a:r>
+              <a:rPr lang="ru-RU" sz="2000" dirty="0">
+                <a:solidFill>
+                  <a:prstClr val="black"/>
+                </a:solidFill>
+                <a:ea typeface="Calibri" panose="020F0502020204030204" pitchFamily="34" charset="0"/>
+                <a:cs typeface="Gotham Pro" panose="02000503040000020004" pitchFamily="2" charset="0"/>
+              </a:rPr>
+              <a:t>Кафедра молекулярных процессов и экстремальных состояний </a:t>
+            </a:r>
+            <a:r>
+              <a:rPr lang="ru-RU" sz="2000" dirty="0" smtClean="0">
+                <a:solidFill>
+                  <a:prstClr val="black"/>
+                </a:solidFill>
+                <a:ea typeface="Calibri" panose="020F0502020204030204" pitchFamily="34" charset="0"/>
+                <a:cs typeface="Gotham Pro" panose="02000503040000020004" pitchFamily="2" charset="0"/>
+              </a:rPr>
+              <a:t>вещества</a:t>
+            </a:r>
+            <a:endParaRPr lang="ru-RU" sz="2000" dirty="0">
+              <a:effectLst/>
               <a:ea typeface="Calibri" panose="020F0502020204030204" pitchFamily="34" charset="0"/>
               <a:cs typeface="Gotham Pro" panose="02000503040000020004" pitchFamily="2" charset="0"/>
             </a:endParaRPr>
@@ -3473,38 +3549,202 @@
       </p:sp>
       <p:sp>
         <p:nvSpPr>
-          <p:cNvPr id="2" name="TextBox 1"/>
-          <p:cNvSpPr txBox="1"/>
+          <p:cNvPr id="9" name="Rectangle 3"/>
+          <p:cNvSpPr>
+            <a:spLocks noChangeArrowheads="1"/>
+          </p:cNvSpPr>
           <p:nvPr/>
         </p:nvSpPr>
-        <p:spPr>
+        <p:spPr bwMode="auto">
           <a:xfrm>
-            <a:off x="482048" y="213691"/>
-            <a:ext cx="1391478" cy="646331"/>
+            <a:off x="8149389" y="4879022"/>
+            <a:ext cx="3417256" cy="1477328"/>
           </a:xfrm>
           <a:prstGeom prst="rect">
             <a:avLst/>
           </a:prstGeom>
           <a:noFill/>
+          <a:ln>
+            <a:noFill/>
+          </a:ln>
+          <a:effectLst/>
+          <a:extLst>
+            <a:ext uri="{909E8E84-426E-40DD-AFC4-6F175D3DCCD1}">
+              <a14:hiddenFill xmlns:a14="http://schemas.microsoft.com/office/drawing/2010/main">
+                <a:solidFill>
+                  <a:schemeClr val="accent1"/>
+                </a:solidFill>
+              </a14:hiddenFill>
+            </a:ext>
+            <a:ext uri="{91240B29-F687-4F45-9708-019B960494DF}">
+              <a14:hiddenLine xmlns:a14="http://schemas.microsoft.com/office/drawing/2010/main" w="9525">
+                <a:solidFill>
+                  <a:schemeClr val="tx1"/>
+                </a:solidFill>
+                <a:miter lim="800000"/>
+                <a:headEnd/>
+                <a:tailEnd/>
+              </a14:hiddenLine>
+            </a:ext>
+            <a:ext uri="{AF507438-7753-43E0-B8FC-AC1667EBCBE1}">
+              <a14:hiddenEffects xmlns:a14="http://schemas.microsoft.com/office/drawing/2010/main">
+                <a:effectLst>
+                  <a:outerShdw dist="35921" dir="2700000" algn="ctr" rotWithShape="0">
+                    <a:schemeClr val="bg2"/>
+                  </a:outerShdw>
+                </a:effectLst>
+              </a14:hiddenEffects>
+            </a:ext>
+          </a:extLst>
         </p:spPr>
         <p:txBody>
-          <a:bodyPr wrap="square" rtlCol="0">
+          <a:bodyPr vert="horz" wrap="square" lIns="91440" tIns="45720" rIns="91440" bIns="45720" numCol="1" anchor="ctr" anchorCtr="0" compatLnSpc="1">
+            <a:prstTxWarp prst="textNoShape">
+              <a:avLst/>
+            </a:prstTxWarp>
             <a:spAutoFit/>
           </a:bodyPr>
           <a:lstStyle/>
           <a:p>
-            <a:r>
-              <a:rPr lang="ru-RU" dirty="0" smtClean="0">
-                <a:solidFill>
-                  <a:srgbClr val="FF0000"/>
-                </a:solidFill>
-              </a:rPr>
-              <a:t>Шапка диплома</a:t>
-            </a:r>
-            <a:endParaRPr lang="ru-RU" dirty="0">
-              <a:solidFill>
-                <a:srgbClr val="FF0000"/>
-              </a:solidFill>
+            <a:pPr lvl="0" defTabSz="914400" eaLnBrk="0" fontAlgn="base" hangingPunct="0">
+              <a:spcBef>
+                <a:spcPct val="0"/>
+              </a:spcBef>
+              <a:spcAft>
+                <a:spcPct val="0"/>
+              </a:spcAft>
+            </a:pPr>
+            <a:r>
+              <a:rPr lang="ru-RU" altLang="ru-RU" dirty="0">
+                <a:ea typeface="Calibri" panose="020F0502020204030204" pitchFamily="34" charset="0"/>
+                <a:cs typeface="Gotham Pro" panose="02000503040000020004" pitchFamily="2" charset="0"/>
+              </a:rPr>
+              <a:t>Выполнил студент </a:t>
+            </a:r>
+            <a:r>
+              <a:rPr lang="en-US" altLang="ru-RU" dirty="0" smtClean="0">
+                <a:ea typeface="Calibri" panose="020F0502020204030204" pitchFamily="34" charset="0"/>
+                <a:cs typeface="Gotham Pro" panose="02000503040000020004" pitchFamily="2" charset="0"/>
+              </a:rPr>
+              <a:t>20</a:t>
+            </a:r>
+            <a:r>
+              <a:rPr lang="ru-RU" altLang="ru-RU" dirty="0" smtClean="0">
+                <a:ea typeface="Calibri" panose="020F0502020204030204" pitchFamily="34" charset="0"/>
+                <a:cs typeface="Gotham Pro" panose="02000503040000020004" pitchFamily="2" charset="0"/>
+              </a:rPr>
+              <a:t>4М </a:t>
+            </a:r>
+            <a:r>
+              <a:rPr lang="ru-RU" altLang="ru-RU" dirty="0">
+                <a:ea typeface="Calibri" panose="020F0502020204030204" pitchFamily="34" charset="0"/>
+                <a:cs typeface="Gotham Pro" panose="02000503040000020004" pitchFamily="2" charset="0"/>
+              </a:rPr>
+              <a:t>группы</a:t>
+            </a:r>
+          </a:p>
+          <a:p>
+            <a:pPr lvl="0" defTabSz="914400" eaLnBrk="0" fontAlgn="base" hangingPunct="0">
+              <a:spcBef>
+                <a:spcPct val="0"/>
+              </a:spcBef>
+              <a:spcAft>
+                <a:spcPct val="0"/>
+              </a:spcAft>
+            </a:pPr>
+            <a:r>
+              <a:rPr lang="ru-RU" altLang="ru-RU" dirty="0" smtClean="0">
+                <a:ea typeface="Calibri" panose="020F0502020204030204" pitchFamily="34" charset="0"/>
+                <a:cs typeface="Gotham Pro" panose="02000503040000020004" pitchFamily="2" charset="0"/>
+              </a:rPr>
+              <a:t>Уланов П.Ю.</a:t>
+            </a:r>
+          </a:p>
+          <a:p>
+            <a:pPr lvl="0" defTabSz="914400" eaLnBrk="0" fontAlgn="base" hangingPunct="0">
+              <a:spcBef>
+                <a:spcPct val="0"/>
+              </a:spcBef>
+              <a:spcAft>
+                <a:spcPct val="0"/>
+              </a:spcAft>
+            </a:pPr>
+            <a:r>
+              <a:rPr lang="ru-RU" altLang="ru-RU" dirty="0">
+                <a:ea typeface="Calibri" panose="020F0502020204030204" pitchFamily="34" charset="0"/>
+                <a:cs typeface="Gotham Pro" panose="02000503040000020004" pitchFamily="2" charset="0"/>
+              </a:rPr>
+              <a:t> </a:t>
+            </a:r>
+            <a:endParaRPr lang="ru-RU" altLang="ru-RU" dirty="0" smtClean="0">
+              <a:ea typeface="Calibri" panose="020F0502020204030204" pitchFamily="34" charset="0"/>
+              <a:cs typeface="Gotham Pro" panose="02000503040000020004" pitchFamily="2" charset="0"/>
+            </a:endParaRPr>
+          </a:p>
+          <a:p>
+            <a:pPr lvl="0" defTabSz="914400" eaLnBrk="0" fontAlgn="base" hangingPunct="0">
+              <a:spcBef>
+                <a:spcPct val="0"/>
+              </a:spcBef>
+              <a:spcAft>
+                <a:spcPct val="0"/>
+              </a:spcAft>
+            </a:pPr>
+            <a:r>
+              <a:rPr lang="ru-RU" altLang="ru-RU" dirty="0">
+                <a:ea typeface="Calibri" panose="020F0502020204030204" pitchFamily="34" charset="0"/>
+                <a:cs typeface="Gotham Pro" panose="02000503040000020004" pitchFamily="2" charset="0"/>
+              </a:rPr>
+              <a:t>Научный руководитель:</a:t>
+            </a:r>
+          </a:p>
+          <a:p>
+            <a:pPr lvl="0" defTabSz="914400" eaLnBrk="0" fontAlgn="base" hangingPunct="0">
+              <a:spcBef>
+                <a:spcPct val="0"/>
+              </a:spcBef>
+              <a:spcAft>
+                <a:spcPct val="0"/>
+              </a:spcAft>
+            </a:pPr>
+            <a:r>
+              <a:rPr lang="ru-RU" altLang="ru-RU" dirty="0">
+                <a:ea typeface="Calibri" panose="020F0502020204030204" pitchFamily="34" charset="0"/>
+                <a:cs typeface="Gotham Pro" panose="02000503040000020004" pitchFamily="2" charset="0"/>
+              </a:rPr>
+              <a:t>доцент </a:t>
+            </a:r>
+            <a:r>
+              <a:rPr lang="ru-RU" altLang="ru-RU" dirty="0" err="1">
+                <a:ea typeface="Calibri" panose="020F0502020204030204" pitchFamily="34" charset="0"/>
+                <a:cs typeface="Gotham Pro" panose="02000503040000020004" pitchFamily="2" charset="0"/>
+              </a:rPr>
+              <a:t>Мурсенкова</a:t>
+            </a:r>
+            <a:r>
+              <a:rPr lang="ru-RU" altLang="ru-RU" dirty="0">
+                <a:ea typeface="Calibri" panose="020F0502020204030204" pitchFamily="34" charset="0"/>
+                <a:cs typeface="Gotham Pro" panose="02000503040000020004" pitchFamily="2" charset="0"/>
+              </a:rPr>
+              <a:t> </a:t>
+            </a:r>
+            <a:r>
+              <a:rPr lang="ru-RU" altLang="ru-RU" dirty="0" err="1">
+                <a:ea typeface="Calibri" panose="020F0502020204030204" pitchFamily="34" charset="0"/>
+                <a:cs typeface="Gotham Pro" panose="02000503040000020004" pitchFamily="2" charset="0"/>
+              </a:rPr>
+              <a:t>И.В</a:t>
+            </a:r>
+            <a:r>
+              <a:rPr lang="ru-RU" altLang="ru-RU" dirty="0" smtClean="0">
+                <a:ea typeface="Calibri" panose="020F0502020204030204" pitchFamily="34" charset="0"/>
+                <a:cs typeface="Gotham Pro" panose="02000503040000020004" pitchFamily="2" charset="0"/>
+              </a:rPr>
+              <a:t>.</a:t>
+            </a:r>
+            <a:endParaRPr lang="ru-RU" altLang="ru-RU" dirty="0">
+              <a:ea typeface="Calibri" panose="020F0502020204030204" pitchFamily="34" charset="0"/>
+              <a:cs typeface="Gotham Pro" panose="02000503040000020004" pitchFamily="2" charset="0"/>
             </a:endParaRPr>
           </a:p>
         </p:txBody>
@@ -3548,7 +3788,30 @@
       </p:grpSpPr>
       <p:sp>
         <p:nvSpPr>
-          <p:cNvPr id="4" name="Заголовок 1"/>
+          <p:cNvPr id="4" name="Номер слайда 3"/>
+          <p:cNvSpPr>
+            <a:spLocks noGrp="1"/>
+          </p:cNvSpPr>
+          <p:nvPr>
+            <p:ph type="sldNum" sz="quarter" idx="12"/>
+          </p:nvPr>
+        </p:nvSpPr>
+        <p:spPr/>
+        <p:txBody>
+          <a:bodyPr/>
+          <a:lstStyle/>
+          <a:p>
+            <a:fld id="{9FAB18EA-D421-4479-A48C-D4262B204458}" type="slidenum">
+              <a:rPr lang="ru-RU" smtClean="0"/>
+              <a:t>10</a:t>
+            </a:fld>
+            <a:endParaRPr lang="ru-RU"/>
+          </a:p>
+        </p:txBody>
+      </p:sp>
+      <p:sp>
+        <p:nvSpPr>
+          <p:cNvPr id="6" name="Заголовок 1"/>
           <p:cNvSpPr>
             <a:spLocks noGrp="1"/>
           </p:cNvSpPr>
@@ -3556,7 +3819,12 @@
             <p:ph type="title"/>
           </p:nvPr>
         </p:nvSpPr>
-        <p:spPr/>
+        <p:spPr>
+          <a:xfrm>
+            <a:off x="798443" y="3290"/>
+            <a:ext cx="10515600" cy="1325563"/>
+          </a:xfrm>
+        </p:spPr>
         <p:txBody>
           <a:bodyPr>
             <a:normAutofit/>
@@ -3567,31 +3835,70 @@
               <a:rPr lang="ru-RU" sz="3600" b="1" u="sng" dirty="0" smtClean="0">
                 <a:latin typeface="Arial Black" panose="020B0A04020102020204" pitchFamily="34" charset="0"/>
               </a:rPr>
-              <a:t>Спектры излучения</a:t>
+              <a:t>Определение концентрации электронов</a:t>
             </a:r>
             <a:endParaRPr lang="ru-RU" sz="3600" b="1" u="sng" dirty="0">
               <a:latin typeface="Arial Black" panose="020B0A04020102020204" pitchFamily="34" charset="0"/>
             </a:endParaRPr>
+          </a:p>
+        </p:txBody>
+      </p:sp>
+      <p:sp>
+        <p:nvSpPr>
+          <p:cNvPr id="9" name="TextBox 8"/>
+          <p:cNvSpPr txBox="1"/>
+          <p:nvPr/>
+        </p:nvSpPr>
+        <p:spPr>
+          <a:xfrm>
+            <a:off x="2294021" y="5887453"/>
+            <a:ext cx="7315200" cy="707886"/>
+          </a:xfrm>
+          <a:prstGeom prst="rect">
+            <a:avLst/>
+          </a:prstGeom>
+          <a:noFill/>
+        </p:spPr>
+        <p:txBody>
+          <a:bodyPr wrap="square" rtlCol="0">
+            <a:spAutoFit/>
+          </a:bodyPr>
+          <a:lstStyle/>
+          <a:p>
+            <a:pPr algn="ctr"/>
+            <a:r>
+              <a:rPr lang="ru-RU" sz="2000" b="1" u="sng" dirty="0" smtClean="0"/>
+              <a:t>Концентрация электронов (а) неподвижный воздух, (</a:t>
+            </a:r>
+            <a:r>
+              <a:rPr lang="en-US" sz="2000" b="1" u="sng" dirty="0" smtClean="0"/>
+              <a:t>b) </a:t>
+            </a:r>
+            <a:r>
+              <a:rPr lang="ru-RU" sz="2000" b="1" u="sng" dirty="0" smtClean="0"/>
+              <a:t>в сверхзвуковые потоки </a:t>
+            </a:r>
+            <a:endParaRPr lang="ru-RU" sz="2000" b="1" u="sng" dirty="0"/>
           </a:p>
         </p:txBody>
       </p:sp>
       <p:grpSp>
         <p:nvGrpSpPr>
-          <p:cNvPr id="34" name="Группа 33"/>
+          <p:cNvPr id="12" name="Группа 11"/>
           <p:cNvGrpSpPr/>
           <p:nvPr/>
         </p:nvGrpSpPr>
         <p:grpSpPr>
           <a:xfrm>
-            <a:off x="994611" y="1262462"/>
-            <a:ext cx="6770307" cy="5106254"/>
-            <a:chOff x="2646656" y="1294546"/>
-            <a:chExt cx="6931267" cy="5198450"/>
+            <a:off x="347582" y="1293685"/>
+            <a:ext cx="5972907" cy="4389129"/>
+            <a:chOff x="3099575" y="1190474"/>
+            <a:chExt cx="5972907" cy="4389129"/>
           </a:xfrm>
         </p:grpSpPr>
         <p:pic>
           <p:nvPicPr>
-            <p:cNvPr id="5" name="Рисунок 4"/>
+            <p:cNvPr id="13" name="Рисунок 12"/>
             <p:cNvPicPr>
               <a:picLocks noChangeAspect="1"/>
             </p:cNvPicPr>
@@ -3611,813 +3918,356 @@
           </p:blipFill>
           <p:spPr>
             <a:xfrm>
-              <a:off x="2646656" y="1294546"/>
-              <a:ext cx="6931267" cy="5198450"/>
+              <a:off x="3099575" y="1190474"/>
+              <a:ext cx="5852172" cy="4389129"/>
             </a:xfrm>
             <a:prstGeom prst="rect">
               <a:avLst/>
             </a:prstGeom>
           </p:spPr>
         </p:pic>
-        <p:grpSp>
-          <p:nvGrpSpPr>
-            <p:cNvPr id="19" name="Группа 18"/>
-            <p:cNvGrpSpPr/>
-            <p:nvPr/>
-          </p:nvGrpSpPr>
-          <p:grpSpPr>
-            <a:xfrm>
-              <a:off x="4076674" y="1858132"/>
-              <a:ext cx="3838703" cy="3491640"/>
-              <a:chOff x="4205011" y="1039985"/>
-              <a:chExt cx="3838703" cy="3491640"/>
-            </a:xfrm>
-          </p:grpSpPr>
-          <p:sp>
-            <p:nvSpPr>
-              <p:cNvPr id="6" name="Правая фигурная скобка 5"/>
-              <p:cNvSpPr/>
-              <p:nvPr/>
-            </p:nvSpPr>
-            <p:spPr>
-              <a:xfrm rot="16200000">
-                <a:off x="4839943" y="1027047"/>
-                <a:ext cx="220263" cy="1072651"/>
-              </a:xfrm>
-              <a:prstGeom prst="rightBrace">
-                <a:avLst/>
-              </a:prstGeom>
-            </p:spPr>
-            <p:style>
-              <a:lnRef idx="1">
-                <a:schemeClr val="dk1"/>
-              </a:lnRef>
-              <a:fillRef idx="0">
-                <a:schemeClr val="dk1"/>
-              </a:fillRef>
-              <a:effectRef idx="0">
-                <a:schemeClr val="dk1"/>
-              </a:effectRef>
-              <a:fontRef idx="minor">
-                <a:schemeClr val="tx1"/>
-              </a:fontRef>
-            </p:style>
-            <p:txBody>
-              <a:bodyPr rtlCol="0" anchor="ctr"/>
-              <a:lstStyle/>
-              <a:p>
-                <a:pPr algn="ctr"/>
-                <a:endParaRPr lang="ru-RU"/>
-              </a:p>
-            </p:txBody>
-          </p:sp>
-          <mc:AlternateContent xmlns:mc="http://schemas.openxmlformats.org/markup-compatibility/2006" xmlns:a14="http://schemas.microsoft.com/office/drawing/2010/main">
-            <mc:Choice Requires="a14">
-              <p:sp>
-                <p:nvSpPr>
-                  <p:cNvPr id="7" name="TextBox 6"/>
-                  <p:cNvSpPr txBox="1"/>
-                  <p:nvPr/>
-                </p:nvSpPr>
-                <p:spPr>
-                  <a:xfrm>
-                    <a:off x="4205011" y="1039985"/>
-                    <a:ext cx="1490126" cy="413013"/>
-                  </a:xfrm>
-                  <a:prstGeom prst="rect">
-                    <a:avLst/>
-                  </a:prstGeom>
-                  <a:noFill/>
-                </p:spPr>
-                <p:txBody>
-                  <a:bodyPr wrap="square" rtlCol="0">
-                    <a:spAutoFit/>
-                  </a:bodyPr>
-                  <a:lstStyle/>
-                  <a:p>
-                    <a:pPr/>
-                    <a14:m>
-                      <m:oMathPara xmlns:m="http://schemas.openxmlformats.org/officeDocument/2006/math">
-                        <m:oMathParaPr>
-                          <m:jc m:val="centerGroup"/>
-                        </m:oMathParaPr>
-                        <m:oMath xmlns:m="http://schemas.openxmlformats.org/officeDocument/2006/math">
-                          <m:sSup>
-                            <m:sSupPr>
-                              <m:ctrlPr>
-                                <a:rPr lang="ru-RU" sz="1600" i="1" smtClean="0">
-                                  <a:latin typeface="Cambria Math" panose="02040503050406030204" pitchFamily="18" charset="0"/>
-                                </a:rPr>
-                              </m:ctrlPr>
-                            </m:sSupPr>
-                            <m:e>
-                              <m:sSubSup>
-                                <m:sSubSupPr>
-                                  <m:ctrlPr>
-                                    <a:rPr lang="ru-RU" sz="1600" i="1">
-                                      <a:latin typeface="Cambria Math" panose="02040503050406030204" pitchFamily="18" charset="0"/>
-                                    </a:rPr>
-                                  </m:ctrlPr>
-                                </m:sSubSupPr>
-                                <m:e>
-                                  <m:r>
-                                    <a:rPr lang="en-US" sz="1600" i="1">
-                                      <a:latin typeface="Cambria Math"/>
-                                    </a:rPr>
-                                    <m:t>𝑁</m:t>
-                                  </m:r>
-                                </m:e>
-                                <m:sub>
-                                  <m:r>
-                                    <a:rPr lang="en-US" sz="1600" i="1">
-                                      <a:latin typeface="Cambria Math"/>
-                                    </a:rPr>
-                                    <m:t>2</m:t>
-                                  </m:r>
-                                </m:sub>
-                                <m:sup>
-                                  <m:r>
-                                    <a:rPr lang="ru-RU" sz="1600" b="0" i="1" smtClean="0">
-                                      <a:latin typeface="Cambria Math" panose="02040503050406030204" pitchFamily="18" charset="0"/>
-                                    </a:rPr>
-                                    <m:t>+</m:t>
-                                  </m:r>
-                                </m:sup>
-                              </m:sSubSup>
-                            </m:e>
-                            <m:sup/>
-                          </m:sSup>
-                          <m:r>
-                            <a:rPr lang="en-US" sz="1600" b="0" i="1" smtClean="0">
-                              <a:latin typeface="Cambria Math"/>
-                            </a:rPr>
-                            <m:t>(</m:t>
-                          </m:r>
-                          <m:r>
-                            <a:rPr lang="en-US" sz="1600" b="0" i="1" smtClean="0">
-                              <a:latin typeface="Cambria Math"/>
-                            </a:rPr>
-                            <m:t>𝐶</m:t>
-                          </m:r>
-                          <m:r>
-                            <a:rPr lang="en-US" sz="1600" b="0" i="1" smtClean="0">
-                              <a:latin typeface="Cambria Math"/>
-                              <a:ea typeface="Cambria Math"/>
-                            </a:rPr>
-                            <m:t>→</m:t>
-                          </m:r>
-                          <m:r>
-                            <a:rPr lang="en-US" sz="1600" b="0" i="1" smtClean="0">
-                              <a:latin typeface="Cambria Math"/>
-                              <a:ea typeface="Cambria Math"/>
-                            </a:rPr>
-                            <m:t>𝐵</m:t>
-                          </m:r>
-                          <m:r>
-                            <a:rPr lang="en-US" sz="1600" b="0" i="1" smtClean="0">
-                              <a:latin typeface="Cambria Math"/>
-                              <a:ea typeface="Cambria Math"/>
-                            </a:rPr>
-                            <m:t>)</m:t>
-                          </m:r>
-                        </m:oMath>
-                      </m:oMathPara>
-                    </a14:m>
-                    <a:endParaRPr lang="ru-RU" sz="1600" dirty="0"/>
-                  </a:p>
-                </p:txBody>
-              </p:sp>
-            </mc:Choice>
-            <mc:Fallback xmlns="">
-              <p:sp>
-                <p:nvSpPr>
-                  <p:cNvPr id="7" name="TextBox 6"/>
-                  <p:cNvSpPr txBox="1">
-                    <a:spLocks noRot="1" noChangeAspect="1" noMove="1" noResize="1" noEditPoints="1" noAdjustHandles="1" noChangeArrowheads="1" noChangeShapeType="1" noTextEdit="1"/>
-                  </p:cNvSpPr>
-                  <p:nvPr/>
-                </p:nvSpPr>
-                <p:spPr>
-                  <a:xfrm>
-                    <a:off x="4205011" y="1039985"/>
-                    <a:ext cx="1490126" cy="413013"/>
-                  </a:xfrm>
-                  <a:prstGeom prst="rect">
-                    <a:avLst/>
-                  </a:prstGeom>
-                  <a:blipFill>
-                    <a:blip r:embed="rId3"/>
-                    <a:stretch>
-                      <a:fillRect b="-9091"/>
-                    </a:stretch>
-                  </a:blipFill>
-                </p:spPr>
-                <p:txBody>
-                  <a:bodyPr/>
-                  <a:lstStyle/>
-                  <a:p>
-                    <a:r>
-                      <a:rPr lang="ru-RU">
-                        <a:noFill/>
-                      </a:rPr>
-                      <a:t> </a:t>
-                    </a:r>
-                  </a:p>
-                </p:txBody>
-              </p:sp>
-            </mc:Fallback>
-          </mc:AlternateContent>
-          <p:cxnSp>
-            <p:nvCxnSpPr>
-              <p:cNvPr id="8" name="Прямая со стрелкой 7"/>
-              <p:cNvCxnSpPr/>
-              <p:nvPr/>
-            </p:nvCxnSpPr>
-            <p:spPr>
-              <a:xfrm>
-                <a:off x="6112290" y="1480228"/>
-                <a:ext cx="268189" cy="593005"/>
-              </a:xfrm>
-              <a:prstGeom prst="straightConnector1">
-                <a:avLst/>
-              </a:prstGeom>
-              <a:ln>
-                <a:tailEnd type="arrow"/>
-              </a:ln>
-            </p:spPr>
-            <p:style>
-              <a:lnRef idx="1">
-                <a:schemeClr val="dk1"/>
-              </a:lnRef>
-              <a:fillRef idx="0">
-                <a:schemeClr val="dk1"/>
-              </a:fillRef>
-              <a:effectRef idx="0">
-                <a:schemeClr val="dk1"/>
-              </a:effectRef>
-              <a:fontRef idx="minor">
-                <a:schemeClr val="tx1"/>
-              </a:fontRef>
-            </p:style>
-          </p:cxnSp>
-          <p:cxnSp>
-            <p:nvCxnSpPr>
-              <p:cNvPr id="9" name="Прямая со стрелкой 8"/>
-              <p:cNvCxnSpPr/>
-              <p:nvPr/>
-            </p:nvCxnSpPr>
-            <p:spPr>
-              <a:xfrm flipH="1">
-                <a:off x="5460636" y="1480228"/>
-                <a:ext cx="635365" cy="1186011"/>
-              </a:xfrm>
-              <a:prstGeom prst="straightConnector1">
-                <a:avLst/>
-              </a:prstGeom>
-              <a:ln>
-                <a:tailEnd type="arrow"/>
-              </a:ln>
-            </p:spPr>
-            <p:style>
-              <a:lnRef idx="1">
-                <a:schemeClr val="dk1"/>
-              </a:lnRef>
-              <a:fillRef idx="0">
-                <a:schemeClr val="dk1"/>
-              </a:fillRef>
-              <a:effectRef idx="0">
-                <a:schemeClr val="dk1"/>
-              </a:effectRef>
-              <a:fontRef idx="minor">
-                <a:schemeClr val="tx1"/>
-              </a:fontRef>
-            </p:style>
-          </p:cxnSp>
-          <p:cxnSp>
-            <p:nvCxnSpPr>
-              <p:cNvPr id="10" name="Прямая со стрелкой 9"/>
-              <p:cNvCxnSpPr/>
-              <p:nvPr/>
-            </p:nvCxnSpPr>
-            <p:spPr>
-              <a:xfrm flipH="1">
-                <a:off x="5960073" y="2666239"/>
-                <a:ext cx="47858" cy="765563"/>
-              </a:xfrm>
-              <a:prstGeom prst="straightConnector1">
-                <a:avLst/>
-              </a:prstGeom>
-              <a:ln>
-                <a:tailEnd type="arrow"/>
-              </a:ln>
-            </p:spPr>
-            <p:style>
-              <a:lnRef idx="1">
-                <a:schemeClr val="dk1"/>
-              </a:lnRef>
-              <a:fillRef idx="0">
-                <a:schemeClr val="dk1"/>
-              </a:fillRef>
-              <a:effectRef idx="0">
-                <a:schemeClr val="dk1"/>
-              </a:effectRef>
-              <a:fontRef idx="minor">
-                <a:schemeClr val="tx1"/>
-              </a:fontRef>
-            </p:style>
-          </p:cxnSp>
-          <p:cxnSp>
-            <p:nvCxnSpPr>
-              <p:cNvPr id="11" name="Прямая со стрелкой 10"/>
-              <p:cNvCxnSpPr/>
-              <p:nvPr/>
-            </p:nvCxnSpPr>
-            <p:spPr>
-              <a:xfrm flipH="1">
-                <a:off x="7026050" y="3285642"/>
-                <a:ext cx="55578" cy="698500"/>
-              </a:xfrm>
-              <a:prstGeom prst="straightConnector1">
-                <a:avLst/>
-              </a:prstGeom>
-              <a:ln>
-                <a:tailEnd type="arrow"/>
-              </a:ln>
-            </p:spPr>
-            <p:style>
-              <a:lnRef idx="1">
-                <a:schemeClr val="dk1"/>
-              </a:lnRef>
-              <a:fillRef idx="0">
-                <a:schemeClr val="dk1"/>
-              </a:fillRef>
-              <a:effectRef idx="0">
-                <a:schemeClr val="dk1"/>
-              </a:effectRef>
-              <a:fontRef idx="minor">
-                <a:schemeClr val="tx1"/>
-              </a:fontRef>
-            </p:style>
-          </p:cxnSp>
-          <p:cxnSp>
-            <p:nvCxnSpPr>
-              <p:cNvPr id="12" name="Прямая со стрелкой 11"/>
-              <p:cNvCxnSpPr/>
-              <p:nvPr/>
-            </p:nvCxnSpPr>
-            <p:spPr>
-              <a:xfrm flipH="1">
-                <a:off x="6985099" y="3626985"/>
-                <a:ext cx="610945" cy="714314"/>
-              </a:xfrm>
-              <a:prstGeom prst="straightConnector1">
-                <a:avLst/>
-              </a:prstGeom>
-              <a:ln>
-                <a:tailEnd type="arrow"/>
-              </a:ln>
-            </p:spPr>
-            <p:style>
-              <a:lnRef idx="1">
-                <a:schemeClr val="dk1"/>
-              </a:lnRef>
-              <a:fillRef idx="0">
-                <a:schemeClr val="dk1"/>
-              </a:fillRef>
-              <a:effectRef idx="0">
-                <a:schemeClr val="dk1"/>
-              </a:effectRef>
-              <a:fontRef idx="minor">
-                <a:schemeClr val="tx1"/>
-              </a:fontRef>
-            </p:style>
-          </p:cxnSp>
-          <p:cxnSp>
-            <p:nvCxnSpPr>
-              <p:cNvPr id="13" name="Прямая со стрелкой 12"/>
-              <p:cNvCxnSpPr/>
-              <p:nvPr/>
-            </p:nvCxnSpPr>
-            <p:spPr>
-              <a:xfrm flipH="1">
-                <a:off x="7373573" y="3595660"/>
-                <a:ext cx="222471" cy="745638"/>
-              </a:xfrm>
-              <a:prstGeom prst="straightConnector1">
-                <a:avLst/>
-              </a:prstGeom>
-              <a:ln>
-                <a:tailEnd type="arrow"/>
-              </a:ln>
-            </p:spPr>
-            <p:style>
-              <a:lnRef idx="1">
-                <a:schemeClr val="dk1"/>
-              </a:lnRef>
-              <a:fillRef idx="0">
-                <a:schemeClr val="dk1"/>
-              </a:fillRef>
-              <a:effectRef idx="0">
-                <a:schemeClr val="dk1"/>
-              </a:effectRef>
-              <a:fontRef idx="minor">
-                <a:schemeClr val="tx1"/>
-              </a:fontRef>
-            </p:style>
-          </p:cxnSp>
-          <p:cxnSp>
-            <p:nvCxnSpPr>
-              <p:cNvPr id="14" name="Прямая со стрелкой 13"/>
-              <p:cNvCxnSpPr/>
-              <p:nvPr/>
-            </p:nvCxnSpPr>
-            <p:spPr>
-              <a:xfrm flipH="1">
-                <a:off x="7550378" y="3626985"/>
-                <a:ext cx="45666" cy="904640"/>
-              </a:xfrm>
-              <a:prstGeom prst="straightConnector1">
-                <a:avLst/>
-              </a:prstGeom>
-              <a:ln>
-                <a:tailEnd type="arrow"/>
-              </a:ln>
-            </p:spPr>
-            <p:style>
-              <a:lnRef idx="1">
-                <a:schemeClr val="dk1"/>
-              </a:lnRef>
-              <a:fillRef idx="0">
-                <a:schemeClr val="dk1"/>
-              </a:fillRef>
-              <a:effectRef idx="0">
-                <a:schemeClr val="dk1"/>
-              </a:effectRef>
-              <a:fontRef idx="minor">
-                <a:schemeClr val="tx1"/>
-              </a:fontRef>
-            </p:style>
-          </p:cxnSp>
-          <mc:AlternateContent xmlns:mc="http://schemas.openxmlformats.org/markup-compatibility/2006" xmlns:a14="http://schemas.microsoft.com/office/drawing/2010/main">
-            <mc:Choice Requires="a14">
-              <p:sp>
-                <p:nvSpPr>
-                  <p:cNvPr id="15" name="TextBox 14"/>
-                  <p:cNvSpPr txBox="1"/>
-                  <p:nvPr/>
-                </p:nvSpPr>
-                <p:spPr>
-                  <a:xfrm>
-                    <a:off x="5728211" y="1139537"/>
-                    <a:ext cx="807151" cy="310018"/>
-                  </a:xfrm>
-                  <a:prstGeom prst="rect">
-                    <a:avLst/>
-                  </a:prstGeom>
-                  <a:noFill/>
-                </p:spPr>
-                <p:txBody>
-                  <a:bodyPr wrap="square" rtlCol="0">
-                    <a:spAutoFit/>
-                  </a:bodyPr>
-                  <a:lstStyle/>
-                  <a:p>
-                    <a:pPr/>
-                    <a14:m>
-                      <m:oMathPara xmlns:m="http://schemas.openxmlformats.org/officeDocument/2006/math">
-                        <m:oMathParaPr>
-                          <m:jc m:val="centerGroup"/>
-                        </m:oMathParaPr>
-                        <m:oMath xmlns:m="http://schemas.openxmlformats.org/officeDocument/2006/math">
-                          <m:r>
-                            <a:rPr lang="en-US" sz="2000" b="0" i="1" smtClean="0">
-                              <a:latin typeface="Cambria Math"/>
-                            </a:rPr>
-                            <m:t>𝐻</m:t>
-                          </m:r>
-                        </m:oMath>
-                      </m:oMathPara>
-                    </a14:m>
-                    <a:endParaRPr lang="ru-RU" sz="2000" dirty="0"/>
-                  </a:p>
-                </p:txBody>
-              </p:sp>
-            </mc:Choice>
-            <mc:Fallback xmlns="">
-              <p:sp>
-                <p:nvSpPr>
-                  <p:cNvPr id="15" name="TextBox 14"/>
-                  <p:cNvSpPr txBox="1">
-                    <a:spLocks noRot="1" noChangeAspect="1" noMove="1" noResize="1" noEditPoints="1" noAdjustHandles="1" noChangeArrowheads="1" noChangeShapeType="1" noTextEdit="1"/>
-                  </p:cNvSpPr>
-                  <p:nvPr/>
-                </p:nvSpPr>
-                <p:spPr>
-                  <a:xfrm>
-                    <a:off x="5728211" y="1139537"/>
-                    <a:ext cx="807151" cy="310018"/>
-                  </a:xfrm>
-                  <a:prstGeom prst="rect">
-                    <a:avLst/>
-                  </a:prstGeom>
-                  <a:blipFill>
-                    <a:blip r:embed="rId4"/>
-                    <a:stretch>
-                      <a:fillRect b="-22000"/>
-                    </a:stretch>
-                  </a:blipFill>
-                </p:spPr>
-                <p:txBody>
-                  <a:bodyPr/>
-                  <a:lstStyle/>
-                  <a:p>
-                    <a:r>
-                      <a:rPr lang="ru-RU">
-                        <a:noFill/>
-                      </a:rPr>
-                      <a:t> </a:t>
-                    </a:r>
-                  </a:p>
-                </p:txBody>
-              </p:sp>
-            </mc:Fallback>
-          </mc:AlternateContent>
-          <mc:AlternateContent xmlns:mc="http://schemas.openxmlformats.org/markup-compatibility/2006" xmlns:a14="http://schemas.microsoft.com/office/drawing/2010/main">
-            <mc:Choice Requires="a14">
-              <p:sp>
-                <p:nvSpPr>
-                  <p:cNvPr id="16" name="TextBox 15"/>
-                  <p:cNvSpPr txBox="1"/>
-                  <p:nvPr/>
-                </p:nvSpPr>
-                <p:spPr>
-                  <a:xfrm>
-                    <a:off x="5604355" y="2280364"/>
-                    <a:ext cx="807151" cy="310018"/>
-                  </a:xfrm>
-                  <a:prstGeom prst="rect">
-                    <a:avLst/>
-                  </a:prstGeom>
-                  <a:noFill/>
-                </p:spPr>
-                <p:txBody>
-                  <a:bodyPr wrap="square" rtlCol="0">
-                    <a:spAutoFit/>
-                  </a:bodyPr>
-                  <a:lstStyle/>
-                  <a:p>
-                    <a:pPr/>
-                    <a14:m>
-                      <m:oMathPara xmlns:m="http://schemas.openxmlformats.org/officeDocument/2006/math">
-                        <m:oMathParaPr>
-                          <m:jc m:val="centerGroup"/>
-                        </m:oMathParaPr>
-                        <m:oMath xmlns:m="http://schemas.openxmlformats.org/officeDocument/2006/math">
-                          <m:r>
-                            <a:rPr lang="en-US" sz="2000" b="0" i="1" smtClean="0">
-                              <a:latin typeface="Cambria Math"/>
-                            </a:rPr>
-                            <m:t>𝐶𝑢</m:t>
-                          </m:r>
-                        </m:oMath>
-                      </m:oMathPara>
-                    </a14:m>
-                    <a:endParaRPr lang="en-US" sz="2000" b="0" dirty="0" smtClean="0"/>
-                  </a:p>
-                </p:txBody>
-              </p:sp>
-            </mc:Choice>
-            <mc:Fallback xmlns="">
-              <p:sp>
-                <p:nvSpPr>
-                  <p:cNvPr id="16" name="TextBox 15"/>
-                  <p:cNvSpPr txBox="1">
-                    <a:spLocks noRot="1" noChangeAspect="1" noMove="1" noResize="1" noEditPoints="1" noAdjustHandles="1" noChangeArrowheads="1" noChangeShapeType="1" noTextEdit="1"/>
-                  </p:cNvSpPr>
-                  <p:nvPr/>
-                </p:nvSpPr>
-                <p:spPr>
-                  <a:xfrm>
-                    <a:off x="5604355" y="2280364"/>
-                    <a:ext cx="807151" cy="310018"/>
-                  </a:xfrm>
-                  <a:prstGeom prst="rect">
-                    <a:avLst/>
-                  </a:prstGeom>
-                  <a:blipFill>
-                    <a:blip r:embed="rId5"/>
-                    <a:stretch>
-                      <a:fillRect b="-22000"/>
-                    </a:stretch>
-                  </a:blipFill>
-                </p:spPr>
-                <p:txBody>
-                  <a:bodyPr/>
-                  <a:lstStyle/>
-                  <a:p>
-                    <a:r>
-                      <a:rPr lang="ru-RU">
-                        <a:noFill/>
-                      </a:rPr>
-                      <a:t> </a:t>
-                    </a:r>
-                  </a:p>
-                </p:txBody>
-              </p:sp>
-            </mc:Fallback>
-          </mc:AlternateContent>
-          <mc:AlternateContent xmlns:mc="http://schemas.openxmlformats.org/markup-compatibility/2006" xmlns:a14="http://schemas.microsoft.com/office/drawing/2010/main">
-            <mc:Choice Requires="a14">
-              <p:sp>
-                <p:nvSpPr>
-                  <p:cNvPr id="17" name="TextBox 16"/>
-                  <p:cNvSpPr txBox="1"/>
-                  <p:nvPr/>
-                </p:nvSpPr>
-                <p:spPr>
-                  <a:xfrm>
-                    <a:off x="6743227" y="2915550"/>
-                    <a:ext cx="807151" cy="310018"/>
-                  </a:xfrm>
-                  <a:prstGeom prst="rect">
-                    <a:avLst/>
-                  </a:prstGeom>
-                  <a:noFill/>
-                </p:spPr>
-                <p:txBody>
-                  <a:bodyPr wrap="square" rtlCol="0">
-                    <a:spAutoFit/>
-                  </a:bodyPr>
-                  <a:lstStyle/>
-                  <a:p>
-                    <a:pPr/>
-                    <a14:m>
-                      <m:oMathPara xmlns:m="http://schemas.openxmlformats.org/officeDocument/2006/math">
-                        <m:oMathParaPr>
-                          <m:jc m:val="centerGroup"/>
-                        </m:oMathParaPr>
-                        <m:oMath xmlns:m="http://schemas.openxmlformats.org/officeDocument/2006/math">
-                          <m:r>
-                            <a:rPr lang="en-US" sz="2000" b="0" i="1" smtClean="0">
-                              <a:latin typeface="Cambria Math"/>
-                            </a:rPr>
-                            <m:t>𝑂</m:t>
-                          </m:r>
-                        </m:oMath>
-                      </m:oMathPara>
-                    </a14:m>
-                    <a:endParaRPr lang="ru-RU" sz="2000" dirty="0"/>
-                  </a:p>
-                </p:txBody>
-              </p:sp>
-            </mc:Choice>
-            <mc:Fallback xmlns="">
-              <p:sp>
-                <p:nvSpPr>
-                  <p:cNvPr id="17" name="TextBox 16"/>
-                  <p:cNvSpPr txBox="1">
-                    <a:spLocks noRot="1" noChangeAspect="1" noMove="1" noResize="1" noEditPoints="1" noAdjustHandles="1" noChangeArrowheads="1" noChangeShapeType="1" noTextEdit="1"/>
-                  </p:cNvSpPr>
-                  <p:nvPr/>
-                </p:nvSpPr>
-                <p:spPr>
-                  <a:xfrm>
-                    <a:off x="6743227" y="2915550"/>
-                    <a:ext cx="807151" cy="310018"/>
-                  </a:xfrm>
-                  <a:prstGeom prst="rect">
-                    <a:avLst/>
-                  </a:prstGeom>
-                  <a:blipFill>
-                    <a:blip r:embed="rId6"/>
-                    <a:stretch>
-                      <a:fillRect b="-22000"/>
-                    </a:stretch>
-                  </a:blipFill>
-                </p:spPr>
-                <p:txBody>
-                  <a:bodyPr/>
-                  <a:lstStyle/>
-                  <a:p>
-                    <a:r>
-                      <a:rPr lang="ru-RU">
-                        <a:noFill/>
-                      </a:rPr>
-                      <a:t> </a:t>
-                    </a:r>
-                  </a:p>
-                </p:txBody>
-              </p:sp>
-            </mc:Fallback>
-          </mc:AlternateContent>
-          <mc:AlternateContent xmlns:mc="http://schemas.openxmlformats.org/markup-compatibility/2006" xmlns:a14="http://schemas.microsoft.com/office/drawing/2010/main">
-            <mc:Choice Requires="a14">
-              <p:sp>
-                <p:nvSpPr>
-                  <p:cNvPr id="18" name="TextBox 17"/>
-                  <p:cNvSpPr txBox="1"/>
-                  <p:nvPr/>
-                </p:nvSpPr>
-                <p:spPr>
-                  <a:xfrm>
-                    <a:off x="7236563" y="3285642"/>
-                    <a:ext cx="807151" cy="310018"/>
-                  </a:xfrm>
-                  <a:prstGeom prst="rect">
-                    <a:avLst/>
-                  </a:prstGeom>
-                  <a:noFill/>
-                </p:spPr>
-                <p:txBody>
-                  <a:bodyPr wrap="square" rtlCol="0">
-                    <a:spAutoFit/>
-                  </a:bodyPr>
-                  <a:lstStyle/>
-                  <a:p>
-                    <a:pPr/>
-                    <a14:m>
-                      <m:oMathPara xmlns:m="http://schemas.openxmlformats.org/officeDocument/2006/math">
-                        <m:oMathParaPr>
-                          <m:jc m:val="centerGroup"/>
-                        </m:oMathParaPr>
-                        <m:oMath xmlns:m="http://schemas.openxmlformats.org/officeDocument/2006/math">
-                          <m:r>
-                            <a:rPr lang="en-US" sz="2000" b="0" i="1" smtClean="0">
-                              <a:latin typeface="Cambria Math"/>
-                            </a:rPr>
-                            <m:t>𝑁</m:t>
-                          </m:r>
-                          <m:r>
-                            <a:rPr lang="en-US" sz="2000" b="0" i="1" smtClean="0">
-                              <a:latin typeface="Cambria Math"/>
-                            </a:rPr>
-                            <m:t> </m:t>
-                          </m:r>
-                          <m:r>
-                            <a:rPr lang="en-US" sz="2000" b="0" i="1" smtClean="0">
-                              <a:latin typeface="Cambria Math"/>
-                            </a:rPr>
-                            <m:t>𝐼</m:t>
-                          </m:r>
-                        </m:oMath>
-                      </m:oMathPara>
-                    </a14:m>
-                    <a:endParaRPr lang="ru-RU" sz="2000" dirty="0"/>
-                  </a:p>
-                </p:txBody>
-              </p:sp>
-            </mc:Choice>
-            <mc:Fallback xmlns="">
-              <p:sp>
-                <p:nvSpPr>
-                  <p:cNvPr id="18" name="TextBox 17"/>
-                  <p:cNvSpPr txBox="1">
-                    <a:spLocks noRot="1" noChangeAspect="1" noMove="1" noResize="1" noEditPoints="1" noAdjustHandles="1" noChangeArrowheads="1" noChangeShapeType="1" noTextEdit="1"/>
-                  </p:cNvSpPr>
-                  <p:nvPr/>
-                </p:nvSpPr>
-                <p:spPr>
-                  <a:xfrm>
-                    <a:off x="7236563" y="3285642"/>
-                    <a:ext cx="807151" cy="310018"/>
-                  </a:xfrm>
-                  <a:prstGeom prst="rect">
-                    <a:avLst/>
-                  </a:prstGeom>
-                  <a:blipFill>
-                    <a:blip r:embed="rId7"/>
-                    <a:stretch>
-                      <a:fillRect b="-22000"/>
-                    </a:stretch>
-                  </a:blipFill>
-                </p:spPr>
-                <p:txBody>
-                  <a:bodyPr/>
-                  <a:lstStyle/>
-                  <a:p>
-                    <a:r>
-                      <a:rPr lang="ru-RU">
-                        <a:noFill/>
-                      </a:rPr>
-                      <a:t> </a:t>
-                    </a:r>
-                  </a:p>
-                </p:txBody>
-              </p:sp>
-            </mc:Fallback>
-          </mc:AlternateContent>
-        </p:grpSp>
+        <mc:AlternateContent xmlns:mc="http://schemas.openxmlformats.org/markup-compatibility/2006">
+          <mc:Choice xmlns:a14="http://schemas.microsoft.com/office/drawing/2010/main" Requires="a14">
+            <p:sp>
+              <p:nvSpPr>
+                <p:cNvPr id="14" name="TextBox 13"/>
+                <p:cNvSpPr txBox="1"/>
+                <p:nvPr/>
+              </p:nvSpPr>
+              <p:spPr>
+                <a:xfrm>
+                  <a:off x="3099575" y="1362808"/>
+                  <a:ext cx="1951892" cy="347788"/>
+                </a:xfrm>
+                <a:prstGeom prst="rect">
+                  <a:avLst/>
+                </a:prstGeom>
+                <a:noFill/>
+              </p:spPr>
+              <p:txBody>
+                <a:bodyPr wrap="square" rtlCol="0">
+                  <a:spAutoFit/>
+                </a:bodyPr>
+                <a:lstStyle/>
+                <a:p>
+                  <a14:m>
+                    <m:oMathPara xmlns:m="http://schemas.openxmlformats.org/officeDocument/2006/math">
+                      <m:oMathParaPr>
+                        <m:jc m:val="centerGroup"/>
+                      </m:oMathParaPr>
+                      <m:oMath xmlns:m="http://schemas.openxmlformats.org/officeDocument/2006/math">
+                        <m:sSub>
+                          <m:sSubPr>
+                            <m:ctrlPr>
+                              <a:rPr lang="en-US" sz="1600" b="1" i="1" smtClean="0">
+                                <a:latin typeface="Cambria Math" panose="02040503050406030204" pitchFamily="18" charset="0"/>
+                                <a:cs typeface="Times New Roman" panose="02020603050405020304" pitchFamily="18" charset="0"/>
+                              </a:rPr>
+                            </m:ctrlPr>
+                          </m:sSubPr>
+                          <m:e>
+                            <m:r>
+                              <a:rPr lang="en-US" sz="1600" b="1" i="1" smtClean="0">
+                                <a:latin typeface="Cambria Math" panose="02040503050406030204" pitchFamily="18" charset="0"/>
+                                <a:cs typeface="Times New Roman" panose="02020603050405020304" pitchFamily="18" charset="0"/>
+                              </a:rPr>
+                              <m:t>𝒏</m:t>
+                            </m:r>
+                          </m:e>
+                          <m:sub>
+                            <m:r>
+                              <a:rPr lang="en-US" sz="1600" b="1" i="1" smtClean="0">
+                                <a:latin typeface="Cambria Math" panose="02040503050406030204" pitchFamily="18" charset="0"/>
+                                <a:cs typeface="Times New Roman" panose="02020603050405020304" pitchFamily="18" charset="0"/>
+                              </a:rPr>
+                              <m:t>𝒆</m:t>
+                            </m:r>
+                          </m:sub>
+                        </m:sSub>
+                        <m:r>
+                          <a:rPr lang="en-US" sz="1600" b="1" i="1" smtClean="0">
+                            <a:latin typeface="Cambria Math" panose="02040503050406030204" pitchFamily="18" charset="0"/>
+                            <a:cs typeface="Times New Roman" panose="02020603050405020304" pitchFamily="18" charset="0"/>
+                          </a:rPr>
+                          <m:t>, </m:t>
+                        </m:r>
+                        <m:r>
+                          <a:rPr lang="en-US" sz="1600" b="1" i="1" smtClean="0">
+                            <a:latin typeface="Cambria Math" panose="02040503050406030204" pitchFamily="18" charset="0"/>
+                            <a:cs typeface="Times New Roman" panose="02020603050405020304" pitchFamily="18" charset="0"/>
+                          </a:rPr>
+                          <m:t>𝟏</m:t>
+                        </m:r>
+                        <m:r>
+                          <a:rPr lang="en-US" sz="1600" b="1" i="1" smtClean="0">
+                            <a:latin typeface="Cambria Math" panose="02040503050406030204" pitchFamily="18" charset="0"/>
+                            <a:cs typeface="Times New Roman" panose="02020603050405020304" pitchFamily="18" charset="0"/>
+                          </a:rPr>
+                          <m:t>/</m:t>
+                        </m:r>
+                        <m:sSup>
+                          <m:sSupPr>
+                            <m:ctrlPr>
+                              <a:rPr lang="en-US" sz="1600" b="1" i="1" smtClean="0">
+                                <a:latin typeface="Cambria Math" panose="02040503050406030204" pitchFamily="18" charset="0"/>
+                                <a:cs typeface="Times New Roman" panose="02020603050405020304" pitchFamily="18" charset="0"/>
+                              </a:rPr>
+                            </m:ctrlPr>
+                          </m:sSupPr>
+                          <m:e>
+                            <m:r>
+                              <a:rPr lang="ru-RU" sz="1600" b="1" i="1" smtClean="0">
+                                <a:latin typeface="Cambria Math" panose="02040503050406030204" pitchFamily="18" charset="0"/>
+                                <a:cs typeface="Times New Roman" panose="02020603050405020304" pitchFamily="18" charset="0"/>
+                              </a:rPr>
+                              <m:t>см</m:t>
+                            </m:r>
+                          </m:e>
+                          <m:sup>
+                            <m:r>
+                              <a:rPr lang="ru-RU" sz="1600" b="1" i="1" smtClean="0">
+                                <a:latin typeface="Cambria Math" panose="02040503050406030204" pitchFamily="18" charset="0"/>
+                                <a:cs typeface="Times New Roman" panose="02020603050405020304" pitchFamily="18" charset="0"/>
+                              </a:rPr>
+                              <m:t>𝟑</m:t>
+                            </m:r>
+                          </m:sup>
+                        </m:sSup>
+                        <m:r>
+                          <a:rPr lang="en-US" sz="1600" b="1" i="1" smtClean="0">
+                            <a:latin typeface="Cambria Math" panose="02040503050406030204" pitchFamily="18" charset="0"/>
+                            <a:ea typeface="Cambria Math" panose="02040503050406030204" pitchFamily="18" charset="0"/>
+                            <a:cs typeface="Times New Roman" panose="02020603050405020304" pitchFamily="18" charset="0"/>
+                          </a:rPr>
+                          <m:t>×</m:t>
+                        </m:r>
+                        <m:sSup>
+                          <m:sSupPr>
+                            <m:ctrlPr>
+                              <a:rPr lang="en-US" sz="1600" b="1" i="1" smtClean="0">
+                                <a:latin typeface="Cambria Math" panose="02040503050406030204" pitchFamily="18" charset="0"/>
+                                <a:ea typeface="Cambria Math" panose="02040503050406030204" pitchFamily="18" charset="0"/>
+                                <a:cs typeface="Times New Roman" panose="02020603050405020304" pitchFamily="18" charset="0"/>
+                              </a:rPr>
+                            </m:ctrlPr>
+                          </m:sSupPr>
+                          <m:e>
+                            <m:r>
+                              <a:rPr lang="en-US" sz="1600" b="1" i="1" smtClean="0">
+                                <a:latin typeface="Cambria Math" panose="02040503050406030204" pitchFamily="18" charset="0"/>
+                                <a:ea typeface="Cambria Math" panose="02040503050406030204" pitchFamily="18" charset="0"/>
+                                <a:cs typeface="Times New Roman" panose="02020603050405020304" pitchFamily="18" charset="0"/>
+                              </a:rPr>
+                              <m:t>𝟏𝟎</m:t>
+                            </m:r>
+                          </m:e>
+                          <m:sup>
+                            <m:r>
+                              <a:rPr lang="en-US" sz="1600" b="1" i="1" smtClean="0">
+                                <a:latin typeface="Cambria Math" panose="02040503050406030204" pitchFamily="18" charset="0"/>
+                                <a:ea typeface="Cambria Math" panose="02040503050406030204" pitchFamily="18" charset="0"/>
+                                <a:cs typeface="Times New Roman" panose="02020603050405020304" pitchFamily="18" charset="0"/>
+                              </a:rPr>
+                              <m:t>𝟏𝟓</m:t>
+                            </m:r>
+                          </m:sup>
+                        </m:sSup>
+                      </m:oMath>
+                    </m:oMathPara>
+                  </a14:m>
+                  <a:endParaRPr lang="ru-RU" sz="1600" b="1" dirty="0">
+                    <a:latin typeface="Times New Roman" panose="02020603050405020304" pitchFamily="18" charset="0"/>
+                    <a:cs typeface="Times New Roman" panose="02020603050405020304" pitchFamily="18" charset="0"/>
+                  </a:endParaRPr>
+                </a:p>
+              </p:txBody>
+            </p:sp>
+          </mc:Choice>
+          <mc:Fallback>
+            <p:sp>
+              <p:nvSpPr>
+                <p:cNvPr id="14" name="TextBox 13"/>
+                <p:cNvSpPr txBox="1">
+                  <a:spLocks noRot="1" noChangeAspect="1" noMove="1" noResize="1" noEditPoints="1" noAdjustHandles="1" noChangeArrowheads="1" noChangeShapeType="1" noTextEdit="1"/>
+                </p:cNvSpPr>
+                <p:nvPr/>
+              </p:nvSpPr>
+              <p:spPr>
+                <a:xfrm>
+                  <a:off x="3099575" y="1362808"/>
+                  <a:ext cx="1951892" cy="347788"/>
+                </a:xfrm>
+                <a:prstGeom prst="rect">
+                  <a:avLst/>
+                </a:prstGeom>
+                <a:blipFill>
+                  <a:blip r:embed="rId3"/>
+                  <a:stretch>
+                    <a:fillRect b="-10345"/>
+                  </a:stretch>
+                </a:blipFill>
+              </p:spPr>
+              <p:txBody>
+                <a:bodyPr/>
+                <a:lstStyle/>
+                <a:p>
+                  <a:r>
+                    <a:rPr lang="ru-RU">
+                      <a:noFill/>
+                    </a:rPr>
+                    <a:t> </a:t>
+                  </a:r>
+                </a:p>
+              </p:txBody>
+            </p:sp>
+          </mc:Fallback>
+        </mc:AlternateContent>
+        <mc:AlternateContent xmlns:mc="http://schemas.openxmlformats.org/markup-compatibility/2006">
+          <mc:Choice xmlns:a14="http://schemas.microsoft.com/office/drawing/2010/main" Requires="a14">
+            <p:sp>
+              <p:nvSpPr>
+                <p:cNvPr id="15" name="TextBox 14"/>
+                <p:cNvSpPr txBox="1"/>
+                <p:nvPr/>
+              </p:nvSpPr>
+              <p:spPr>
+                <a:xfrm>
+                  <a:off x="7120590" y="5235470"/>
+                  <a:ext cx="1951892" cy="344133"/>
+                </a:xfrm>
+                <a:prstGeom prst="rect">
+                  <a:avLst/>
+                </a:prstGeom>
+                <a:noFill/>
+              </p:spPr>
+              <p:txBody>
+                <a:bodyPr wrap="square" rtlCol="0">
+                  <a:spAutoFit/>
+                </a:bodyPr>
+                <a:lstStyle/>
+                <a:p>
+                  <a14:m>
+                    <m:oMathPara xmlns:m="http://schemas.openxmlformats.org/officeDocument/2006/math">
+                      <m:oMathParaPr>
+                        <m:jc m:val="centerGroup"/>
+                      </m:oMathParaPr>
+                      <m:oMath xmlns:m="http://schemas.openxmlformats.org/officeDocument/2006/math">
+                        <m:r>
+                          <a:rPr lang="en-US" sz="1600" b="1" i="1" smtClean="0">
+                            <a:latin typeface="Cambria Math" panose="02040503050406030204" pitchFamily="18" charset="0"/>
+                            <a:ea typeface="Cambria Math" panose="02040503050406030204" pitchFamily="18" charset="0"/>
+                            <a:cs typeface="Times New Roman" panose="02020603050405020304" pitchFamily="18" charset="0"/>
+                          </a:rPr>
+                          <m:t>𝝆</m:t>
+                        </m:r>
+                        <m:r>
+                          <a:rPr lang="ru-RU" sz="1600" b="1" i="1" smtClean="0">
+                            <a:latin typeface="Cambria Math" panose="02040503050406030204" pitchFamily="18" charset="0"/>
+                            <a:ea typeface="Cambria Math" panose="02040503050406030204" pitchFamily="18" charset="0"/>
+                            <a:cs typeface="Times New Roman" panose="02020603050405020304" pitchFamily="18" charset="0"/>
+                          </a:rPr>
+                          <m:t>, кг</m:t>
+                        </m:r>
+                        <m:r>
+                          <a:rPr lang="en-US" sz="1600" b="1" i="1" smtClean="0">
+                            <a:latin typeface="Cambria Math" panose="02040503050406030204" pitchFamily="18" charset="0"/>
+                            <a:ea typeface="Cambria Math" panose="02040503050406030204" pitchFamily="18" charset="0"/>
+                            <a:cs typeface="Times New Roman" panose="02020603050405020304" pitchFamily="18" charset="0"/>
+                          </a:rPr>
+                          <m:t>/</m:t>
+                        </m:r>
+                        <m:sSup>
+                          <m:sSupPr>
+                            <m:ctrlPr>
+                              <a:rPr lang="en-US" sz="1600" b="1" i="1" smtClean="0">
+                                <a:latin typeface="Cambria Math" panose="02040503050406030204" pitchFamily="18" charset="0"/>
+                                <a:ea typeface="Cambria Math" panose="02040503050406030204" pitchFamily="18" charset="0"/>
+                                <a:cs typeface="Times New Roman" panose="02020603050405020304" pitchFamily="18" charset="0"/>
+                              </a:rPr>
+                            </m:ctrlPr>
+                          </m:sSupPr>
+                          <m:e>
+                            <m:r>
+                              <a:rPr lang="ru-RU" sz="1600" b="1" i="1" smtClean="0">
+                                <a:latin typeface="Cambria Math" panose="02040503050406030204" pitchFamily="18" charset="0"/>
+                                <a:ea typeface="Cambria Math" panose="02040503050406030204" pitchFamily="18" charset="0"/>
+                                <a:cs typeface="Times New Roman" panose="02020603050405020304" pitchFamily="18" charset="0"/>
+                              </a:rPr>
+                              <m:t>м</m:t>
+                            </m:r>
+                          </m:e>
+                          <m:sup>
+                            <m:r>
+                              <a:rPr lang="ru-RU" sz="1600" b="1" i="1" smtClean="0">
+                                <a:latin typeface="Cambria Math" panose="02040503050406030204" pitchFamily="18" charset="0"/>
+                                <a:ea typeface="Cambria Math" panose="02040503050406030204" pitchFamily="18" charset="0"/>
+                                <a:cs typeface="Times New Roman" panose="02020603050405020304" pitchFamily="18" charset="0"/>
+                              </a:rPr>
+                              <m:t>𝟑</m:t>
+                            </m:r>
+                          </m:sup>
+                        </m:sSup>
+                      </m:oMath>
+                    </m:oMathPara>
+                  </a14:m>
+                  <a:endParaRPr lang="ru-RU" sz="1600" b="1" dirty="0">
+                    <a:latin typeface="Times New Roman" panose="02020603050405020304" pitchFamily="18" charset="0"/>
+                    <a:cs typeface="Times New Roman" panose="02020603050405020304" pitchFamily="18" charset="0"/>
+                  </a:endParaRPr>
+                </a:p>
+              </p:txBody>
+            </p:sp>
+          </mc:Choice>
+          <mc:Fallback>
+            <p:sp>
+              <p:nvSpPr>
+                <p:cNvPr id="15" name="TextBox 14"/>
+                <p:cNvSpPr txBox="1">
+                  <a:spLocks noRot="1" noChangeAspect="1" noMove="1" noResize="1" noEditPoints="1" noAdjustHandles="1" noChangeArrowheads="1" noChangeShapeType="1" noTextEdit="1"/>
+                </p:cNvSpPr>
+                <p:nvPr/>
+              </p:nvSpPr>
+              <p:spPr>
+                <a:xfrm>
+                  <a:off x="7120590" y="5235470"/>
+                  <a:ext cx="1951892" cy="344133"/>
+                </a:xfrm>
+                <a:prstGeom prst="rect">
+                  <a:avLst/>
+                </a:prstGeom>
+                <a:blipFill>
+                  <a:blip r:embed="rId4"/>
+                  <a:stretch>
+                    <a:fillRect b="-12500"/>
+                  </a:stretch>
+                </a:blipFill>
+              </p:spPr>
+              <p:txBody>
+                <a:bodyPr/>
+                <a:lstStyle/>
+                <a:p>
+                  <a:r>
+                    <a:rPr lang="ru-RU">
+                      <a:noFill/>
+                    </a:rPr>
+                    <a:t> </a:t>
+                  </a:r>
+                </a:p>
+              </p:txBody>
+            </p:sp>
+          </mc:Fallback>
+        </mc:AlternateContent>
       </p:grpSp>
       <p:sp>
         <p:nvSpPr>
-          <p:cNvPr id="37" name="TextBox 36"/>
+          <p:cNvPr id="10" name="TextBox 9"/>
           <p:cNvSpPr txBox="1"/>
           <p:nvPr/>
         </p:nvSpPr>
         <p:spPr>
           <a:xfrm>
-            <a:off x="7657791" y="2913663"/>
-            <a:ext cx="4112338" cy="1600438"/>
+            <a:off x="420278" y="4969349"/>
+            <a:ext cx="1007456" cy="369332"/>
           </a:xfrm>
           <a:prstGeom prst="rect">
             <a:avLst/>
@@ -4431,57 +4281,399 @@
           <a:lstStyle/>
           <a:p>
             <a:r>
-              <a:rPr lang="ru-RU" sz="2000" dirty="0" smtClean="0"/>
-              <a:t>Спектры излучения в воздушном потоке (1) и в неподвижном воздухе (2). Число Маха потока 1.42, плотность 0.10 </a:t>
-            </a:r>
-            <a:r>
-              <a:rPr lang="en-US" sz="2000" dirty="0" smtClean="0"/>
-              <a:t>kg/m</a:t>
-            </a:r>
-            <a:r>
-              <a:rPr lang="en-US" sz="2000" baseline="30000" dirty="0" smtClean="0"/>
-              <a:t>3</a:t>
-            </a:r>
-            <a:endParaRPr lang="ru-RU" sz="2000" dirty="0" smtClean="0"/>
-          </a:p>
-          <a:p>
-            <a:endParaRPr lang="ru-RU" dirty="0"/>
+              <a:rPr lang="en-US" b="1" dirty="0" smtClean="0"/>
+              <a:t>a)</a:t>
+            </a:r>
+            <a:endParaRPr lang="ru-RU" b="1" dirty="0"/>
           </a:p>
         </p:txBody>
       </p:sp>
+      <p:grpSp>
+        <p:nvGrpSpPr>
+          <p:cNvPr id="16" name="Группа 15"/>
+          <p:cNvGrpSpPr/>
+          <p:nvPr/>
+        </p:nvGrpSpPr>
+        <p:grpSpPr>
+          <a:xfrm>
+            <a:off x="5951621" y="1293685"/>
+            <a:ext cx="5852172" cy="4389129"/>
+            <a:chOff x="2633583" y="1102551"/>
+            <a:chExt cx="5852172" cy="4389129"/>
+          </a:xfrm>
+        </p:grpSpPr>
+        <p:pic>
+          <p:nvPicPr>
+            <p:cNvPr id="17" name="Рисунок 16"/>
+            <p:cNvPicPr>
+              <a:picLocks noChangeAspect="1"/>
+            </p:cNvPicPr>
+            <p:nvPr/>
+          </p:nvPicPr>
+          <p:blipFill>
+            <a:blip r:embed="rId5">
+              <a:extLst>
+                <a:ext uri="{28A0092B-C50C-407E-A947-70E740481C1C}">
+                  <a14:useLocalDpi xmlns:a14="http://schemas.microsoft.com/office/drawing/2010/main" val="0"/>
+                </a:ext>
+              </a:extLst>
+            </a:blip>
+            <a:stretch>
+              <a:fillRect/>
+            </a:stretch>
+          </p:blipFill>
+          <p:spPr>
+            <a:xfrm>
+              <a:off x="2633583" y="1102551"/>
+              <a:ext cx="5852172" cy="4389129"/>
+            </a:xfrm>
+            <a:prstGeom prst="rect">
+              <a:avLst/>
+            </a:prstGeom>
+          </p:spPr>
+        </p:pic>
+        <mc:AlternateContent xmlns:mc="http://schemas.openxmlformats.org/markup-compatibility/2006">
+          <mc:Choice xmlns:a14="http://schemas.microsoft.com/office/drawing/2010/main" Requires="a14">
+            <p:sp>
+              <p:nvSpPr>
+                <p:cNvPr id="18" name="TextBox 17"/>
+                <p:cNvSpPr txBox="1"/>
+                <p:nvPr/>
+              </p:nvSpPr>
+              <p:spPr>
+                <a:xfrm>
+                  <a:off x="2633583" y="1213338"/>
+                  <a:ext cx="1951892" cy="347788"/>
+                </a:xfrm>
+                <a:prstGeom prst="rect">
+                  <a:avLst/>
+                </a:prstGeom>
+                <a:noFill/>
+              </p:spPr>
+              <p:txBody>
+                <a:bodyPr wrap="square" rtlCol="0">
+                  <a:spAutoFit/>
+                </a:bodyPr>
+                <a:lstStyle/>
+                <a:p>
+                  <a14:m>
+                    <m:oMathPara xmlns:m="http://schemas.openxmlformats.org/officeDocument/2006/math">
+                      <m:oMathParaPr>
+                        <m:jc m:val="centerGroup"/>
+                      </m:oMathParaPr>
+                      <m:oMath xmlns:m="http://schemas.openxmlformats.org/officeDocument/2006/math">
+                        <m:sSub>
+                          <m:sSubPr>
+                            <m:ctrlPr>
+                              <a:rPr lang="en-US" sz="1600" b="1" i="1" smtClean="0">
+                                <a:latin typeface="Cambria Math" panose="02040503050406030204" pitchFamily="18" charset="0"/>
+                                <a:cs typeface="Times New Roman" panose="02020603050405020304" pitchFamily="18" charset="0"/>
+                              </a:rPr>
+                            </m:ctrlPr>
+                          </m:sSubPr>
+                          <m:e>
+                            <m:r>
+                              <a:rPr lang="en-US" sz="1600" b="1" i="1" smtClean="0">
+                                <a:latin typeface="Cambria Math" panose="02040503050406030204" pitchFamily="18" charset="0"/>
+                                <a:cs typeface="Times New Roman" panose="02020603050405020304" pitchFamily="18" charset="0"/>
+                              </a:rPr>
+                              <m:t>𝒏</m:t>
+                            </m:r>
+                          </m:e>
+                          <m:sub>
+                            <m:r>
+                              <a:rPr lang="en-US" sz="1600" b="1" i="1" smtClean="0">
+                                <a:latin typeface="Cambria Math" panose="02040503050406030204" pitchFamily="18" charset="0"/>
+                                <a:cs typeface="Times New Roman" panose="02020603050405020304" pitchFamily="18" charset="0"/>
+                              </a:rPr>
+                              <m:t>𝒆</m:t>
+                            </m:r>
+                          </m:sub>
+                        </m:sSub>
+                        <m:r>
+                          <a:rPr lang="en-US" sz="1600" b="1" i="1" smtClean="0">
+                            <a:latin typeface="Cambria Math" panose="02040503050406030204" pitchFamily="18" charset="0"/>
+                            <a:cs typeface="Times New Roman" panose="02020603050405020304" pitchFamily="18" charset="0"/>
+                          </a:rPr>
+                          <m:t>, </m:t>
+                        </m:r>
+                        <m:r>
+                          <a:rPr lang="en-US" sz="1600" b="1" i="1" smtClean="0">
+                            <a:latin typeface="Cambria Math" panose="02040503050406030204" pitchFamily="18" charset="0"/>
+                            <a:cs typeface="Times New Roman" panose="02020603050405020304" pitchFamily="18" charset="0"/>
+                          </a:rPr>
+                          <m:t>𝟏</m:t>
+                        </m:r>
+                        <m:r>
+                          <a:rPr lang="en-US" sz="1600" b="1" i="1" smtClean="0">
+                            <a:latin typeface="Cambria Math" panose="02040503050406030204" pitchFamily="18" charset="0"/>
+                            <a:cs typeface="Times New Roman" panose="02020603050405020304" pitchFamily="18" charset="0"/>
+                          </a:rPr>
+                          <m:t>/</m:t>
+                        </m:r>
+                        <m:sSup>
+                          <m:sSupPr>
+                            <m:ctrlPr>
+                              <a:rPr lang="en-US" sz="1600" b="1" i="1" smtClean="0">
+                                <a:latin typeface="Cambria Math" panose="02040503050406030204" pitchFamily="18" charset="0"/>
+                                <a:cs typeface="Times New Roman" panose="02020603050405020304" pitchFamily="18" charset="0"/>
+                              </a:rPr>
+                            </m:ctrlPr>
+                          </m:sSupPr>
+                          <m:e>
+                            <m:r>
+                              <a:rPr lang="ru-RU" sz="1600" b="1" i="1" smtClean="0">
+                                <a:latin typeface="Cambria Math" panose="02040503050406030204" pitchFamily="18" charset="0"/>
+                                <a:cs typeface="Times New Roman" panose="02020603050405020304" pitchFamily="18" charset="0"/>
+                              </a:rPr>
+                              <m:t>см</m:t>
+                            </m:r>
+                          </m:e>
+                          <m:sup>
+                            <m:r>
+                              <a:rPr lang="ru-RU" sz="1600" b="1" i="1" smtClean="0">
+                                <a:latin typeface="Cambria Math" panose="02040503050406030204" pitchFamily="18" charset="0"/>
+                                <a:cs typeface="Times New Roman" panose="02020603050405020304" pitchFamily="18" charset="0"/>
+                              </a:rPr>
+                              <m:t>𝟑</m:t>
+                            </m:r>
+                          </m:sup>
+                        </m:sSup>
+                        <m:r>
+                          <a:rPr lang="en-US" sz="1600" b="1" i="1" smtClean="0">
+                            <a:latin typeface="Cambria Math" panose="02040503050406030204" pitchFamily="18" charset="0"/>
+                            <a:ea typeface="Cambria Math" panose="02040503050406030204" pitchFamily="18" charset="0"/>
+                            <a:cs typeface="Times New Roman" panose="02020603050405020304" pitchFamily="18" charset="0"/>
+                          </a:rPr>
+                          <m:t>×</m:t>
+                        </m:r>
+                        <m:sSup>
+                          <m:sSupPr>
+                            <m:ctrlPr>
+                              <a:rPr lang="en-US" sz="1600" b="1" i="1" smtClean="0">
+                                <a:latin typeface="Cambria Math" panose="02040503050406030204" pitchFamily="18" charset="0"/>
+                                <a:ea typeface="Cambria Math" panose="02040503050406030204" pitchFamily="18" charset="0"/>
+                                <a:cs typeface="Times New Roman" panose="02020603050405020304" pitchFamily="18" charset="0"/>
+                              </a:rPr>
+                            </m:ctrlPr>
+                          </m:sSupPr>
+                          <m:e>
+                            <m:r>
+                              <a:rPr lang="en-US" sz="1600" b="1" i="1" smtClean="0">
+                                <a:latin typeface="Cambria Math" panose="02040503050406030204" pitchFamily="18" charset="0"/>
+                                <a:ea typeface="Cambria Math" panose="02040503050406030204" pitchFamily="18" charset="0"/>
+                                <a:cs typeface="Times New Roman" panose="02020603050405020304" pitchFamily="18" charset="0"/>
+                              </a:rPr>
+                              <m:t>𝟏𝟎</m:t>
+                            </m:r>
+                          </m:e>
+                          <m:sup>
+                            <m:r>
+                              <a:rPr lang="en-US" sz="1600" b="1" i="1" smtClean="0">
+                                <a:latin typeface="Cambria Math" panose="02040503050406030204" pitchFamily="18" charset="0"/>
+                                <a:ea typeface="Cambria Math" panose="02040503050406030204" pitchFamily="18" charset="0"/>
+                                <a:cs typeface="Times New Roman" panose="02020603050405020304" pitchFamily="18" charset="0"/>
+                              </a:rPr>
+                              <m:t>𝟏𝟓</m:t>
+                            </m:r>
+                          </m:sup>
+                        </m:sSup>
+                      </m:oMath>
+                    </m:oMathPara>
+                  </a14:m>
+                  <a:endParaRPr lang="ru-RU" sz="1600" b="1" dirty="0">
+                    <a:latin typeface="Times New Roman" panose="02020603050405020304" pitchFamily="18" charset="0"/>
+                    <a:cs typeface="Times New Roman" panose="02020603050405020304" pitchFamily="18" charset="0"/>
+                  </a:endParaRPr>
+                </a:p>
+              </p:txBody>
+            </p:sp>
+          </mc:Choice>
+          <mc:Fallback>
+            <p:sp>
+              <p:nvSpPr>
+                <p:cNvPr id="18" name="TextBox 17"/>
+                <p:cNvSpPr txBox="1">
+                  <a:spLocks noRot="1" noChangeAspect="1" noMove="1" noResize="1" noEditPoints="1" noAdjustHandles="1" noChangeArrowheads="1" noChangeShapeType="1" noTextEdit="1"/>
+                </p:cNvSpPr>
+                <p:nvPr/>
+              </p:nvSpPr>
+              <p:spPr>
+                <a:xfrm>
+                  <a:off x="2633583" y="1213338"/>
+                  <a:ext cx="1951892" cy="347788"/>
+                </a:xfrm>
+                <a:prstGeom prst="rect">
+                  <a:avLst/>
+                </a:prstGeom>
+                <a:blipFill>
+                  <a:blip r:embed="rId6"/>
+                  <a:stretch>
+                    <a:fillRect b="-12281"/>
+                  </a:stretch>
+                </a:blipFill>
+              </p:spPr>
+              <p:txBody>
+                <a:bodyPr/>
+                <a:lstStyle/>
+                <a:p>
+                  <a:r>
+                    <a:rPr lang="ru-RU">
+                      <a:noFill/>
+                    </a:rPr>
+                    <a:t> </a:t>
+                  </a:r>
+                </a:p>
+              </p:txBody>
+            </p:sp>
+          </mc:Fallback>
+        </mc:AlternateContent>
+        <mc:AlternateContent xmlns:mc="http://schemas.openxmlformats.org/markup-compatibility/2006">
+          <mc:Choice xmlns:a14="http://schemas.microsoft.com/office/drawing/2010/main" Requires="a14">
+            <p:sp>
+              <p:nvSpPr>
+                <p:cNvPr id="19" name="TextBox 18"/>
+                <p:cNvSpPr txBox="1"/>
+                <p:nvPr/>
+              </p:nvSpPr>
+              <p:spPr>
+                <a:xfrm>
+                  <a:off x="6533863" y="5147547"/>
+                  <a:ext cx="1951892" cy="344133"/>
+                </a:xfrm>
+                <a:prstGeom prst="rect">
+                  <a:avLst/>
+                </a:prstGeom>
+                <a:noFill/>
+              </p:spPr>
+              <p:txBody>
+                <a:bodyPr wrap="square" rtlCol="0">
+                  <a:spAutoFit/>
+                </a:bodyPr>
+                <a:lstStyle/>
+                <a:p>
+                  <a14:m>
+                    <m:oMathPara xmlns:m="http://schemas.openxmlformats.org/officeDocument/2006/math">
+                      <m:oMathParaPr>
+                        <m:jc m:val="centerGroup"/>
+                      </m:oMathParaPr>
+                      <m:oMath xmlns:m="http://schemas.openxmlformats.org/officeDocument/2006/math">
+                        <m:r>
+                          <a:rPr lang="en-US" sz="1600" b="1" i="1" smtClean="0">
+                            <a:latin typeface="Cambria Math" panose="02040503050406030204" pitchFamily="18" charset="0"/>
+                            <a:ea typeface="Cambria Math" panose="02040503050406030204" pitchFamily="18" charset="0"/>
+                            <a:cs typeface="Times New Roman" panose="02020603050405020304" pitchFamily="18" charset="0"/>
+                          </a:rPr>
+                          <m:t>𝝆</m:t>
+                        </m:r>
+                        <m:r>
+                          <a:rPr lang="ru-RU" sz="1600" b="1" i="1" smtClean="0">
+                            <a:latin typeface="Cambria Math" panose="02040503050406030204" pitchFamily="18" charset="0"/>
+                            <a:ea typeface="Cambria Math" panose="02040503050406030204" pitchFamily="18" charset="0"/>
+                            <a:cs typeface="Times New Roman" panose="02020603050405020304" pitchFamily="18" charset="0"/>
+                          </a:rPr>
+                          <m:t>, кг</m:t>
+                        </m:r>
+                        <m:r>
+                          <a:rPr lang="en-US" sz="1600" b="1" i="1" smtClean="0">
+                            <a:latin typeface="Cambria Math" panose="02040503050406030204" pitchFamily="18" charset="0"/>
+                            <a:ea typeface="Cambria Math" panose="02040503050406030204" pitchFamily="18" charset="0"/>
+                            <a:cs typeface="Times New Roman" panose="02020603050405020304" pitchFamily="18" charset="0"/>
+                          </a:rPr>
+                          <m:t>/</m:t>
+                        </m:r>
+                        <m:sSup>
+                          <m:sSupPr>
+                            <m:ctrlPr>
+                              <a:rPr lang="en-US" sz="1600" b="1" i="1" smtClean="0">
+                                <a:latin typeface="Cambria Math" panose="02040503050406030204" pitchFamily="18" charset="0"/>
+                                <a:ea typeface="Cambria Math" panose="02040503050406030204" pitchFamily="18" charset="0"/>
+                                <a:cs typeface="Times New Roman" panose="02020603050405020304" pitchFamily="18" charset="0"/>
+                              </a:rPr>
+                            </m:ctrlPr>
+                          </m:sSupPr>
+                          <m:e>
+                            <m:r>
+                              <a:rPr lang="ru-RU" sz="1600" b="1" i="1" smtClean="0">
+                                <a:latin typeface="Cambria Math" panose="02040503050406030204" pitchFamily="18" charset="0"/>
+                                <a:ea typeface="Cambria Math" panose="02040503050406030204" pitchFamily="18" charset="0"/>
+                                <a:cs typeface="Times New Roman" panose="02020603050405020304" pitchFamily="18" charset="0"/>
+                              </a:rPr>
+                              <m:t>м</m:t>
+                            </m:r>
+                          </m:e>
+                          <m:sup>
+                            <m:r>
+                              <a:rPr lang="ru-RU" sz="1600" b="1" i="1" smtClean="0">
+                                <a:latin typeface="Cambria Math" panose="02040503050406030204" pitchFamily="18" charset="0"/>
+                                <a:ea typeface="Cambria Math" panose="02040503050406030204" pitchFamily="18" charset="0"/>
+                                <a:cs typeface="Times New Roman" panose="02020603050405020304" pitchFamily="18" charset="0"/>
+                              </a:rPr>
+                              <m:t>𝟑</m:t>
+                            </m:r>
+                          </m:sup>
+                        </m:sSup>
+                      </m:oMath>
+                    </m:oMathPara>
+                  </a14:m>
+                  <a:endParaRPr lang="ru-RU" sz="1600" b="1" dirty="0">
+                    <a:latin typeface="Times New Roman" panose="02020603050405020304" pitchFamily="18" charset="0"/>
+                    <a:cs typeface="Times New Roman" panose="02020603050405020304" pitchFamily="18" charset="0"/>
+                  </a:endParaRPr>
+                </a:p>
+              </p:txBody>
+            </p:sp>
+          </mc:Choice>
+          <mc:Fallback>
+            <p:sp>
+              <p:nvSpPr>
+                <p:cNvPr id="19" name="TextBox 18"/>
+                <p:cNvSpPr txBox="1">
+                  <a:spLocks noRot="1" noChangeAspect="1" noMove="1" noResize="1" noEditPoints="1" noAdjustHandles="1" noChangeArrowheads="1" noChangeShapeType="1" noTextEdit="1"/>
+                </p:cNvSpPr>
+                <p:nvPr/>
+              </p:nvSpPr>
+              <p:spPr>
+                <a:xfrm>
+                  <a:off x="6533863" y="5147547"/>
+                  <a:ext cx="1951892" cy="344133"/>
+                </a:xfrm>
+                <a:prstGeom prst="rect">
+                  <a:avLst/>
+                </a:prstGeom>
+                <a:blipFill>
+                  <a:blip r:embed="rId7"/>
+                  <a:stretch>
+                    <a:fillRect b="-12500"/>
+                  </a:stretch>
+                </a:blipFill>
+              </p:spPr>
+              <p:txBody>
+                <a:bodyPr/>
+                <a:lstStyle/>
+                <a:p>
+                  <a:r>
+                    <a:rPr lang="ru-RU">
+                      <a:noFill/>
+                    </a:rPr>
+                    <a:t> </a:t>
+                  </a:r>
+                </a:p>
+              </p:txBody>
+            </p:sp>
+          </mc:Fallback>
+        </mc:AlternateContent>
+      </p:grpSp>
       <p:sp>
         <p:nvSpPr>
-          <p:cNvPr id="2" name="Номер слайда 1"/>
-          <p:cNvSpPr>
-            <a:spLocks noGrp="1"/>
-          </p:cNvSpPr>
-          <p:nvPr>
-            <p:ph type="sldNum" sz="quarter" idx="12"/>
-          </p:nvPr>
-        </p:nvSpPr>
-        <p:spPr/>
-        <p:txBody>
-          <a:bodyPr/>
-          <a:lstStyle/>
-          <a:p>
-            <a:fld id="{9FAB18EA-D421-4479-A48C-D4262B204458}" type="slidenum">
-              <a:rPr lang="ru-RU" smtClean="0"/>
-              <a:t>10</a:t>
-            </a:fld>
-            <a:endParaRPr lang="ru-RU"/>
-          </a:p>
-        </p:txBody>
-      </p:sp>
-      <p:sp>
-        <p:nvSpPr>
-          <p:cNvPr id="3" name="TextBox 2"/>
+          <p:cNvPr id="11" name="TextBox 10"/>
           <p:cNvSpPr txBox="1"/>
           <p:nvPr/>
         </p:nvSpPr>
         <p:spPr>
           <a:xfrm>
-            <a:off x="7608404" y="1386509"/>
-            <a:ext cx="3583057" cy="923330"/>
+            <a:off x="6159001" y="5020238"/>
+            <a:ext cx="1007456" cy="369332"/>
           </a:xfrm>
           <a:prstGeom prst="rect">
             <a:avLst/>
@@ -4495,61 +4687,21 @@
           <a:lstStyle/>
           <a:p>
             <a:r>
-              <a:rPr lang="ru-RU" dirty="0" smtClean="0">
-                <a:solidFill>
-                  <a:srgbClr val="FF0000"/>
-                </a:solidFill>
-              </a:rPr>
-              <a:t>Спектры до 900</a:t>
-            </a:r>
-          </a:p>
-          <a:p>
-            <a:r>
-              <a:rPr lang="en-US" dirty="0" smtClean="0">
-                <a:solidFill>
-                  <a:srgbClr val="FF0000"/>
-                </a:solidFill>
-              </a:rPr>
-              <a:t>Ha </a:t>
-            </a:r>
-            <a:r>
-              <a:rPr lang="en-US" dirty="0" err="1" smtClean="0">
-                <a:solidFill>
-                  <a:srgbClr val="FF0000"/>
-                </a:solidFill>
-              </a:rPr>
-              <a:t>Hb</a:t>
-            </a:r>
-            <a:r>
-              <a:rPr lang="en-US" dirty="0" smtClean="0">
-                <a:solidFill>
-                  <a:srgbClr val="FF0000"/>
-                </a:solidFill>
-              </a:rPr>
-              <a:t> </a:t>
-            </a:r>
-            <a:r>
-              <a:rPr lang="ru-RU" dirty="0" smtClean="0">
-                <a:solidFill>
-                  <a:srgbClr val="FF0000"/>
-                </a:solidFill>
-              </a:rPr>
-              <a:t>отдельно подписать </a:t>
-            </a:r>
-          </a:p>
-          <a:p>
-            <a:endParaRPr lang="ru-RU" dirty="0">
-              <a:solidFill>
-                <a:srgbClr val="FF0000"/>
-              </a:solidFill>
-            </a:endParaRPr>
+              <a:rPr lang="en-US" b="1" dirty="0"/>
+              <a:t>b</a:t>
+            </a:r>
+            <a:r>
+              <a:rPr lang="en-US" b="1" dirty="0" smtClean="0"/>
+              <a:t>)</a:t>
+            </a:r>
+            <a:endParaRPr lang="ru-RU" b="1" dirty="0"/>
           </a:p>
         </p:txBody>
       </p:sp>
     </p:spTree>
     <p:extLst>
       <p:ext uri="{BB962C8B-B14F-4D97-AF65-F5344CB8AC3E}">
-        <p14:creationId xmlns:p14="http://schemas.microsoft.com/office/powerpoint/2010/main" val="699643018"/>
+        <p14:creationId xmlns:p14="http://schemas.microsoft.com/office/powerpoint/2010/main" val="3458215256"/>
       </p:ext>
     </p:extLst>
   </p:cSld>
@@ -4585,30 +4737,7 @@
       </p:grpSpPr>
       <p:sp>
         <p:nvSpPr>
-          <p:cNvPr id="4" name="Номер слайда 3"/>
-          <p:cNvSpPr>
-            <a:spLocks noGrp="1"/>
-          </p:cNvSpPr>
-          <p:nvPr>
-            <p:ph type="sldNum" sz="quarter" idx="12"/>
-          </p:nvPr>
-        </p:nvSpPr>
-        <p:spPr/>
-        <p:txBody>
-          <a:bodyPr/>
-          <a:lstStyle/>
-          <a:p>
-            <a:fld id="{9FAB18EA-D421-4479-A48C-D4262B204458}" type="slidenum">
-              <a:rPr lang="ru-RU" smtClean="0"/>
-              <a:t>11</a:t>
-            </a:fld>
-            <a:endParaRPr lang="ru-RU"/>
-          </a:p>
-        </p:txBody>
-      </p:sp>
-      <p:sp>
-        <p:nvSpPr>
-          <p:cNvPr id="6" name="Заголовок 1"/>
+          <p:cNvPr id="4" name="Заголовок 1"/>
           <p:cNvSpPr>
             <a:spLocks noGrp="1"/>
           </p:cNvSpPr>
@@ -4618,291 +4747,10 @@
         </p:nvSpPr>
         <p:spPr>
           <a:xfrm>
-            <a:off x="798443" y="-31878"/>
+            <a:off x="838200" y="0"/>
             <a:ext cx="10515600" cy="1325563"/>
           </a:xfrm>
         </p:spPr>
-        <p:txBody>
-          <a:bodyPr>
-            <a:normAutofit/>
-          </a:bodyPr>
-          <a:lstStyle/>
-          <a:p>
-            <a:r>
-              <a:rPr lang="ru-RU" sz="3600" b="1" u="sng" dirty="0" smtClean="0">
-                <a:latin typeface="Arial Black" panose="020B0A04020102020204" pitchFamily="34" charset="0"/>
-              </a:rPr>
-              <a:t>Определение концентрации электронов</a:t>
-            </a:r>
-            <a:endParaRPr lang="ru-RU" sz="3600" b="1" u="sng" dirty="0">
-              <a:latin typeface="Arial Black" panose="020B0A04020102020204" pitchFamily="34" charset="0"/>
-            </a:endParaRPr>
-          </a:p>
-        </p:txBody>
-      </p:sp>
-      <p:pic>
-        <p:nvPicPr>
-          <p:cNvPr id="7" name="Рисунок 6"/>
-          <p:cNvPicPr>
-            <a:picLocks noChangeAspect="1"/>
-          </p:cNvPicPr>
-          <p:nvPr/>
-        </p:nvPicPr>
-        <p:blipFill>
-          <a:blip r:embed="rId2">
-            <a:extLst>
-              <a:ext uri="{28A0092B-C50C-407E-A947-70E740481C1C}">
-                <a14:useLocalDpi xmlns:a14="http://schemas.microsoft.com/office/drawing/2010/main" val="0"/>
-              </a:ext>
-            </a:extLst>
-          </a:blip>
-          <a:stretch>
-            <a:fillRect/>
-          </a:stretch>
-        </p:blipFill>
-        <p:spPr>
-          <a:xfrm>
-            <a:off x="243828" y="1282561"/>
-            <a:ext cx="5852172" cy="4389129"/>
-          </a:xfrm>
-          <a:prstGeom prst="rect">
-            <a:avLst/>
-          </a:prstGeom>
-        </p:spPr>
-      </p:pic>
-      <p:pic>
-        <p:nvPicPr>
-          <p:cNvPr id="8" name="Рисунок 7"/>
-          <p:cNvPicPr>
-            <a:picLocks noChangeAspect="1"/>
-          </p:cNvPicPr>
-          <p:nvPr/>
-        </p:nvPicPr>
-        <p:blipFill>
-          <a:blip r:embed="rId3">
-            <a:extLst>
-              <a:ext uri="{28A0092B-C50C-407E-A947-70E740481C1C}">
-                <a14:useLocalDpi xmlns:a14="http://schemas.microsoft.com/office/drawing/2010/main" val="0"/>
-              </a:ext>
-            </a:extLst>
-          </a:blip>
-          <a:stretch>
-            <a:fillRect/>
-          </a:stretch>
-        </p:blipFill>
-        <p:spPr>
-          <a:xfrm>
-            <a:off x="6096000" y="1282561"/>
-            <a:ext cx="5852172" cy="4389129"/>
-          </a:xfrm>
-          <a:prstGeom prst="rect">
-            <a:avLst/>
-          </a:prstGeom>
-        </p:spPr>
-      </p:pic>
-      <p:sp>
-        <p:nvSpPr>
-          <p:cNvPr id="9" name="TextBox 8"/>
-          <p:cNvSpPr txBox="1"/>
-          <p:nvPr/>
-        </p:nvSpPr>
-        <p:spPr>
-          <a:xfrm>
-            <a:off x="2294021" y="5887453"/>
-            <a:ext cx="7315200" cy="707886"/>
-          </a:xfrm>
-          <a:prstGeom prst="rect">
-            <a:avLst/>
-          </a:prstGeom>
-          <a:noFill/>
-        </p:spPr>
-        <p:txBody>
-          <a:bodyPr wrap="square" rtlCol="0">
-            <a:spAutoFit/>
-          </a:bodyPr>
-          <a:lstStyle/>
-          <a:p>
-            <a:pPr algn="ctr"/>
-            <a:r>
-              <a:rPr lang="ru-RU" sz="2000" b="1" u="sng" dirty="0" smtClean="0"/>
-              <a:t>Концентрация электронов (а) неподвижный воздух, (</a:t>
-            </a:r>
-            <a:r>
-              <a:rPr lang="en-US" sz="2000" b="1" u="sng" dirty="0" smtClean="0"/>
-              <a:t>b) </a:t>
-            </a:r>
-            <a:r>
-              <a:rPr lang="ru-RU" sz="2000" b="1" u="sng" dirty="0" smtClean="0"/>
-              <a:t>в сверхзвуковые потоки </a:t>
-            </a:r>
-            <a:endParaRPr lang="ru-RU" sz="2000" b="1" u="sng" dirty="0"/>
-          </a:p>
-        </p:txBody>
-      </p:sp>
-      <p:sp>
-        <p:nvSpPr>
-          <p:cNvPr id="10" name="TextBox 9"/>
-          <p:cNvSpPr txBox="1"/>
-          <p:nvPr/>
-        </p:nvSpPr>
-        <p:spPr>
-          <a:xfrm>
-            <a:off x="243828" y="1429238"/>
-            <a:ext cx="1007456" cy="369332"/>
-          </a:xfrm>
-          <a:prstGeom prst="rect">
-            <a:avLst/>
-          </a:prstGeom>
-          <a:noFill/>
-        </p:spPr>
-        <p:txBody>
-          <a:bodyPr wrap="square" rtlCol="0">
-            <a:spAutoFit/>
-          </a:bodyPr>
-          <a:lstStyle/>
-          <a:p>
-            <a:r>
-              <a:rPr lang="en-US" b="1" dirty="0" smtClean="0"/>
-              <a:t>a)</a:t>
-            </a:r>
-            <a:endParaRPr lang="ru-RU" b="1" dirty="0"/>
-          </a:p>
-        </p:txBody>
-      </p:sp>
-      <p:sp>
-        <p:nvSpPr>
-          <p:cNvPr id="11" name="TextBox 10"/>
-          <p:cNvSpPr txBox="1"/>
-          <p:nvPr/>
-        </p:nvSpPr>
-        <p:spPr>
-          <a:xfrm>
-            <a:off x="6186644" y="1429238"/>
-            <a:ext cx="1007456" cy="369332"/>
-          </a:xfrm>
-          <a:prstGeom prst="rect">
-            <a:avLst/>
-          </a:prstGeom>
-          <a:noFill/>
-        </p:spPr>
-        <p:txBody>
-          <a:bodyPr wrap="square" rtlCol="0">
-            <a:spAutoFit/>
-          </a:bodyPr>
-          <a:lstStyle/>
-          <a:p>
-            <a:r>
-              <a:rPr lang="en-US" b="1" dirty="0"/>
-              <a:t>b</a:t>
-            </a:r>
-            <a:r>
-              <a:rPr lang="en-US" b="1" dirty="0" smtClean="0"/>
-              <a:t>)</a:t>
-            </a:r>
-            <a:endParaRPr lang="ru-RU" b="1" dirty="0"/>
-          </a:p>
-        </p:txBody>
-      </p:sp>
-      <p:sp>
-        <p:nvSpPr>
-          <p:cNvPr id="2" name="TextBox 1"/>
-          <p:cNvSpPr txBox="1"/>
-          <p:nvPr/>
-        </p:nvSpPr>
-        <p:spPr>
-          <a:xfrm>
-            <a:off x="9332843" y="365125"/>
-            <a:ext cx="3258117" cy="1200329"/>
-          </a:xfrm>
-          <a:prstGeom prst="rect">
-            <a:avLst/>
-          </a:prstGeom>
-          <a:noFill/>
-        </p:spPr>
-        <p:txBody>
-          <a:bodyPr wrap="square" rtlCol="0">
-            <a:spAutoFit/>
-          </a:bodyPr>
-          <a:lstStyle/>
-          <a:p>
-            <a:r>
-              <a:rPr lang="ru-RU" dirty="0" smtClean="0"/>
-              <a:t>Все перевести в плотность потока. Для числа Маха в запас</a:t>
-            </a:r>
-          </a:p>
-          <a:p>
-            <a:r>
-              <a:rPr lang="ru-RU" dirty="0" smtClean="0"/>
-              <a:t>Точки разным цветом для потока и </a:t>
-            </a:r>
-            <a:r>
-              <a:rPr lang="ru-RU" dirty="0" err="1" smtClean="0"/>
-              <a:t>н.в</a:t>
-            </a:r>
-            <a:r>
-              <a:rPr lang="ru-RU" dirty="0" smtClean="0"/>
-              <a:t>. </a:t>
-            </a:r>
-            <a:r>
-              <a:rPr lang="en-US" dirty="0" err="1" smtClean="0"/>
-              <a:t>errorbar</a:t>
-            </a:r>
-            <a:r>
-              <a:rPr lang="en-US" dirty="0" smtClean="0"/>
-              <a:t>.</a:t>
-            </a:r>
-            <a:endParaRPr lang="ru-RU" dirty="0"/>
-          </a:p>
-        </p:txBody>
-      </p:sp>
-    </p:spTree>
-    <p:extLst>
-      <p:ext uri="{BB962C8B-B14F-4D97-AF65-F5344CB8AC3E}">
-        <p14:creationId xmlns:p14="http://schemas.microsoft.com/office/powerpoint/2010/main" val="3458215256"/>
-      </p:ext>
-    </p:extLst>
-  </p:cSld>
-  <p:clrMapOvr>
-    <a:masterClrMapping/>
-  </p:clrMapOvr>
-  <p:timing>
-    <p:tnLst>
-      <p:par>
-        <p:cTn id="1" dur="indefinite" restart="never" nodeType="tmRoot"/>
-      </p:par>
-    </p:tnLst>
-  </p:timing>
-</p:sld>
-</file>
-
-<file path=ppt/slides/slide12.xml><?xml version="1.0" encoding="utf-8"?>
-<p:sld xmlns:a="http://schemas.openxmlformats.org/drawingml/2006/main" xmlns:r="http://schemas.openxmlformats.org/officeDocument/2006/relationships" xmlns:p="http://schemas.openxmlformats.org/presentationml/2006/main">
-  <p:cSld>
-    <p:spTree>
-      <p:nvGrpSpPr>
-        <p:cNvPr id="1" name=""/>
-        <p:cNvGrpSpPr/>
-        <p:nvPr/>
-      </p:nvGrpSpPr>
-      <p:grpSpPr>
-        <a:xfrm>
-          <a:off x="0" y="0"/>
-          <a:ext cx="0" cy="0"/>
-          <a:chOff x="0" y="0"/>
-          <a:chExt cx="0" cy="0"/>
-        </a:xfrm>
-      </p:grpSpPr>
-      <p:sp>
-        <p:nvSpPr>
-          <p:cNvPr id="4" name="Заголовок 1"/>
-          <p:cNvSpPr>
-            <a:spLocks noGrp="1"/>
-          </p:cNvSpPr>
-          <p:nvPr>
-            <p:ph type="title"/>
-          </p:nvPr>
-        </p:nvSpPr>
-        <p:spPr/>
         <p:txBody>
           <a:bodyPr>
             <a:normAutofit/>
@@ -5470,7 +5318,7 @@
           <a:p>
             <a:fld id="{9FAB18EA-D421-4479-A48C-D4262B204458}" type="slidenum">
               <a:rPr lang="ru-RU" smtClean="0"/>
-              <a:t>12</a:t>
+              <a:t>11</a:t>
             </a:fld>
             <a:endParaRPr lang="ru-RU"/>
           </a:p>
@@ -5518,6 +5366,766 @@
     <p:extLst>
       <p:ext uri="{BB962C8B-B14F-4D97-AF65-F5344CB8AC3E}">
         <p14:creationId xmlns:p14="http://schemas.microsoft.com/office/powerpoint/2010/main" val="1121548668"/>
+      </p:ext>
+    </p:extLst>
+  </p:cSld>
+  <p:clrMapOvr>
+    <a:masterClrMapping/>
+  </p:clrMapOvr>
+  <p:timing>
+    <p:tnLst>
+      <p:par>
+        <p:cTn id="1" dur="indefinite" restart="never" nodeType="tmRoot"/>
+      </p:par>
+    </p:tnLst>
+  </p:timing>
+</p:sld>
+</file>
+
+<file path=ppt/slides/slide12.xml><?xml version="1.0" encoding="utf-8"?>
+<p:sld xmlns:a="http://schemas.openxmlformats.org/drawingml/2006/main" xmlns:r="http://schemas.openxmlformats.org/officeDocument/2006/relationships" xmlns:p="http://schemas.openxmlformats.org/presentationml/2006/main">
+  <p:cSld>
+    <p:spTree>
+      <p:nvGrpSpPr>
+        <p:cNvPr id="1" name=""/>
+        <p:cNvGrpSpPr/>
+        <p:nvPr/>
+      </p:nvGrpSpPr>
+      <p:grpSpPr>
+        <a:xfrm>
+          <a:off x="0" y="0"/>
+          <a:ext cx="0" cy="0"/>
+          <a:chOff x="0" y="0"/>
+          <a:chExt cx="0" cy="0"/>
+        </a:xfrm>
+      </p:grpSpPr>
+      <p:sp>
+        <p:nvSpPr>
+          <p:cNvPr id="4" name="Номер слайда 3"/>
+          <p:cNvSpPr>
+            <a:spLocks noGrp="1"/>
+          </p:cNvSpPr>
+          <p:nvPr>
+            <p:ph type="sldNum" sz="quarter" idx="12"/>
+          </p:nvPr>
+        </p:nvSpPr>
+        <p:spPr/>
+        <p:txBody>
+          <a:bodyPr/>
+          <a:lstStyle/>
+          <a:p>
+            <a:fld id="{9FAB18EA-D421-4479-A48C-D4262B204458}" type="slidenum">
+              <a:rPr lang="ru-RU" smtClean="0"/>
+              <a:t>12</a:t>
+            </a:fld>
+            <a:endParaRPr lang="ru-RU"/>
+          </a:p>
+        </p:txBody>
+      </p:sp>
+      <p:sp>
+        <p:nvSpPr>
+          <p:cNvPr id="5" name="Заголовок 1"/>
+          <p:cNvSpPr>
+            <a:spLocks noGrp="1"/>
+          </p:cNvSpPr>
+          <p:nvPr>
+            <p:ph type="title"/>
+          </p:nvPr>
+        </p:nvSpPr>
+        <p:spPr>
+          <a:xfrm>
+            <a:off x="838200" y="10510"/>
+            <a:ext cx="10515600" cy="1325563"/>
+          </a:xfrm>
+        </p:spPr>
+        <p:txBody>
+          <a:bodyPr>
+            <a:normAutofit/>
+          </a:bodyPr>
+          <a:lstStyle/>
+          <a:p>
+            <a:r>
+              <a:rPr lang="ru-RU" sz="3600" b="1" u="sng" dirty="0" smtClean="0">
+                <a:latin typeface="Arial Black" panose="020B0A04020102020204" pitchFamily="34" charset="0"/>
+              </a:rPr>
+              <a:t>Результаты обработки спектров</a:t>
+            </a:r>
+            <a:endParaRPr lang="ru-RU" sz="3600" b="1" u="sng" dirty="0">
+              <a:latin typeface="Arial Black" panose="020B0A04020102020204" pitchFamily="34" charset="0"/>
+            </a:endParaRPr>
+          </a:p>
+        </p:txBody>
+      </p:sp>
+      <p:grpSp>
+        <p:nvGrpSpPr>
+          <p:cNvPr id="12" name="Группа 11"/>
+          <p:cNvGrpSpPr/>
+          <p:nvPr/>
+        </p:nvGrpSpPr>
+        <p:grpSpPr>
+          <a:xfrm>
+            <a:off x="5951621" y="1451663"/>
+            <a:ext cx="6098357" cy="4464480"/>
+            <a:chOff x="2211552" y="847574"/>
+            <a:chExt cx="6098357" cy="4464480"/>
+          </a:xfrm>
+        </p:grpSpPr>
+        <p:pic>
+          <p:nvPicPr>
+            <p:cNvPr id="13" name="Рисунок 12"/>
+            <p:cNvPicPr>
+              <a:picLocks noChangeAspect="1"/>
+            </p:cNvPicPr>
+            <p:nvPr/>
+          </p:nvPicPr>
+          <p:blipFill>
+            <a:blip r:embed="rId2">
+              <a:extLst>
+                <a:ext uri="{28A0092B-C50C-407E-A947-70E740481C1C}">
+                  <a14:useLocalDpi xmlns:a14="http://schemas.microsoft.com/office/drawing/2010/main" val="0"/>
+                </a:ext>
+              </a:extLst>
+            </a:blip>
+            <a:stretch>
+              <a:fillRect/>
+            </a:stretch>
+          </p:blipFill>
+          <p:spPr>
+            <a:xfrm>
+              <a:off x="2396191" y="847574"/>
+              <a:ext cx="5852172" cy="4389129"/>
+            </a:xfrm>
+            <a:prstGeom prst="rect">
+              <a:avLst/>
+            </a:prstGeom>
+          </p:spPr>
+        </p:pic>
+        <mc:AlternateContent xmlns:mc="http://schemas.openxmlformats.org/markup-compatibility/2006">
+          <mc:Choice xmlns:a14="http://schemas.microsoft.com/office/drawing/2010/main" Requires="a14">
+            <p:sp>
+              <p:nvSpPr>
+                <p:cNvPr id="14" name="TextBox 13"/>
+                <p:cNvSpPr txBox="1"/>
+                <p:nvPr/>
+              </p:nvSpPr>
+              <p:spPr>
+                <a:xfrm>
+                  <a:off x="2211552" y="1011116"/>
+                  <a:ext cx="1951892" cy="338554"/>
+                </a:xfrm>
+                <a:prstGeom prst="rect">
+                  <a:avLst/>
+                </a:prstGeom>
+                <a:noFill/>
+              </p:spPr>
+              <p:txBody>
+                <a:bodyPr wrap="square" rtlCol="0">
+                  <a:spAutoFit/>
+                </a:bodyPr>
+                <a:lstStyle/>
+                <a:p>
+                  <a14:m>
+                    <m:oMathPara xmlns:m="http://schemas.openxmlformats.org/officeDocument/2006/math">
+                      <m:oMathParaPr>
+                        <m:jc m:val="centerGroup"/>
+                      </m:oMathParaPr>
+                      <m:oMath xmlns:m="http://schemas.openxmlformats.org/officeDocument/2006/math">
+                        <m:r>
+                          <a:rPr lang="en-US" sz="1600" b="1" i="1" smtClean="0">
+                            <a:latin typeface="Cambria Math" panose="02040503050406030204" pitchFamily="18" charset="0"/>
+                            <a:cs typeface="Times New Roman" panose="02020603050405020304" pitchFamily="18" charset="0"/>
+                          </a:rPr>
+                          <m:t>𝑬</m:t>
+                        </m:r>
+                        <m:r>
+                          <a:rPr lang="en-US" sz="1600" b="1" i="1" smtClean="0">
+                            <a:latin typeface="Cambria Math" panose="02040503050406030204" pitchFamily="18" charset="0"/>
+                            <a:cs typeface="Times New Roman" panose="02020603050405020304" pitchFamily="18" charset="0"/>
+                          </a:rPr>
+                          <m:t>, эВ</m:t>
+                        </m:r>
+                      </m:oMath>
+                    </m:oMathPara>
+                  </a14:m>
+                  <a:endParaRPr lang="ru-RU" sz="1600" b="1" dirty="0">
+                    <a:latin typeface="Times New Roman" panose="02020603050405020304" pitchFamily="18" charset="0"/>
+                    <a:cs typeface="Times New Roman" panose="02020603050405020304" pitchFamily="18" charset="0"/>
+                  </a:endParaRPr>
+                </a:p>
+              </p:txBody>
+            </p:sp>
+          </mc:Choice>
+          <mc:Fallback>
+            <p:sp>
+              <p:nvSpPr>
+                <p:cNvPr id="14" name="TextBox 13"/>
+                <p:cNvSpPr txBox="1">
+                  <a:spLocks noRot="1" noChangeAspect="1" noMove="1" noResize="1" noEditPoints="1" noAdjustHandles="1" noChangeArrowheads="1" noChangeShapeType="1" noTextEdit="1"/>
+                </p:cNvSpPr>
+                <p:nvPr/>
+              </p:nvSpPr>
+              <p:spPr>
+                <a:xfrm>
+                  <a:off x="2211552" y="1011116"/>
+                  <a:ext cx="1951892" cy="338554"/>
+                </a:xfrm>
+                <a:prstGeom prst="rect">
+                  <a:avLst/>
+                </a:prstGeom>
+                <a:blipFill>
+                  <a:blip r:embed="rId3"/>
+                  <a:stretch>
+                    <a:fillRect/>
+                  </a:stretch>
+                </a:blipFill>
+              </p:spPr>
+              <p:txBody>
+                <a:bodyPr/>
+                <a:lstStyle/>
+                <a:p>
+                  <a:r>
+                    <a:rPr lang="ru-RU">
+                      <a:noFill/>
+                    </a:rPr>
+                    <a:t> </a:t>
+                  </a:r>
+                </a:p>
+              </p:txBody>
+            </p:sp>
+          </mc:Fallback>
+        </mc:AlternateContent>
+        <mc:AlternateContent xmlns:mc="http://schemas.openxmlformats.org/markup-compatibility/2006">
+          <mc:Choice xmlns:a14="http://schemas.microsoft.com/office/drawing/2010/main" Requires="a14">
+            <p:sp>
+              <p:nvSpPr>
+                <p:cNvPr id="15" name="TextBox 14"/>
+                <p:cNvSpPr txBox="1"/>
+                <p:nvPr/>
+              </p:nvSpPr>
+              <p:spPr>
+                <a:xfrm>
+                  <a:off x="6358017" y="4967921"/>
+                  <a:ext cx="1951892" cy="344133"/>
+                </a:xfrm>
+                <a:prstGeom prst="rect">
+                  <a:avLst/>
+                </a:prstGeom>
+                <a:noFill/>
+              </p:spPr>
+              <p:txBody>
+                <a:bodyPr wrap="square" rtlCol="0">
+                  <a:spAutoFit/>
+                </a:bodyPr>
+                <a:lstStyle/>
+                <a:p>
+                  <a14:m>
+                    <m:oMathPara xmlns:m="http://schemas.openxmlformats.org/officeDocument/2006/math">
+                      <m:oMathParaPr>
+                        <m:jc m:val="centerGroup"/>
+                      </m:oMathParaPr>
+                      <m:oMath xmlns:m="http://schemas.openxmlformats.org/officeDocument/2006/math">
+                        <m:r>
+                          <a:rPr lang="en-US" sz="1600" b="1" i="1" smtClean="0">
+                            <a:latin typeface="Cambria Math" panose="02040503050406030204" pitchFamily="18" charset="0"/>
+                            <a:ea typeface="Cambria Math" panose="02040503050406030204" pitchFamily="18" charset="0"/>
+                            <a:cs typeface="Times New Roman" panose="02020603050405020304" pitchFamily="18" charset="0"/>
+                          </a:rPr>
+                          <m:t>𝝆</m:t>
+                        </m:r>
+                        <m:r>
+                          <a:rPr lang="ru-RU" sz="1600" b="1" i="1" smtClean="0">
+                            <a:latin typeface="Cambria Math" panose="02040503050406030204" pitchFamily="18" charset="0"/>
+                            <a:ea typeface="Cambria Math" panose="02040503050406030204" pitchFamily="18" charset="0"/>
+                            <a:cs typeface="Times New Roman" panose="02020603050405020304" pitchFamily="18" charset="0"/>
+                          </a:rPr>
+                          <m:t>, кг</m:t>
+                        </m:r>
+                        <m:r>
+                          <a:rPr lang="en-US" sz="1600" b="1" i="1" smtClean="0">
+                            <a:latin typeface="Cambria Math" panose="02040503050406030204" pitchFamily="18" charset="0"/>
+                            <a:ea typeface="Cambria Math" panose="02040503050406030204" pitchFamily="18" charset="0"/>
+                            <a:cs typeface="Times New Roman" panose="02020603050405020304" pitchFamily="18" charset="0"/>
+                          </a:rPr>
+                          <m:t>/</m:t>
+                        </m:r>
+                        <m:sSup>
+                          <m:sSupPr>
+                            <m:ctrlPr>
+                              <a:rPr lang="en-US" sz="1600" b="1" i="1" smtClean="0">
+                                <a:latin typeface="Cambria Math" panose="02040503050406030204" pitchFamily="18" charset="0"/>
+                                <a:ea typeface="Cambria Math" panose="02040503050406030204" pitchFamily="18" charset="0"/>
+                                <a:cs typeface="Times New Roman" panose="02020603050405020304" pitchFamily="18" charset="0"/>
+                              </a:rPr>
+                            </m:ctrlPr>
+                          </m:sSupPr>
+                          <m:e>
+                            <m:r>
+                              <a:rPr lang="ru-RU" sz="1600" b="1" i="1" smtClean="0">
+                                <a:latin typeface="Cambria Math" panose="02040503050406030204" pitchFamily="18" charset="0"/>
+                                <a:ea typeface="Cambria Math" panose="02040503050406030204" pitchFamily="18" charset="0"/>
+                                <a:cs typeface="Times New Roman" panose="02020603050405020304" pitchFamily="18" charset="0"/>
+                              </a:rPr>
+                              <m:t>м</m:t>
+                            </m:r>
+                          </m:e>
+                          <m:sup>
+                            <m:r>
+                              <a:rPr lang="ru-RU" sz="1600" b="1" i="1" smtClean="0">
+                                <a:latin typeface="Cambria Math" panose="02040503050406030204" pitchFamily="18" charset="0"/>
+                                <a:ea typeface="Cambria Math" panose="02040503050406030204" pitchFamily="18" charset="0"/>
+                                <a:cs typeface="Times New Roman" panose="02020603050405020304" pitchFamily="18" charset="0"/>
+                              </a:rPr>
+                              <m:t>𝟑</m:t>
+                            </m:r>
+                          </m:sup>
+                        </m:sSup>
+                      </m:oMath>
+                    </m:oMathPara>
+                  </a14:m>
+                  <a:endParaRPr lang="ru-RU" sz="1600" b="1" dirty="0">
+                    <a:latin typeface="Times New Roman" panose="02020603050405020304" pitchFamily="18" charset="0"/>
+                    <a:cs typeface="Times New Roman" panose="02020603050405020304" pitchFamily="18" charset="0"/>
+                  </a:endParaRPr>
+                </a:p>
+              </p:txBody>
+            </p:sp>
+          </mc:Choice>
+          <mc:Fallback>
+            <p:sp>
+              <p:nvSpPr>
+                <p:cNvPr id="15" name="TextBox 14"/>
+                <p:cNvSpPr txBox="1">
+                  <a:spLocks noRot="1" noChangeAspect="1" noMove="1" noResize="1" noEditPoints="1" noAdjustHandles="1" noChangeArrowheads="1" noChangeShapeType="1" noTextEdit="1"/>
+                </p:cNvSpPr>
+                <p:nvPr/>
+              </p:nvSpPr>
+              <p:spPr>
+                <a:xfrm>
+                  <a:off x="6358017" y="4967921"/>
+                  <a:ext cx="1951892" cy="344133"/>
+                </a:xfrm>
+                <a:prstGeom prst="rect">
+                  <a:avLst/>
+                </a:prstGeom>
+                <a:blipFill>
+                  <a:blip r:embed="rId4"/>
+                  <a:stretch>
+                    <a:fillRect b="-12500"/>
+                  </a:stretch>
+                </a:blipFill>
+              </p:spPr>
+              <p:txBody>
+                <a:bodyPr/>
+                <a:lstStyle/>
+                <a:p>
+                  <a:r>
+                    <a:rPr lang="ru-RU">
+                      <a:noFill/>
+                    </a:rPr>
+                    <a:t> </a:t>
+                  </a:r>
+                </a:p>
+              </p:txBody>
+            </p:sp>
+          </mc:Fallback>
+        </mc:AlternateContent>
+      </p:grpSp>
+      <p:sp>
+        <p:nvSpPr>
+          <p:cNvPr id="9" name="TextBox 8"/>
+          <p:cNvSpPr txBox="1"/>
+          <p:nvPr/>
+        </p:nvSpPr>
+        <p:spPr>
+          <a:xfrm>
+            <a:off x="6338260" y="1506022"/>
+            <a:ext cx="1007456" cy="369332"/>
+          </a:xfrm>
+          <a:prstGeom prst="rect">
+            <a:avLst/>
+          </a:prstGeom>
+          <a:noFill/>
+        </p:spPr>
+        <p:txBody>
+          <a:bodyPr wrap="square" rtlCol="0">
+            <a:spAutoFit/>
+          </a:bodyPr>
+          <a:lstStyle/>
+          <a:p>
+            <a:r>
+              <a:rPr lang="en-US" b="1" dirty="0"/>
+              <a:t>b</a:t>
+            </a:r>
+            <a:r>
+              <a:rPr lang="en-US" b="1" dirty="0" smtClean="0"/>
+              <a:t>)</a:t>
+            </a:r>
+            <a:endParaRPr lang="ru-RU" b="1" dirty="0"/>
+          </a:p>
+        </p:txBody>
+      </p:sp>
+      <p:sp>
+        <p:nvSpPr>
+          <p:cNvPr id="10" name="TextBox 9"/>
+          <p:cNvSpPr txBox="1"/>
+          <p:nvPr/>
+        </p:nvSpPr>
+        <p:spPr>
+          <a:xfrm>
+            <a:off x="2294021" y="5887453"/>
+            <a:ext cx="7315200" cy="707886"/>
+          </a:xfrm>
+          <a:prstGeom prst="rect">
+            <a:avLst/>
+          </a:prstGeom>
+          <a:noFill/>
+        </p:spPr>
+        <p:txBody>
+          <a:bodyPr wrap="square" rtlCol="0">
+            <a:spAutoFit/>
+          </a:bodyPr>
+          <a:lstStyle/>
+          <a:p>
+            <a:pPr algn="ctr"/>
+            <a:r>
+              <a:rPr lang="ru-RU" sz="2000" b="1" u="sng" dirty="0" smtClean="0"/>
+              <a:t>Энергия электронов (а) неподвижный воздух, (</a:t>
+            </a:r>
+            <a:r>
+              <a:rPr lang="en-US" sz="2000" b="1" u="sng" dirty="0" smtClean="0"/>
+              <a:t>b) </a:t>
+            </a:r>
+            <a:r>
+              <a:rPr lang="ru-RU" sz="2000" b="1" u="sng" dirty="0" smtClean="0"/>
+              <a:t>в сверхзвуковые потоки </a:t>
+            </a:r>
+            <a:endParaRPr lang="ru-RU" sz="2000" b="1" u="sng" dirty="0"/>
+          </a:p>
+        </p:txBody>
+      </p:sp>
+      <p:grpSp>
+        <p:nvGrpSpPr>
+          <p:cNvPr id="16" name="Группа 15"/>
+          <p:cNvGrpSpPr/>
+          <p:nvPr/>
+        </p:nvGrpSpPr>
+        <p:grpSpPr>
+          <a:xfrm>
+            <a:off x="147113" y="1436777"/>
+            <a:ext cx="6098357" cy="4468260"/>
+            <a:chOff x="2211552" y="843794"/>
+            <a:chExt cx="6098357" cy="4468260"/>
+          </a:xfrm>
+        </p:grpSpPr>
+        <p:pic>
+          <p:nvPicPr>
+            <p:cNvPr id="17" name="Рисунок 16"/>
+            <p:cNvPicPr>
+              <a:picLocks noChangeAspect="1"/>
+            </p:cNvPicPr>
+            <p:nvPr/>
+          </p:nvPicPr>
+          <p:blipFill>
+            <a:blip r:embed="rId5">
+              <a:extLst>
+                <a:ext uri="{28A0092B-C50C-407E-A947-70E740481C1C}">
+                  <a14:useLocalDpi xmlns:a14="http://schemas.microsoft.com/office/drawing/2010/main" val="0"/>
+                </a:ext>
+              </a:extLst>
+            </a:blip>
+            <a:stretch>
+              <a:fillRect/>
+            </a:stretch>
+          </p:blipFill>
+          <p:spPr>
+            <a:xfrm>
+              <a:off x="2396191" y="843794"/>
+              <a:ext cx="5852172" cy="4389129"/>
+            </a:xfrm>
+            <a:prstGeom prst="rect">
+              <a:avLst/>
+            </a:prstGeom>
+          </p:spPr>
+        </p:pic>
+        <p:grpSp>
+          <p:nvGrpSpPr>
+            <p:cNvPr id="18" name="Группа 17"/>
+            <p:cNvGrpSpPr/>
+            <p:nvPr/>
+          </p:nvGrpSpPr>
+          <p:grpSpPr>
+            <a:xfrm>
+              <a:off x="2211552" y="1011116"/>
+              <a:ext cx="6098357" cy="4300938"/>
+              <a:chOff x="2211552" y="1011116"/>
+              <a:chExt cx="6098357" cy="4300938"/>
+            </a:xfrm>
+          </p:grpSpPr>
+          <mc:AlternateContent xmlns:mc="http://schemas.openxmlformats.org/markup-compatibility/2006">
+            <mc:Choice xmlns:a14="http://schemas.microsoft.com/office/drawing/2010/main" Requires="a14">
+              <p:sp>
+                <p:nvSpPr>
+                  <p:cNvPr id="19" name="TextBox 18"/>
+                  <p:cNvSpPr txBox="1"/>
+                  <p:nvPr/>
+                </p:nvSpPr>
+                <p:spPr>
+                  <a:xfrm>
+                    <a:off x="2211552" y="1011116"/>
+                    <a:ext cx="1951892" cy="338554"/>
+                  </a:xfrm>
+                  <a:prstGeom prst="rect">
+                    <a:avLst/>
+                  </a:prstGeom>
+                  <a:noFill/>
+                </p:spPr>
+                <p:txBody>
+                  <a:bodyPr wrap="square" rtlCol="0">
+                    <a:spAutoFit/>
+                  </a:bodyPr>
+                  <a:lstStyle/>
+                  <a:p>
+                    <a14:m>
+                      <m:oMathPara xmlns:m="http://schemas.openxmlformats.org/officeDocument/2006/math">
+                        <m:oMathParaPr>
+                          <m:jc m:val="centerGroup"/>
+                        </m:oMathParaPr>
+                        <m:oMath xmlns:m="http://schemas.openxmlformats.org/officeDocument/2006/math">
+                          <m:r>
+                            <a:rPr lang="en-US" sz="1600" b="1" i="1" smtClean="0">
+                              <a:latin typeface="Cambria Math" panose="02040503050406030204" pitchFamily="18" charset="0"/>
+                              <a:cs typeface="Times New Roman" panose="02020603050405020304" pitchFamily="18" charset="0"/>
+                            </a:rPr>
+                            <m:t>𝑬</m:t>
+                          </m:r>
+                          <m:r>
+                            <a:rPr lang="en-US" sz="1600" b="1" i="1" smtClean="0">
+                              <a:latin typeface="Cambria Math" panose="02040503050406030204" pitchFamily="18" charset="0"/>
+                              <a:cs typeface="Times New Roman" panose="02020603050405020304" pitchFamily="18" charset="0"/>
+                            </a:rPr>
+                            <m:t>, эВ</m:t>
+                          </m:r>
+                        </m:oMath>
+                      </m:oMathPara>
+                    </a14:m>
+                    <a:endParaRPr lang="ru-RU" sz="1600" b="1" dirty="0">
+                      <a:latin typeface="Times New Roman" panose="02020603050405020304" pitchFamily="18" charset="0"/>
+                      <a:cs typeface="Times New Roman" panose="02020603050405020304" pitchFamily="18" charset="0"/>
+                    </a:endParaRPr>
+                  </a:p>
+                </p:txBody>
+              </p:sp>
+            </mc:Choice>
+            <mc:Fallback>
+              <p:sp>
+                <p:nvSpPr>
+                  <p:cNvPr id="19" name="TextBox 18"/>
+                  <p:cNvSpPr txBox="1">
+                    <a:spLocks noRot="1" noChangeAspect="1" noMove="1" noResize="1" noEditPoints="1" noAdjustHandles="1" noChangeArrowheads="1" noChangeShapeType="1" noTextEdit="1"/>
+                  </p:cNvSpPr>
+                  <p:nvPr/>
+                </p:nvSpPr>
+                <p:spPr>
+                  <a:xfrm>
+                    <a:off x="2211552" y="1011116"/>
+                    <a:ext cx="1951892" cy="338554"/>
+                  </a:xfrm>
+                  <a:prstGeom prst="rect">
+                    <a:avLst/>
+                  </a:prstGeom>
+                  <a:blipFill>
+                    <a:blip r:embed="rId6"/>
+                    <a:stretch>
+                      <a:fillRect/>
+                    </a:stretch>
+                  </a:blipFill>
+                </p:spPr>
+                <p:txBody>
+                  <a:bodyPr/>
+                  <a:lstStyle/>
+                  <a:p>
+                    <a:r>
+                      <a:rPr lang="ru-RU">
+                        <a:noFill/>
+                      </a:rPr>
+                      <a:t> </a:t>
+                    </a:r>
+                  </a:p>
+                </p:txBody>
+              </p:sp>
+            </mc:Fallback>
+          </mc:AlternateContent>
+          <mc:AlternateContent xmlns:mc="http://schemas.openxmlformats.org/markup-compatibility/2006">
+            <mc:Choice xmlns:a14="http://schemas.microsoft.com/office/drawing/2010/main" Requires="a14">
+              <p:sp>
+                <p:nvSpPr>
+                  <p:cNvPr id="20" name="TextBox 19"/>
+                  <p:cNvSpPr txBox="1"/>
+                  <p:nvPr/>
+                </p:nvSpPr>
+                <p:spPr>
+                  <a:xfrm>
+                    <a:off x="6358017" y="4967921"/>
+                    <a:ext cx="1951892" cy="344133"/>
+                  </a:xfrm>
+                  <a:prstGeom prst="rect">
+                    <a:avLst/>
+                  </a:prstGeom>
+                  <a:noFill/>
+                </p:spPr>
+                <p:txBody>
+                  <a:bodyPr wrap="square" rtlCol="0">
+                    <a:spAutoFit/>
+                  </a:bodyPr>
+                  <a:lstStyle/>
+                  <a:p>
+                    <a14:m>
+                      <m:oMathPara xmlns:m="http://schemas.openxmlformats.org/officeDocument/2006/math">
+                        <m:oMathParaPr>
+                          <m:jc m:val="centerGroup"/>
+                        </m:oMathParaPr>
+                        <m:oMath xmlns:m="http://schemas.openxmlformats.org/officeDocument/2006/math">
+                          <m:r>
+                            <a:rPr lang="en-US" sz="1600" b="1" i="1" smtClean="0">
+                              <a:latin typeface="Cambria Math" panose="02040503050406030204" pitchFamily="18" charset="0"/>
+                              <a:ea typeface="Cambria Math" panose="02040503050406030204" pitchFamily="18" charset="0"/>
+                              <a:cs typeface="Times New Roman" panose="02020603050405020304" pitchFamily="18" charset="0"/>
+                            </a:rPr>
+                            <m:t>𝝆</m:t>
+                          </m:r>
+                          <m:r>
+                            <a:rPr lang="ru-RU" sz="1600" b="1" i="1" smtClean="0">
+                              <a:latin typeface="Cambria Math" panose="02040503050406030204" pitchFamily="18" charset="0"/>
+                              <a:ea typeface="Cambria Math" panose="02040503050406030204" pitchFamily="18" charset="0"/>
+                              <a:cs typeface="Times New Roman" panose="02020603050405020304" pitchFamily="18" charset="0"/>
+                            </a:rPr>
+                            <m:t>, кг</m:t>
+                          </m:r>
+                          <m:r>
+                            <a:rPr lang="en-US" sz="1600" b="1" i="1" smtClean="0">
+                              <a:latin typeface="Cambria Math" panose="02040503050406030204" pitchFamily="18" charset="0"/>
+                              <a:ea typeface="Cambria Math" panose="02040503050406030204" pitchFamily="18" charset="0"/>
+                              <a:cs typeface="Times New Roman" panose="02020603050405020304" pitchFamily="18" charset="0"/>
+                            </a:rPr>
+                            <m:t>/</m:t>
+                          </m:r>
+                          <m:sSup>
+                            <m:sSupPr>
+                              <m:ctrlPr>
+                                <a:rPr lang="en-US" sz="1600" b="1" i="1" smtClean="0">
+                                  <a:latin typeface="Cambria Math" panose="02040503050406030204" pitchFamily="18" charset="0"/>
+                                  <a:ea typeface="Cambria Math" panose="02040503050406030204" pitchFamily="18" charset="0"/>
+                                  <a:cs typeface="Times New Roman" panose="02020603050405020304" pitchFamily="18" charset="0"/>
+                                </a:rPr>
+                              </m:ctrlPr>
+                            </m:sSupPr>
+                            <m:e>
+                              <m:r>
+                                <a:rPr lang="ru-RU" sz="1600" b="1" i="1" smtClean="0">
+                                  <a:latin typeface="Cambria Math" panose="02040503050406030204" pitchFamily="18" charset="0"/>
+                                  <a:ea typeface="Cambria Math" panose="02040503050406030204" pitchFamily="18" charset="0"/>
+                                  <a:cs typeface="Times New Roman" panose="02020603050405020304" pitchFamily="18" charset="0"/>
+                                </a:rPr>
+                                <m:t>м</m:t>
+                              </m:r>
+                            </m:e>
+                            <m:sup>
+                              <m:r>
+                                <a:rPr lang="ru-RU" sz="1600" b="1" i="1" smtClean="0">
+                                  <a:latin typeface="Cambria Math" panose="02040503050406030204" pitchFamily="18" charset="0"/>
+                                  <a:ea typeface="Cambria Math" panose="02040503050406030204" pitchFamily="18" charset="0"/>
+                                  <a:cs typeface="Times New Roman" panose="02020603050405020304" pitchFamily="18" charset="0"/>
+                                </a:rPr>
+                                <m:t>𝟑</m:t>
+                              </m:r>
+                            </m:sup>
+                          </m:sSup>
+                        </m:oMath>
+                      </m:oMathPara>
+                    </a14:m>
+                    <a:endParaRPr lang="ru-RU" sz="1600" b="1" dirty="0">
+                      <a:latin typeface="Times New Roman" panose="02020603050405020304" pitchFamily="18" charset="0"/>
+                      <a:cs typeface="Times New Roman" panose="02020603050405020304" pitchFamily="18" charset="0"/>
+                    </a:endParaRPr>
+                  </a:p>
+                </p:txBody>
+              </p:sp>
+            </mc:Choice>
+            <mc:Fallback>
+              <p:sp>
+                <p:nvSpPr>
+                  <p:cNvPr id="20" name="TextBox 19"/>
+                  <p:cNvSpPr txBox="1">
+                    <a:spLocks noRot="1" noChangeAspect="1" noMove="1" noResize="1" noEditPoints="1" noAdjustHandles="1" noChangeArrowheads="1" noChangeShapeType="1" noTextEdit="1"/>
+                  </p:cNvSpPr>
+                  <p:nvPr/>
+                </p:nvSpPr>
+                <p:spPr>
+                  <a:xfrm>
+                    <a:off x="6358017" y="4967921"/>
+                    <a:ext cx="1951892" cy="344133"/>
+                  </a:xfrm>
+                  <a:prstGeom prst="rect">
+                    <a:avLst/>
+                  </a:prstGeom>
+                  <a:blipFill>
+                    <a:blip r:embed="rId7"/>
+                    <a:stretch>
+                      <a:fillRect b="-10526"/>
+                    </a:stretch>
+                  </a:blipFill>
+                </p:spPr>
+                <p:txBody>
+                  <a:bodyPr/>
+                  <a:lstStyle/>
+                  <a:p>
+                    <a:r>
+                      <a:rPr lang="ru-RU">
+                        <a:noFill/>
+                      </a:rPr>
+                      <a:t> </a:t>
+                    </a:r>
+                  </a:p>
+                </p:txBody>
+              </p:sp>
+            </mc:Fallback>
+          </mc:AlternateContent>
+        </p:grpSp>
+      </p:grpSp>
+      <p:sp>
+        <p:nvSpPr>
+          <p:cNvPr id="8" name="TextBox 7"/>
+          <p:cNvSpPr txBox="1"/>
+          <p:nvPr/>
+        </p:nvSpPr>
+        <p:spPr>
+          <a:xfrm>
+            <a:off x="462656" y="1509922"/>
+            <a:ext cx="1007456" cy="369332"/>
+          </a:xfrm>
+          <a:prstGeom prst="rect">
+            <a:avLst/>
+          </a:prstGeom>
+          <a:noFill/>
+        </p:spPr>
+        <p:txBody>
+          <a:bodyPr wrap="square" rtlCol="0">
+            <a:spAutoFit/>
+          </a:bodyPr>
+          <a:lstStyle/>
+          <a:p>
+            <a:r>
+              <a:rPr lang="en-US" b="1" dirty="0" smtClean="0"/>
+              <a:t>a)</a:t>
+            </a:r>
+            <a:endParaRPr lang="ru-RU" b="1" dirty="0"/>
+          </a:p>
+        </p:txBody>
+      </p:sp>
+    </p:spTree>
+    <p:extLst>
+      <p:ext uri="{BB962C8B-B14F-4D97-AF65-F5344CB8AC3E}">
+        <p14:creationId xmlns:p14="http://schemas.microsoft.com/office/powerpoint/2010/main" val="326206670"/>
       </p:ext>
     </p:extLst>
   </p:cSld>
@@ -5553,288 +6161,6 @@
       </p:grpSpPr>
       <p:sp>
         <p:nvSpPr>
-          <p:cNvPr id="4" name="Номер слайда 3"/>
-          <p:cNvSpPr>
-            <a:spLocks noGrp="1"/>
-          </p:cNvSpPr>
-          <p:nvPr>
-            <p:ph type="sldNum" sz="quarter" idx="12"/>
-          </p:nvPr>
-        </p:nvSpPr>
-        <p:spPr/>
-        <p:txBody>
-          <a:bodyPr/>
-          <a:lstStyle/>
-          <a:p>
-            <a:fld id="{9FAB18EA-D421-4479-A48C-D4262B204458}" type="slidenum">
-              <a:rPr lang="ru-RU" smtClean="0"/>
-              <a:t>13</a:t>
-            </a:fld>
-            <a:endParaRPr lang="ru-RU"/>
-          </a:p>
-        </p:txBody>
-      </p:sp>
-      <p:sp>
-        <p:nvSpPr>
-          <p:cNvPr id="5" name="Заголовок 1"/>
-          <p:cNvSpPr>
-            <a:spLocks noGrp="1"/>
-          </p:cNvSpPr>
-          <p:nvPr>
-            <p:ph type="title"/>
-          </p:nvPr>
-        </p:nvSpPr>
-        <p:spPr/>
-        <p:txBody>
-          <a:bodyPr>
-            <a:normAutofit/>
-          </a:bodyPr>
-          <a:lstStyle/>
-          <a:p>
-            <a:r>
-              <a:rPr lang="ru-RU" sz="3600" b="1" u="sng" dirty="0" smtClean="0">
-                <a:latin typeface="Arial Black" panose="020B0A04020102020204" pitchFamily="34" charset="0"/>
-              </a:rPr>
-              <a:t>Результаты обработки спектров</a:t>
-            </a:r>
-            <a:endParaRPr lang="ru-RU" sz="3600" b="1" u="sng" dirty="0">
-              <a:latin typeface="Arial Black" panose="020B0A04020102020204" pitchFamily="34" charset="0"/>
-            </a:endParaRPr>
-          </a:p>
-        </p:txBody>
-      </p:sp>
-      <p:pic>
-        <p:nvPicPr>
-          <p:cNvPr id="6" name="Рисунок 5"/>
-          <p:cNvPicPr>
-            <a:picLocks noChangeAspect="1"/>
-          </p:cNvPicPr>
-          <p:nvPr/>
-        </p:nvPicPr>
-        <p:blipFill>
-          <a:blip r:embed="rId2">
-            <a:extLst>
-              <a:ext uri="{28A0092B-C50C-407E-A947-70E740481C1C}">
-                <a14:useLocalDpi xmlns:a14="http://schemas.microsoft.com/office/drawing/2010/main" val="0"/>
-              </a:ext>
-            </a:extLst>
-          </a:blip>
-          <a:stretch>
-            <a:fillRect/>
-          </a:stretch>
-        </p:blipFill>
-        <p:spPr>
-          <a:xfrm>
-            <a:off x="6338260" y="1474421"/>
-            <a:ext cx="5852172" cy="4389129"/>
-          </a:xfrm>
-          <a:prstGeom prst="rect">
-            <a:avLst/>
-          </a:prstGeom>
-        </p:spPr>
-      </p:pic>
-      <p:pic>
-        <p:nvPicPr>
-          <p:cNvPr id="7" name="Рисунок 6"/>
-          <p:cNvPicPr>
-            <a:picLocks noChangeAspect="1"/>
-          </p:cNvPicPr>
-          <p:nvPr/>
-        </p:nvPicPr>
-        <p:blipFill>
-          <a:blip r:embed="rId3">
-            <a:extLst>
-              <a:ext uri="{28A0092B-C50C-407E-A947-70E740481C1C}">
-                <a14:useLocalDpi xmlns:a14="http://schemas.microsoft.com/office/drawing/2010/main" val="0"/>
-              </a:ext>
-            </a:extLst>
-          </a:blip>
-          <a:stretch>
-            <a:fillRect/>
-          </a:stretch>
-        </p:blipFill>
-        <p:spPr>
-          <a:xfrm>
-            <a:off x="-22465" y="1474420"/>
-            <a:ext cx="5852172" cy="4389129"/>
-          </a:xfrm>
-          <a:prstGeom prst="rect">
-            <a:avLst/>
-          </a:prstGeom>
-        </p:spPr>
-      </p:pic>
-      <p:sp>
-        <p:nvSpPr>
-          <p:cNvPr id="8" name="TextBox 7"/>
-          <p:cNvSpPr txBox="1"/>
-          <p:nvPr/>
-        </p:nvSpPr>
-        <p:spPr>
-          <a:xfrm>
-            <a:off x="243828" y="1506022"/>
-            <a:ext cx="1007456" cy="369332"/>
-          </a:xfrm>
-          <a:prstGeom prst="rect">
-            <a:avLst/>
-          </a:prstGeom>
-          <a:noFill/>
-        </p:spPr>
-        <p:txBody>
-          <a:bodyPr wrap="square" rtlCol="0">
-            <a:spAutoFit/>
-          </a:bodyPr>
-          <a:lstStyle/>
-          <a:p>
-            <a:r>
-              <a:rPr lang="en-US" b="1" dirty="0" smtClean="0"/>
-              <a:t>a)</a:t>
-            </a:r>
-            <a:endParaRPr lang="ru-RU" b="1" dirty="0"/>
-          </a:p>
-        </p:txBody>
-      </p:sp>
-      <p:sp>
-        <p:nvSpPr>
-          <p:cNvPr id="9" name="TextBox 8"/>
-          <p:cNvSpPr txBox="1"/>
-          <p:nvPr/>
-        </p:nvSpPr>
-        <p:spPr>
-          <a:xfrm>
-            <a:off x="6338260" y="1506022"/>
-            <a:ext cx="1007456" cy="369332"/>
-          </a:xfrm>
-          <a:prstGeom prst="rect">
-            <a:avLst/>
-          </a:prstGeom>
-          <a:noFill/>
-        </p:spPr>
-        <p:txBody>
-          <a:bodyPr wrap="square" rtlCol="0">
-            <a:spAutoFit/>
-          </a:bodyPr>
-          <a:lstStyle/>
-          <a:p>
-            <a:r>
-              <a:rPr lang="en-US" b="1" dirty="0"/>
-              <a:t>b</a:t>
-            </a:r>
-            <a:r>
-              <a:rPr lang="en-US" b="1" dirty="0" smtClean="0"/>
-              <a:t>)</a:t>
-            </a:r>
-            <a:endParaRPr lang="ru-RU" b="1" dirty="0"/>
-          </a:p>
-        </p:txBody>
-      </p:sp>
-      <p:sp>
-        <p:nvSpPr>
-          <p:cNvPr id="10" name="TextBox 9"/>
-          <p:cNvSpPr txBox="1"/>
-          <p:nvPr/>
-        </p:nvSpPr>
-        <p:spPr>
-          <a:xfrm>
-            <a:off x="2294021" y="5887453"/>
-            <a:ext cx="7315200" cy="707886"/>
-          </a:xfrm>
-          <a:prstGeom prst="rect">
-            <a:avLst/>
-          </a:prstGeom>
-          <a:noFill/>
-        </p:spPr>
-        <p:txBody>
-          <a:bodyPr wrap="square" rtlCol="0">
-            <a:spAutoFit/>
-          </a:bodyPr>
-          <a:lstStyle/>
-          <a:p>
-            <a:pPr algn="ctr"/>
-            <a:r>
-              <a:rPr lang="ru-RU" sz="2000" b="1" u="sng" dirty="0" smtClean="0"/>
-              <a:t>Энергия электронов (а) неподвижный воздух, (</a:t>
-            </a:r>
-            <a:r>
-              <a:rPr lang="en-US" sz="2000" b="1" u="sng" dirty="0" smtClean="0"/>
-              <a:t>b) </a:t>
-            </a:r>
-            <a:r>
-              <a:rPr lang="ru-RU" sz="2000" b="1" u="sng" dirty="0" smtClean="0"/>
-              <a:t>в сверхзвуковые потоки </a:t>
-            </a:r>
-            <a:endParaRPr lang="ru-RU" sz="2000" b="1" u="sng" dirty="0"/>
-          </a:p>
-        </p:txBody>
-      </p:sp>
-      <p:sp>
-        <p:nvSpPr>
-          <p:cNvPr id="11" name="TextBox 10"/>
-          <p:cNvSpPr txBox="1"/>
-          <p:nvPr/>
-        </p:nvSpPr>
-        <p:spPr>
-          <a:xfrm>
-            <a:off x="9332843" y="365125"/>
-            <a:ext cx="3258117" cy="646331"/>
-          </a:xfrm>
-          <a:prstGeom prst="rect">
-            <a:avLst/>
-          </a:prstGeom>
-          <a:noFill/>
-        </p:spPr>
-        <p:txBody>
-          <a:bodyPr wrap="square" rtlCol="0">
-            <a:spAutoFit/>
-          </a:bodyPr>
-          <a:lstStyle/>
-          <a:p>
-            <a:r>
-              <a:rPr lang="ru-RU" dirty="0" smtClean="0"/>
-              <a:t>Все перевести в плотность потока</a:t>
-            </a:r>
-            <a:endParaRPr lang="ru-RU" dirty="0"/>
-          </a:p>
-        </p:txBody>
-      </p:sp>
-    </p:spTree>
-    <p:extLst>
-      <p:ext uri="{BB962C8B-B14F-4D97-AF65-F5344CB8AC3E}">
-        <p14:creationId xmlns:p14="http://schemas.microsoft.com/office/powerpoint/2010/main" val="326206670"/>
-      </p:ext>
-    </p:extLst>
-  </p:cSld>
-  <p:clrMapOvr>
-    <a:masterClrMapping/>
-  </p:clrMapOvr>
-  <p:timing>
-    <p:tnLst>
-      <p:par>
-        <p:cTn id="1" dur="indefinite" restart="never" nodeType="tmRoot"/>
-      </p:par>
-    </p:tnLst>
-  </p:timing>
-</p:sld>
-</file>
-
-<file path=ppt/slides/slide14.xml><?xml version="1.0" encoding="utf-8"?>
-<p:sld xmlns:a="http://schemas.openxmlformats.org/drawingml/2006/main" xmlns:r="http://schemas.openxmlformats.org/officeDocument/2006/relationships" xmlns:p="http://schemas.openxmlformats.org/presentationml/2006/main">
-  <p:cSld>
-    <p:spTree>
-      <p:nvGrpSpPr>
-        <p:cNvPr id="1" name=""/>
-        <p:cNvGrpSpPr/>
-        <p:nvPr/>
-      </p:nvGrpSpPr>
-      <p:grpSpPr>
-        <a:xfrm>
-          <a:off x="0" y="0"/>
-          <a:ext cx="0" cy="0"/>
-          <a:chOff x="0" y="0"/>
-          <a:chExt cx="0" cy="0"/>
-        </a:xfrm>
-      </p:grpSpPr>
-      <p:sp>
-        <p:nvSpPr>
           <p:cNvPr id="4" name="Заголовок 1"/>
           <p:cNvSpPr>
             <a:spLocks noGrp="1"/>
@@ -5859,182 +6185,6 @@
             <a:endParaRPr lang="ru-RU" sz="3600" b="1" u="sng" dirty="0">
               <a:latin typeface="Arial Black" panose="020B0A04020102020204" pitchFamily="34" charset="0"/>
             </a:endParaRPr>
-          </a:p>
-        </p:txBody>
-      </p:sp>
-      <p:pic>
-        <p:nvPicPr>
-          <p:cNvPr id="6" name="Рисунок 5"/>
-          <p:cNvPicPr>
-            <a:picLocks noChangeAspect="1"/>
-          </p:cNvPicPr>
-          <p:nvPr/>
-        </p:nvPicPr>
-        <p:blipFill>
-          <a:blip r:embed="rId2">
-            <a:extLst>
-              <a:ext uri="{28A0092B-C50C-407E-A947-70E740481C1C}">
-                <a14:useLocalDpi xmlns:a14="http://schemas.microsoft.com/office/drawing/2010/main" val="0"/>
-              </a:ext>
-            </a:extLst>
-          </a:blip>
-          <a:stretch>
-            <a:fillRect/>
-          </a:stretch>
-        </p:blipFill>
-        <p:spPr>
-          <a:xfrm>
-            <a:off x="6187679" y="1422952"/>
-            <a:ext cx="5852172" cy="4389129"/>
-          </a:xfrm>
-          <a:prstGeom prst="rect">
-            <a:avLst/>
-          </a:prstGeom>
-        </p:spPr>
-      </p:pic>
-      <p:cxnSp>
-        <p:nvCxnSpPr>
-          <p:cNvPr id="8" name="Прямая со стрелкой 7"/>
-          <p:cNvCxnSpPr/>
-          <p:nvPr/>
-        </p:nvCxnSpPr>
-        <p:spPr>
-          <a:xfrm>
-            <a:off x="7940842" y="2374244"/>
-            <a:ext cx="769222" cy="192493"/>
-          </a:xfrm>
-          <a:prstGeom prst="straightConnector1">
-            <a:avLst/>
-          </a:prstGeom>
-          <a:ln>
-            <a:tailEnd type="triangle"/>
-          </a:ln>
-        </p:spPr>
-        <p:style>
-          <a:lnRef idx="3">
-            <a:schemeClr val="dk1"/>
-          </a:lnRef>
-          <a:fillRef idx="0">
-            <a:schemeClr val="dk1"/>
-          </a:fillRef>
-          <a:effectRef idx="2">
-            <a:schemeClr val="dk1"/>
-          </a:effectRef>
-          <a:fontRef idx="minor">
-            <a:schemeClr val="tx1"/>
-          </a:fontRef>
-        </p:style>
-      </p:cxnSp>
-      <p:cxnSp>
-        <p:nvCxnSpPr>
-          <p:cNvPr id="9" name="Прямая со стрелкой 8"/>
-          <p:cNvCxnSpPr/>
-          <p:nvPr/>
-        </p:nvCxnSpPr>
-        <p:spPr>
-          <a:xfrm>
-            <a:off x="10459453" y="3288632"/>
-            <a:ext cx="344905" cy="1086851"/>
-          </a:xfrm>
-          <a:prstGeom prst="straightConnector1">
-            <a:avLst/>
-          </a:prstGeom>
-          <a:ln>
-            <a:tailEnd type="triangle"/>
-          </a:ln>
-        </p:spPr>
-        <p:style>
-          <a:lnRef idx="3">
-            <a:schemeClr val="dk1"/>
-          </a:lnRef>
-          <a:fillRef idx="0">
-            <a:schemeClr val="dk1"/>
-          </a:fillRef>
-          <a:effectRef idx="2">
-            <a:schemeClr val="dk1"/>
-          </a:effectRef>
-          <a:fontRef idx="minor">
-            <a:schemeClr val="tx1"/>
-          </a:fontRef>
-        </p:style>
-      </p:cxnSp>
-      <p:sp>
-        <p:nvSpPr>
-          <p:cNvPr id="11" name="TextBox 10"/>
-          <p:cNvSpPr txBox="1"/>
-          <p:nvPr/>
-        </p:nvSpPr>
-        <p:spPr>
-          <a:xfrm>
-            <a:off x="7217105" y="1968052"/>
-            <a:ext cx="1445386" cy="461665"/>
-          </a:xfrm>
-          <a:prstGeom prst="rect">
-            <a:avLst/>
-          </a:prstGeom>
-          <a:noFill/>
-        </p:spPr>
-        <p:txBody>
-          <a:bodyPr wrap="square" rtlCol="0">
-            <a:spAutoFit/>
-          </a:bodyPr>
-          <a:lstStyle/>
-          <a:p>
-            <a:r>
-              <a:rPr lang="ru-RU" sz="2400" dirty="0" smtClean="0"/>
-              <a:t>N</a:t>
-            </a:r>
-            <a:r>
-              <a:rPr lang="ru-RU" sz="2400" baseline="-25000" dirty="0" smtClean="0"/>
-              <a:t>2</a:t>
-            </a:r>
-            <a:r>
-              <a:rPr lang="ru-RU" sz="2400" dirty="0" smtClean="0"/>
-              <a:t> (0-0)</a:t>
-            </a:r>
-            <a:endParaRPr lang="ru-RU" sz="2400" dirty="0"/>
-          </a:p>
-        </p:txBody>
-      </p:sp>
-      <p:sp>
-        <p:nvSpPr>
-          <p:cNvPr id="12" name="TextBox 11"/>
-          <p:cNvSpPr txBox="1"/>
-          <p:nvPr/>
-        </p:nvSpPr>
-        <p:spPr>
-          <a:xfrm>
-            <a:off x="9982200" y="2780435"/>
-            <a:ext cx="1383941" cy="461665"/>
-          </a:xfrm>
-          <a:prstGeom prst="rect">
-            <a:avLst/>
-          </a:prstGeom>
-          <a:noFill/>
-        </p:spPr>
-        <p:txBody>
-          <a:bodyPr wrap="square" rtlCol="0">
-            <a:spAutoFit/>
-          </a:bodyPr>
-          <a:lstStyle/>
-          <a:p>
-            <a:r>
-              <a:rPr lang="ru-RU" sz="2400" dirty="0"/>
-              <a:t>N</a:t>
-            </a:r>
-            <a:r>
-              <a:rPr lang="ru-RU" sz="2400" baseline="-25000" dirty="0"/>
-              <a:t>2</a:t>
-            </a:r>
-            <a:r>
-              <a:rPr lang="ru-RU" sz="2400" baseline="30000" dirty="0"/>
-              <a:t>+</a:t>
-            </a:r>
-            <a:r>
-              <a:rPr lang="ru-RU" sz="2400" dirty="0" smtClean="0"/>
-              <a:t>(0-0)</a:t>
-            </a:r>
-            <a:endParaRPr lang="ru-RU" sz="2400" dirty="0"/>
           </a:p>
         </p:txBody>
       </p:sp>
@@ -6485,50 +6635,60 @@
           <a:p>
             <a:fld id="{9FAB18EA-D421-4479-A48C-D4262B204458}" type="slidenum">
               <a:rPr lang="ru-RU" smtClean="0"/>
-              <a:t>14</a:t>
+              <a:t>13</a:t>
             </a:fld>
             <a:endParaRPr lang="ru-RU"/>
           </a:p>
         </p:txBody>
       </p:sp>
-      <p:sp>
-        <p:nvSpPr>
-          <p:cNvPr id="3" name="TextBox 2"/>
-          <p:cNvSpPr txBox="1"/>
+      <p:pic>
+        <p:nvPicPr>
+          <p:cNvPr id="30" name="Рисунок 29"/>
+          <p:cNvPicPr>
+            <a:picLocks noChangeAspect="1"/>
+          </p:cNvPicPr>
           <p:nvPr/>
-        </p:nvSpPr>
+        </p:nvPicPr>
+        <p:blipFill>
+          <a:blip r:embed="rId4"/>
+          <a:stretch>
+            <a:fillRect/>
+          </a:stretch>
+        </p:blipFill>
         <p:spPr>
           <a:xfrm>
-            <a:off x="3768788" y="1552553"/>
-            <a:ext cx="3104941" cy="646331"/>
+            <a:off x="6975520" y="3921220"/>
+            <a:ext cx="3836959" cy="2770078"/>
           </a:xfrm>
           <a:prstGeom prst="rect">
             <a:avLst/>
           </a:prstGeom>
-          <a:noFill/>
         </p:spPr>
-        <p:txBody>
-          <a:bodyPr wrap="square" rtlCol="0">
-            <a:spAutoFit/>
-          </a:bodyPr>
-          <a:lstStyle/>
-          <a:p>
-            <a:r>
-              <a:rPr lang="ru-RU" dirty="0" smtClean="0">
-                <a:solidFill>
-                  <a:srgbClr val="FF0000"/>
-                </a:solidFill>
-              </a:rPr>
-              <a:t>Результаты полученные в неподвижном в диапазонах</a:t>
-            </a:r>
-            <a:endParaRPr lang="ru-RU" dirty="0">
-              <a:solidFill>
-                <a:srgbClr val="FF0000"/>
-              </a:solidFill>
-            </a:endParaRPr>
-          </a:p>
-        </p:txBody>
-      </p:sp>
+      </p:pic>
+      <p:pic>
+        <p:nvPicPr>
+          <p:cNvPr id="39" name="Рисунок 38"/>
+          <p:cNvPicPr>
+            <a:picLocks noChangeAspect="1"/>
+          </p:cNvPicPr>
+          <p:nvPr/>
+        </p:nvPicPr>
+        <p:blipFill>
+          <a:blip r:embed="rId5"/>
+          <a:stretch>
+            <a:fillRect/>
+          </a:stretch>
+        </p:blipFill>
+        <p:spPr>
+          <a:xfrm>
+            <a:off x="7060228" y="1278737"/>
+            <a:ext cx="3667545" cy="2744781"/>
+          </a:xfrm>
+          <a:prstGeom prst="rect">
+            <a:avLst/>
+          </a:prstGeom>
+        </p:spPr>
+      </p:pic>
     </p:spTree>
     <p:extLst>
       <p:ext uri="{BB962C8B-B14F-4D97-AF65-F5344CB8AC3E}">
@@ -6549,7 +6709,7 @@
 </p:sld>
 </file>
 
-<file path=ppt/slides/slide15.xml><?xml version="1.0" encoding="utf-8"?>
+<file path=ppt/slides/slide14.xml><?xml version="1.0" encoding="utf-8"?>
 <p:sld xmlns:a="http://schemas.openxmlformats.org/drawingml/2006/main" xmlns:r="http://schemas.openxmlformats.org/officeDocument/2006/relationships" xmlns:p="http://schemas.openxmlformats.org/presentationml/2006/main">
   <p:cSld>
     <p:spTree>
@@ -6759,7 +6919,7 @@
           <a:p>
             <a:fld id="{9FAB18EA-D421-4479-A48C-D4262B204458}" type="slidenum">
               <a:rPr lang="ru-RU" smtClean="0"/>
-              <a:t>15</a:t>
+              <a:t>14</a:t>
             </a:fld>
             <a:endParaRPr lang="ru-RU"/>
           </a:p>
@@ -6987,7 +7147,7 @@
 </p:sld>
 </file>
 
-<file path=ppt/slides/slide16.xml><?xml version="1.0" encoding="utf-8"?>
+<file path=ppt/slides/slide15.xml><?xml version="1.0" encoding="utf-8"?>
 <p:sld xmlns:a="http://schemas.openxmlformats.org/drawingml/2006/main" xmlns:r="http://schemas.openxmlformats.org/officeDocument/2006/relationships" xmlns:p="http://schemas.openxmlformats.org/presentationml/2006/main">
   <p:cSld>
     <p:spTree>
@@ -7021,7 +7181,7 @@
           <a:p>
             <a:fld id="{9FAB18EA-D421-4479-A48C-D4262B204458}" type="slidenum">
               <a:rPr lang="ru-RU" smtClean="0"/>
-              <a:t>16</a:t>
+              <a:t>15</a:t>
             </a:fld>
             <a:endParaRPr lang="ru-RU"/>
           </a:p>
@@ -7121,11 +7281,7 @@
             <a:pPr algn="ctr"/>
             <a:r>
               <a:rPr lang="ru-RU" i="1" dirty="0" smtClean="0"/>
-              <a:t>Свечение яркого канала в сверхзвуковом потоке число </a:t>
-            </a:r>
-            <a:r>
-              <a:rPr lang="ru-RU" i="1" dirty="0" smtClean="0"/>
-              <a:t>Маха(3,7)</a:t>
+              <a:t>Свечение яркого канала в сверхзвуковом потоке число Маха(3,7)</a:t>
             </a:r>
             <a:endParaRPr lang="ru-RU" i="1" dirty="0"/>
           </a:p>
@@ -7295,6 +7451,133 @@
 </p:sld>
 </file>
 
+<file path=ppt/slides/slide16.xml><?xml version="1.0" encoding="utf-8"?>
+<p:sld xmlns:a="http://schemas.openxmlformats.org/drawingml/2006/main" xmlns:r="http://schemas.openxmlformats.org/officeDocument/2006/relationships" xmlns:p="http://schemas.openxmlformats.org/presentationml/2006/main">
+  <p:cSld>
+    <p:spTree>
+      <p:nvGrpSpPr>
+        <p:cNvPr id="1" name=""/>
+        <p:cNvGrpSpPr/>
+        <p:nvPr/>
+      </p:nvGrpSpPr>
+      <p:grpSpPr>
+        <a:xfrm>
+          <a:off x="0" y="0"/>
+          <a:ext cx="0" cy="0"/>
+          <a:chOff x="0" y="0"/>
+          <a:chExt cx="0" cy="0"/>
+        </a:xfrm>
+      </p:grpSpPr>
+      <p:sp>
+        <p:nvSpPr>
+          <p:cNvPr id="4" name="Номер слайда 3"/>
+          <p:cNvSpPr>
+            <a:spLocks noGrp="1"/>
+          </p:cNvSpPr>
+          <p:nvPr>
+            <p:ph type="sldNum" sz="quarter" idx="12"/>
+          </p:nvPr>
+        </p:nvSpPr>
+        <p:spPr/>
+        <p:txBody>
+          <a:bodyPr/>
+          <a:lstStyle/>
+          <a:p>
+            <a:fld id="{9FAB18EA-D421-4479-A48C-D4262B204458}" type="slidenum">
+              <a:rPr lang="ru-RU" smtClean="0"/>
+              <a:t>16</a:t>
+            </a:fld>
+            <a:endParaRPr lang="ru-RU"/>
+          </a:p>
+        </p:txBody>
+      </p:sp>
+      <p:sp>
+        <p:nvSpPr>
+          <p:cNvPr id="5" name="Заголовок 1"/>
+          <p:cNvSpPr>
+            <a:spLocks noGrp="1"/>
+          </p:cNvSpPr>
+          <p:nvPr>
+            <p:ph type="title"/>
+          </p:nvPr>
+        </p:nvSpPr>
+        <p:spPr/>
+        <p:txBody>
+          <a:bodyPr>
+            <a:normAutofit/>
+          </a:bodyPr>
+          <a:lstStyle/>
+          <a:p>
+            <a:r>
+              <a:rPr lang="ru-RU" sz="3600" b="1" u="sng" dirty="0" smtClean="0">
+                <a:latin typeface="Arial Black" panose="020B0A04020102020204" pitchFamily="34" charset="0"/>
+              </a:rPr>
+              <a:t>Длительность свечения</a:t>
+            </a:r>
+            <a:endParaRPr lang="ru-RU" sz="3600" b="1" u="sng" dirty="0">
+              <a:latin typeface="Arial Black" panose="020B0A04020102020204" pitchFamily="34" charset="0"/>
+            </a:endParaRPr>
+          </a:p>
+        </p:txBody>
+      </p:sp>
+      <p:sp>
+        <p:nvSpPr>
+          <p:cNvPr id="2" name="TextBox 1"/>
+          <p:cNvSpPr txBox="1"/>
+          <p:nvPr/>
+        </p:nvSpPr>
+        <p:spPr>
+          <a:xfrm>
+            <a:off x="1165609" y="2090057"/>
+            <a:ext cx="3275762" cy="646331"/>
+          </a:xfrm>
+          <a:prstGeom prst="rect">
+            <a:avLst/>
+          </a:prstGeom>
+          <a:noFill/>
+        </p:spPr>
+        <p:txBody>
+          <a:bodyPr wrap="square" rtlCol="0">
+            <a:spAutoFit/>
+          </a:bodyPr>
+          <a:lstStyle/>
+          <a:p>
+            <a:r>
+              <a:rPr lang="ru-RU" dirty="0" smtClean="0"/>
+              <a:t>Неподвижный и поток графики </a:t>
+            </a:r>
+            <a:r>
+              <a:rPr lang="ru-RU" dirty="0" err="1" smtClean="0"/>
+              <a:t>зтухания</a:t>
+            </a:r>
+            <a:r>
+              <a:rPr lang="ru-RU" dirty="0" smtClean="0"/>
+              <a:t> свечения</a:t>
+            </a:r>
+            <a:endParaRPr lang="ru-RU" dirty="0"/>
+          </a:p>
+        </p:txBody>
+      </p:sp>
+    </p:spTree>
+    <p:extLst>
+      <p:ext uri="{BB962C8B-B14F-4D97-AF65-F5344CB8AC3E}">
+        <p14:creationId xmlns:p14="http://schemas.microsoft.com/office/powerpoint/2010/main" val="3329572568"/>
+      </p:ext>
+    </p:extLst>
+  </p:cSld>
+  <p:clrMapOvr>
+    <a:masterClrMapping/>
+  </p:clrMapOvr>
+  <p:timing>
+    <p:tnLst>
+      <p:par>
+        <p:cTn id="1" dur="indefinite" restart="never" nodeType="tmRoot"/>
+      </p:par>
+    </p:tnLst>
+  </p:timing>
+</p:sld>
+</file>
+
 <file path=ppt/slides/slide17.xml><?xml version="1.0" encoding="utf-8"?>
 <p:sld xmlns:a="http://schemas.openxmlformats.org/drawingml/2006/main" xmlns:r="http://schemas.openxmlformats.org/officeDocument/2006/relationships" xmlns:p="http://schemas.openxmlformats.org/presentationml/2006/main">
   <p:cSld>
@@ -7337,133 +7620,6 @@
       </p:sp>
       <p:sp>
         <p:nvSpPr>
-          <p:cNvPr id="5" name="Заголовок 1"/>
-          <p:cNvSpPr>
-            <a:spLocks noGrp="1"/>
-          </p:cNvSpPr>
-          <p:nvPr>
-            <p:ph type="title"/>
-          </p:nvPr>
-        </p:nvSpPr>
-        <p:spPr/>
-        <p:txBody>
-          <a:bodyPr>
-            <a:normAutofit/>
-          </a:bodyPr>
-          <a:lstStyle/>
-          <a:p>
-            <a:r>
-              <a:rPr lang="ru-RU" sz="3600" b="1" u="sng" dirty="0" smtClean="0">
-                <a:latin typeface="Arial Black" panose="020B0A04020102020204" pitchFamily="34" charset="0"/>
-              </a:rPr>
-              <a:t>Длительность свечения</a:t>
-            </a:r>
-            <a:endParaRPr lang="ru-RU" sz="3600" b="1" u="sng" dirty="0">
-              <a:latin typeface="Arial Black" panose="020B0A04020102020204" pitchFamily="34" charset="0"/>
-            </a:endParaRPr>
-          </a:p>
-        </p:txBody>
-      </p:sp>
-      <p:sp>
-        <p:nvSpPr>
-          <p:cNvPr id="2" name="TextBox 1"/>
-          <p:cNvSpPr txBox="1"/>
-          <p:nvPr/>
-        </p:nvSpPr>
-        <p:spPr>
-          <a:xfrm>
-            <a:off x="1165609" y="2090057"/>
-            <a:ext cx="3275762" cy="646331"/>
-          </a:xfrm>
-          <a:prstGeom prst="rect">
-            <a:avLst/>
-          </a:prstGeom>
-          <a:noFill/>
-        </p:spPr>
-        <p:txBody>
-          <a:bodyPr wrap="square" rtlCol="0">
-            <a:spAutoFit/>
-          </a:bodyPr>
-          <a:lstStyle/>
-          <a:p>
-            <a:r>
-              <a:rPr lang="ru-RU" dirty="0" smtClean="0"/>
-              <a:t>Неподвижный и поток графики </a:t>
-            </a:r>
-            <a:r>
-              <a:rPr lang="ru-RU" dirty="0" err="1" smtClean="0"/>
-              <a:t>зтухания</a:t>
-            </a:r>
-            <a:r>
-              <a:rPr lang="ru-RU" dirty="0" smtClean="0"/>
-              <a:t> свечения</a:t>
-            </a:r>
-            <a:endParaRPr lang="ru-RU" dirty="0"/>
-          </a:p>
-        </p:txBody>
-      </p:sp>
-    </p:spTree>
-    <p:extLst>
-      <p:ext uri="{BB962C8B-B14F-4D97-AF65-F5344CB8AC3E}">
-        <p14:creationId xmlns:p14="http://schemas.microsoft.com/office/powerpoint/2010/main" val="3329572568"/>
-      </p:ext>
-    </p:extLst>
-  </p:cSld>
-  <p:clrMapOvr>
-    <a:masterClrMapping/>
-  </p:clrMapOvr>
-  <p:timing>
-    <p:tnLst>
-      <p:par>
-        <p:cTn id="1" dur="indefinite" restart="never" nodeType="tmRoot"/>
-      </p:par>
-    </p:tnLst>
-  </p:timing>
-</p:sld>
-</file>
-
-<file path=ppt/slides/slide18.xml><?xml version="1.0" encoding="utf-8"?>
-<p:sld xmlns:a="http://schemas.openxmlformats.org/drawingml/2006/main" xmlns:r="http://schemas.openxmlformats.org/officeDocument/2006/relationships" xmlns:p="http://schemas.openxmlformats.org/presentationml/2006/main">
-  <p:cSld>
-    <p:spTree>
-      <p:nvGrpSpPr>
-        <p:cNvPr id="1" name=""/>
-        <p:cNvGrpSpPr/>
-        <p:nvPr/>
-      </p:nvGrpSpPr>
-      <p:grpSpPr>
-        <a:xfrm>
-          <a:off x="0" y="0"/>
-          <a:ext cx="0" cy="0"/>
-          <a:chOff x="0" y="0"/>
-          <a:chExt cx="0" cy="0"/>
-        </a:xfrm>
-      </p:grpSpPr>
-      <p:sp>
-        <p:nvSpPr>
-          <p:cNvPr id="4" name="Номер слайда 3"/>
-          <p:cNvSpPr>
-            <a:spLocks noGrp="1"/>
-          </p:cNvSpPr>
-          <p:nvPr>
-            <p:ph type="sldNum" sz="quarter" idx="12"/>
-          </p:nvPr>
-        </p:nvSpPr>
-        <p:spPr/>
-        <p:txBody>
-          <a:bodyPr/>
-          <a:lstStyle/>
-          <a:p>
-            <a:fld id="{9FAB18EA-D421-4479-A48C-D4262B204458}" type="slidenum">
-              <a:rPr lang="ru-RU" smtClean="0"/>
-              <a:t>18</a:t>
-            </a:fld>
-            <a:endParaRPr lang="ru-RU"/>
-          </a:p>
-        </p:txBody>
-      </p:sp>
-      <p:sp>
-        <p:nvSpPr>
           <p:cNvPr id="7" name="Заголовок 1"/>
           <p:cNvSpPr>
             <a:spLocks noGrp="1"/>
@@ -7547,7 +7703,7 @@
 </p:sld>
 </file>
 
-<file path=ppt/slides/slide19.xml><?xml version="1.0" encoding="utf-8"?>
+<file path=ppt/slides/slide18.xml><?xml version="1.0" encoding="utf-8"?>
 <p:sld xmlns:a="http://schemas.openxmlformats.org/drawingml/2006/main" xmlns:r="http://schemas.openxmlformats.org/officeDocument/2006/relationships" xmlns:p="http://schemas.openxmlformats.org/presentationml/2006/main">
   <p:cSld>
     <p:spTree>
@@ -7564,8 +7720,8 @@
           <a:chExt cx="0" cy="0"/>
         </a:xfrm>
       </p:grpSpPr>
-      <mc:AlternateContent xmlns:mc="http://schemas.openxmlformats.org/markup-compatibility/2006">
-        <mc:Choice xmlns:a14="http://schemas.microsoft.com/office/drawing/2010/main" Requires="a14">
+      <mc:AlternateContent xmlns:mc="http://schemas.openxmlformats.org/markup-compatibility/2006" xmlns:a14="http://schemas.microsoft.com/office/drawing/2010/main">
+        <mc:Choice Requires="a14">
           <p:sp>
             <p:nvSpPr>
               <p:cNvPr id="3" name="Объект 2"/>
@@ -8266,20 +8422,7 @@
                       </a:solidFill>
                     </a:uFill>
                   </a:rPr>
-                  <a:t>установлено, что  локализованный разрядный канал генерирует ударную волну взрывного типа, приводящую к перестройке ударно-волновой структуры потока в течение 100 </a:t>
-                </a:r>
-                <a:r>
-                  <a:rPr lang="ru-RU" sz="1600" spc="-1" dirty="0">
-                    <a:solidFill>
-                      <a:srgbClr val="000000"/>
-                    </a:solidFill>
-                    <a:uFill>
-                      <a:solidFill>
-                        <a:srgbClr val="FFFFFF"/>
-                      </a:solidFill>
-                    </a:uFill>
-                  </a:rPr>
-                  <a:t>мкс и последующей релаксации до стационарной конфигурации.</a:t>
+                  <a:t>установлено, что  локализованный разрядный канал генерирует ударную волну взрывного типа, приводящую к перестройке ударно-волновой структуры потока в течение 100 мкс и последующей релаксации до стационарной конфигурации.</a:t>
                 </a:r>
                 <a:endParaRPr lang="ru-RU" sz="1600" spc="-1" dirty="0">
                   <a:solidFill>
@@ -8299,7 +8442,7 @@
             </p:txBody>
           </p:sp>
         </mc:Choice>
-        <mc:Fallback>
+        <mc:Fallback xmlns="">
           <p:sp>
             <p:nvSpPr>
               <p:cNvPr id="3" name="Объект 2"/>
@@ -8383,7 +8526,7 @@
           <a:p>
             <a:fld id="{9FAB18EA-D421-4479-A48C-D4262B204458}" type="slidenum">
               <a:rPr lang="ru-RU" smtClean="0"/>
-              <a:t>19</a:t>
+              <a:t>18</a:t>
             </a:fld>
             <a:endParaRPr lang="ru-RU"/>
           </a:p>
@@ -8406,6 +8549,90 @@
       </p:par>
     </p:tnLst>
   </p:timing>
+</p:sld>
+</file>
+
+<file path=ppt/slides/slide19.xml><?xml version="1.0" encoding="utf-8"?>
+<p:sld xmlns:a="http://schemas.openxmlformats.org/drawingml/2006/main" xmlns:r="http://schemas.openxmlformats.org/officeDocument/2006/relationships" xmlns:p="http://schemas.openxmlformats.org/presentationml/2006/main">
+  <p:cSld>
+    <p:spTree>
+      <p:nvGrpSpPr>
+        <p:cNvPr id="1" name=""/>
+        <p:cNvGrpSpPr/>
+        <p:nvPr/>
+      </p:nvGrpSpPr>
+      <p:grpSpPr>
+        <a:xfrm>
+          <a:off x="0" y="0"/>
+          <a:ext cx="0" cy="0"/>
+          <a:chOff x="0" y="0"/>
+          <a:chExt cx="0" cy="0"/>
+        </a:xfrm>
+      </p:grpSpPr>
+      <p:sp>
+        <p:nvSpPr>
+          <p:cNvPr id="4" name="Номер слайда 3"/>
+          <p:cNvSpPr>
+            <a:spLocks noGrp="1"/>
+          </p:cNvSpPr>
+          <p:nvPr>
+            <p:ph type="sldNum" sz="quarter" idx="12"/>
+          </p:nvPr>
+        </p:nvSpPr>
+        <p:spPr/>
+        <p:txBody>
+          <a:bodyPr/>
+          <a:lstStyle/>
+          <a:p>
+            <a:fld id="{9FAB18EA-D421-4479-A48C-D4262B204458}" type="slidenum">
+              <a:rPr lang="ru-RU" smtClean="0"/>
+              <a:t>19</a:t>
+            </a:fld>
+            <a:endParaRPr lang="ru-RU"/>
+          </a:p>
+        </p:txBody>
+      </p:sp>
+      <p:sp>
+        <p:nvSpPr>
+          <p:cNvPr id="5" name="TextBox 4"/>
+          <p:cNvSpPr txBox="1"/>
+          <p:nvPr/>
+        </p:nvSpPr>
+        <p:spPr>
+          <a:xfrm>
+            <a:off x="2640624" y="2778368"/>
+            <a:ext cx="7069015" cy="923330"/>
+          </a:xfrm>
+          <a:prstGeom prst="rect">
+            <a:avLst/>
+          </a:prstGeom>
+          <a:noFill/>
+        </p:spPr>
+        <p:txBody>
+          <a:bodyPr wrap="square" rtlCol="0">
+            <a:spAutoFit/>
+          </a:bodyPr>
+          <a:lstStyle/>
+          <a:p>
+            <a:pPr algn="ctr"/>
+            <a:r>
+              <a:rPr lang="ru-RU" sz="5400" dirty="0" smtClean="0"/>
+              <a:t>Спасибо за внимание</a:t>
+            </a:r>
+            <a:endParaRPr lang="ru-RU" sz="5400" dirty="0"/>
+          </a:p>
+        </p:txBody>
+      </p:sp>
+    </p:spTree>
+    <p:extLst>
+      <p:ext uri="{BB962C8B-B14F-4D97-AF65-F5344CB8AC3E}">
+        <p14:creationId xmlns:p14="http://schemas.microsoft.com/office/powerpoint/2010/main" val="548024964"/>
+      </p:ext>
+    </p:extLst>
+  </p:cSld>
+  <p:clrMapOvr>
+    <a:masterClrMapping/>
+  </p:clrMapOvr>
 </p:sld>
 </file>
 
@@ -8436,7 +8663,12 @@
             <p:ph type="title"/>
           </p:nvPr>
         </p:nvSpPr>
-        <p:spPr/>
+        <p:spPr>
+          <a:xfrm>
+            <a:off x="838200" y="4646"/>
+            <a:ext cx="10515600" cy="1325563"/>
+          </a:xfrm>
+        </p:spPr>
         <p:txBody>
           <a:bodyPr>
             <a:normAutofit/>
@@ -8452,54 +8684,6 @@
             <a:endParaRPr lang="ru-RU" sz="3600" b="1" u="sng" dirty="0">
               <a:latin typeface="Arial Black" panose="020B0A04020102020204" pitchFamily="34" charset="0"/>
             </a:endParaRPr>
-          </a:p>
-        </p:txBody>
-      </p:sp>
-      <p:sp>
-        <p:nvSpPr>
-          <p:cNvPr id="3" name="Объект 2"/>
-          <p:cNvSpPr>
-            <a:spLocks noGrp="1"/>
-          </p:cNvSpPr>
-          <p:nvPr>
-            <p:ph idx="1"/>
-          </p:nvPr>
-        </p:nvSpPr>
-        <p:spPr>
-          <a:xfrm>
-            <a:off x="838200" y="2274805"/>
-            <a:ext cx="10515600" cy="4351338"/>
-          </a:xfrm>
-        </p:spPr>
-        <p:txBody>
-          <a:bodyPr/>
-          <a:lstStyle/>
-          <a:p>
-            <a:r>
-              <a:rPr lang="ru-RU" dirty="0" smtClean="0"/>
-              <a:t>С помощью методов эмиссионной спектроскопии оценить параметры </a:t>
-            </a:r>
-            <a:r>
-              <a:rPr lang="ru-RU" dirty="0" smtClean="0"/>
-              <a:t>плазмы импульсных разрядов в сверхзвуковых потоках</a:t>
-            </a:r>
-            <a:r>
-              <a:rPr lang="ru-RU" dirty="0" smtClean="0"/>
-              <a:t>.</a:t>
-            </a:r>
-            <a:endParaRPr lang="ru-RU" dirty="0" smtClean="0"/>
-          </a:p>
-          <a:p>
-            <a:endParaRPr lang="ru-RU" dirty="0" smtClean="0"/>
-          </a:p>
-          <a:p>
-            <a:r>
-              <a:rPr lang="ru-RU" dirty="0" smtClean="0"/>
-              <a:t>Анализ формирования поверхностного разряда в сверхзвуковом потоке для двух конфигураций: плоская ударная волна и наклонная ударная волна.</a:t>
-            </a:r>
-          </a:p>
-          <a:p>
-            <a:endParaRPr lang="ru-RU" dirty="0"/>
           </a:p>
         </p:txBody>
       </p:sp>
@@ -8528,47 +8712,397 @@
       </p:sp>
       <p:sp>
         <p:nvSpPr>
-          <p:cNvPr id="5" name="TextBox 4"/>
+          <p:cNvPr id="7" name="TextBox 6"/>
           <p:cNvSpPr txBox="1"/>
           <p:nvPr/>
         </p:nvSpPr>
         <p:spPr>
           <a:xfrm>
-            <a:off x="6679096" y="432352"/>
-            <a:ext cx="2092187" cy="1200329"/>
+            <a:off x="344905" y="3048750"/>
+            <a:ext cx="4404020" cy="1477328"/>
           </a:xfrm>
           <a:prstGeom prst="rect">
             <a:avLst/>
           </a:prstGeom>
           <a:noFill/>
+          <a:ln>
+            <a:noFill/>
+          </a:ln>
         </p:spPr>
+        <p:style>
+          <a:lnRef idx="0">
+            <a:scrgbClr r="0" g="0" b="0"/>
+          </a:lnRef>
+          <a:fillRef idx="0">
+            <a:scrgbClr r="0" g="0" b="0"/>
+          </a:fillRef>
+          <a:effectRef idx="0">
+            <a:scrgbClr r="0" g="0" b="0"/>
+          </a:effectRef>
+          <a:fontRef idx="minor">
+            <a:schemeClr val="dk1"/>
+          </a:fontRef>
+        </p:style>
         <p:txBody>
           <a:bodyPr wrap="square" rtlCol="0">
             <a:spAutoFit/>
           </a:bodyPr>
           <a:lstStyle/>
           <a:p>
-            <a:r>
-              <a:rPr lang="ru-RU" dirty="0" smtClean="0">
-                <a:solidFill>
-                  <a:srgbClr val="FF0000"/>
-                </a:solidFill>
-              </a:rPr>
-              <a:t>Вставить работы, кто этим занимается результаты </a:t>
-            </a:r>
-            <a:r>
-              <a:rPr lang="ru-RU" dirty="0" err="1" smtClean="0">
-                <a:solidFill>
-                  <a:srgbClr val="FF0000"/>
-                </a:solidFill>
-              </a:rPr>
-              <a:t>итд</a:t>
-            </a:r>
-            <a:endParaRPr lang="ru-RU" dirty="0">
-              <a:solidFill>
-                <a:srgbClr val="FF0000"/>
-              </a:solidFill>
-            </a:endParaRPr>
+            <a:pPr marL="285750" indent="-285750">
+              <a:buFont typeface="Arial" panose="020B0604020202020204" pitchFamily="34" charset="0"/>
+              <a:buChar char="•"/>
+            </a:pPr>
+            <a:r>
+              <a:rPr lang="ru-RU" dirty="0" smtClean="0"/>
+              <a:t>Первые эксперименты по исследованию применения плазменных актуаторов для управления потоками начали проводиться в начале 21 века</a:t>
+            </a:r>
+            <a:r>
+              <a:rPr lang="en-US" dirty="0" smtClean="0"/>
+              <a:t> </a:t>
+            </a:r>
+            <a:endParaRPr lang="ru-RU" dirty="0"/>
+          </a:p>
+        </p:txBody>
+      </p:sp>
+      <p:sp>
+        <p:nvSpPr>
+          <p:cNvPr id="8" name="TextBox 7"/>
+          <p:cNvSpPr txBox="1"/>
+          <p:nvPr/>
+        </p:nvSpPr>
+        <p:spPr>
+          <a:xfrm>
+            <a:off x="344905" y="1339836"/>
+            <a:ext cx="4648200" cy="1077218"/>
+          </a:xfrm>
+          <a:prstGeom prst="rect">
+            <a:avLst/>
+          </a:prstGeom>
+          <a:noFill/>
+          <a:ln>
+            <a:noFill/>
+          </a:ln>
+        </p:spPr>
+        <p:style>
+          <a:lnRef idx="0">
+            <a:scrgbClr r="0" g="0" b="0"/>
+          </a:lnRef>
+          <a:fillRef idx="0">
+            <a:scrgbClr r="0" g="0" b="0"/>
+          </a:fillRef>
+          <a:effectRef idx="0">
+            <a:scrgbClr r="0" g="0" b="0"/>
+          </a:effectRef>
+          <a:fontRef idx="minor">
+            <a:schemeClr val="dk1"/>
+          </a:fontRef>
+        </p:style>
+        <p:txBody>
+          <a:bodyPr wrap="square" rtlCol="0">
+            <a:spAutoFit/>
+          </a:bodyPr>
+          <a:lstStyle/>
+          <a:p>
+            <a:pPr marL="285750" indent="-285750">
+              <a:buFont typeface="Arial" panose="020B0604020202020204" pitchFamily="34" charset="0"/>
+              <a:buChar char="•"/>
+            </a:pPr>
+            <a:r>
+              <a:rPr lang="ru-RU" sz="1600" dirty="0" smtClean="0"/>
+              <a:t>Во второй половине 20 века поверхностные разряда широко применялись для создания </a:t>
+            </a:r>
+            <a:r>
+              <a:rPr lang="ru-RU" sz="1600" dirty="0" err="1" smtClean="0"/>
+              <a:t>предыонизации</a:t>
+            </a:r>
+            <a:r>
+              <a:rPr lang="ru-RU" sz="1600" dirty="0" smtClean="0"/>
+              <a:t> в </a:t>
+            </a:r>
+            <a:r>
+              <a:rPr lang="ru-RU" sz="1600" dirty="0" err="1" smtClean="0"/>
+              <a:t>электроразрядных</a:t>
+            </a:r>
+            <a:r>
+              <a:rPr lang="ru-RU" sz="1600" dirty="0" smtClean="0"/>
+              <a:t> эксимерных лазерах </a:t>
+            </a:r>
+            <a:r>
+              <a:rPr lang="en-US" sz="1600" dirty="0" smtClean="0"/>
+              <a:t>[1]</a:t>
+            </a:r>
+            <a:endParaRPr lang="ru-RU" sz="1600" dirty="0"/>
+          </a:p>
+        </p:txBody>
+      </p:sp>
+      <p:grpSp>
+        <p:nvGrpSpPr>
+          <p:cNvPr id="13" name="Группа 12"/>
+          <p:cNvGrpSpPr/>
+          <p:nvPr/>
+        </p:nvGrpSpPr>
+        <p:grpSpPr>
+          <a:xfrm>
+            <a:off x="5372100" y="1055269"/>
+            <a:ext cx="2726994" cy="1901476"/>
+            <a:chOff x="7416999" y="1008437"/>
+            <a:chExt cx="2998177" cy="2220233"/>
+          </a:xfrm>
+        </p:grpSpPr>
+        <p:pic>
+          <p:nvPicPr>
+            <p:cNvPr id="9" name="Рисунок 8"/>
+            <p:cNvPicPr>
+              <a:picLocks noChangeAspect="1"/>
+            </p:cNvPicPr>
+            <p:nvPr/>
+          </p:nvPicPr>
+          <p:blipFill rotWithShape="1">
+            <a:blip r:embed="rId2"/>
+            <a:srcRect l="49118" t="51264" r="39264" b="36884"/>
+            <a:stretch/>
+          </p:blipFill>
+          <p:spPr>
+            <a:xfrm>
+              <a:off x="7499837" y="1008437"/>
+              <a:ext cx="2832503" cy="1625402"/>
+            </a:xfrm>
+            <a:prstGeom prst="rect">
+              <a:avLst/>
+            </a:prstGeom>
+            <a:ln>
+              <a:noFill/>
+            </a:ln>
+            <a:effectLst>
+              <a:outerShdw blurRad="190500" algn="tl" rotWithShape="0">
+                <a:srgbClr val="000000">
+                  <a:alpha val="70000"/>
+                </a:srgbClr>
+              </a:outerShdw>
+            </a:effectLst>
+          </p:spPr>
+        </p:pic>
+        <p:sp>
+          <p:nvSpPr>
+            <p:cNvPr id="11" name="TextBox 10"/>
+            <p:cNvSpPr txBox="1"/>
+            <p:nvPr/>
+          </p:nvSpPr>
+          <p:spPr>
+            <a:xfrm>
+              <a:off x="7416999" y="2743519"/>
+              <a:ext cx="2998177" cy="485151"/>
+            </a:xfrm>
+            <a:prstGeom prst="rect">
+              <a:avLst/>
+            </a:prstGeom>
+            <a:noFill/>
+          </p:spPr>
+          <p:txBody>
+            <a:bodyPr wrap="square" rtlCol="0">
+              <a:spAutoFit/>
+            </a:bodyPr>
+            <a:lstStyle/>
+            <a:p>
+              <a:pPr algn="ctr"/>
+              <a:r>
+                <a:rPr lang="ru-RU" sz="1050" i="1" dirty="0" smtClean="0"/>
+                <a:t>Экспериментальная электро-разрядная система с плазменными электродами</a:t>
+              </a:r>
+              <a:endParaRPr lang="ru-RU" sz="1050" i="1" dirty="0"/>
+            </a:p>
+          </p:txBody>
+        </p:sp>
+      </p:grpSp>
+      <p:grpSp>
+        <p:nvGrpSpPr>
+          <p:cNvPr id="14" name="Группа 13"/>
+          <p:cNvGrpSpPr/>
+          <p:nvPr/>
+        </p:nvGrpSpPr>
+        <p:grpSpPr>
+          <a:xfrm>
+            <a:off x="7963973" y="2540056"/>
+            <a:ext cx="4090110" cy="2339224"/>
+            <a:chOff x="491232" y="3357011"/>
+            <a:chExt cx="4090110" cy="2339224"/>
+          </a:xfrm>
+        </p:grpSpPr>
+        <p:pic>
+          <p:nvPicPr>
+            <p:cNvPr id="10" name="Рисунок 9"/>
+            <p:cNvPicPr>
+              <a:picLocks noChangeAspect="1"/>
+            </p:cNvPicPr>
+            <p:nvPr/>
+          </p:nvPicPr>
+          <p:blipFill>
+            <a:blip r:embed="rId3"/>
+            <a:stretch>
+              <a:fillRect/>
+            </a:stretch>
+          </p:blipFill>
+          <p:spPr>
+            <a:xfrm>
+              <a:off x="1189460" y="3357011"/>
+              <a:ext cx="2693655" cy="1864102"/>
+            </a:xfrm>
+            <a:prstGeom prst="rect">
+              <a:avLst/>
+            </a:prstGeom>
+            <a:ln>
+              <a:noFill/>
+            </a:ln>
+            <a:effectLst>
+              <a:outerShdw blurRad="190500" algn="tl" rotWithShape="0">
+                <a:srgbClr val="000000">
+                  <a:alpha val="70000"/>
+                </a:srgbClr>
+              </a:outerShdw>
+            </a:effectLst>
+          </p:spPr>
+        </p:pic>
+        <p:sp>
+          <p:nvSpPr>
+            <p:cNvPr id="12" name="TextBox 11"/>
+            <p:cNvSpPr txBox="1"/>
+            <p:nvPr/>
+          </p:nvSpPr>
+          <p:spPr>
+            <a:xfrm>
+              <a:off x="491232" y="5296125"/>
+              <a:ext cx="4090110" cy="400110"/>
+            </a:xfrm>
+            <a:prstGeom prst="rect">
+              <a:avLst/>
+            </a:prstGeom>
+            <a:noFill/>
+          </p:spPr>
+          <p:txBody>
+            <a:bodyPr wrap="square" rtlCol="0">
+              <a:spAutoFit/>
+            </a:bodyPr>
+            <a:lstStyle/>
+            <a:p>
+              <a:pPr algn="ctr"/>
+              <a:r>
+                <a:rPr lang="ru-RU" sz="1000" i="1" dirty="0" err="1" smtClean="0"/>
+                <a:t>Шлирен</a:t>
+              </a:r>
+              <a:r>
+                <a:rPr lang="ru-RU" sz="1000" i="1" dirty="0" smtClean="0"/>
+                <a:t> изображение взаимодействия отошедшей </a:t>
+              </a:r>
+              <a:r>
+                <a:rPr lang="ru-RU" sz="1000" i="1" dirty="0"/>
+                <a:t>ударной волны с возмущением, созданным поверхностным разрядом. </a:t>
+              </a:r>
+              <a:endParaRPr lang="ru-RU" sz="1000" i="1" dirty="0"/>
+            </a:p>
+          </p:txBody>
+        </p:sp>
+      </p:grpSp>
+      <p:pic>
+        <p:nvPicPr>
+          <p:cNvPr id="15" name="Рисунок 14"/>
+          <p:cNvPicPr>
+            <a:picLocks noChangeAspect="1"/>
+          </p:cNvPicPr>
+          <p:nvPr/>
+        </p:nvPicPr>
+        <p:blipFill>
+          <a:blip r:embed="rId4" cstate="print">
+            <a:extLst>
+              <a:ext uri="{28A0092B-C50C-407E-A947-70E740481C1C}">
+                <a14:useLocalDpi xmlns:a14="http://schemas.microsoft.com/office/drawing/2010/main" val="0"/>
+              </a:ext>
+            </a:extLst>
+          </a:blip>
+          <a:stretch>
+            <a:fillRect/>
+          </a:stretch>
+        </p:blipFill>
+        <p:spPr>
+          <a:xfrm>
+            <a:off x="5793281" y="4879280"/>
+            <a:ext cx="1884632" cy="1602479"/>
+          </a:xfrm>
+          <a:prstGeom prst="rect">
+            <a:avLst/>
+          </a:prstGeom>
+          <a:ln>
+            <a:noFill/>
+          </a:ln>
+          <a:effectLst>
+            <a:outerShdw blurRad="190500" algn="tl" rotWithShape="0">
+              <a:srgbClr val="000000">
+                <a:alpha val="70000"/>
+              </a:srgbClr>
+            </a:outerShdw>
+          </a:effectLst>
+        </p:spPr>
+      </p:pic>
+      <p:sp>
+        <p:nvSpPr>
+          <p:cNvPr id="17" name="TextBox 16"/>
+          <p:cNvSpPr txBox="1"/>
+          <p:nvPr/>
+        </p:nvSpPr>
+        <p:spPr>
+          <a:xfrm>
+            <a:off x="344906" y="4971580"/>
+            <a:ext cx="4404020" cy="1077218"/>
+          </a:xfrm>
+          <a:prstGeom prst="rect">
+            <a:avLst/>
+          </a:prstGeom>
+          <a:noFill/>
+          <a:ln>
+            <a:noFill/>
+          </a:ln>
+        </p:spPr>
+        <p:style>
+          <a:lnRef idx="0">
+            <a:scrgbClr r="0" g="0" b="0"/>
+          </a:lnRef>
+          <a:fillRef idx="0">
+            <a:scrgbClr r="0" g="0" b="0"/>
+          </a:fillRef>
+          <a:effectRef idx="0">
+            <a:scrgbClr r="0" g="0" b="0"/>
+          </a:effectRef>
+          <a:fontRef idx="minor">
+            <a:schemeClr val="dk1"/>
+          </a:fontRef>
+        </p:style>
+        <p:txBody>
+          <a:bodyPr wrap="square" rtlCol="0">
+            <a:spAutoFit/>
+          </a:bodyPr>
+          <a:lstStyle/>
+          <a:p>
+            <a:pPr marL="285750" indent="-285750">
+              <a:buFont typeface="Arial" panose="020B0604020202020204" pitchFamily="34" charset="0"/>
+              <a:buChar char="•"/>
+            </a:pPr>
+            <a:r>
+              <a:rPr lang="ru-RU" sz="1600" b="1" u="sng" dirty="0"/>
+              <a:t>Изучение параметров плазмы </a:t>
+            </a:r>
+            <a:r>
+              <a:rPr lang="ru-RU" sz="1600" b="1" u="sng" dirty="0" smtClean="0"/>
+              <a:t>в высокоскоростных потоках позволяет </a:t>
+            </a:r>
+            <a:r>
+              <a:rPr lang="ru-RU" sz="1600" b="1" u="sng" dirty="0"/>
+              <a:t>оценить </a:t>
+            </a:r>
+            <a:r>
+              <a:rPr lang="ru-RU" sz="1600" b="1" u="sng" dirty="0" smtClean="0"/>
+              <a:t>эффективность ее воздействия на поток</a:t>
+            </a:r>
+            <a:endParaRPr lang="ru-RU" sz="1600" b="1" u="sng" dirty="0"/>
           </a:p>
         </p:txBody>
       </p:sp>
@@ -8611,29 +9145,6 @@
       </p:grpSpPr>
       <p:sp>
         <p:nvSpPr>
-          <p:cNvPr id="3" name="Объект 2"/>
-          <p:cNvSpPr>
-            <a:spLocks noGrp="1"/>
-          </p:cNvSpPr>
-          <p:nvPr>
-            <p:ph idx="1"/>
-          </p:nvPr>
-        </p:nvSpPr>
-        <p:spPr/>
-        <p:txBody>
-          <a:bodyPr/>
-          <a:lstStyle/>
-          <a:p>
-            <a:r>
-              <a:rPr lang="ru-RU" dirty="0" smtClean="0"/>
-              <a:t>Спасибо за внимание</a:t>
-            </a:r>
-            <a:endParaRPr lang="ru-RU" dirty="0"/>
-          </a:p>
-        </p:txBody>
-      </p:sp>
-      <p:sp>
-        <p:nvSpPr>
           <p:cNvPr id="4" name="Номер слайда 3"/>
           <p:cNvSpPr>
             <a:spLocks noGrp="1"/>
@@ -8650,59 +9161,6 @@
             <a:fld id="{9FAB18EA-D421-4479-A48C-D4262B204458}" type="slidenum">
               <a:rPr lang="ru-RU" smtClean="0"/>
               <a:t>20</a:t>
-            </a:fld>
-            <a:endParaRPr lang="ru-RU"/>
-          </a:p>
-        </p:txBody>
-      </p:sp>
-    </p:spTree>
-    <p:extLst>
-      <p:ext uri="{BB962C8B-B14F-4D97-AF65-F5344CB8AC3E}">
-        <p14:creationId xmlns:p14="http://schemas.microsoft.com/office/powerpoint/2010/main" val="548024964"/>
-      </p:ext>
-    </p:extLst>
-  </p:cSld>
-  <p:clrMapOvr>
-    <a:masterClrMapping/>
-  </p:clrMapOvr>
-</p:sld>
-</file>
-
-<file path=ppt/slides/slide21.xml><?xml version="1.0" encoding="utf-8"?>
-<p:sld xmlns:a="http://schemas.openxmlformats.org/drawingml/2006/main" xmlns:r="http://schemas.openxmlformats.org/officeDocument/2006/relationships" xmlns:p="http://schemas.openxmlformats.org/presentationml/2006/main">
-  <p:cSld>
-    <p:spTree>
-      <p:nvGrpSpPr>
-        <p:cNvPr id="1" name=""/>
-        <p:cNvGrpSpPr/>
-        <p:nvPr/>
-      </p:nvGrpSpPr>
-      <p:grpSpPr>
-        <a:xfrm>
-          <a:off x="0" y="0"/>
-          <a:ext cx="0" cy="0"/>
-          <a:chOff x="0" y="0"/>
-          <a:chExt cx="0" cy="0"/>
-        </a:xfrm>
-      </p:grpSpPr>
-      <p:sp>
-        <p:nvSpPr>
-          <p:cNvPr id="4" name="Номер слайда 3"/>
-          <p:cNvSpPr>
-            <a:spLocks noGrp="1"/>
-          </p:cNvSpPr>
-          <p:nvPr>
-            <p:ph type="sldNum" sz="quarter" idx="12"/>
-          </p:nvPr>
-        </p:nvSpPr>
-        <p:spPr/>
-        <p:txBody>
-          <a:bodyPr/>
-          <a:lstStyle/>
-          <a:p>
-            <a:fld id="{9FAB18EA-D421-4479-A48C-D4262B204458}" type="slidenum">
-              <a:rPr lang="ru-RU" smtClean="0"/>
-              <a:t>21</a:t>
             </a:fld>
             <a:endParaRPr lang="ru-RU"/>
           </a:p>
@@ -9289,6 +9747,230 @@
     <p:extLst>
       <p:ext uri="{BB962C8B-B14F-4D97-AF65-F5344CB8AC3E}">
         <p14:creationId xmlns:p14="http://schemas.microsoft.com/office/powerpoint/2010/main" val="2172365014"/>
+      </p:ext>
+    </p:extLst>
+  </p:cSld>
+  <p:clrMapOvr>
+    <a:masterClrMapping/>
+  </p:clrMapOvr>
+  <p:timing>
+    <p:tnLst>
+      <p:par>
+        <p:cTn id="1" dur="indefinite" restart="never" nodeType="tmRoot"/>
+      </p:par>
+    </p:tnLst>
+  </p:timing>
+</p:sld>
+</file>
+
+<file path=ppt/slides/slide21.xml><?xml version="1.0" encoding="utf-8"?>
+<p:sld xmlns:a="http://schemas.openxmlformats.org/drawingml/2006/main" xmlns:r="http://schemas.openxmlformats.org/officeDocument/2006/relationships" xmlns:p="http://schemas.openxmlformats.org/presentationml/2006/main">
+  <p:cSld>
+    <p:spTree>
+      <p:nvGrpSpPr>
+        <p:cNvPr id="1" name=""/>
+        <p:cNvGrpSpPr/>
+        <p:nvPr/>
+      </p:nvGrpSpPr>
+      <p:grpSpPr>
+        <a:xfrm>
+          <a:off x="0" y="0"/>
+          <a:ext cx="0" cy="0"/>
+          <a:chOff x="0" y="0"/>
+          <a:chExt cx="0" cy="0"/>
+        </a:xfrm>
+      </p:grpSpPr>
+      <p:sp>
+        <p:nvSpPr>
+          <p:cNvPr id="4" name="Номер слайда 3"/>
+          <p:cNvSpPr>
+            <a:spLocks noGrp="1"/>
+          </p:cNvSpPr>
+          <p:nvPr>
+            <p:ph type="sldNum" sz="quarter" idx="12"/>
+          </p:nvPr>
+        </p:nvSpPr>
+        <p:spPr/>
+        <p:txBody>
+          <a:bodyPr/>
+          <a:lstStyle/>
+          <a:p>
+            <a:fld id="{9FAB18EA-D421-4479-A48C-D4262B204458}" type="slidenum">
+              <a:rPr lang="ru-RU" smtClean="0"/>
+              <a:t>21</a:t>
+            </a:fld>
+            <a:endParaRPr lang="ru-RU"/>
+          </a:p>
+        </p:txBody>
+      </p:sp>
+      <p:sp>
+        <p:nvSpPr>
+          <p:cNvPr id="5" name="Заголовок 1"/>
+          <p:cNvSpPr txBox="1">
+            <a:spLocks/>
+          </p:cNvSpPr>
+          <p:nvPr/>
+        </p:nvSpPr>
+        <p:spPr>
+          <a:xfrm>
+            <a:off x="990600" y="517525"/>
+            <a:ext cx="10515600" cy="1325563"/>
+          </a:xfrm>
+          <a:prstGeom prst="rect">
+            <a:avLst/>
+          </a:prstGeom>
+        </p:spPr>
+        <p:txBody>
+          <a:bodyPr vert="horz" lIns="91440" tIns="45720" rIns="91440" bIns="45720" rtlCol="0" anchor="ctr">
+            <a:normAutofit/>
+          </a:bodyPr>
+          <a:lstStyle>
+            <a:lvl1pPr algn="l" defTabSz="914400" rtl="0" eaLnBrk="1" latinLnBrk="0" hangingPunct="1">
+              <a:lnSpc>
+                <a:spcPct val="90000"/>
+              </a:lnSpc>
+              <a:spcBef>
+                <a:spcPct val="0"/>
+              </a:spcBef>
+              <a:buNone/>
+              <a:defRPr sz="4400" kern="1200">
+                <a:solidFill>
+                  <a:schemeClr val="tx1"/>
+                </a:solidFill>
+                <a:latin typeface="+mj-lt"/>
+                <a:ea typeface="+mj-ea"/>
+                <a:cs typeface="+mj-cs"/>
+              </a:defRPr>
+            </a:lvl1pPr>
+          </a:lstStyle>
+          <a:p>
+            <a:r>
+              <a:rPr lang="ru-RU" sz="3600" b="1" u="sng" dirty="0" smtClean="0">
+                <a:latin typeface="Arial Black" panose="020B0A04020102020204" pitchFamily="34" charset="0"/>
+              </a:rPr>
+              <a:t>Доклады на конференциях</a:t>
+            </a:r>
+            <a:endParaRPr lang="ru-RU" sz="3600" b="1" u="sng" dirty="0">
+              <a:latin typeface="Arial Black" panose="020B0A04020102020204" pitchFamily="34" charset="0"/>
+            </a:endParaRPr>
+          </a:p>
+        </p:txBody>
+      </p:sp>
+      <p:sp>
+        <p:nvSpPr>
+          <p:cNvPr id="6" name="TextBox 5"/>
+          <p:cNvSpPr txBox="1"/>
+          <p:nvPr/>
+        </p:nvSpPr>
+        <p:spPr>
+          <a:xfrm>
+            <a:off x="990600" y="2502568"/>
+            <a:ext cx="8955505" cy="2585323"/>
+          </a:xfrm>
+          <a:prstGeom prst="rect">
+            <a:avLst/>
+          </a:prstGeom>
+          <a:noFill/>
+        </p:spPr>
+        <p:txBody>
+          <a:bodyPr wrap="square" rtlCol="0">
+            <a:spAutoFit/>
+          </a:bodyPr>
+          <a:lstStyle/>
+          <a:p>
+            <a:pPr marL="285750" indent="-285750">
+              <a:buFont typeface="Arial" panose="020B0604020202020204" pitchFamily="34" charset="0"/>
+              <a:buChar char="•"/>
+            </a:pPr>
+            <a:r>
+              <a:rPr lang="ru-RU" dirty="0"/>
+              <a:t>2019 Излучение импульсного поверхностного скользящего разряда в сверхзвуковом потоке с ударной волной. (Стендовый</a:t>
+            </a:r>
+            <a:r>
+              <a:rPr lang="ru-RU" dirty="0" smtClean="0"/>
+              <a:t>). Сазонов </a:t>
+            </a:r>
+            <a:r>
+              <a:rPr lang="ru-RU" dirty="0"/>
+              <a:t>А.С., Уланов П.Ю., Кузнецов А.Ю., </a:t>
+            </a:r>
+            <a:r>
+              <a:rPr lang="ru-RU" dirty="0" err="1"/>
+              <a:t>Мурсенкова</a:t>
+            </a:r>
+            <a:r>
+              <a:rPr lang="ru-RU" dirty="0"/>
+              <a:t> </a:t>
+            </a:r>
+            <a:r>
+              <a:rPr lang="ru-RU" dirty="0" smtClean="0"/>
+              <a:t>И.В. XLVI </a:t>
+            </a:r>
+            <a:r>
+              <a:rPr lang="ru-RU" dirty="0"/>
+              <a:t>МЕЖДУНАРОДНАЯ (ЗВЕНИГОРОДСКАЯ) КОНФЕРЕНЦИЯ ПО ФИЗИКЕ ПЛАЗМЫ И УПРАВЛЯЕМОМУ ТЕРМОЯДЕРНОМУ СИНТЕЗУ, Звенигород, Россия, 18-22 марта </a:t>
+            </a:r>
+            <a:r>
+              <a:rPr lang="ru-RU" dirty="0" smtClean="0"/>
+              <a:t>2019</a:t>
+            </a:r>
+          </a:p>
+          <a:p>
+            <a:pPr marL="285750" indent="-285750">
+              <a:buFont typeface="Arial" panose="020B0604020202020204" pitchFamily="34" charset="0"/>
+              <a:buChar char="•"/>
+            </a:pPr>
+            <a:r>
+              <a:rPr lang="ru-RU" dirty="0"/>
+              <a:t>2020 Наносекундный поверхностный скользящий разряд в сверхзвуковом потоке с косым скачком уплотнения (Устный</a:t>
+            </a:r>
+            <a:r>
+              <a:rPr lang="ru-RU" dirty="0" smtClean="0"/>
+              <a:t>). </a:t>
+            </a:r>
+            <a:r>
+              <a:rPr lang="ru-RU" dirty="0" err="1" smtClean="0"/>
+              <a:t>Мурсенкова</a:t>
+            </a:r>
+            <a:r>
+              <a:rPr lang="ru-RU" dirty="0" smtClean="0"/>
+              <a:t> </a:t>
+            </a:r>
+            <a:r>
+              <a:rPr lang="ru-RU" dirty="0"/>
+              <a:t>И.В., Иванов И.Э., </a:t>
+            </a:r>
+            <a:r>
+              <a:rPr lang="ru-RU" dirty="0" err="1"/>
+              <a:t>Ляо</a:t>
+            </a:r>
+            <a:r>
+              <a:rPr lang="ru-RU" dirty="0"/>
+              <a:t> Ю., Уланов П., Сазонов </a:t>
+            </a:r>
+            <a:r>
+              <a:rPr lang="ru-RU" dirty="0" smtClean="0"/>
+              <a:t>А.С. XIX </a:t>
+            </a:r>
+            <a:r>
+              <a:rPr lang="ru-RU" dirty="0"/>
+              <a:t>Международное Совещание по Магнитоплазменной </a:t>
+            </a:r>
+            <a:r>
+              <a:rPr lang="ru-RU" dirty="0" smtClean="0"/>
+              <a:t>Аэродинамике, </a:t>
+            </a:r>
+            <a:r>
+              <a:rPr lang="ru-RU" dirty="0"/>
+              <a:t>Москва, ОИВТ РАН, Россия, 15-17 сентября 2020</a:t>
+            </a:r>
+          </a:p>
+        </p:txBody>
+      </p:sp>
+    </p:spTree>
+    <p:extLst>
+      <p:ext uri="{BB962C8B-B14F-4D97-AF65-F5344CB8AC3E}">
+        <p14:creationId xmlns:p14="http://schemas.microsoft.com/office/powerpoint/2010/main" val="2578966653"/>
       </p:ext>
     </p:extLst>
   </p:cSld>
@@ -9390,7 +10072,7 @@
               <a:rPr lang="ru-RU" sz="3600" b="1" u="sng" dirty="0" smtClean="0">
                 <a:latin typeface="Arial Black" panose="020B0A04020102020204" pitchFamily="34" charset="0"/>
               </a:rPr>
-              <a:t>Доклады на конференциях</a:t>
+              <a:t>Список литературы</a:t>
             </a:r>
             <a:endParaRPr lang="ru-RU" sz="3600" b="1" u="sng" dirty="0">
               <a:latin typeface="Arial Black" panose="020B0A04020102020204" pitchFamily="34" charset="0"/>
@@ -9407,7 +10089,7 @@
         <p:spPr>
           <a:xfrm>
             <a:off x="990600" y="2502568"/>
-            <a:ext cx="8955505" cy="2585323"/>
+            <a:ext cx="8955505" cy="646331"/>
           </a:xfrm>
           <a:prstGeom prst="rect">
             <a:avLst/>
@@ -9420,99 +10102,34 @@
           </a:bodyPr>
           <a:lstStyle/>
           <a:p>
-            <a:pPr marL="285750" indent="-285750">
-              <a:buFont typeface="Arial" panose="020B0604020202020204" pitchFamily="34" charset="0"/>
-              <a:buChar char="•"/>
-            </a:pPr>
+            <a:r>
+              <a:rPr lang="en-US" dirty="0" smtClean="0"/>
+              <a:t>[1] - </a:t>
+            </a:r>
             <a:r>
               <a:rPr lang="ru-RU" dirty="0"/>
-              <a:t>2019 Излучение импульсного поверхностного скользящего разряда в сверхзвуковом потоке с ударной волной. (Стендовый</a:t>
-            </a:r>
-            <a:r>
-              <a:rPr lang="ru-RU" dirty="0" smtClean="0"/>
-              <a:t>). Сазонов </a:t>
+              <a:t>Баранов В.Ю., Борисов В.М., Степанов Ю.Ю. </a:t>
+            </a:r>
+            <a:r>
+              <a:rPr lang="ru-RU" dirty="0" err="1"/>
+              <a:t>Электроразрядные</a:t>
             </a:r>
             <a:r>
               <a:rPr lang="ru-RU" dirty="0"/>
-              <a:t>А.С., Уланов П.Ю., Кузнецов А.Ю., </a:t>
-            </a:r>
-            <a:r>
-              <a:rPr lang="ru-RU" dirty="0" err="1"/>
-              <a:t>Мурсенкова</a:t>
-            </a:r>
-            <a:r>
-              <a:rPr lang="ru-RU" dirty="0"/>
+              <a:t> эксимерные лазеры на галогенидах инертных газов.</a:t>
+            </a:r>
+            <a:r>
+              <a:rPr lang="en-US" dirty="0" smtClean="0"/>
               <a:t> </a:t>
             </a:r>
-            <a:r>
-              <a:rPr lang="ru-RU" dirty="0" smtClean="0"/>
-              <a:t>И.В. XLVI </a:t>
-            </a:r>
-            <a:r>
-              <a:rPr lang="ru-RU" dirty="0"/>
-              <a:t>МЕЖДУНАРОДНАЯ (ЗВЕНИГОРОДСКАЯ) КОНФЕРЕНЦИЯ ПО ФИЗИКЕ ПЛАЗМЫ И УПРАВЛЯЕМОМУ ТЕРМОЯДЕРНОМУ СИНТЕЗУ, Звенигород, Россия, 18-22 марта </a:t>
-            </a:r>
-            <a:r>
-              <a:rPr lang="ru-RU" dirty="0" smtClean="0"/>
-              <a:t>2019</a:t>
-            </a:r>
-          </a:p>
-          <a:p>
-            <a:pPr marL="285750" indent="-285750">
-              <a:buFont typeface="Arial" panose="020B0604020202020204" pitchFamily="34" charset="0"/>
-              <a:buChar char="•"/>
-            </a:pPr>
-            <a:r>
-              <a:rPr lang="ru-RU" dirty="0"/>
-              <a:t>2020 Наносекундный поверхностный скользящий разряд в сверхзвуковом потоке с косым скачком уплотнения (Устный</a:t>
-            </a:r>
-            <a:r>
-              <a:rPr lang="ru-RU" dirty="0" smtClean="0"/>
-              <a:t>). </a:t>
-            </a:r>
-            <a:r>
-              <a:rPr lang="ru-RU" dirty="0" err="1" smtClean="0"/>
-              <a:t>Мурсенкова</a:t>
-            </a:r>
-            <a:r>
-              <a:rPr lang="ru-RU" dirty="0" smtClean="0"/>
-              <a:t> </a:t>
-            </a:r>
-            <a:r>
-              <a:rPr lang="ru-RU" dirty="0"/>
-              <a:t>И.В., Иванов И.Э., </a:t>
-            </a:r>
-            <a:r>
-              <a:rPr lang="ru-RU" dirty="0" err="1"/>
-              <a:t>Ляо</a:t>
-            </a:r>
-            <a:r>
-              <a:rPr lang="ru-RU" dirty="0"/>
-              <a:t> Ю., Уланов П., Сазонов </a:t>
-            </a:r>
-            <a:r>
-              <a:rPr lang="ru-RU" dirty="0" smtClean="0"/>
-              <a:t>А.С. XIX </a:t>
-            </a:r>
-            <a:r>
-              <a:rPr lang="ru-RU" dirty="0"/>
-              <a:t>Международное Совещание по Магнитоплазменной </a:t>
-            </a:r>
-            <a:r>
-              <a:rPr lang="ru-RU" dirty="0" smtClean="0"/>
-              <a:t>Аэродинамике, </a:t>
-            </a:r>
-            <a:r>
-              <a:rPr lang="ru-RU" dirty="0"/>
-              <a:t>Москва, ОИВТ РАН, Россия, 15-17 сентября 2020</a:t>
-            </a:r>
+            <a:endParaRPr lang="ru-RU" dirty="0"/>
           </a:p>
         </p:txBody>
       </p:sp>
     </p:spTree>
     <p:extLst>
       <p:ext uri="{BB962C8B-B14F-4D97-AF65-F5344CB8AC3E}">
-        <p14:creationId xmlns:p14="http://schemas.microsoft.com/office/powerpoint/2010/main" val="2578966653"/>
+        <p14:creationId xmlns:p14="http://schemas.microsoft.com/office/powerpoint/2010/main" val="2689396663"/>
       </p:ext>
     </p:extLst>
   </p:cSld>
@@ -10877,7 +11494,12 @@
             <p:ph type="title"/>
           </p:nvPr>
         </p:nvSpPr>
-        <p:spPr/>
+        <p:spPr>
+          <a:xfrm>
+            <a:off x="838200" y="4647"/>
+            <a:ext cx="10515600" cy="1325563"/>
+          </a:xfrm>
+        </p:spPr>
         <p:txBody>
           <a:bodyPr>
             <a:normAutofit/>
@@ -10888,13 +11510,7 @@
               <a:rPr lang="ru-RU" sz="3600" b="1" u="sng" dirty="0" smtClean="0">
                 <a:latin typeface="Arial Black" panose="020B0A04020102020204" pitchFamily="34" charset="0"/>
               </a:rPr>
-              <a:t>Цели </a:t>
-            </a:r>
-            <a:r>
-              <a:rPr lang="ru-RU" sz="3600" b="1" u="sng" dirty="0" smtClean="0">
-                <a:latin typeface="Arial Black" panose="020B0A04020102020204" pitchFamily="34" charset="0"/>
-              </a:rPr>
-              <a:t>работы</a:t>
+              <a:t>Цели работы</a:t>
             </a:r>
             <a:endParaRPr lang="ru-RU" sz="3600" b="1" u="sng" dirty="0">
               <a:latin typeface="Arial Black" panose="020B0A04020102020204" pitchFamily="34" charset="0"/>
@@ -10924,17 +11540,8 @@
           <a:p>
             <a:r>
               <a:rPr lang="ru-RU" dirty="0" smtClean="0"/>
-              <a:t>С помощью методов эмиссионной спектроскопии оценить параметры </a:t>
-            </a:r>
-            <a:r>
-              <a:rPr lang="ru-RU" dirty="0" smtClean="0"/>
-              <a:t>плазмы импульсных разрядов в сверхзвуковых потоках</a:t>
-            </a:r>
-            <a:r>
-              <a:rPr lang="ru-RU" dirty="0" smtClean="0"/>
-              <a:t>.</a:t>
-            </a:r>
-            <a:endParaRPr lang="ru-RU" dirty="0" smtClean="0"/>
+              <a:t>С помощью методов эмиссионной спектроскопии оценить параметры плазмы импульсных разрядов в сверхзвуковых потоках.</a:t>
+            </a:r>
           </a:p>
           <a:p>
             <a:endParaRPr lang="ru-RU" dirty="0" smtClean="0"/>
@@ -11022,7 +11629,7 @@
         </p:nvSpPr>
         <p:spPr>
           <a:xfrm>
-            <a:off x="838200" y="365125"/>
+            <a:off x="838200" y="4642"/>
             <a:ext cx="10515600" cy="1325563"/>
           </a:xfrm>
         </p:spPr>
@@ -11149,46 +11756,6 @@
           </a:p>
         </p:txBody>
       </p:sp>
-      <p:pic>
-        <p:nvPicPr>
-          <p:cNvPr id="9" name="Рисунок 8"/>
-          <p:cNvPicPr>
-            <a:picLocks noChangeAspect="1"/>
-          </p:cNvPicPr>
-          <p:nvPr/>
-        </p:nvPicPr>
-        <p:blipFill>
-          <a:blip r:embed="rId2" cstate="print">
-            <a:extLst>
-              <a:ext uri="{28A0092B-C50C-407E-A947-70E740481C1C}">
-                <a14:useLocalDpi xmlns:a14="http://schemas.microsoft.com/office/drawing/2010/main" val="0"/>
-              </a:ext>
-            </a:extLst>
-          </a:blip>
-          <a:stretch>
-            <a:fillRect/>
-          </a:stretch>
-        </p:blipFill>
-        <p:spPr>
-          <a:xfrm>
-            <a:off x="6430689" y="2615298"/>
-            <a:ext cx="5099574" cy="2389837"/>
-          </a:xfrm>
-          <a:prstGeom prst="rect">
-            <a:avLst/>
-          </a:prstGeom>
-          <a:ln>
-            <a:noFill/>
-          </a:ln>
-          <a:effectLst>
-            <a:outerShdw blurRad="292100" dist="139700" dir="2700000" algn="tl" rotWithShape="0">
-              <a:srgbClr val="333333">
-                <a:alpha val="65000"/>
-              </a:srgbClr>
-            </a:outerShdw>
-          </a:effectLst>
-        </p:spPr>
-      </p:pic>
       <p:sp>
         <p:nvSpPr>
           <p:cNvPr id="2" name="Номер слайда 1"/>
@@ -11212,54 +11779,81 @@
           </a:p>
         </p:txBody>
       </p:sp>
-      <p:sp>
-        <p:nvSpPr>
-          <p:cNvPr id="3" name="TextBox 2"/>
-          <p:cNvSpPr txBox="1"/>
+      <p:grpSp>
+        <p:nvGrpSpPr>
+          <p:cNvPr id="10" name="Группа 9"/>
+          <p:cNvGrpSpPr/>
           <p:nvPr/>
-        </p:nvSpPr>
-        <p:spPr>
+        </p:nvGrpSpPr>
+        <p:grpSpPr>
           <a:xfrm>
-            <a:off x="7230717" y="1415261"/>
-            <a:ext cx="3612874" cy="923330"/>
+            <a:off x="7672751" y="1492432"/>
+            <a:ext cx="3168000" cy="4749834"/>
+            <a:chOff x="7593620" y="1550959"/>
+            <a:chExt cx="3168000" cy="4749834"/>
           </a:xfrm>
-          <a:prstGeom prst="rect">
-            <a:avLst/>
-          </a:prstGeom>
-          <a:noFill/>
-        </p:spPr>
-        <p:txBody>
-          <a:bodyPr wrap="square" rtlCol="0">
-            <a:spAutoFit/>
-          </a:bodyPr>
-          <a:lstStyle/>
-          <a:p>
-            <a:r>
-              <a:rPr lang="ru-RU" dirty="0" smtClean="0">
-                <a:solidFill>
-                  <a:srgbClr val="FF0000"/>
-                </a:solidFill>
-              </a:rPr>
-              <a:t>Придумать другую картинку</a:t>
-            </a:r>
-          </a:p>
-          <a:p>
-            <a:r>
-              <a:rPr lang="ru-RU" dirty="0" smtClean="0">
-                <a:solidFill>
-                  <a:srgbClr val="FF0000"/>
-                </a:solidFill>
-              </a:rPr>
-              <a:t>Может быть спектр осциллограмма тока</a:t>
-            </a:r>
-            <a:endParaRPr lang="ru-RU" dirty="0">
-              <a:solidFill>
-                <a:srgbClr val="FF0000"/>
-              </a:solidFill>
-            </a:endParaRPr>
-          </a:p>
-        </p:txBody>
-      </p:sp>
+        </p:grpSpPr>
+        <p:pic>
+          <p:nvPicPr>
+            <p:cNvPr id="5" name="Рисунок 4"/>
+            <p:cNvPicPr>
+              <a:picLocks noChangeAspect="1"/>
+            </p:cNvPicPr>
+            <p:nvPr/>
+          </p:nvPicPr>
+          <p:blipFill>
+            <a:blip r:embed="rId2">
+              <a:extLst>
+                <a:ext uri="{28A0092B-C50C-407E-A947-70E740481C1C}">
+                  <a14:useLocalDpi xmlns:a14="http://schemas.microsoft.com/office/drawing/2010/main" val="0"/>
+                </a:ext>
+              </a:extLst>
+            </a:blip>
+            <a:stretch>
+              <a:fillRect/>
+            </a:stretch>
+          </p:blipFill>
+          <p:spPr>
+            <a:xfrm>
+              <a:off x="7593620" y="1550959"/>
+              <a:ext cx="3168000" cy="2376000"/>
+            </a:xfrm>
+            <a:prstGeom prst="rect">
+              <a:avLst/>
+            </a:prstGeom>
+          </p:spPr>
+        </p:pic>
+        <p:pic>
+          <p:nvPicPr>
+            <p:cNvPr id="7" name="Рисунок 6"/>
+            <p:cNvPicPr>
+              <a:picLocks noChangeAspect="1"/>
+            </p:cNvPicPr>
+            <p:nvPr/>
+          </p:nvPicPr>
+          <p:blipFill>
+            <a:blip r:embed="rId3">
+              <a:extLst>
+                <a:ext uri="{28A0092B-C50C-407E-A947-70E740481C1C}">
+                  <a14:useLocalDpi xmlns:a14="http://schemas.microsoft.com/office/drawing/2010/main" val="0"/>
+                </a:ext>
+              </a:extLst>
+            </a:blip>
+            <a:stretch>
+              <a:fillRect/>
+            </a:stretch>
+          </p:blipFill>
+          <p:spPr>
+            <a:xfrm>
+              <a:off x="7593620" y="3924793"/>
+              <a:ext cx="3168000" cy="2376000"/>
+            </a:xfrm>
+            <a:prstGeom prst="rect">
+              <a:avLst/>
+            </a:prstGeom>
+          </p:spPr>
+        </p:pic>
+      </p:grpSp>
     </p:spTree>
     <p:extLst>
       <p:ext uri="{BB962C8B-B14F-4D97-AF65-F5344CB8AC3E}">
@@ -11307,7 +11901,12 @@
             <p:ph type="title"/>
           </p:nvPr>
         </p:nvSpPr>
-        <p:spPr/>
+        <p:spPr>
+          <a:xfrm>
+            <a:off x="838200" y="4647"/>
+            <a:ext cx="10515600" cy="1325563"/>
+          </a:xfrm>
+        </p:spPr>
         <p:txBody>
           <a:bodyPr>
             <a:normAutofit/>
@@ -11326,414 +11925,6 @@
           </a:p>
         </p:txBody>
       </p:sp>
-      <p:grpSp>
-        <p:nvGrpSpPr>
-          <p:cNvPr id="12" name="Группа 11"/>
-          <p:cNvGrpSpPr/>
-          <p:nvPr/>
-        </p:nvGrpSpPr>
-        <p:grpSpPr>
-          <a:xfrm>
-            <a:off x="6096000" y="1491917"/>
-            <a:ext cx="5979055" cy="5085347"/>
-            <a:chOff x="5309419" y="854559"/>
-            <a:chExt cx="6616458" cy="5733054"/>
-          </a:xfrm>
-        </p:grpSpPr>
-        <p:sp>
-          <p:nvSpPr>
-            <p:cNvPr id="13" name="Прямоугольник 12"/>
-            <p:cNvSpPr/>
-            <p:nvPr/>
-          </p:nvSpPr>
-          <p:spPr>
-            <a:xfrm>
-              <a:off x="5309419" y="854559"/>
-              <a:ext cx="6489291" cy="5733054"/>
-            </a:xfrm>
-            <a:prstGeom prst="rect">
-              <a:avLst/>
-            </a:prstGeom>
-            <a:solidFill>
-              <a:schemeClr val="bg1">
-                <a:lumMod val="85000"/>
-              </a:schemeClr>
-            </a:solidFill>
-            <a:ln>
-              <a:noFill/>
-            </a:ln>
-          </p:spPr>
-          <p:style>
-            <a:lnRef idx="2">
-              <a:schemeClr val="accent1">
-                <a:shade val="50000"/>
-              </a:schemeClr>
-            </a:lnRef>
-            <a:fillRef idx="1">
-              <a:schemeClr val="accent1"/>
-            </a:fillRef>
-            <a:effectRef idx="0">
-              <a:schemeClr val="accent1"/>
-            </a:effectRef>
-            <a:fontRef idx="minor">
-              <a:schemeClr val="lt1"/>
-            </a:fontRef>
-          </p:style>
-          <p:txBody>
-            <a:bodyPr rtlCol="0" anchor="ctr"/>
-            <a:lstStyle/>
-            <a:p>
-              <a:pPr algn="ctr"/>
-              <a:endParaRPr lang="ru-RU"/>
-            </a:p>
-          </p:txBody>
-        </p:sp>
-        <p:pic>
-          <p:nvPicPr>
-            <p:cNvPr id="14" name="Рисунок 2"/>
-            <p:cNvPicPr>
-              <a:picLocks noChangeAspect="1"/>
-            </p:cNvPicPr>
-            <p:nvPr/>
-          </p:nvPicPr>
-          <p:blipFill>
-            <a:blip r:embed="rId2" cstate="print">
-              <a:clrChange>
-                <a:clrFrom>
-                  <a:srgbClr val="FEFEFE"/>
-                </a:clrFrom>
-                <a:clrTo>
-                  <a:srgbClr val="FEFEFE">
-                    <a:alpha val="0"/>
-                  </a:srgbClr>
-                </a:clrTo>
-              </a:clrChange>
-              <a:extLst>
-                <a:ext uri="{28A0092B-C50C-407E-A947-70E740481C1C}">
-                  <a14:useLocalDpi xmlns:a14="http://schemas.microsoft.com/office/drawing/2010/main" val="0"/>
-                </a:ext>
-              </a:extLst>
-            </a:blip>
-            <a:srcRect/>
-            <a:stretch>
-              <a:fillRect/>
-            </a:stretch>
-          </p:blipFill>
-          <p:spPr bwMode="auto">
-            <a:xfrm>
-              <a:off x="5445169" y="1011615"/>
-              <a:ext cx="6217791" cy="4726207"/>
-            </a:xfrm>
-            <a:prstGeom prst="rect">
-              <a:avLst/>
-            </a:prstGeom>
-            <a:ln w="228600" cap="sq" cmpd="thickThin">
-              <a:solidFill>
-                <a:srgbClr val="000000"/>
-              </a:solidFill>
-              <a:prstDash val="solid"/>
-              <a:miter lim="800000"/>
-            </a:ln>
-            <a:effectLst>
-              <a:innerShdw blurRad="76200">
-                <a:srgbClr val="000000"/>
-              </a:innerShdw>
-            </a:effectLst>
-            <a:extLst>
-              <a:ext uri="{909E8E84-426E-40DD-AFC4-6F175D3DCCD1}">
-                <a14:hiddenFill xmlns:a14="http://schemas.microsoft.com/office/drawing/2010/main">
-                  <a:solidFill>
-                    <a:srgbClr val="FFFFFF"/>
-                  </a:solidFill>
-                </a14:hiddenFill>
-              </a:ext>
-              <a:ext uri="{91240B29-F687-4F45-9708-019B960494DF}">
-                <a14:hiddenLine xmlns:a14="http://schemas.microsoft.com/office/drawing/2010/main" w="9525">
-                  <a:solidFill>
-                    <a:srgbClr val="000000"/>
-                  </a:solidFill>
-                  <a:miter lim="800000"/>
-                  <a:headEnd/>
-                  <a:tailEnd/>
-                </a14:hiddenLine>
-              </a:ext>
-            </a:extLst>
-          </p:spPr>
-        </p:pic>
-        <p:sp>
-          <p:nvSpPr>
-            <p:cNvPr id="15" name="Text Box 130"/>
-            <p:cNvSpPr txBox="1">
-              <a:spLocks noChangeArrowheads="1"/>
-            </p:cNvSpPr>
-            <p:nvPr/>
-          </p:nvSpPr>
-          <p:spPr bwMode="auto">
-            <a:xfrm>
-              <a:off x="5839710" y="5253473"/>
-              <a:ext cx="6086167" cy="884858"/>
-            </a:xfrm>
-            <a:prstGeom prst="rect">
-              <a:avLst/>
-            </a:prstGeom>
-            <a:noFill/>
-            <a:ln>
-              <a:noFill/>
-            </a:ln>
-            <a:extLst>
-              <a:ext uri="{909E8E84-426E-40DD-AFC4-6F175D3DCCD1}">
-                <a14:hiddenFill xmlns:a14="http://schemas.microsoft.com/office/drawing/2010/main">
-                  <a:solidFill>
-                    <a:srgbClr val="FFFFFF"/>
-                  </a:solidFill>
-                </a14:hiddenFill>
-              </a:ext>
-              <a:ext uri="{91240B29-F687-4F45-9708-019B960494DF}">
-                <a14:hiddenLine xmlns:a14="http://schemas.microsoft.com/office/drawing/2010/main" w="9525">
-                  <a:solidFill>
-                    <a:srgbClr val="000000"/>
-                  </a:solidFill>
-                  <a:miter lim="800000"/>
-                  <a:headEnd/>
-                  <a:tailEnd/>
-                </a14:hiddenLine>
-              </a:ext>
-            </a:extLst>
-          </p:spPr>
-          <p:txBody>
-            <a:bodyPr wrap="square">
-              <a:spAutoFit/>
-            </a:bodyPr>
-            <a:lstStyle>
-              <a:lvl1pPr>
-                <a:spcBef>
-                  <a:spcPct val="20000"/>
-                </a:spcBef>
-                <a:buFont typeface="Arial" panose="020B0604020202020204" pitchFamily="34" charset="0"/>
-                <a:buChar char="•"/>
-                <a:defRPr sz="3200">
-                  <a:solidFill>
-                    <a:schemeClr val="tx1"/>
-                  </a:solidFill>
-                  <a:latin typeface="Calibri" panose="020F0502020204030204" pitchFamily="34" charset="0"/>
-                </a:defRPr>
-              </a:lvl1pPr>
-              <a:lvl2pPr marL="742950" indent="-285750">
-                <a:spcBef>
-                  <a:spcPct val="20000"/>
-                </a:spcBef>
-                <a:buFont typeface="Arial" panose="020B0604020202020204" pitchFamily="34" charset="0"/>
-                <a:buChar char="–"/>
-                <a:defRPr sz="2800">
-                  <a:solidFill>
-                    <a:schemeClr val="tx1"/>
-                  </a:solidFill>
-                  <a:latin typeface="Calibri" panose="020F0502020204030204" pitchFamily="34" charset="0"/>
-                </a:defRPr>
-              </a:lvl2pPr>
-              <a:lvl3pPr marL="1143000" indent="-228600">
-                <a:spcBef>
-                  <a:spcPct val="20000"/>
-                </a:spcBef>
-                <a:buFont typeface="Arial" panose="020B0604020202020204" pitchFamily="34" charset="0"/>
-                <a:buChar char="•"/>
-                <a:defRPr sz="2400">
-                  <a:solidFill>
-                    <a:schemeClr val="tx1"/>
-                  </a:solidFill>
-                  <a:latin typeface="Calibri" panose="020F0502020204030204" pitchFamily="34" charset="0"/>
-                </a:defRPr>
-              </a:lvl3pPr>
-              <a:lvl4pPr marL="1600200" indent="-228600">
-                <a:spcBef>
-                  <a:spcPct val="20000"/>
-                </a:spcBef>
-                <a:buFont typeface="Arial" panose="020B0604020202020204" pitchFamily="34" charset="0"/>
-                <a:buChar char="–"/>
-                <a:defRPr sz="2000">
-                  <a:solidFill>
-                    <a:schemeClr val="tx1"/>
-                  </a:solidFill>
-                  <a:latin typeface="Calibri" panose="020F0502020204030204" pitchFamily="34" charset="0"/>
-                </a:defRPr>
-              </a:lvl4pPr>
-              <a:lvl5pPr marL="2057400" indent="-228600">
-                <a:spcBef>
-                  <a:spcPct val="20000"/>
-                </a:spcBef>
-                <a:buFont typeface="Arial" panose="020B0604020202020204" pitchFamily="34" charset="0"/>
-                <a:buChar char="»"/>
-                <a:defRPr sz="2000">
-                  <a:solidFill>
-                    <a:schemeClr val="tx1"/>
-                  </a:solidFill>
-                  <a:latin typeface="Calibri" panose="020F0502020204030204" pitchFamily="34" charset="0"/>
-                </a:defRPr>
-              </a:lvl5pPr>
-              <a:lvl6pPr marL="2514600" indent="-228600" eaLnBrk="0" fontAlgn="base" hangingPunct="0">
-                <a:spcBef>
-                  <a:spcPct val="20000"/>
-                </a:spcBef>
-                <a:spcAft>
-                  <a:spcPct val="0"/>
-                </a:spcAft>
-                <a:buFont typeface="Arial" panose="020B0604020202020204" pitchFamily="34" charset="0"/>
-                <a:buChar char="»"/>
-                <a:defRPr sz="2000">
-                  <a:solidFill>
-                    <a:schemeClr val="tx1"/>
-                  </a:solidFill>
-                  <a:latin typeface="Calibri" panose="020F0502020204030204" pitchFamily="34" charset="0"/>
-                </a:defRPr>
-              </a:lvl6pPr>
-              <a:lvl7pPr marL="2971800" indent="-228600" eaLnBrk="0" fontAlgn="base" hangingPunct="0">
-                <a:spcBef>
-                  <a:spcPct val="20000"/>
-                </a:spcBef>
-                <a:spcAft>
-                  <a:spcPct val="0"/>
-                </a:spcAft>
-                <a:buFont typeface="Arial" panose="020B0604020202020204" pitchFamily="34" charset="0"/>
-                <a:buChar char="»"/>
-                <a:defRPr sz="2000">
-                  <a:solidFill>
-                    <a:schemeClr val="tx1"/>
-                  </a:solidFill>
-                  <a:latin typeface="Calibri" panose="020F0502020204030204" pitchFamily="34" charset="0"/>
-                </a:defRPr>
-              </a:lvl7pPr>
-              <a:lvl8pPr marL="3429000" indent="-228600" eaLnBrk="0" fontAlgn="base" hangingPunct="0">
-                <a:spcBef>
-                  <a:spcPct val="20000"/>
-                </a:spcBef>
-                <a:spcAft>
-                  <a:spcPct val="0"/>
-                </a:spcAft>
-                <a:buFont typeface="Arial" panose="020B0604020202020204" pitchFamily="34" charset="0"/>
-                <a:buChar char="»"/>
-                <a:defRPr sz="2000">
-                  <a:solidFill>
-                    <a:schemeClr val="tx1"/>
-                  </a:solidFill>
-                  <a:latin typeface="Calibri" panose="020F0502020204030204" pitchFamily="34" charset="0"/>
-                </a:defRPr>
-              </a:lvl8pPr>
-              <a:lvl9pPr marL="3886200" indent="-228600" eaLnBrk="0" fontAlgn="base" hangingPunct="0">
-                <a:spcBef>
-                  <a:spcPct val="20000"/>
-                </a:spcBef>
-                <a:spcAft>
-                  <a:spcPct val="0"/>
-                </a:spcAft>
-                <a:buFont typeface="Arial" panose="020B0604020202020204" pitchFamily="34" charset="0"/>
-                <a:buChar char="»"/>
-                <a:defRPr sz="2000">
-                  <a:solidFill>
-                    <a:schemeClr val="tx1"/>
-                  </a:solidFill>
-                  <a:latin typeface="Calibri" panose="020F0502020204030204" pitchFamily="34" charset="0"/>
-                </a:defRPr>
-              </a:lvl9pPr>
-            </a:lstStyle>
-            <a:p>
-              <a:pPr eaLnBrk="1" hangingPunct="1">
-                <a:spcBef>
-                  <a:spcPts val="300"/>
-                </a:spcBef>
-                <a:buFontTx/>
-                <a:buNone/>
-              </a:pPr>
-              <a:r>
-                <a:rPr lang="ru-RU" altLang="ru-RU" sz="1100" dirty="0">
-                  <a:latin typeface="Arial" panose="020B0604020202020204" pitchFamily="34" charset="0"/>
-                </a:rPr>
-                <a:t>1 – ударная труба;			7 – </a:t>
-              </a:r>
-              <a:r>
-                <a:rPr lang="ru-RU" altLang="ru-RU" sz="1100" dirty="0" err="1">
-                  <a:latin typeface="Arial" panose="020B0604020202020204" pitchFamily="34" charset="0"/>
-                </a:rPr>
-                <a:t>пьезодатчики</a:t>
-              </a:r>
-              <a:r>
-                <a:rPr lang="ru-RU" altLang="ru-RU" sz="1100" dirty="0">
-                  <a:latin typeface="Arial" panose="020B0604020202020204" pitchFamily="34" charset="0"/>
-                </a:rPr>
-                <a:t>;</a:t>
-              </a:r>
-            </a:p>
-            <a:p>
-              <a:pPr eaLnBrk="1" hangingPunct="1">
-                <a:spcBef>
-                  <a:spcPts val="300"/>
-                </a:spcBef>
-                <a:buFontTx/>
-                <a:buNone/>
-              </a:pPr>
-              <a:r>
-                <a:rPr lang="ru-RU" altLang="ru-RU" sz="1100" dirty="0">
-                  <a:latin typeface="Arial" panose="020B0604020202020204" pitchFamily="34" charset="0"/>
-                </a:rPr>
-                <a:t>2 – разрядная камера;			8 – блок синхронизации;</a:t>
-              </a:r>
-            </a:p>
-            <a:p>
-              <a:pPr eaLnBrk="1" hangingPunct="1">
-                <a:spcBef>
-                  <a:spcPts val="300"/>
-                </a:spcBef>
-                <a:buFontTx/>
-                <a:buNone/>
-              </a:pPr>
-              <a:r>
-                <a:rPr lang="ru-RU" altLang="ru-RU" sz="1100" dirty="0">
-                  <a:latin typeface="Arial" panose="020B0604020202020204" pitchFamily="34" charset="0"/>
-                </a:rPr>
-                <a:t>3 – камеры </a:t>
-              </a:r>
-              <a:r>
-                <a:rPr lang="ru-RU" altLang="ru-RU" sz="1100" dirty="0" smtClean="0">
-                  <a:latin typeface="Arial" panose="020B0604020202020204" pitchFamily="34" charset="0"/>
-                </a:rPr>
-                <a:t>(фото-</a:t>
-              </a:r>
-              <a:r>
-                <a:rPr lang="ru-RU" altLang="ru-RU" sz="1100" dirty="0">
-                  <a:latin typeface="Arial" panose="020B0604020202020204" pitchFamily="34" charset="0"/>
-                </a:rPr>
-                <a:t>, </a:t>
-              </a:r>
-              <a:r>
-                <a:rPr lang="ru-RU" altLang="ru-RU" sz="1100" dirty="0" smtClean="0">
-                  <a:latin typeface="Arial" panose="020B0604020202020204" pitchFamily="34" charset="0"/>
-                </a:rPr>
-                <a:t>высокоскоростные);</a:t>
-              </a:r>
-              <a:r>
-                <a:rPr lang="ru-RU" altLang="ru-RU" sz="1100" dirty="0">
-                  <a:latin typeface="Arial" panose="020B0604020202020204" pitchFamily="34" charset="0"/>
-                </a:rPr>
-                <a:t>		9 – блок управления разрядом;</a:t>
-              </a:r>
-            </a:p>
-            <a:p>
-              <a:pPr eaLnBrk="1" hangingPunct="1">
-                <a:spcBef>
-                  <a:spcPts val="300"/>
-                </a:spcBef>
-                <a:buFontTx/>
-                <a:buNone/>
-              </a:pPr>
-              <a:r>
-                <a:rPr lang="ru-RU" altLang="ru-RU" sz="1100" dirty="0">
-                  <a:latin typeface="Arial" panose="020B0604020202020204" pitchFamily="34" charset="0"/>
-                </a:rPr>
-                <a:t>4, 5, 6 – спектрометр, оптоволокно, линза;	10, 11 – осциллограф, ПК</a:t>
-              </a:r>
-            </a:p>
-          </p:txBody>
-        </p:sp>
-      </p:grpSp>
       <p:sp>
         <p:nvSpPr>
           <p:cNvPr id="16" name="Rectangle 34"/>
@@ -11744,8 +11935,8 @@
         </p:nvSpPr>
         <p:spPr bwMode="auto">
           <a:xfrm>
-            <a:off x="516115" y="1648367"/>
-            <a:ext cx="4027877" cy="2386223"/>
+            <a:off x="7968261" y="4819595"/>
+            <a:ext cx="4027877" cy="2162986"/>
           </a:xfrm>
           <a:prstGeom prst="rect">
             <a:avLst/>
@@ -11762,7 +11953,7 @@
           <a:bodyPr/>
           <a:lstStyle/>
           <a:p>
-            <a:pPr marL="342900" indent="-342900" algn="ctr" eaLnBrk="0" hangingPunct="0">
+            <a:pPr marL="342900" indent="-342900" eaLnBrk="0" hangingPunct="0">
               <a:lnSpc>
                 <a:spcPct val="120000"/>
               </a:lnSpc>
@@ -11773,54 +11964,56 @@
               <a:defRPr/>
             </a:pPr>
             <a:r>
-              <a:rPr lang="ru-RU" sz="1400" b="1" dirty="0">
+              <a:rPr lang="ru-RU" sz="1200" b="1" dirty="0">
                 <a:effectLst>
                   <a:outerShdw blurRad="38100" dist="38100" dir="2700000" algn="tl">
                     <a:srgbClr val="C0C0C0"/>
                   </a:outerShdw>
                 </a:effectLst>
-                <a:latin typeface="Arial" panose="020B0604020202020204" pitchFamily="34" charset="0"/>
+                <a:latin typeface="Times New Roman" panose="02020603050405020304" pitchFamily="18" charset="0"/>
+                <a:cs typeface="Times New Roman" panose="02020603050405020304" pitchFamily="18" charset="0"/>
               </a:rPr>
               <a:t>Параметры </a:t>
             </a:r>
             <a:r>
-              <a:rPr lang="ru-RU" sz="1400" b="1" dirty="0" smtClean="0">
+              <a:rPr lang="ru-RU" sz="1200" b="1" dirty="0" smtClean="0">
                 <a:effectLst>
                   <a:outerShdw blurRad="38100" dist="38100" dir="2700000" algn="tl">
                     <a:srgbClr val="C0C0C0"/>
                   </a:outerShdw>
                 </a:effectLst>
-                <a:latin typeface="Arial" panose="020B0604020202020204" pitchFamily="34" charset="0"/>
-              </a:rPr>
-              <a:t>течения в ударной трубе</a:t>
-            </a:r>
-            <a:endParaRPr lang="ru-RU" sz="1400" b="1" dirty="0">
-              <a:effectLst>
-                <a:outerShdw blurRad="38100" dist="38100" dir="2700000" algn="tl">
-                  <a:srgbClr val="C0C0C0"/>
-                </a:outerShdw>
-              </a:effectLst>
-              <a:latin typeface="Arial" panose="020B0604020202020204" pitchFamily="34" charset="0"/>
-            </a:endParaRPr>
-          </a:p>
-          <a:p>
-            <a:pPr marL="342900" indent="-342900" eaLnBrk="0" hangingPunct="0">
-              <a:lnSpc>
-                <a:spcPct val="80000"/>
-              </a:lnSpc>
-              <a:spcBef>
-                <a:spcPct val="20000"/>
-              </a:spcBef>
-              <a:buClr>
-                <a:schemeClr val="hlink"/>
-              </a:buClr>
-              <a:buSzPct val="80000"/>
-              <a:buFont typeface="Wingdings" pitchFamily="2" charset="2"/>
-              <a:buChar char="q"/>
-              <a:defRPr/>
-            </a:pPr>
-            <a:endParaRPr lang="ru-RU" sz="1400" dirty="0">
-              <a:latin typeface="Arial" panose="020B0604020202020204" pitchFamily="34" charset="0"/>
+                <a:latin typeface="Times New Roman" panose="02020603050405020304" pitchFamily="18" charset="0"/>
+                <a:cs typeface="Times New Roman" panose="02020603050405020304" pitchFamily="18" charset="0"/>
+              </a:rPr>
+              <a:t>течения в ударной </a:t>
+            </a:r>
+            <a:r>
+              <a:rPr lang="ru-RU" sz="1200" b="1" dirty="0" smtClean="0">
+                <a:effectLst>
+                  <a:outerShdw blurRad="38100" dist="38100" dir="2700000" algn="tl">
+                    <a:srgbClr val="C0C0C0"/>
+                  </a:outerShdw>
+                </a:effectLst>
+                <a:latin typeface="Times New Roman" panose="02020603050405020304" pitchFamily="18" charset="0"/>
+                <a:cs typeface="Times New Roman" panose="02020603050405020304" pitchFamily="18" charset="0"/>
+              </a:rPr>
+              <a:t>трубе</a:t>
+            </a:r>
+            <a:r>
+              <a:rPr lang="en-US" sz="1200" b="1" dirty="0" smtClean="0">
+                <a:effectLst>
+                  <a:outerShdw blurRad="38100" dist="38100" dir="2700000" algn="tl">
+                    <a:srgbClr val="C0C0C0"/>
+                  </a:outerShdw>
+                </a:effectLst>
+                <a:latin typeface="Times New Roman" panose="02020603050405020304" pitchFamily="18" charset="0"/>
+                <a:cs typeface="Times New Roman" panose="02020603050405020304" pitchFamily="18" charset="0"/>
+              </a:rPr>
+              <a:t>:</a:t>
+            </a:r>
+            <a:endParaRPr lang="ru-RU" sz="1200" dirty="0">
+              <a:latin typeface="Times New Roman" panose="02020603050405020304" pitchFamily="18" charset="0"/>
+              <a:cs typeface="Times New Roman" panose="02020603050405020304" pitchFamily="18" charset="0"/>
             </a:endParaRPr>
           </a:p>
           <a:p>
@@ -11829,13 +12022,14 @@
                 <a:spcPts val="300"/>
               </a:spcBef>
               <a:buSzPct val="150000"/>
-              <a:buFont typeface="Wingdings" pitchFamily="2" charset="2"/>
-              <a:buChar char="§"/>
+              <a:buFont typeface="Arial" panose="020B0604020202020204" pitchFamily="34" charset="0"/>
+              <a:buChar char="•"/>
               <a:defRPr/>
             </a:pPr>
             <a:r>
-              <a:rPr lang="ru-RU" sz="1400" dirty="0">
-                <a:latin typeface="Arial" panose="020B0604020202020204" pitchFamily="34" charset="0"/>
+              <a:rPr lang="ru-RU" sz="1200" dirty="0">
+                <a:latin typeface="Times New Roman" panose="02020603050405020304" pitchFamily="18" charset="0"/>
+                <a:cs typeface="Times New Roman" panose="02020603050405020304" pitchFamily="18" charset="0"/>
               </a:rPr>
               <a:t>рабочий газ - воздух</a:t>
             </a:r>
@@ -11846,60 +12040,48 @@
                 <a:spcPts val="300"/>
               </a:spcBef>
               <a:buSzPct val="150000"/>
-              <a:buFont typeface="Wingdings" pitchFamily="2" charset="2"/>
-              <a:buChar char="§"/>
+              <a:buFont typeface="Arial" panose="020B0604020202020204" pitchFamily="34" charset="0"/>
+              <a:buChar char="•"/>
               <a:defRPr/>
             </a:pPr>
             <a:r>
-              <a:rPr lang="ru-RU" sz="1400" dirty="0" smtClean="0">
-                <a:solidFill>
-                  <a:srgbClr val="FF0000"/>
-                </a:solidFill>
-                <a:latin typeface="Arial" panose="020B0604020202020204" pitchFamily="34" charset="0"/>
+              <a:rPr lang="ru-RU" sz="1200" dirty="0" smtClean="0">
+                <a:latin typeface="Times New Roman" panose="02020603050405020304" pitchFamily="18" charset="0"/>
+                <a:cs typeface="Times New Roman" panose="02020603050405020304" pitchFamily="18" charset="0"/>
               </a:rPr>
               <a:t>числа </a:t>
             </a:r>
             <a:r>
-              <a:rPr lang="ru-RU" sz="1400" dirty="0">
-                <a:solidFill>
-                  <a:srgbClr val="FF0000"/>
-                </a:solidFill>
-                <a:latin typeface="Arial" panose="020B0604020202020204" pitchFamily="34" charset="0"/>
+              <a:rPr lang="ru-RU" sz="1200" dirty="0">
+                <a:latin typeface="Times New Roman" panose="02020603050405020304" pitchFamily="18" charset="0"/>
+                <a:cs typeface="Times New Roman" panose="02020603050405020304" pitchFamily="18" charset="0"/>
               </a:rPr>
               <a:t>Маха УВ  </a:t>
             </a:r>
             <a:r>
-              <a:rPr lang="ru-RU" sz="1400" dirty="0" smtClean="0">
-                <a:solidFill>
-                  <a:srgbClr val="FF0000"/>
-                </a:solidFill>
-                <a:latin typeface="Arial" panose="020B0604020202020204" pitchFamily="34" charset="0"/>
+              <a:rPr lang="ru-RU" sz="1200" dirty="0" smtClean="0">
+                <a:latin typeface="Times New Roman" panose="02020603050405020304" pitchFamily="18" charset="0"/>
+                <a:cs typeface="Times New Roman" panose="02020603050405020304" pitchFamily="18" charset="0"/>
               </a:rPr>
               <a:t>2.5</a:t>
             </a:r>
             <a:r>
-              <a:rPr lang="en-US" sz="1400" dirty="0" smtClean="0">
-                <a:solidFill>
-                  <a:srgbClr val="FF0000"/>
-                </a:solidFill>
-                <a:latin typeface="Arial" panose="020B0604020202020204" pitchFamily="34" charset="0"/>
+              <a:rPr lang="en-US" sz="1200" dirty="0" smtClean="0">
+                <a:latin typeface="Times New Roman" panose="02020603050405020304" pitchFamily="18" charset="0"/>
+                <a:cs typeface="Times New Roman" panose="02020603050405020304" pitchFamily="18" charset="0"/>
               </a:rPr>
               <a:t>÷</a:t>
             </a:r>
             <a:r>
-              <a:rPr lang="ru-RU" sz="1400" dirty="0" smtClean="0">
-                <a:solidFill>
-                  <a:srgbClr val="FF0000"/>
-                </a:solidFill>
-                <a:latin typeface="Arial" panose="020B0604020202020204" pitchFamily="34" charset="0"/>
+              <a:rPr lang="ru-RU" sz="1200" dirty="0" smtClean="0">
+                <a:latin typeface="Times New Roman" panose="02020603050405020304" pitchFamily="18" charset="0"/>
+                <a:cs typeface="Times New Roman" panose="02020603050405020304" pitchFamily="18" charset="0"/>
               </a:rPr>
               <a:t>4.8</a:t>
             </a:r>
-            <a:endParaRPr lang="ru-RU" sz="1400" dirty="0">
-              <a:solidFill>
-                <a:srgbClr val="FF0000"/>
-              </a:solidFill>
-              <a:latin typeface="Arial" panose="020B0604020202020204" pitchFamily="34" charset="0"/>
+            <a:endParaRPr lang="ru-RU" sz="1200" dirty="0">
+              <a:latin typeface="Times New Roman" panose="02020603050405020304" pitchFamily="18" charset="0"/>
+              <a:cs typeface="Times New Roman" panose="02020603050405020304" pitchFamily="18" charset="0"/>
             </a:endParaRPr>
           </a:p>
           <a:p>
@@ -11908,86 +12090,92 @@
                 <a:spcPts val="300"/>
               </a:spcBef>
               <a:buSzPct val="150000"/>
-              <a:buFont typeface="Wingdings" pitchFamily="2" charset="2"/>
-              <a:buChar char="§"/>
+              <a:buFont typeface="Arial" panose="020B0604020202020204" pitchFamily="34" charset="0"/>
+              <a:buChar char="•"/>
               <a:defRPr/>
             </a:pPr>
             <a:r>
-              <a:rPr lang="ru-RU" sz="1400" dirty="0">
-                <a:latin typeface="Arial" panose="020B0604020202020204" pitchFamily="34" charset="0"/>
+              <a:rPr lang="ru-RU" sz="1200" dirty="0">
+                <a:latin typeface="Times New Roman" panose="02020603050405020304" pitchFamily="18" charset="0"/>
+                <a:cs typeface="Times New Roman" panose="02020603050405020304" pitchFamily="18" charset="0"/>
               </a:rPr>
               <a:t>скорость потока до </a:t>
             </a:r>
             <a:r>
-              <a:rPr lang="ru-RU" sz="1400" dirty="0" smtClean="0">
+              <a:rPr lang="ru-RU" sz="1200" dirty="0" smtClean="0">
+                <a:latin typeface="Times New Roman" panose="02020603050405020304" pitchFamily="18" charset="0"/>
+                <a:cs typeface="Times New Roman" panose="02020603050405020304" pitchFamily="18" charset="0"/>
+              </a:rPr>
+              <a:t>1</a:t>
+            </a:r>
+            <a:r>
+              <a:rPr lang="en-US" sz="1200" dirty="0" smtClean="0">
+                <a:latin typeface="Times New Roman" panose="02020603050405020304" pitchFamily="18" charset="0"/>
+                <a:cs typeface="Times New Roman" panose="02020603050405020304" pitchFamily="18" charset="0"/>
+              </a:rPr>
+              <a:t>3</a:t>
+            </a:r>
+            <a:r>
+              <a:rPr lang="ru-RU" sz="1200" dirty="0" smtClean="0">
+                <a:latin typeface="Times New Roman" panose="02020603050405020304" pitchFamily="18" charset="0"/>
+                <a:cs typeface="Times New Roman" panose="02020603050405020304" pitchFamily="18" charset="0"/>
+              </a:rPr>
+              <a:t>00 </a:t>
+            </a:r>
+            <a:r>
+              <a:rPr lang="ru-RU" sz="1200" dirty="0">
+                <a:latin typeface="Times New Roman" panose="02020603050405020304" pitchFamily="18" charset="0"/>
+                <a:cs typeface="Times New Roman" panose="02020603050405020304" pitchFamily="18" charset="0"/>
+              </a:rPr>
+              <a:t>м/с</a:t>
+            </a:r>
+            <a:r>
+              <a:rPr lang="en-US" sz="1200" dirty="0">
+                <a:latin typeface="Times New Roman" panose="02020603050405020304" pitchFamily="18" charset="0"/>
+                <a:cs typeface="Times New Roman" panose="02020603050405020304" pitchFamily="18" charset="0"/>
+              </a:rPr>
+              <a:t> </a:t>
+            </a:r>
+            <a:r>
+              <a:rPr lang="ru-RU" sz="1200" dirty="0">
+                <a:latin typeface="Times New Roman" panose="02020603050405020304" pitchFamily="18" charset="0"/>
+                <a:cs typeface="Times New Roman" panose="02020603050405020304" pitchFamily="18" charset="0"/>
+              </a:rPr>
+              <a:t/>
+            </a:r>
+            <a:br>
+              <a:rPr lang="ru-RU" sz="1200" dirty="0">
+                <a:latin typeface="Times New Roman" panose="02020603050405020304" pitchFamily="18" charset="0"/>
+                <a:cs typeface="Times New Roman" panose="02020603050405020304" pitchFamily="18" charset="0"/>
+              </a:rPr>
+            </a:br>
+            <a:r>
+              <a:rPr lang="en-US" sz="1200" i="1" dirty="0" smtClean="0">
+                <a:latin typeface="Times New Roman" panose="02020603050405020304" pitchFamily="18" charset="0"/>
+                <a:cs typeface="Times New Roman" panose="02020603050405020304" pitchFamily="18" charset="0"/>
+              </a:rPr>
+              <a:t>(</a:t>
+            </a:r>
+            <a:r>
+              <a:rPr lang="ru-RU" sz="1200" i="1" dirty="0" smtClean="0">
                 <a:solidFill>
                   <a:srgbClr val="FF0000"/>
                 </a:solidFill>
-                <a:latin typeface="Arial" panose="020B0604020202020204" pitchFamily="34" charset="0"/>
-              </a:rPr>
-              <a:t>1100 </a:t>
-            </a:r>
-            <a:r>
-              <a:rPr lang="ru-RU" sz="1400" dirty="0">
-                <a:solidFill>
-                  <a:srgbClr val="FF0000"/>
-                </a:solidFill>
-                <a:latin typeface="Arial" panose="020B0604020202020204" pitchFamily="34" charset="0"/>
-              </a:rPr>
-              <a:t>м/с</a:t>
-            </a:r>
-            <a:r>
-              <a:rPr lang="en-US" sz="1400" dirty="0">
-                <a:solidFill>
-                  <a:srgbClr val="FF0000"/>
-                </a:solidFill>
-                <a:latin typeface="Arial" panose="020B0604020202020204" pitchFamily="34" charset="0"/>
-              </a:rPr>
-              <a:t> </a:t>
-            </a:r>
-            <a:r>
-              <a:rPr lang="ru-RU" sz="1400" dirty="0">
-                <a:latin typeface="Arial" panose="020B0604020202020204" pitchFamily="34" charset="0"/>
-              </a:rPr>
-              <a:t/>
-            </a:r>
-            <a:br>
-              <a:rPr lang="ru-RU" sz="1400" dirty="0">
-                <a:latin typeface="Arial" panose="020B0604020202020204" pitchFamily="34" charset="0"/>
-              </a:rPr>
-            </a:br>
-            <a:r>
-              <a:rPr lang="en-US" sz="1400" i="1" dirty="0">
-                <a:latin typeface="Arial" panose="020B0604020202020204" pitchFamily="34" charset="0"/>
-              </a:rPr>
-              <a:t>(</a:t>
-            </a:r>
-            <a:r>
-              <a:rPr lang="ru-RU" sz="1400" i="1" dirty="0">
-                <a:solidFill>
-                  <a:srgbClr val="FF0000"/>
-                </a:solidFill>
-                <a:latin typeface="Arial" panose="020B0604020202020204" pitchFamily="34" charset="0"/>
-              </a:rPr>
-              <a:t>числа Маха потока до </a:t>
-            </a:r>
-            <a:r>
-              <a:rPr lang="ru-RU" sz="1400" i="1" dirty="0" smtClean="0">
-                <a:solidFill>
-                  <a:srgbClr val="FF0000"/>
-                </a:solidFill>
-                <a:latin typeface="Arial" panose="020B0604020202020204" pitchFamily="34" charset="0"/>
-              </a:rPr>
-              <a:t>1.6</a:t>
-            </a:r>
-            <a:r>
-              <a:rPr lang="en-US" sz="1400" i="1" dirty="0" smtClean="0">
-                <a:latin typeface="Arial" panose="020B0604020202020204" pitchFamily="34" charset="0"/>
+                <a:latin typeface="Times New Roman" panose="02020603050405020304" pitchFamily="18" charset="0"/>
+                <a:cs typeface="Times New Roman" panose="02020603050405020304" pitchFamily="18" charset="0"/>
+              </a:rPr>
+              <a:t>числа Маха потока до 1.6</a:t>
+            </a:r>
+            <a:r>
+              <a:rPr lang="en-US" sz="1200" i="1" dirty="0" smtClean="0">
+                <a:latin typeface="Times New Roman" panose="02020603050405020304" pitchFamily="18" charset="0"/>
+                <a:cs typeface="Times New Roman" panose="02020603050405020304" pitchFamily="18" charset="0"/>
               </a:rPr>
               <a:t>)</a:t>
             </a:r>
-            <a:endParaRPr lang="ru-RU" sz="1400" i="1" dirty="0">
-              <a:latin typeface="Arial" panose="020B0604020202020204" pitchFamily="34" charset="0"/>
+            <a:endParaRPr lang="ru-RU" sz="1200" i="1" dirty="0" smtClean="0">
+              <a:latin typeface="Times New Roman" panose="02020603050405020304" pitchFamily="18" charset="0"/>
+              <a:cs typeface="Times New Roman" panose="02020603050405020304" pitchFamily="18" charset="0"/>
             </a:endParaRPr>
           </a:p>
           <a:p>
@@ -11996,72 +12184,83 @@
                 <a:spcPts val="300"/>
               </a:spcBef>
               <a:buSzPct val="150000"/>
-              <a:buFont typeface="Wingdings" pitchFamily="2" charset="2"/>
-              <a:buChar char="§"/>
+              <a:buFont typeface="Arial" panose="020B0604020202020204" pitchFamily="34" charset="0"/>
+              <a:buChar char="•"/>
               <a:defRPr/>
             </a:pPr>
             <a:r>
-              <a:rPr lang="ru-RU" sz="1400" dirty="0" smtClean="0">
-                <a:latin typeface="Arial" panose="020B0604020202020204" pitchFamily="34" charset="0"/>
+              <a:rPr lang="ru-RU" sz="1200" dirty="0" smtClean="0">
+                <a:latin typeface="Times New Roman" panose="02020603050405020304" pitchFamily="18" charset="0"/>
+                <a:cs typeface="Times New Roman" panose="02020603050405020304" pitchFamily="18" charset="0"/>
               </a:rPr>
               <a:t>плотность </a:t>
             </a:r>
             <a:r>
-              <a:rPr lang="en-US" sz="1400" dirty="0" smtClean="0">
-                <a:latin typeface="Arial" panose="020B0604020202020204" pitchFamily="34" charset="0"/>
+              <a:rPr lang="en-US" sz="1200" dirty="0" smtClean="0">
+                <a:latin typeface="Times New Roman" panose="02020603050405020304" pitchFamily="18" charset="0"/>
+                <a:cs typeface="Times New Roman" panose="02020603050405020304" pitchFamily="18" charset="0"/>
               </a:rPr>
               <a:t>0.</a:t>
             </a:r>
             <a:r>
-              <a:rPr lang="ru-RU" sz="1400" dirty="0" smtClean="0">
-                <a:latin typeface="Arial" panose="020B0604020202020204" pitchFamily="34" charset="0"/>
+              <a:rPr lang="ru-RU" sz="1200" dirty="0" smtClean="0">
+                <a:latin typeface="Times New Roman" panose="02020603050405020304" pitchFamily="18" charset="0"/>
+                <a:cs typeface="Times New Roman" panose="02020603050405020304" pitchFamily="18" charset="0"/>
               </a:rPr>
               <a:t>05-</a:t>
             </a:r>
             <a:r>
-              <a:rPr lang="en-US" sz="1400" dirty="0" smtClean="0">
-                <a:latin typeface="Arial" panose="020B0604020202020204" pitchFamily="34" charset="0"/>
+              <a:rPr lang="en-US" sz="1200" dirty="0" smtClean="0">
+                <a:latin typeface="Times New Roman" panose="02020603050405020304" pitchFamily="18" charset="0"/>
+                <a:cs typeface="Times New Roman" panose="02020603050405020304" pitchFamily="18" charset="0"/>
               </a:rPr>
               <a:t>0.</a:t>
             </a:r>
             <a:r>
-              <a:rPr lang="ru-RU" sz="1400" dirty="0" smtClean="0">
-                <a:latin typeface="Arial" panose="020B0604020202020204" pitchFamily="34" charset="0"/>
+              <a:rPr lang="ru-RU" sz="1200" dirty="0" smtClean="0">
+                <a:latin typeface="Times New Roman" panose="02020603050405020304" pitchFamily="18" charset="0"/>
+                <a:cs typeface="Times New Roman" panose="02020603050405020304" pitchFamily="18" charset="0"/>
               </a:rPr>
               <a:t>35</a:t>
             </a:r>
             <a:r>
-              <a:rPr lang="en-US" sz="1400" dirty="0">
-                <a:latin typeface="Arial" panose="020B0604020202020204" pitchFamily="34" charset="0"/>
+              <a:rPr lang="en-US" sz="1200" dirty="0" smtClean="0">
+                <a:latin typeface="Times New Roman" panose="02020603050405020304" pitchFamily="18" charset="0"/>
+                <a:cs typeface="Times New Roman" panose="02020603050405020304" pitchFamily="18" charset="0"/>
               </a:rPr>
               <a:t> </a:t>
             </a:r>
             <a:r>
-              <a:rPr lang="ru-RU" sz="1400" dirty="0">
-                <a:latin typeface="Arial" panose="020B0604020202020204" pitchFamily="34" charset="0"/>
+              <a:rPr lang="ru-RU" sz="1200" dirty="0" smtClean="0">
+                <a:latin typeface="Times New Roman" panose="02020603050405020304" pitchFamily="18" charset="0"/>
+                <a:cs typeface="Times New Roman" panose="02020603050405020304" pitchFamily="18" charset="0"/>
               </a:rPr>
               <a:t>кг</a:t>
             </a:r>
             <a:r>
-              <a:rPr lang="en-US" sz="1400" dirty="0">
-                <a:latin typeface="Arial" panose="020B0604020202020204" pitchFamily="34" charset="0"/>
+              <a:rPr lang="en-US" sz="1200" dirty="0" smtClean="0">
+                <a:latin typeface="Times New Roman" panose="02020603050405020304" pitchFamily="18" charset="0"/>
+                <a:cs typeface="Times New Roman" panose="02020603050405020304" pitchFamily="18" charset="0"/>
               </a:rPr>
               <a:t>/</a:t>
             </a:r>
             <a:r>
-              <a:rPr lang="ru-RU" sz="1400" dirty="0">
-                <a:latin typeface="Arial" panose="020B0604020202020204" pitchFamily="34" charset="0"/>
+              <a:rPr lang="ru-RU" sz="1200" dirty="0" smtClean="0">
+                <a:latin typeface="Times New Roman" panose="02020603050405020304" pitchFamily="18" charset="0"/>
+                <a:cs typeface="Times New Roman" panose="02020603050405020304" pitchFamily="18" charset="0"/>
               </a:rPr>
               <a:t>м</a:t>
             </a:r>
             <a:r>
-              <a:rPr lang="en-US" sz="1400" baseline="30000" dirty="0">
-                <a:latin typeface="Arial" panose="020B0604020202020204" pitchFamily="34" charset="0"/>
+              <a:rPr lang="en-US" sz="1200" baseline="30000" dirty="0" smtClean="0">
+                <a:latin typeface="Times New Roman" panose="02020603050405020304" pitchFamily="18" charset="0"/>
+                <a:cs typeface="Times New Roman" panose="02020603050405020304" pitchFamily="18" charset="0"/>
               </a:rPr>
               <a:t>3</a:t>
             </a:r>
-            <a:endParaRPr lang="ru-RU" sz="1400" dirty="0">
-              <a:latin typeface="Arial" panose="020B0604020202020204" pitchFamily="34" charset="0"/>
+            <a:endParaRPr lang="ru-RU" sz="1200" dirty="0" smtClean="0">
+              <a:latin typeface="Times New Roman" panose="02020603050405020304" pitchFamily="18" charset="0"/>
+              <a:cs typeface="Times New Roman" panose="02020603050405020304" pitchFamily="18" charset="0"/>
             </a:endParaRPr>
           </a:p>
           <a:p>
@@ -12070,30 +12269,41 @@
                 <a:spcPts val="300"/>
               </a:spcBef>
               <a:buSzPct val="150000"/>
-              <a:buFont typeface="Wingdings" pitchFamily="2" charset="2"/>
-              <a:buChar char="§"/>
+              <a:buFont typeface="Arial" panose="020B0604020202020204" pitchFamily="34" charset="0"/>
+              <a:buChar char="•"/>
               <a:defRPr/>
             </a:pPr>
             <a:r>
-              <a:rPr lang="ru-RU" sz="1400" dirty="0">
-                <a:latin typeface="Arial" panose="020B0604020202020204" pitchFamily="34" charset="0"/>
-              </a:rPr>
-              <a:t>числа Рейнольдса  ~</a:t>
-            </a:r>
-            <a:r>
-              <a:rPr lang="ru-RU" sz="1400" dirty="0" smtClean="0">
-                <a:latin typeface="Arial" panose="020B0604020202020204" pitchFamily="34" charset="0"/>
+              <a:rPr lang="ru-RU" sz="1200" dirty="0" smtClean="0">
+                <a:latin typeface="Times New Roman" panose="02020603050405020304" pitchFamily="18" charset="0"/>
+                <a:cs typeface="Times New Roman" panose="02020603050405020304" pitchFamily="18" charset="0"/>
+              </a:rPr>
+              <a:t>числа </a:t>
+            </a:r>
+            <a:r>
+              <a:rPr lang="ru-RU" sz="1200" dirty="0">
+                <a:latin typeface="Times New Roman" panose="02020603050405020304" pitchFamily="18" charset="0"/>
+                <a:cs typeface="Times New Roman" panose="02020603050405020304" pitchFamily="18" charset="0"/>
+              </a:rPr>
+              <a:t>Рейнольдса  ~</a:t>
+            </a:r>
+            <a:r>
+              <a:rPr lang="ru-RU" sz="1200" dirty="0" smtClean="0">
+                <a:latin typeface="Times New Roman" panose="02020603050405020304" pitchFamily="18" charset="0"/>
+                <a:cs typeface="Times New Roman" panose="02020603050405020304" pitchFamily="18" charset="0"/>
               </a:rPr>
               <a:t>10</a:t>
             </a:r>
             <a:r>
-              <a:rPr lang="ru-RU" sz="1400" baseline="30000" dirty="0" smtClean="0">
-                <a:latin typeface="Arial" panose="020B0604020202020204" pitchFamily="34" charset="0"/>
+              <a:rPr lang="ru-RU" sz="1200" baseline="30000" dirty="0" smtClean="0">
+                <a:latin typeface="Times New Roman" panose="02020603050405020304" pitchFamily="18" charset="0"/>
+                <a:cs typeface="Times New Roman" panose="02020603050405020304" pitchFamily="18" charset="0"/>
               </a:rPr>
               <a:t>5</a:t>
             </a:r>
-            <a:endParaRPr lang="ru-RU" sz="1400" baseline="30000" dirty="0">
-              <a:latin typeface="Arial" panose="020B0604020202020204" pitchFamily="34" charset="0"/>
+            <a:endParaRPr lang="ru-RU" sz="1200" baseline="30000" dirty="0">
+              <a:latin typeface="Times New Roman" panose="02020603050405020304" pitchFamily="18" charset="0"/>
+              <a:cs typeface="Times New Roman" panose="02020603050405020304" pitchFamily="18" charset="0"/>
             </a:endParaRPr>
           </a:p>
           <a:p>
@@ -12102,45 +12312,51 @@
                 <a:spcPts val="300"/>
               </a:spcBef>
               <a:buSzPct val="150000"/>
-              <a:buFont typeface="Wingdings" pitchFamily="2" charset="2"/>
-              <a:buChar char="§"/>
+              <a:buFont typeface="Arial" panose="020B0604020202020204" pitchFamily="34" charset="0"/>
+              <a:buChar char="•"/>
               <a:defRPr/>
             </a:pPr>
             <a:r>
-              <a:rPr lang="ru-RU" sz="1400" dirty="0">
-                <a:latin typeface="Arial" panose="020B0604020202020204" pitchFamily="34" charset="0"/>
+              <a:rPr lang="ru-RU" sz="1200" dirty="0">
+                <a:latin typeface="Times New Roman" panose="02020603050405020304" pitchFamily="18" charset="0"/>
+                <a:cs typeface="Times New Roman" panose="02020603050405020304" pitchFamily="18" charset="0"/>
               </a:rPr>
               <a:t>сечение канала </a:t>
             </a:r>
             <a:r>
-              <a:rPr lang="en-US" sz="1400" dirty="0">
-                <a:latin typeface="Arial" panose="020B0604020202020204" pitchFamily="34" charset="0"/>
+              <a:rPr lang="en-US" sz="1200" dirty="0">
+                <a:latin typeface="Times New Roman" panose="02020603050405020304" pitchFamily="18" charset="0"/>
+                <a:cs typeface="Times New Roman" panose="02020603050405020304" pitchFamily="18" charset="0"/>
               </a:rPr>
               <a:t>24</a:t>
             </a:r>
             <a:r>
-              <a:rPr lang="en-US" sz="1400" dirty="0">
-                <a:latin typeface="Arial" panose="020B0604020202020204" pitchFamily="34" charset="0"/>
+              <a:rPr lang="en-US" sz="1200" dirty="0">
+                <a:latin typeface="Times New Roman" panose="02020603050405020304" pitchFamily="18" charset="0"/>
+                <a:cs typeface="Times New Roman" panose="02020603050405020304" pitchFamily="18" charset="0"/>
                 <a:sym typeface="Symbol" pitchFamily="18" charset="2"/>
               </a:rPr>
               <a:t>48 </a:t>
             </a:r>
             <a:r>
-              <a:rPr lang="ru-RU" sz="1400" dirty="0">
-                <a:latin typeface="Arial" panose="020B0604020202020204" pitchFamily="34" charset="0"/>
+              <a:rPr lang="ru-RU" sz="1200" dirty="0">
+                <a:latin typeface="Times New Roman" panose="02020603050405020304" pitchFamily="18" charset="0"/>
+                <a:cs typeface="Times New Roman" panose="02020603050405020304" pitchFamily="18" charset="0"/>
                 <a:sym typeface="Symbol" pitchFamily="18" charset="2"/>
               </a:rPr>
               <a:t>мм</a:t>
             </a:r>
             <a:r>
-              <a:rPr lang="en-US" sz="1400" baseline="30000" dirty="0">
-                <a:latin typeface="Arial" panose="020B0604020202020204" pitchFamily="34" charset="0"/>
+              <a:rPr lang="en-US" sz="1200" baseline="30000" dirty="0">
+                <a:latin typeface="Times New Roman" panose="02020603050405020304" pitchFamily="18" charset="0"/>
+                <a:cs typeface="Times New Roman" panose="02020603050405020304" pitchFamily="18" charset="0"/>
                 <a:sym typeface="Symbol" pitchFamily="18" charset="2"/>
               </a:rPr>
               <a:t>2</a:t>
             </a:r>
-            <a:endParaRPr lang="ru-RU" sz="1400" baseline="30000" dirty="0">
-              <a:latin typeface="Arial" panose="020B0604020202020204" pitchFamily="34" charset="0"/>
+            <a:endParaRPr lang="ru-RU" sz="1200" baseline="30000" dirty="0">
+              <a:latin typeface="Times New Roman" panose="02020603050405020304" pitchFamily="18" charset="0"/>
+              <a:cs typeface="Times New Roman" panose="02020603050405020304" pitchFamily="18" charset="0"/>
               <a:sym typeface="Symbol" pitchFamily="18" charset="2"/>
             </a:endParaRPr>
           </a:p>
@@ -12154,8 +12370,8 @@
         </p:nvSpPr>
         <p:spPr>
           <a:xfrm>
-            <a:off x="247478" y="4269122"/>
-            <a:ext cx="4565153" cy="2308142"/>
+            <a:off x="838200" y="4819595"/>
+            <a:ext cx="4482783" cy="1806492"/>
           </a:xfrm>
           <a:prstGeom prst="rect">
             <a:avLst/>
@@ -12181,7 +12397,7 @@
           <a:bodyPr lIns="90000" tIns="45000" rIns="90000" bIns="45000"/>
           <a:lstStyle/>
           <a:p>
-            <a:pPr marL="360" algn="ctr">
+            <a:pPr marL="360">
               <a:lnSpc>
                 <a:spcPct val="100000"/>
               </a:lnSpc>
@@ -12190,7 +12406,7 @@
               </a:buClr>
             </a:pPr>
             <a:r>
-              <a:rPr lang="ru-RU" sz="1600" b="1" strike="noStrike" spc="-1" dirty="0" smtClean="0">
+              <a:rPr lang="ru-RU" sz="1200" b="1" strike="noStrike" spc="-1" dirty="0" smtClean="0">
                 <a:solidFill>
                   <a:srgbClr val="000000"/>
                 </a:solidFill>
@@ -12204,20 +12420,8 @@
               </a:rPr>
               <a:t>Оборудование</a:t>
             </a:r>
-          </a:p>
-          <a:p>
-            <a:pPr marL="285840" indent="-285480">
-              <a:spcBef>
-                <a:spcPts val="600"/>
-              </a:spcBef>
-              <a:buClr>
-                <a:srgbClr val="000000"/>
-              </a:buClr>
-              <a:buFont typeface="Arial"/>
-              <a:buChar char="•"/>
-            </a:pPr>
-            <a:r>
-              <a:rPr lang="ru-RU" sz="1400" b="0" strike="noStrike" spc="-1" dirty="0" smtClean="0">
+            <a:r>
+              <a:rPr lang="en-US" sz="1200" b="1" strike="noStrike" spc="-1" dirty="0" smtClean="0">
                 <a:solidFill>
                   <a:srgbClr val="000000"/>
                 </a:solidFill>
@@ -12229,39 +12433,9 @@
                 <a:latin typeface="Times New Roman" panose="02020603050405020304" pitchFamily="18" charset="0"/>
                 <a:cs typeface="Times New Roman" panose="02020603050405020304" pitchFamily="18" charset="0"/>
               </a:rPr>
-              <a:t>Спектрометр AvaSpec-2048 (200-1100 </a:t>
-            </a:r>
-            <a:r>
-              <a:rPr lang="ru-RU" sz="1400" b="0" strike="noStrike" spc="-1" dirty="0" err="1" smtClean="0">
-                <a:solidFill>
-                  <a:srgbClr val="000000"/>
-                </a:solidFill>
-                <a:uFill>
-                  <a:solidFill>
-                    <a:srgbClr val="FFFFFF"/>
-                  </a:solidFill>
-                </a:uFill>
-                <a:latin typeface="Times New Roman" panose="02020603050405020304" pitchFamily="18" charset="0"/>
-                <a:cs typeface="Times New Roman" panose="02020603050405020304" pitchFamily="18" charset="0"/>
-              </a:rPr>
-              <a:t>нм</a:t>
-            </a:r>
-            <a:r>
-              <a:rPr lang="ru-RU" sz="1400" b="0" strike="noStrike" spc="-1" dirty="0" smtClean="0">
-                <a:solidFill>
-                  <a:srgbClr val="000000"/>
-                </a:solidFill>
-                <a:uFill>
-                  <a:solidFill>
-                    <a:srgbClr val="FFFFFF"/>
-                  </a:solidFill>
-                </a:uFill>
-                <a:latin typeface="Times New Roman" panose="02020603050405020304" pitchFamily="18" charset="0"/>
-                <a:cs typeface="Times New Roman" panose="02020603050405020304" pitchFamily="18" charset="0"/>
-              </a:rPr>
-              <a:t>)</a:t>
-            </a:r>
-            <a:endParaRPr lang="ru-RU" sz="1400" b="0" strike="noStrike" spc="-1" dirty="0">
+              <a:t>:</a:t>
+            </a:r>
+            <a:endParaRPr lang="ru-RU" sz="1200" b="1" strike="noStrike" spc="-1" dirty="0" smtClean="0">
               <a:solidFill>
                 <a:srgbClr val="000000"/>
               </a:solidFill>
@@ -12286,7 +12460,7 @@
               <a:buChar char="•"/>
             </a:pPr>
             <a:r>
-              <a:rPr lang="ru-RU" sz="1400" b="0" strike="noStrike" spc="-1" dirty="0" err="1" smtClean="0">
+              <a:rPr lang="ru-RU" sz="1200" b="0" strike="noStrike" spc="-1" dirty="0" smtClean="0">
                 <a:solidFill>
                   <a:srgbClr val="000000"/>
                 </a:solidFill>
@@ -12298,10 +12472,10 @@
                 <a:latin typeface="Times New Roman" panose="02020603050405020304" pitchFamily="18" charset="0"/>
                 <a:cs typeface="Times New Roman" panose="02020603050405020304" pitchFamily="18" charset="0"/>
               </a:rPr>
-              <a:t>Малоиндуктивный</a:t>
-            </a:r>
-            <a:r>
-              <a:rPr lang="ru-RU" sz="1400" b="0" strike="noStrike" spc="-1" dirty="0" smtClean="0">
+              <a:t>Спектрометр AvaSpec-2048 (200-1100 </a:t>
+            </a:r>
+            <a:r>
+              <a:rPr lang="ru-RU" sz="1200" b="0" strike="noStrike" spc="-1" dirty="0" err="1" smtClean="0">
                 <a:solidFill>
                   <a:srgbClr val="000000"/>
                 </a:solidFill>
@@ -12313,9 +12487,24 @@
                 <a:latin typeface="Times New Roman" panose="02020603050405020304" pitchFamily="18" charset="0"/>
                 <a:cs typeface="Times New Roman" panose="02020603050405020304" pitchFamily="18" charset="0"/>
               </a:rPr>
-              <a:t> шунт для регистрации тока разряда</a:t>
-            </a:r>
-            <a:endParaRPr lang="ru-RU" sz="1400" b="0" strike="noStrike" spc="-1" dirty="0">
+              <a:t>нм</a:t>
+            </a:r>
+            <a:r>
+              <a:rPr lang="ru-RU" sz="1200" b="0" strike="noStrike" spc="-1" dirty="0" smtClean="0">
+                <a:solidFill>
+                  <a:srgbClr val="000000"/>
+                </a:solidFill>
+                <a:uFill>
+                  <a:solidFill>
+                    <a:srgbClr val="FFFFFF"/>
+                  </a:solidFill>
+                </a:uFill>
+                <a:latin typeface="Times New Roman" panose="02020603050405020304" pitchFamily="18" charset="0"/>
+                <a:cs typeface="Times New Roman" panose="02020603050405020304" pitchFamily="18" charset="0"/>
+              </a:rPr>
+              <a:t>)</a:t>
+            </a:r>
+            <a:endParaRPr lang="ru-RU" sz="1200" b="0" strike="noStrike" spc="-1" dirty="0">
               <a:solidFill>
                 <a:srgbClr val="000000"/>
               </a:solidFill>
@@ -12340,7 +12529,7 @@
               <a:buChar char="•"/>
             </a:pPr>
             <a:r>
-              <a:rPr lang="ru-RU" sz="1400" b="0" strike="noStrike" spc="-1" dirty="0" smtClean="0">
+              <a:rPr lang="ru-RU" sz="1200" b="0" strike="noStrike" spc="-1" dirty="0" err="1" smtClean="0">
                 <a:solidFill>
                   <a:srgbClr val="000000"/>
                 </a:solidFill>
@@ -12352,8 +12541,35 @@
                 <a:latin typeface="Times New Roman" panose="02020603050405020304" pitchFamily="18" charset="0"/>
                 <a:cs typeface="Times New Roman" panose="02020603050405020304" pitchFamily="18" charset="0"/>
               </a:rPr>
-              <a:t>Высокоскоростная камера (частота кадров 750000 к/с, время экспозиции 1 мкс) для регистрации поля течения (теневая визуализация)</a:t>
-            </a:r>
+              <a:t>Малоиндуктивный</a:t>
+            </a:r>
+            <a:r>
+              <a:rPr lang="ru-RU" sz="1200" b="0" strike="noStrike" spc="-1" dirty="0" smtClean="0">
+                <a:solidFill>
+                  <a:srgbClr val="000000"/>
+                </a:solidFill>
+                <a:uFill>
+                  <a:solidFill>
+                    <a:srgbClr val="FFFFFF"/>
+                  </a:solidFill>
+                </a:uFill>
+                <a:latin typeface="Times New Roman" panose="02020603050405020304" pitchFamily="18" charset="0"/>
+                <a:cs typeface="Times New Roman" panose="02020603050405020304" pitchFamily="18" charset="0"/>
+              </a:rPr>
+              <a:t> шунт для регистрации тока разряда</a:t>
+            </a:r>
+            <a:endParaRPr lang="ru-RU" sz="1200" b="0" strike="noStrike" spc="-1" dirty="0">
+              <a:solidFill>
+                <a:srgbClr val="000000"/>
+              </a:solidFill>
+              <a:uFill>
+                <a:solidFill>
+                  <a:srgbClr val="FFFFFF"/>
+                </a:solidFill>
+              </a:uFill>
+              <a:latin typeface="Times New Roman" panose="02020603050405020304" pitchFamily="18" charset="0"/>
+              <a:cs typeface="Times New Roman" panose="02020603050405020304" pitchFamily="18" charset="0"/>
+            </a:endParaRPr>
           </a:p>
           <a:p>
             <a:pPr marL="285840" indent="-285480">
@@ -12367,20 +12583,47 @@
               <a:buChar char="•"/>
             </a:pPr>
             <a:r>
-              <a:rPr lang="ru-RU" sz="1400" dirty="0" err="1">
+              <a:rPr lang="ru-RU" sz="1200" b="0" strike="noStrike" spc="-1" dirty="0" smtClean="0">
+                <a:solidFill>
+                  <a:srgbClr val="000000"/>
+                </a:solidFill>
+                <a:uFill>
+                  <a:solidFill>
+                    <a:srgbClr val="FFFFFF"/>
+                  </a:solidFill>
+                </a:uFill>
                 <a:latin typeface="Times New Roman" panose="02020603050405020304" pitchFamily="18" charset="0"/>
                 <a:cs typeface="Times New Roman" panose="02020603050405020304" pitchFamily="18" charset="0"/>
               </a:rPr>
-              <a:t>Девятикадровая</a:t>
-            </a:r>
-            <a:r>
-              <a:rPr lang="ru-RU" sz="1400" dirty="0">
+              <a:t>Высокоскоростная камера (частота кадров 750000 к/с, время экспозиции 1 мкс) для регистрации поля течения (теневая визуализация)</a:t>
+            </a:r>
+          </a:p>
+          <a:p>
+            <a:pPr marL="285840" indent="-285480">
+              <a:spcBef>
+                <a:spcPts val="600"/>
+              </a:spcBef>
+              <a:buClr>
+                <a:srgbClr val="000000"/>
+              </a:buClr>
+              <a:buFont typeface="Arial"/>
+              <a:buChar char="•"/>
+            </a:pPr>
+            <a:r>
+              <a:rPr lang="ru-RU" sz="1200" dirty="0" err="1">
                 <a:latin typeface="Times New Roman" panose="02020603050405020304" pitchFamily="18" charset="0"/>
                 <a:cs typeface="Times New Roman" panose="02020603050405020304" pitchFamily="18" charset="0"/>
               </a:rPr>
+              <a:t>Девятикадровая</a:t>
+            </a:r>
+            <a:r>
+              <a:rPr lang="ru-RU" sz="1200" dirty="0">
+                <a:latin typeface="Times New Roman" panose="02020603050405020304" pitchFamily="18" charset="0"/>
+                <a:cs typeface="Times New Roman" panose="02020603050405020304" pitchFamily="18" charset="0"/>
+              </a:rPr>
               <a:t> электронно-оптическая камера К011</a:t>
             </a:r>
-            <a:endParaRPr lang="ru-RU" sz="1400" strike="noStrike" spc="-1" dirty="0" smtClean="0">
+            <a:endParaRPr lang="ru-RU" sz="1200" strike="noStrike" spc="-1" dirty="0" smtClean="0">
               <a:solidFill>
                 <a:srgbClr val="000000"/>
               </a:solidFill>
@@ -12438,10 +12681,34 @@
               <a:rPr lang="ru-RU" smtClean="0"/>
               <a:t>5</a:t>
             </a:fld>
-            <a:endParaRPr lang="ru-RU"/>
+            <a:endParaRPr lang="ru-RU" dirty="0"/>
           </a:p>
         </p:txBody>
       </p:sp>
+      <p:pic>
+        <p:nvPicPr>
+          <p:cNvPr id="5" name="Рисунок 4"/>
+          <p:cNvPicPr>
+            <a:picLocks noChangeAspect="1"/>
+          </p:cNvPicPr>
+          <p:nvPr/>
+        </p:nvPicPr>
+        <p:blipFill>
+          <a:blip r:embed="rId2"/>
+          <a:stretch>
+            <a:fillRect/>
+          </a:stretch>
+        </p:blipFill>
+        <p:spPr>
+          <a:xfrm>
+            <a:off x="1421756" y="1575839"/>
+            <a:ext cx="9348488" cy="3114535"/>
+          </a:xfrm>
+          <a:prstGeom prst="rect">
+            <a:avLst/>
+          </a:prstGeom>
+        </p:spPr>
+      </p:pic>
     </p:spTree>
     <p:extLst>
       <p:ext uri="{BB962C8B-B14F-4D97-AF65-F5344CB8AC3E}">
@@ -12489,7 +12756,12 @@
             <p:ph type="title"/>
           </p:nvPr>
         </p:nvSpPr>
-        <p:spPr/>
+        <p:spPr>
+          <a:xfrm>
+            <a:off x="838200" y="4638"/>
+            <a:ext cx="10515600" cy="1325563"/>
+          </a:xfrm>
+        </p:spPr>
         <p:txBody>
           <a:bodyPr>
             <a:normAutofit/>
@@ -13899,7 +14171,7 @@
         </p:nvSpPr>
         <p:spPr>
           <a:xfrm>
-            <a:off x="838200" y="365125"/>
+            <a:off x="838200" y="4643"/>
             <a:ext cx="10515600" cy="1325563"/>
           </a:xfrm>
         </p:spPr>
@@ -13913,7 +14185,7 @@
               <a:rPr lang="ru-RU" sz="3600" b="1" u="sng" dirty="0" smtClean="0">
                 <a:latin typeface="Arial Black" panose="020B0A04020102020204" pitchFamily="34" charset="0"/>
               </a:rPr>
-              <a:t>Поверхностный скользящий разряд</a:t>
+              <a:t>Параметры разрядов</a:t>
             </a:r>
             <a:endParaRPr lang="ru-RU" sz="3600" b="1" u="sng" dirty="0">
               <a:latin typeface="Arial Black" panose="020B0A04020102020204" pitchFamily="34" charset="0"/>
@@ -13931,36 +14203,29 @@
         </p:nvSpPr>
         <p:spPr bwMode="auto">
           <a:xfrm>
-            <a:off x="838200" y="1690688"/>
-            <a:ext cx="3445042" cy="2241639"/>
+            <a:off x="2188070" y="1599421"/>
+            <a:ext cx="2483750" cy="1749197"/>
           </a:xfrm>
           <a:prstGeom prst="rect">
             <a:avLst/>
           </a:prstGeom>
-          <a:noFill/>
-          <a:ln>
-            <a:noFill/>
-          </a:ln>
-          <a:extLst>
-            <a:ext uri="{909E8E84-426E-40DD-AFC4-6F175D3DCCD1}">
-              <a14:hiddenFill xmlns:a14="http://schemas.microsoft.com/office/drawing/2010/main">
-                <a:solidFill>
-                  <a:srgbClr val="FFFFFF"/>
-                </a:solidFill>
-              </a14:hiddenFill>
-            </a:ext>
-            <a:ext uri="{91240B29-F687-4F45-9708-019B960494DF}">
-              <a14:hiddenLine xmlns:a14="http://schemas.microsoft.com/office/drawing/2010/main" w="9525">
-                <a:solidFill>
-                  <a:srgbClr val="000000"/>
-                </a:solidFill>
-                <a:miter lim="800000"/>
-                <a:headEnd/>
-                <a:tailEnd/>
-              </a14:hiddenLine>
-            </a:ext>
-          </a:extLst>
+          <a:ln/>
+          <a:extLst/>
         </p:spPr>
+        <p:style>
+          <a:lnRef idx="2">
+            <a:schemeClr val="dk1"/>
+          </a:lnRef>
+          <a:fillRef idx="1">
+            <a:schemeClr val="lt1"/>
+          </a:fillRef>
+          <a:effectRef idx="0">
+            <a:schemeClr val="dk1"/>
+          </a:effectRef>
+          <a:fontRef idx="minor">
+            <a:schemeClr val="dk1"/>
+          </a:fontRef>
+        </p:style>
         <p:txBody>
           <a:bodyPr wrap="square">
             <a:spAutoFit/>
@@ -14108,10 +14373,16 @@
               <a:buNone/>
             </a:pPr>
             <a:r>
-              <a:rPr lang="ru-RU" altLang="ru-RU" sz="1600" dirty="0" smtClean="0">
+              <a:rPr lang="ru-RU" altLang="ru-RU" sz="1200" b="1" dirty="0" smtClean="0">
                 <a:latin typeface="Arial" panose="020B0604020202020204" pitchFamily="34" charset="0"/>
               </a:rPr>
-              <a:t>Параметры: </a:t>
+              <a:t>Параметры</a:t>
+            </a:r>
+            <a:r>
+              <a:rPr lang="ru-RU" altLang="ru-RU" sz="1200" dirty="0" smtClean="0">
+                <a:latin typeface="Arial" panose="020B0604020202020204" pitchFamily="34" charset="0"/>
+              </a:rPr>
+              <a:t>: </a:t>
             </a:r>
           </a:p>
           <a:p>
@@ -14122,24 +14393,18 @@
               <a:buSzPct val="120000"/>
             </a:pPr>
             <a:r>
-              <a:rPr lang="ru-RU" altLang="ru-RU" sz="1600" dirty="0" smtClean="0">
+              <a:rPr lang="ru-RU" altLang="ru-RU" sz="1200" dirty="0" smtClean="0">
                 <a:latin typeface="Arial" panose="020B0604020202020204" pitchFamily="34" charset="0"/>
               </a:rPr>
-              <a:t>напряжение </a:t>
-            </a:r>
-            <a:r>
-              <a:rPr lang="ru-RU" altLang="ru-RU" sz="1600" dirty="0" smtClean="0">
+              <a:t>напряжение 24-30 </a:t>
+            </a:r>
+            <a:r>
+              <a:rPr lang="ru-RU" altLang="ru-RU" sz="1200" dirty="0" err="1">
                 <a:latin typeface="Arial" panose="020B0604020202020204" pitchFamily="34" charset="0"/>
               </a:rPr>
-              <a:t>24-30 </a:t>
-            </a:r>
-            <a:r>
-              <a:rPr lang="ru-RU" altLang="ru-RU" sz="1600" dirty="0" err="1">
-                <a:latin typeface="Arial" panose="020B0604020202020204" pitchFamily="34" charset="0"/>
-              </a:rPr>
               <a:t>кВ</a:t>
             </a:r>
-            <a:endParaRPr lang="ru-RU" altLang="ru-RU" sz="1600" dirty="0">
+            <a:endParaRPr lang="ru-RU" altLang="ru-RU" sz="1200" dirty="0">
               <a:latin typeface="Arial" panose="020B0604020202020204" pitchFamily="34" charset="0"/>
             </a:endParaRPr>
           </a:p>
@@ -14151,20 +14416,20 @@
               <a:buSzPct val="120000"/>
             </a:pPr>
             <a:r>
-              <a:rPr lang="ru-RU" altLang="ru-RU" sz="1600" dirty="0">
+              <a:rPr lang="ru-RU" altLang="ru-RU" sz="1200" dirty="0" smtClean="0">
                 <a:latin typeface="Arial" panose="020B0604020202020204" pitchFamily="34" charset="0"/>
               </a:rPr>
-              <a:t> ток </a:t>
-            </a:r>
-            <a:r>
-              <a:rPr lang="ru-RU" altLang="ru-RU" sz="1600" dirty="0" smtClean="0">
+              <a:t>ток </a:t>
+            </a:r>
+            <a:r>
+              <a:rPr lang="ru-RU" altLang="ru-RU" sz="1200" dirty="0" smtClean="0">
                 <a:latin typeface="Arial" panose="020B0604020202020204" pitchFamily="34" charset="0"/>
                 <a:sym typeface="Symbol" panose="05050102010706020507" pitchFamily="18" charset="2"/>
               </a:rPr>
               <a:t> </a:t>
             </a:r>
             <a:r>
-              <a:rPr lang="ru-RU" altLang="ru-RU" sz="1600" dirty="0">
+              <a:rPr lang="ru-RU" altLang="ru-RU" sz="1200" dirty="0">
                 <a:latin typeface="Arial" panose="020B0604020202020204" pitchFamily="34" charset="0"/>
               </a:rPr>
               <a:t>1 кА</a:t>
@@ -14178,43 +14443,43 @@
               <a:buSzPct val="120000"/>
             </a:pPr>
             <a:r>
-              <a:rPr lang="en-US" altLang="ru-RU" sz="1600" dirty="0">
+              <a:rPr lang="ru-RU" altLang="ru-RU" sz="1200" dirty="0" smtClean="0">
                 <a:latin typeface="Arial" panose="020B0604020202020204" pitchFamily="34" charset="0"/>
               </a:rPr>
-              <a:t> </a:t>
-            </a:r>
-            <a:r>
-              <a:rPr lang="ru-RU" altLang="ru-RU" sz="1600" dirty="0">
+              <a:t>длительность </a:t>
+            </a:r>
+            <a:r>
+              <a:rPr lang="ru-RU" altLang="ru-RU" sz="1200" dirty="0">
                 <a:latin typeface="Arial" panose="020B0604020202020204" pitchFamily="34" charset="0"/>
               </a:rPr>
-              <a:t>длительность тока </a:t>
-            </a:r>
-            <a:r>
-              <a:rPr lang="ru-RU" altLang="ru-RU" sz="1600" dirty="0">
+              <a:t>тока </a:t>
+            </a:r>
+            <a:r>
+              <a:rPr lang="ru-RU" altLang="ru-RU" sz="1200" dirty="0">
                 <a:latin typeface="Arial" panose="020B0604020202020204" pitchFamily="34" charset="0"/>
                 <a:sym typeface="Symbol" panose="05050102010706020507" pitchFamily="18" charset="2"/>
               </a:rPr>
               <a:t></a:t>
             </a:r>
             <a:r>
-              <a:rPr lang="ru-RU" altLang="ru-RU" sz="1600" dirty="0">
+              <a:rPr lang="ru-RU" altLang="ru-RU" sz="1200" dirty="0">
                 <a:latin typeface="Arial" panose="020B0604020202020204" pitchFamily="34" charset="0"/>
               </a:rPr>
               <a:t> </a:t>
             </a:r>
             <a:r>
-              <a:rPr lang="ru-RU" altLang="ru-RU" sz="1600" dirty="0" smtClean="0">
+              <a:rPr lang="ru-RU" altLang="ru-RU" sz="1200" dirty="0" smtClean="0">
                 <a:latin typeface="Arial" panose="020B0604020202020204" pitchFamily="34" charset="0"/>
               </a:rPr>
               <a:t>300 </a:t>
             </a:r>
             <a:r>
-              <a:rPr lang="ru-RU" altLang="ru-RU" sz="1600" dirty="0" err="1">
+              <a:rPr lang="ru-RU" altLang="ru-RU" sz="1200" dirty="0" err="1">
                 <a:latin typeface="Arial" panose="020B0604020202020204" pitchFamily="34" charset="0"/>
               </a:rPr>
               <a:t>нс</a:t>
             </a:r>
-            <a:endParaRPr lang="ru-RU" altLang="ru-RU" sz="1600" dirty="0">
+            <a:endParaRPr lang="ru-RU" altLang="ru-RU" sz="1200" dirty="0">
               <a:latin typeface="Arial" panose="020B0604020202020204" pitchFamily="34" charset="0"/>
             </a:endParaRPr>
           </a:p>
@@ -14226,36 +14491,36 @@
               <a:buSzPct val="120000"/>
             </a:pPr>
             <a:r>
-              <a:rPr lang="ru-RU" altLang="ru-RU" sz="1600" dirty="0">
+              <a:rPr lang="ru-RU" altLang="ru-RU" sz="1200" i="1" dirty="0" smtClean="0">
                 <a:latin typeface="Arial" panose="020B0604020202020204" pitchFamily="34" charset="0"/>
               </a:rPr>
-              <a:t> </a:t>
-            </a:r>
-            <a:r>
-              <a:rPr lang="ru-RU" altLang="ru-RU" sz="1600" i="1" dirty="0">
+              <a:t>E/N  </a:t>
+            </a:r>
+            <a:r>
+              <a:rPr lang="ru-RU" altLang="ru-RU" sz="1200" i="1" dirty="0">
                 <a:latin typeface="Arial" panose="020B0604020202020204" pitchFamily="34" charset="0"/>
               </a:rPr>
-              <a:t>E/N   </a:t>
-            </a:r>
-            <a:r>
-              <a:rPr lang="en-US" altLang="ru-RU" sz="1600" dirty="0">
+              <a:t> </a:t>
+            </a:r>
+            <a:r>
+              <a:rPr lang="en-US" altLang="ru-RU" sz="1200" dirty="0">
                 <a:latin typeface="Arial" panose="020B0604020202020204" pitchFamily="34" charset="0"/>
               </a:rPr>
               <a:t>~</a:t>
             </a:r>
             <a:r>
-              <a:rPr lang="ru-RU" altLang="ru-RU" sz="1600" dirty="0">
+              <a:rPr lang="ru-RU" altLang="ru-RU" sz="1200" dirty="0">
                 <a:latin typeface="Arial" panose="020B0604020202020204" pitchFamily="34" charset="0"/>
               </a:rPr>
               <a:t>200-1000 </a:t>
             </a:r>
             <a:r>
-              <a:rPr lang="ru-RU" altLang="ru-RU" sz="1600" dirty="0" err="1" smtClean="0">
+              <a:rPr lang="ru-RU" altLang="ru-RU" sz="1200" dirty="0" err="1" smtClean="0">
                 <a:latin typeface="Arial" panose="020B0604020202020204" pitchFamily="34" charset="0"/>
               </a:rPr>
               <a:t>Тд</a:t>
             </a:r>
-            <a:endParaRPr lang="ru-RU" altLang="ru-RU" sz="1600" dirty="0" smtClean="0">
+            <a:endParaRPr lang="ru-RU" altLang="ru-RU" sz="1200" dirty="0" smtClean="0">
               <a:latin typeface="Arial" panose="020B0604020202020204" pitchFamily="34" charset="0"/>
             </a:endParaRPr>
           </a:p>
@@ -14267,18 +14532,24 @@
               <a:buSzPct val="120000"/>
             </a:pPr>
             <a:r>
-              <a:rPr lang="ru-RU" altLang="ru-RU" sz="1600" dirty="0" smtClean="0">
+              <a:rPr lang="ru-RU" altLang="ru-RU" sz="1200" dirty="0" smtClean="0">
                 <a:latin typeface="Arial" panose="020B0604020202020204" pitchFamily="34" charset="0"/>
               </a:rPr>
-              <a:t> давление 2-250 </a:t>
-            </a:r>
-            <a:r>
-              <a:rPr lang="ru-RU" altLang="ru-RU" sz="1600" dirty="0" err="1" smtClean="0">
+              <a:t>давление </a:t>
+            </a:r>
+            <a:r>
+              <a:rPr lang="ru-RU" altLang="ru-RU" sz="1200" dirty="0" smtClean="0">
                 <a:latin typeface="Arial" panose="020B0604020202020204" pitchFamily="34" charset="0"/>
               </a:rPr>
+              <a:t>2-250 </a:t>
+            </a:r>
+            <a:r>
+              <a:rPr lang="ru-RU" altLang="ru-RU" sz="1200" dirty="0" err="1" smtClean="0">
+                <a:latin typeface="Arial" panose="020B0604020202020204" pitchFamily="34" charset="0"/>
+              </a:rPr>
               <a:t>торр</a:t>
             </a:r>
-            <a:endParaRPr lang="ru-RU" altLang="ru-RU" sz="1600" dirty="0" smtClean="0">
+            <a:endParaRPr lang="ru-RU" altLang="ru-RU" sz="1200" dirty="0" smtClean="0">
               <a:latin typeface="Arial" panose="020B0604020202020204" pitchFamily="34" charset="0"/>
             </a:endParaRPr>
           </a:p>
@@ -14290,19 +14561,25 @@
               <a:buSzPct val="120000"/>
             </a:pPr>
             <a:r>
-              <a:rPr lang="ru-RU" altLang="ru-RU" sz="1600" dirty="0" smtClean="0">
+              <a:rPr lang="ru-RU" altLang="ru-RU" sz="1200" dirty="0" smtClean="0">
                 <a:latin typeface="Arial" panose="020B0604020202020204" pitchFamily="34" charset="0"/>
               </a:rPr>
-              <a:t> плотность 0.003-0.420 кг/м</a:t>
-            </a:r>
-            <a:r>
-              <a:rPr lang="ru-RU" altLang="ru-RU" sz="1600" baseline="30000" dirty="0" smtClean="0">
+              <a:t>плотность </a:t>
+            </a:r>
+            <a:r>
+              <a:rPr lang="ru-RU" altLang="ru-RU" sz="1200" dirty="0" smtClean="0">
                 <a:latin typeface="Arial" panose="020B0604020202020204" pitchFamily="34" charset="0"/>
               </a:rPr>
+              <a:t>0.003-0.420 кг/м</a:t>
+            </a:r>
+            <a:r>
+              <a:rPr lang="ru-RU" altLang="ru-RU" sz="1200" baseline="30000" dirty="0" smtClean="0">
+                <a:latin typeface="Arial" panose="020B0604020202020204" pitchFamily="34" charset="0"/>
+              </a:rPr>
               <a:t>3</a:t>
             </a:r>
             <a:r>
-              <a:rPr lang="ru-RU" altLang="ru-RU" sz="1600" dirty="0" smtClean="0">
+              <a:rPr lang="ru-RU" altLang="ru-RU" sz="1200" dirty="0" smtClean="0">
                 <a:latin typeface="Arial" panose="020B0604020202020204" pitchFamily="34" charset="0"/>
               </a:rPr>
               <a:t> </a:t>
@@ -14316,38 +14593,44 @@
               <a:buSzPct val="120000"/>
             </a:pPr>
             <a:r>
-              <a:rPr lang="ru-RU" altLang="ru-RU" sz="1600" dirty="0" smtClean="0">
+              <a:rPr lang="ru-RU" altLang="ru-RU" sz="1200" dirty="0" smtClean="0">
                 <a:latin typeface="Arial" panose="020B0604020202020204" pitchFamily="34" charset="0"/>
               </a:rPr>
-              <a:t> площадь 10</a:t>
-            </a:r>
-            <a:r>
-              <a:rPr lang="ru-RU" altLang="ru-RU" sz="1600" dirty="0" smtClean="0">
+              <a:t>площадь </a:t>
+            </a:r>
+            <a:r>
+              <a:rPr lang="ru-RU" altLang="ru-RU" sz="1200" dirty="0" smtClean="0">
+                <a:latin typeface="Arial" panose="020B0604020202020204" pitchFamily="34" charset="0"/>
+              </a:rPr>
+              <a:t>10</a:t>
+            </a:r>
+            <a:r>
+              <a:rPr lang="ru-RU" altLang="ru-RU" sz="1200" dirty="0" smtClean="0">
                 <a:latin typeface="Arial" panose="020B0604020202020204" pitchFamily="34" charset="0"/>
                 <a:sym typeface="Symbol" panose="05050102010706020507" pitchFamily="18" charset="2"/>
               </a:rPr>
               <a:t></a:t>
             </a:r>
             <a:r>
-              <a:rPr lang="ru-RU" altLang="ru-RU" sz="1600" dirty="0" smtClean="0">
+              <a:rPr lang="ru-RU" altLang="ru-RU" sz="1200" dirty="0" smtClean="0">
                 <a:latin typeface="Arial" panose="020B0604020202020204" pitchFamily="34" charset="0"/>
               </a:rPr>
               <a:t>3 </a:t>
             </a:r>
             <a:r>
-              <a:rPr lang="ru-RU" altLang="ru-RU" sz="1600" dirty="0">
+              <a:rPr lang="ru-RU" altLang="ru-RU" sz="1200" dirty="0">
                 <a:latin typeface="Arial" panose="020B0604020202020204" pitchFamily="34" charset="0"/>
               </a:rPr>
               <a:t>см</a:t>
             </a:r>
             <a:r>
-              <a:rPr lang="ru-RU" altLang="ru-RU" sz="1600" baseline="30000" dirty="0">
+              <a:rPr lang="ru-RU" altLang="ru-RU" sz="1200" baseline="30000" dirty="0">
                 <a:latin typeface="Arial" panose="020B0604020202020204" pitchFamily="34" charset="0"/>
               </a:rPr>
               <a:t>2</a:t>
             </a:r>
             <a:r>
-              <a:rPr lang="ru-RU" altLang="ru-RU" sz="1600" dirty="0">
+              <a:rPr lang="ru-RU" altLang="ru-RU" sz="1200" dirty="0">
                 <a:latin typeface="Arial" panose="020B0604020202020204" pitchFamily="34" charset="0"/>
               </a:rPr>
               <a:t> </a:t>
@@ -14355,133 +14638,316 @@
           </a:p>
         </p:txBody>
       </p:sp>
-      <p:pic>
-        <p:nvPicPr>
-          <p:cNvPr id="8" name="Рисунок 14"/>
-          <p:cNvPicPr preferRelativeResize="0">
-            <a:picLocks noChangeAspect="1"/>
-          </p:cNvPicPr>
+      <p:sp>
+        <p:nvSpPr>
+          <p:cNvPr id="13" name="Номер слайда 12"/>
+          <p:cNvSpPr>
+            <a:spLocks noGrp="1"/>
+          </p:cNvSpPr>
+          <p:nvPr>
+            <p:ph type="sldNum" sz="quarter" idx="12"/>
+          </p:nvPr>
+        </p:nvSpPr>
+        <p:spPr/>
+        <p:txBody>
+          <a:bodyPr/>
+          <a:lstStyle/>
+          <a:p>
+            <a:fld id="{9FAB18EA-D421-4479-A48C-D4262B204458}" type="slidenum">
+              <a:rPr lang="ru-RU" smtClean="0"/>
+              <a:t>7</a:t>
+            </a:fld>
+            <a:endParaRPr lang="ru-RU"/>
+          </a:p>
+        </p:txBody>
+      </p:sp>
+      <p:sp>
+        <p:nvSpPr>
+          <p:cNvPr id="3" name="TextBox 2"/>
+          <p:cNvSpPr txBox="1"/>
           <p:nvPr/>
-        </p:nvPicPr>
-        <p:blipFill>
-          <a:blip r:embed="rId2">
-            <a:extLst>
-              <a:ext uri="{28A0092B-C50C-407E-A947-70E740481C1C}">
-                <a14:useLocalDpi xmlns:a14="http://schemas.microsoft.com/office/drawing/2010/main" val="0"/>
-              </a:ext>
-            </a:extLst>
-          </a:blip>
-          <a:srcRect/>
-          <a:stretch>
-            <a:fillRect/>
-          </a:stretch>
-        </p:blipFill>
-        <p:spPr bwMode="auto">
+        </p:nvSpPr>
+        <p:spPr>
           <a:xfrm>
-            <a:off x="7972234" y="4186489"/>
-            <a:ext cx="2386264" cy="1885961"/>
+            <a:off x="1482449" y="1134405"/>
+            <a:ext cx="3894993" cy="369332"/>
           </a:xfrm>
           <a:prstGeom prst="rect">
             <a:avLst/>
           </a:prstGeom>
-          <a:ln w="228600" cap="sq" cmpd="thickThin">
-            <a:solidFill>
-              <a:srgbClr val="000000"/>
-            </a:solidFill>
-            <a:prstDash val="solid"/>
-            <a:miter lim="800000"/>
-          </a:ln>
-          <a:effectLst>
-            <a:innerShdw blurRad="76200">
-              <a:srgbClr val="000000"/>
-            </a:innerShdw>
-          </a:effectLst>
-          <a:extLst>
-            <a:ext uri="{909E8E84-426E-40DD-AFC4-6F175D3DCCD1}">
-              <a14:hiddenFill xmlns:a14="http://schemas.microsoft.com/office/drawing/2010/main">
-                <a:solidFill>
-                  <a:srgbClr val="FFFFFF"/>
-                </a:solidFill>
-              </a14:hiddenFill>
-            </a:ext>
-            <a:ext uri="{91240B29-F687-4F45-9708-019B960494DF}">
-              <a14:hiddenLine xmlns:a14="http://schemas.microsoft.com/office/drawing/2010/main" w="9525">
-                <a:solidFill>
-                  <a:srgbClr val="000000"/>
-                </a:solidFill>
-                <a:miter lim="800000"/>
-                <a:headEnd/>
-                <a:tailEnd/>
-              </a14:hiddenLine>
-            </a:ext>
-          </a:extLst>
+          <a:noFill/>
         </p:spPr>
-      </p:pic>
-      <p:pic>
-        <p:nvPicPr>
-          <p:cNvPr id="9" name="Рисунок 13"/>
-          <p:cNvPicPr preferRelativeResize="0">
-            <a:picLocks noChangeAspect="1"/>
-          </p:cNvPicPr>
+        <p:txBody>
+          <a:bodyPr wrap="square" rtlCol="0">
+            <a:spAutoFit/>
+          </a:bodyPr>
+          <a:lstStyle/>
+          <a:p>
+            <a:r>
+              <a:rPr lang="ru-RU" b="1" i="1" dirty="0" smtClean="0"/>
+              <a:t>Поверхностный скользящий разряд</a:t>
+            </a:r>
+            <a:endParaRPr lang="ru-RU" b="1" i="1" dirty="0"/>
+          </a:p>
+        </p:txBody>
+      </p:sp>
+      <p:sp>
+        <p:nvSpPr>
+          <p:cNvPr id="14" name="TextBox 13"/>
+          <p:cNvSpPr txBox="1"/>
           <p:nvPr/>
-        </p:nvPicPr>
-        <p:blipFill>
-          <a:blip r:embed="rId3">
-            <a:extLst>
-              <a:ext uri="{28A0092B-C50C-407E-A947-70E740481C1C}">
-                <a14:useLocalDpi xmlns:a14="http://schemas.microsoft.com/office/drawing/2010/main" val="0"/>
-              </a:ext>
-            </a:extLst>
-          </a:blip>
-          <a:srcRect t="36621"/>
-          <a:stretch>
-            <a:fillRect/>
-          </a:stretch>
-        </p:blipFill>
-        <p:spPr bwMode="auto">
+        </p:nvSpPr>
+        <p:spPr>
           <a:xfrm>
-            <a:off x="838200" y="4186489"/>
-            <a:ext cx="5349240" cy="2517459"/>
+            <a:off x="7754671" y="1134405"/>
+            <a:ext cx="2215802" cy="369332"/>
           </a:xfrm>
           <a:prstGeom prst="rect">
             <a:avLst/>
           </a:prstGeom>
-          <a:ln w="228600" cap="sq" cmpd="thickThin">
-            <a:solidFill>
-              <a:srgbClr val="000000"/>
-            </a:solidFill>
-            <a:prstDash val="solid"/>
-            <a:miter lim="800000"/>
-          </a:ln>
-          <a:effectLst>
-            <a:innerShdw blurRad="76200">
-              <a:srgbClr val="000000"/>
-            </a:innerShdw>
-          </a:effectLst>
-          <a:extLst>
-            <a:ext uri="{909E8E84-426E-40DD-AFC4-6F175D3DCCD1}">
-              <a14:hiddenFill xmlns:a14="http://schemas.microsoft.com/office/drawing/2010/main">
-                <a:solidFill>
-                  <a:srgbClr val="FFFFFF"/>
-                </a:solidFill>
-              </a14:hiddenFill>
-            </a:ext>
-            <a:ext uri="{91240B29-F687-4F45-9708-019B960494DF}">
-              <a14:hiddenLine xmlns:a14="http://schemas.microsoft.com/office/drawing/2010/main" w="9525">
-                <a:solidFill>
-                  <a:srgbClr val="000000"/>
-                </a:solidFill>
-                <a:miter lim="800000"/>
-                <a:headEnd/>
-                <a:tailEnd/>
-              </a14:hiddenLine>
-            </a:ext>
-          </a:extLst>
+          <a:noFill/>
         </p:spPr>
-      </p:pic>
+        <p:txBody>
+          <a:bodyPr wrap="square" rtlCol="0">
+            <a:spAutoFit/>
+          </a:bodyPr>
+          <a:lstStyle/>
+          <a:p>
+            <a:r>
+              <a:rPr lang="ru-RU" b="1" i="1" dirty="0" smtClean="0"/>
+              <a:t>Объемный разряд</a:t>
+            </a:r>
+            <a:endParaRPr lang="ru-RU" b="1" i="1" dirty="0"/>
+          </a:p>
+        </p:txBody>
+      </p:sp>
+      <p:grpSp>
+        <p:nvGrpSpPr>
+          <p:cNvPr id="5" name="Группа 4"/>
+          <p:cNvGrpSpPr/>
+          <p:nvPr/>
+        </p:nvGrpSpPr>
+        <p:grpSpPr>
+          <a:xfrm>
+            <a:off x="1907231" y="3572204"/>
+            <a:ext cx="3045428" cy="2472147"/>
+            <a:chOff x="1226658" y="1994345"/>
+            <a:chExt cx="3045428" cy="2472147"/>
+          </a:xfrm>
+        </p:grpSpPr>
+        <p:pic>
+          <p:nvPicPr>
+            <p:cNvPr id="16" name="Рисунок 15"/>
+            <p:cNvPicPr>
+              <a:picLocks noChangeAspect="1"/>
+            </p:cNvPicPr>
+            <p:nvPr/>
+          </p:nvPicPr>
+          <p:blipFill rotWithShape="1">
+            <a:blip r:embed="rId2">
+              <a:extLst>
+                <a:ext uri="{BEBA8EAE-BF5A-486C-A8C5-ECC9F3942E4B}">
+                  <a14:imgProps xmlns:a14="http://schemas.microsoft.com/office/drawing/2010/main">
+                    <a14:imgLayer r:embed="rId3">
+                      <a14:imgEffect>
+                        <a14:brightnessContrast bright="40000"/>
+                      </a14:imgEffect>
+                    </a14:imgLayer>
+                  </a14:imgProps>
+                </a:ext>
+              </a:extLst>
+            </a:blip>
+            <a:srcRect r="19926"/>
+            <a:stretch/>
+          </p:blipFill>
+          <p:spPr>
+            <a:xfrm>
+              <a:off x="1226659" y="1994345"/>
+              <a:ext cx="3045427" cy="1214869"/>
+            </a:xfrm>
+            <a:prstGeom prst="rect">
+              <a:avLst/>
+            </a:prstGeom>
+          </p:spPr>
+        </p:pic>
+        <p:pic>
+          <p:nvPicPr>
+            <p:cNvPr id="17" name="Рисунок 16"/>
+            <p:cNvPicPr>
+              <a:picLocks noChangeAspect="1"/>
+            </p:cNvPicPr>
+            <p:nvPr/>
+          </p:nvPicPr>
+          <p:blipFill rotWithShape="1">
+            <a:blip r:embed="rId4">
+              <a:extLst>
+                <a:ext uri="{BEBA8EAE-BF5A-486C-A8C5-ECC9F3942E4B}">
+                  <a14:imgProps xmlns:a14="http://schemas.microsoft.com/office/drawing/2010/main">
+                    <a14:imgLayer r:embed="rId5">
+                      <a14:imgEffect>
+                        <a14:brightnessContrast bright="20000"/>
+                      </a14:imgEffect>
+                    </a14:imgLayer>
+                  </a14:imgProps>
+                </a:ext>
+              </a:extLst>
+            </a:blip>
+            <a:srcRect b="10124"/>
+            <a:stretch/>
+          </p:blipFill>
+          <p:spPr>
+            <a:xfrm>
+              <a:off x="1226658" y="3304898"/>
+              <a:ext cx="3045427" cy="1161594"/>
+            </a:xfrm>
+            <a:prstGeom prst="rect">
+              <a:avLst/>
+            </a:prstGeom>
+          </p:spPr>
+        </p:pic>
+      </p:grpSp>
       <p:sp>
         <p:nvSpPr>
-          <p:cNvPr id="10" name="Прямоугольник 7"/>
+          <p:cNvPr id="7" name="TextBox 6"/>
+          <p:cNvSpPr txBox="1"/>
+          <p:nvPr/>
+        </p:nvSpPr>
+        <p:spPr>
+          <a:xfrm>
+            <a:off x="1662690" y="6233191"/>
+            <a:ext cx="3534508" cy="276999"/>
+          </a:xfrm>
+          <a:prstGeom prst="rect">
+            <a:avLst/>
+          </a:prstGeom>
+          <a:noFill/>
+        </p:spPr>
+        <p:txBody>
+          <a:bodyPr wrap="square" rtlCol="0">
+            <a:spAutoFit/>
+          </a:bodyPr>
+          <a:lstStyle/>
+          <a:p>
+            <a:pPr algn="ctr"/>
+            <a:r>
+              <a:rPr lang="ru-RU" sz="1200" dirty="0" smtClean="0"/>
+              <a:t>Свечение разряда (а) – 0.05 кг</a:t>
+            </a:r>
+            <a:r>
+              <a:rPr lang="en-US" sz="1200" dirty="0" smtClean="0"/>
+              <a:t>/</a:t>
+            </a:r>
+            <a:r>
+              <a:rPr lang="ru-RU" sz="1200" dirty="0" smtClean="0"/>
+              <a:t>м</a:t>
+            </a:r>
+            <a:r>
+              <a:rPr lang="ru-RU" sz="1200" baseline="30000" dirty="0" smtClean="0"/>
+              <a:t>3</a:t>
+            </a:r>
+            <a:r>
+              <a:rPr lang="ru-RU" sz="1200" dirty="0" smtClean="0"/>
+              <a:t> , (б) – 0.25 </a:t>
+            </a:r>
+            <a:r>
+              <a:rPr lang="ru-RU" sz="1200" dirty="0"/>
+              <a:t>кг</a:t>
+            </a:r>
+            <a:r>
+              <a:rPr lang="en-US" sz="1200" dirty="0"/>
+              <a:t>/</a:t>
+            </a:r>
+            <a:r>
+              <a:rPr lang="ru-RU" sz="1200" dirty="0"/>
+              <a:t>м</a:t>
+            </a:r>
+            <a:r>
+              <a:rPr lang="ru-RU" sz="1200" baseline="30000" dirty="0"/>
+              <a:t>3</a:t>
+            </a:r>
+            <a:r>
+              <a:rPr lang="ru-RU" sz="1200" dirty="0"/>
+              <a:t> </a:t>
+            </a:r>
+          </a:p>
+        </p:txBody>
+      </p:sp>
+      <p:grpSp>
+        <p:nvGrpSpPr>
+          <p:cNvPr id="20" name="Группа 19"/>
+          <p:cNvGrpSpPr/>
+          <p:nvPr/>
+        </p:nvGrpSpPr>
+        <p:grpSpPr>
+          <a:xfrm>
+            <a:off x="7410617" y="3511245"/>
+            <a:ext cx="2903907" cy="2480940"/>
+            <a:chOff x="8024545" y="3516046"/>
+            <a:chExt cx="2907224" cy="2573046"/>
+          </a:xfrm>
+        </p:grpSpPr>
+        <p:pic>
+          <p:nvPicPr>
+            <p:cNvPr id="18" name="Рисунок 17"/>
+            <p:cNvPicPr>
+              <a:picLocks noChangeAspect="1"/>
+            </p:cNvPicPr>
+            <p:nvPr/>
+          </p:nvPicPr>
+          <p:blipFill rotWithShape="1">
+            <a:blip r:embed="rId6" cstate="print">
+              <a:extLst>
+                <a:ext uri="{28A0092B-C50C-407E-A947-70E740481C1C}">
+                  <a14:useLocalDpi xmlns:a14="http://schemas.microsoft.com/office/drawing/2010/main" val="0"/>
+                </a:ext>
+              </a:extLst>
+            </a:blip>
+            <a:srcRect l="45185" t="26026" b="39615"/>
+            <a:stretch/>
+          </p:blipFill>
+          <p:spPr>
+            <a:xfrm>
+              <a:off x="8024546" y="4874223"/>
+              <a:ext cx="2907223" cy="1214869"/>
+            </a:xfrm>
+            <a:prstGeom prst="rect">
+              <a:avLst/>
+            </a:prstGeom>
+          </p:spPr>
+        </p:pic>
+        <p:pic>
+          <p:nvPicPr>
+            <p:cNvPr id="19" name="Рисунок 18"/>
+            <p:cNvPicPr>
+              <a:picLocks noChangeAspect="1"/>
+            </p:cNvPicPr>
+            <p:nvPr/>
+          </p:nvPicPr>
+          <p:blipFill rotWithShape="1">
+            <a:blip r:embed="rId7" cstate="print">
+              <a:extLst>
+                <a:ext uri="{28A0092B-C50C-407E-A947-70E740481C1C}">
+                  <a14:useLocalDpi xmlns:a14="http://schemas.microsoft.com/office/drawing/2010/main" val="0"/>
+                </a:ext>
+              </a:extLst>
+            </a:blip>
+            <a:srcRect l="30142" t="28462" r="16353" b="37436"/>
+            <a:stretch/>
+          </p:blipFill>
+          <p:spPr>
+            <a:xfrm>
+              <a:off x="8024545" y="3516046"/>
+              <a:ext cx="2907223" cy="1235338"/>
+            </a:xfrm>
+            <a:prstGeom prst="rect">
+              <a:avLst/>
+            </a:prstGeom>
+          </p:spPr>
+        </p:pic>
+      </p:grpSp>
+      <p:sp>
+        <p:nvSpPr>
+          <p:cNvPr id="21" name="Rectangle 277"/>
           <p:cNvSpPr>
             <a:spLocks noChangeArrowheads="1"/>
           </p:cNvSpPr>
@@ -14489,36 +14955,29 @@
         </p:nvSpPr>
         <p:spPr bwMode="auto">
           <a:xfrm>
-            <a:off x="6187440" y="6065002"/>
-            <a:ext cx="5726828" cy="523220"/>
+            <a:off x="7620697" y="1608883"/>
+            <a:ext cx="2483750" cy="1538883"/>
           </a:xfrm>
           <a:prstGeom prst="rect">
             <a:avLst/>
           </a:prstGeom>
-          <a:noFill/>
-          <a:ln>
-            <a:noFill/>
-          </a:ln>
-          <a:extLst>
-            <a:ext uri="{909E8E84-426E-40DD-AFC4-6F175D3DCCD1}">
-              <a14:hiddenFill xmlns:a14="http://schemas.microsoft.com/office/drawing/2010/main">
-                <a:solidFill>
-                  <a:srgbClr val="FFFFFF"/>
-                </a:solidFill>
-              </a14:hiddenFill>
-            </a:ext>
-            <a:ext uri="{91240B29-F687-4F45-9708-019B960494DF}">
-              <a14:hiddenLine xmlns:a14="http://schemas.microsoft.com/office/drawing/2010/main" w="9525">
-                <a:solidFill>
-                  <a:srgbClr val="000000"/>
-                </a:solidFill>
-                <a:miter lim="800000"/>
-                <a:headEnd/>
-                <a:tailEnd/>
-              </a14:hiddenLine>
-            </a:ext>
-          </a:extLst>
+          <a:ln/>
+          <a:extLst/>
         </p:spPr>
+        <p:style>
+          <a:lnRef idx="2">
+            <a:schemeClr val="dk1"/>
+          </a:lnRef>
+          <a:fillRef idx="1">
+            <a:schemeClr val="lt1"/>
+          </a:fillRef>
+          <a:effectRef idx="0">
+            <a:schemeClr val="dk1"/>
+          </a:effectRef>
+          <a:fontRef idx="minor">
+            <a:schemeClr val="dk1"/>
+          </a:fontRef>
+        </p:style>
         <p:txBody>
           <a:bodyPr wrap="square">
             <a:spAutoFit/>
@@ -14655,352 +15114,238 @@
             </a:lvl9pPr>
           </a:lstStyle>
           <a:p>
-            <a:pPr algn="ctr" defTabSz="685800">
+            <a:pPr>
               <a:spcBef>
-                <a:spcPct val="40000"/>
+                <a:spcPts val="200"/>
               </a:spcBef>
               <a:buClr>
                 <a:srgbClr val="9900FF"/>
               </a:buClr>
               <a:buSzPct val="120000"/>
               <a:buNone/>
-              <a:defRPr/>
             </a:pPr>
             <a:r>
-              <a:rPr lang="ru-RU" altLang="ru-RU" sz="1400" b="1" kern="0" dirty="0">
+              <a:rPr lang="ru-RU" altLang="ru-RU" sz="1200" b="1" dirty="0" smtClean="0">
                 <a:latin typeface="Arial" panose="020B0604020202020204" pitchFamily="34" charset="0"/>
-                <a:cs typeface="Arial" panose="020B0604020202020204" pitchFamily="34" charset="0"/>
-              </a:rPr>
-              <a:t>Фотоизображения свечения</a:t>
-            </a:r>
-            <a:r>
-              <a:rPr lang="ru-RU" altLang="ru-RU" sz="1400" kern="0" dirty="0">
+              </a:rPr>
+              <a:t>Параметры</a:t>
+            </a:r>
+            <a:r>
+              <a:rPr lang="ru-RU" altLang="ru-RU" sz="1200" dirty="0" smtClean="0">
                 <a:latin typeface="Arial" panose="020B0604020202020204" pitchFamily="34" charset="0"/>
-                <a:cs typeface="Arial" panose="020B0604020202020204" pitchFamily="34" charset="0"/>
               </a:rPr>
               <a:t>: </a:t>
             </a:r>
-            <a:r>
-              <a:rPr lang="ru-RU" altLang="ru-RU" sz="1400" kern="0" dirty="0" smtClean="0">
+          </a:p>
+          <a:p>
+            <a:pPr marL="285750" indent="-285750">
+              <a:spcBef>
+                <a:spcPts val="200"/>
+              </a:spcBef>
+              <a:buSzPct val="120000"/>
+            </a:pPr>
+            <a:r>
+              <a:rPr lang="ru-RU" altLang="ru-RU" sz="1200" dirty="0" smtClean="0">
                 <a:latin typeface="Arial" panose="020B0604020202020204" pitchFamily="34" charset="0"/>
-                <a:cs typeface="Arial" panose="020B0604020202020204" pitchFamily="34" charset="0"/>
-              </a:rPr>
-              <a:t>вид </a:t>
-            </a:r>
-            <a:r>
-              <a:rPr lang="ru-RU" altLang="ru-RU" sz="1400" kern="0" dirty="0">
+              </a:rPr>
+              <a:t>напряжение 24-30 </a:t>
+            </a:r>
+            <a:r>
+              <a:rPr lang="ru-RU" altLang="ru-RU" sz="1200" dirty="0" err="1">
                 <a:latin typeface="Arial" panose="020B0604020202020204" pitchFamily="34" charset="0"/>
-                <a:cs typeface="Arial" panose="020B0604020202020204" pitchFamily="34" charset="0"/>
-              </a:rPr>
-              <a:t>в поперечном сечении разрядной камеры; вид </a:t>
-            </a:r>
-            <a:r>
-              <a:rPr lang="ru-RU" altLang="ru-RU" sz="1400" kern="0" dirty="0" smtClean="0">
+              </a:rPr>
+              <a:t>кВ</a:t>
+            </a:r>
+            <a:endParaRPr lang="ru-RU" altLang="ru-RU" sz="1200" dirty="0">
+              <a:latin typeface="Arial" panose="020B0604020202020204" pitchFamily="34" charset="0"/>
+            </a:endParaRPr>
+          </a:p>
+          <a:p>
+            <a:pPr marL="285750" indent="-285750">
+              <a:spcBef>
+                <a:spcPts val="200"/>
+              </a:spcBef>
+              <a:buSzPct val="120000"/>
+            </a:pPr>
+            <a:r>
+              <a:rPr lang="ru-RU" altLang="ru-RU" sz="1200" dirty="0" smtClean="0">
                 <a:latin typeface="Arial" panose="020B0604020202020204" pitchFamily="34" charset="0"/>
-                <a:cs typeface="Arial" panose="020B0604020202020204" pitchFamily="34" charset="0"/>
-              </a:rPr>
-              <a:t>сбоку</a:t>
-            </a:r>
-            <a:endParaRPr lang="ru-RU" altLang="ru-RU" sz="1400" kern="0" dirty="0">
+              </a:rPr>
+              <a:t>ток </a:t>
+            </a:r>
+            <a:r>
+              <a:rPr lang="ru-RU" altLang="ru-RU" sz="1200" dirty="0" smtClean="0">
+                <a:latin typeface="Arial" panose="020B0604020202020204" pitchFamily="34" charset="0"/>
+                <a:sym typeface="Symbol" panose="05050102010706020507" pitchFamily="18" charset="2"/>
+              </a:rPr>
+              <a:t> </a:t>
+            </a:r>
+            <a:r>
+              <a:rPr lang="ru-RU" altLang="ru-RU" sz="1200" dirty="0">
+                <a:latin typeface="Arial" panose="020B0604020202020204" pitchFamily="34" charset="0"/>
+              </a:rPr>
+              <a:t>1 кА</a:t>
+            </a:r>
+          </a:p>
+          <a:p>
+            <a:pPr marL="285750" indent="-285750">
+              <a:spcBef>
+                <a:spcPts val="200"/>
+              </a:spcBef>
+              <a:buSzPct val="120000"/>
+            </a:pPr>
+            <a:r>
+              <a:rPr lang="ru-RU" altLang="ru-RU" sz="1200" dirty="0" smtClean="0">
+                <a:latin typeface="Arial" panose="020B0604020202020204" pitchFamily="34" charset="0"/>
+              </a:rPr>
+              <a:t>длительность </a:t>
+            </a:r>
+            <a:r>
+              <a:rPr lang="ru-RU" altLang="ru-RU" sz="1200" dirty="0">
+                <a:latin typeface="Arial" panose="020B0604020202020204" pitchFamily="34" charset="0"/>
+              </a:rPr>
+              <a:t>тока </a:t>
+            </a:r>
+            <a:r>
+              <a:rPr lang="ru-RU" altLang="ru-RU" sz="1200" dirty="0">
+                <a:latin typeface="Arial" panose="020B0604020202020204" pitchFamily="34" charset="0"/>
+                <a:sym typeface="Symbol" panose="05050102010706020507" pitchFamily="18" charset="2"/>
+              </a:rPr>
+              <a:t></a:t>
+            </a:r>
+            <a:r>
+              <a:rPr lang="ru-RU" altLang="ru-RU" sz="1200" dirty="0">
+                <a:latin typeface="Arial" panose="020B0604020202020204" pitchFamily="34" charset="0"/>
+              </a:rPr>
+              <a:t> </a:t>
+            </a:r>
+            <a:r>
+              <a:rPr lang="ru-RU" altLang="ru-RU" sz="1200" dirty="0" smtClean="0">
+                <a:latin typeface="Arial" panose="020B0604020202020204" pitchFamily="34" charset="0"/>
+              </a:rPr>
+              <a:t>300 </a:t>
+            </a:r>
+            <a:r>
+              <a:rPr lang="ru-RU" altLang="ru-RU" sz="1200" dirty="0" err="1">
+                <a:latin typeface="Arial" panose="020B0604020202020204" pitchFamily="34" charset="0"/>
+              </a:rPr>
+              <a:t>нс</a:t>
+            </a:r>
+            <a:endParaRPr lang="ru-RU" altLang="ru-RU" sz="1200" dirty="0">
               <a:latin typeface="Arial" panose="020B0604020202020204" pitchFamily="34" charset="0"/>
-              <a:cs typeface="Arial" panose="020B0604020202020204" pitchFamily="34" charset="0"/>
             </a:endParaRPr>
           </a:p>
-        </p:txBody>
-      </p:sp>
-      <p:pic>
-        <p:nvPicPr>
-          <p:cNvPr id="11" name="Рисунок 10"/>
-          <p:cNvPicPr preferRelativeResize="0">
-            <a:picLocks noChangeAspect="1"/>
-          </p:cNvPicPr>
-          <p:nvPr/>
-        </p:nvPicPr>
-        <p:blipFill>
-          <a:blip r:embed="rId4"/>
-          <a:stretch>
-            <a:fillRect/>
-          </a:stretch>
-        </p:blipFill>
-        <p:spPr>
-          <a:xfrm>
-            <a:off x="6971734" y="1501078"/>
-            <a:ext cx="3386764" cy="2068123"/>
-          </a:xfrm>
-          <a:prstGeom prst="rect">
-            <a:avLst/>
-          </a:prstGeom>
-          <a:ln w="228600" cap="sq" cmpd="thickThin">
-            <a:solidFill>
-              <a:srgbClr val="000000"/>
-            </a:solidFill>
-            <a:prstDash val="solid"/>
-            <a:miter lim="800000"/>
-          </a:ln>
-          <a:effectLst>
-            <a:innerShdw blurRad="76200">
-              <a:srgbClr val="000000"/>
-            </a:innerShdw>
-          </a:effectLst>
-        </p:spPr>
-      </p:pic>
-      <p:sp>
-        <p:nvSpPr>
-          <p:cNvPr id="12" name="TextBox 2"/>
-          <p:cNvSpPr txBox="1">
-            <a:spLocks noChangeArrowheads="1"/>
-          </p:cNvSpPr>
-          <p:nvPr/>
-        </p:nvSpPr>
-        <p:spPr bwMode="auto">
-          <a:xfrm>
-            <a:off x="7753454" y="3624550"/>
-            <a:ext cx="2594800" cy="307777"/>
-          </a:xfrm>
-          <a:prstGeom prst="rect">
-            <a:avLst/>
-          </a:prstGeom>
-          <a:noFill/>
-          <a:ln>
-            <a:noFill/>
-          </a:ln>
-          <a:extLst>
-            <a:ext uri="{909E8E84-426E-40DD-AFC4-6F175D3DCCD1}">
-              <a14:hiddenFill xmlns:a14="http://schemas.microsoft.com/office/drawing/2010/main">
-                <a:solidFill>
-                  <a:srgbClr val="FFFFFF"/>
-                </a:solidFill>
-              </a14:hiddenFill>
-            </a:ext>
-            <a:ext uri="{91240B29-F687-4F45-9708-019B960494DF}">
-              <a14:hiddenLine xmlns:a14="http://schemas.microsoft.com/office/drawing/2010/main" w="9525">
-                <a:solidFill>
-                  <a:srgbClr val="000000"/>
-                </a:solidFill>
-                <a:miter lim="800000"/>
-                <a:headEnd/>
-                <a:tailEnd/>
-              </a14:hiddenLine>
-            </a:ext>
-          </a:extLst>
-        </p:spPr>
-        <p:txBody>
-          <a:bodyPr wrap="square">
-            <a:spAutoFit/>
-          </a:bodyPr>
-          <a:lstStyle>
-            <a:lvl1pPr>
+          <a:p>
+            <a:pPr marL="285750" indent="-285750">
               <a:spcBef>
-                <a:spcPct val="20000"/>
+                <a:spcPts val="200"/>
               </a:spcBef>
-              <a:buFont typeface="Arial" panose="020B0604020202020204" pitchFamily="34" charset="0"/>
-              <a:buChar char="•"/>
-              <a:defRPr sz="3200">
-                <a:solidFill>
-                  <a:schemeClr val="tx1"/>
-                </a:solidFill>
-                <a:latin typeface="Calibri" panose="020F0502020204030204" pitchFamily="34" charset="0"/>
-              </a:defRPr>
-            </a:lvl1pPr>
-            <a:lvl2pPr marL="742950" indent="-285750">
+              <a:buSzPct val="120000"/>
+            </a:pPr>
+            <a:r>
+              <a:rPr lang="ru-RU" altLang="ru-RU" sz="1200" i="1" dirty="0" smtClean="0">
+                <a:latin typeface="Arial" panose="020B0604020202020204" pitchFamily="34" charset="0"/>
+              </a:rPr>
+              <a:t>E/N  </a:t>
+            </a:r>
+            <a:r>
+              <a:rPr lang="ru-RU" altLang="ru-RU" sz="1200" i="1" dirty="0">
+                <a:latin typeface="Arial" panose="020B0604020202020204" pitchFamily="34" charset="0"/>
+              </a:rPr>
+              <a:t> </a:t>
+            </a:r>
+            <a:r>
+              <a:rPr lang="en-US" altLang="ru-RU" sz="1200" dirty="0">
+                <a:latin typeface="Arial" panose="020B0604020202020204" pitchFamily="34" charset="0"/>
+              </a:rPr>
+              <a:t>~</a:t>
+            </a:r>
+            <a:r>
+              <a:rPr lang="ru-RU" altLang="ru-RU" sz="1200" dirty="0">
+                <a:latin typeface="Arial" panose="020B0604020202020204" pitchFamily="34" charset="0"/>
+              </a:rPr>
+              <a:t>200-1000 </a:t>
+            </a:r>
+            <a:r>
+              <a:rPr lang="ru-RU" altLang="ru-RU" sz="1200" dirty="0" err="1" smtClean="0">
+                <a:latin typeface="Arial" panose="020B0604020202020204" pitchFamily="34" charset="0"/>
+              </a:rPr>
+              <a:t>Тд</a:t>
+            </a:r>
+            <a:endParaRPr lang="ru-RU" altLang="ru-RU" sz="1200" dirty="0" smtClean="0">
+              <a:latin typeface="Arial" panose="020B0604020202020204" pitchFamily="34" charset="0"/>
+            </a:endParaRPr>
+          </a:p>
+          <a:p>
+            <a:pPr marL="285750" indent="-285750">
               <a:spcBef>
-                <a:spcPct val="20000"/>
+                <a:spcPts val="200"/>
               </a:spcBef>
-              <a:buFont typeface="Arial" panose="020B0604020202020204" pitchFamily="34" charset="0"/>
-              <a:buChar char="–"/>
-              <a:defRPr sz="2800">
-                <a:solidFill>
-                  <a:schemeClr val="tx1"/>
-                </a:solidFill>
-                <a:latin typeface="Calibri" panose="020F0502020204030204" pitchFamily="34" charset="0"/>
-              </a:defRPr>
-            </a:lvl2pPr>
-            <a:lvl3pPr marL="1143000" indent="-228600">
+              <a:buSzPct val="120000"/>
+            </a:pPr>
+            <a:r>
+              <a:rPr lang="ru-RU" altLang="ru-RU" sz="1200" dirty="0" smtClean="0">
+                <a:latin typeface="Arial" panose="020B0604020202020204" pitchFamily="34" charset="0"/>
+              </a:rPr>
+              <a:t>давление 2-100 </a:t>
+            </a:r>
+            <a:r>
+              <a:rPr lang="ru-RU" altLang="ru-RU" sz="1200" dirty="0" err="1" smtClean="0">
+                <a:latin typeface="Arial" panose="020B0604020202020204" pitchFamily="34" charset="0"/>
+              </a:rPr>
+              <a:t>торр</a:t>
+            </a:r>
+            <a:endParaRPr lang="ru-RU" altLang="ru-RU" sz="1200" dirty="0" smtClean="0">
+              <a:latin typeface="Arial" panose="020B0604020202020204" pitchFamily="34" charset="0"/>
+            </a:endParaRPr>
+          </a:p>
+          <a:p>
+            <a:pPr marL="285750" indent="-285750">
               <a:spcBef>
-                <a:spcPct val="20000"/>
+                <a:spcPts val="200"/>
               </a:spcBef>
-              <a:buFont typeface="Arial" panose="020B0604020202020204" pitchFamily="34" charset="0"/>
-              <a:buChar char="•"/>
-              <a:defRPr sz="2400">
-                <a:solidFill>
-                  <a:schemeClr val="tx1"/>
-                </a:solidFill>
-                <a:latin typeface="Calibri" panose="020F0502020204030204" pitchFamily="34" charset="0"/>
-              </a:defRPr>
-            </a:lvl3pPr>
-            <a:lvl4pPr marL="1600200" indent="-228600">
-              <a:spcBef>
-                <a:spcPct val="20000"/>
-              </a:spcBef>
-              <a:buFont typeface="Arial" panose="020B0604020202020204" pitchFamily="34" charset="0"/>
-              <a:buChar char="–"/>
-              <a:defRPr sz="2000">
-                <a:solidFill>
-                  <a:schemeClr val="tx1"/>
-                </a:solidFill>
-                <a:latin typeface="Calibri" panose="020F0502020204030204" pitchFamily="34" charset="0"/>
-              </a:defRPr>
-            </a:lvl4pPr>
-            <a:lvl5pPr marL="2057400" indent="-228600">
-              <a:spcBef>
-                <a:spcPct val="20000"/>
-              </a:spcBef>
-              <a:buFont typeface="Arial" panose="020B0604020202020204" pitchFamily="34" charset="0"/>
-              <a:buChar char="»"/>
-              <a:defRPr sz="2000">
-                <a:solidFill>
-                  <a:schemeClr val="tx1"/>
-                </a:solidFill>
-                <a:latin typeface="Calibri" panose="020F0502020204030204" pitchFamily="34" charset="0"/>
-              </a:defRPr>
-            </a:lvl5pPr>
-            <a:lvl6pPr marL="2514600" indent="-228600" eaLnBrk="0" fontAlgn="base" hangingPunct="0">
-              <a:spcBef>
-                <a:spcPct val="20000"/>
-              </a:spcBef>
-              <a:spcAft>
-                <a:spcPct val="0"/>
-              </a:spcAft>
-              <a:buFont typeface="Arial" panose="020B0604020202020204" pitchFamily="34" charset="0"/>
-              <a:buChar char="»"/>
-              <a:defRPr sz="2000">
-                <a:solidFill>
-                  <a:schemeClr val="tx1"/>
-                </a:solidFill>
-                <a:latin typeface="Calibri" panose="020F0502020204030204" pitchFamily="34" charset="0"/>
-              </a:defRPr>
-            </a:lvl6pPr>
-            <a:lvl7pPr marL="2971800" indent="-228600" eaLnBrk="0" fontAlgn="base" hangingPunct="0">
-              <a:spcBef>
-                <a:spcPct val="20000"/>
-              </a:spcBef>
-              <a:spcAft>
-                <a:spcPct val="0"/>
-              </a:spcAft>
-              <a:buFont typeface="Arial" panose="020B0604020202020204" pitchFamily="34" charset="0"/>
-              <a:buChar char="»"/>
-              <a:defRPr sz="2000">
-                <a:solidFill>
-                  <a:schemeClr val="tx1"/>
-                </a:solidFill>
-                <a:latin typeface="Calibri" panose="020F0502020204030204" pitchFamily="34" charset="0"/>
-              </a:defRPr>
-            </a:lvl7pPr>
-            <a:lvl8pPr marL="3429000" indent="-228600" eaLnBrk="0" fontAlgn="base" hangingPunct="0">
-              <a:spcBef>
-                <a:spcPct val="20000"/>
-              </a:spcBef>
-              <a:spcAft>
-                <a:spcPct val="0"/>
-              </a:spcAft>
-              <a:buFont typeface="Arial" panose="020B0604020202020204" pitchFamily="34" charset="0"/>
-              <a:buChar char="»"/>
-              <a:defRPr sz="2000">
-                <a:solidFill>
-                  <a:schemeClr val="tx1"/>
-                </a:solidFill>
-                <a:latin typeface="Calibri" panose="020F0502020204030204" pitchFamily="34" charset="0"/>
-              </a:defRPr>
-            </a:lvl8pPr>
-            <a:lvl9pPr marL="3886200" indent="-228600" eaLnBrk="0" fontAlgn="base" hangingPunct="0">
-              <a:spcBef>
-                <a:spcPct val="20000"/>
-              </a:spcBef>
-              <a:spcAft>
-                <a:spcPct val="0"/>
-              </a:spcAft>
-              <a:buFont typeface="Arial" panose="020B0604020202020204" pitchFamily="34" charset="0"/>
-              <a:buChar char="»"/>
-              <a:defRPr sz="2000">
-                <a:solidFill>
-                  <a:schemeClr val="tx1"/>
-                </a:solidFill>
-                <a:latin typeface="Calibri" panose="020F0502020204030204" pitchFamily="34" charset="0"/>
-              </a:defRPr>
-            </a:lvl9pPr>
-          </a:lstStyle>
-          <a:p>
-            <a:pPr>
-              <a:spcBef>
-                <a:spcPts val="0"/>
-              </a:spcBef>
-              <a:buNone/>
+              <a:buSzPct val="120000"/>
             </a:pPr>
             <a:r>
-              <a:rPr lang="ru-RU" altLang="ru-RU" sz="1400" b="1" kern="0" dirty="0">
+              <a:rPr lang="ru-RU" altLang="ru-RU" sz="1200" dirty="0" smtClean="0">
                 <a:latin typeface="Arial" panose="020B0604020202020204" pitchFamily="34" charset="0"/>
-                <a:cs typeface="Arial" panose="020B0604020202020204" pitchFamily="34" charset="0"/>
-              </a:rPr>
-              <a:t>Ток </a:t>
-            </a:r>
-            <a:r>
-              <a:rPr lang="ru-RU" altLang="ru-RU" sz="1400" b="1" kern="0" dirty="0" smtClean="0">
+              </a:rPr>
+              <a:t>объем </a:t>
+            </a:r>
+            <a:r>
+              <a:rPr lang="ru-RU" altLang="ru-RU" sz="1200" dirty="0">
                 <a:latin typeface="Arial" panose="020B0604020202020204" pitchFamily="34" charset="0"/>
-                <a:cs typeface="Arial" panose="020B0604020202020204" pitchFamily="34" charset="0"/>
-              </a:rPr>
-              <a:t>разряда, </a:t>
-            </a:r>
-            <a:r>
-              <a:rPr lang="ru-RU" altLang="ru-RU" sz="1400" kern="0" dirty="0" smtClean="0">
+              </a:rPr>
+              <a:t>72 </a:t>
+            </a:r>
+            <a:r>
+              <a:rPr lang="ru-RU" altLang="ru-RU" sz="1200" dirty="0" smtClean="0">
                 <a:latin typeface="Arial" panose="020B0604020202020204" pitchFamily="34" charset="0"/>
-                <a:cs typeface="Arial" panose="020B0604020202020204" pitchFamily="34" charset="0"/>
-              </a:rPr>
-              <a:t>32 </a:t>
-            </a:r>
-            <a:r>
-              <a:rPr lang="ru-RU" altLang="ru-RU" sz="1400" kern="0" dirty="0" err="1" smtClean="0">
+              </a:rPr>
+              <a:t>см</a:t>
+            </a:r>
+            <a:r>
+              <a:rPr lang="ru-RU" altLang="ru-RU" sz="1200" baseline="30000" dirty="0" smtClean="0">
                 <a:latin typeface="Arial" panose="020B0604020202020204" pitchFamily="34" charset="0"/>
-                <a:cs typeface="Arial" panose="020B0604020202020204" pitchFamily="34" charset="0"/>
-              </a:rPr>
-              <a:t>Торр</a:t>
-            </a:r>
-            <a:r>
-              <a:rPr lang="ru-RU" altLang="ru-RU" sz="1400" kern="0" dirty="0" smtClean="0">
-                <a:latin typeface="Arial" panose="020B0604020202020204" pitchFamily="34" charset="0"/>
-                <a:cs typeface="Arial" panose="020B0604020202020204" pitchFamily="34" charset="0"/>
-              </a:rPr>
-              <a:t> </a:t>
-            </a:r>
-            <a:endParaRPr lang="ru-RU" altLang="ru-RU" sz="1400" kern="0" dirty="0">
+              </a:rPr>
+              <a:t>3</a:t>
+            </a:r>
+            <a:endParaRPr lang="ru-RU" altLang="ru-RU" sz="1200" dirty="0">
               <a:latin typeface="Arial" panose="020B0604020202020204" pitchFamily="34" charset="0"/>
-              <a:cs typeface="Arial" panose="020B0604020202020204" pitchFamily="34" charset="0"/>
             </a:endParaRPr>
           </a:p>
         </p:txBody>
       </p:sp>
       <p:sp>
         <p:nvSpPr>
-          <p:cNvPr id="13" name="Номер слайда 12"/>
-          <p:cNvSpPr>
-            <a:spLocks noGrp="1"/>
-          </p:cNvSpPr>
-          <p:nvPr>
-            <p:ph type="sldNum" sz="quarter" idx="12"/>
-          </p:nvPr>
-        </p:nvSpPr>
-        <p:spPr/>
-        <p:txBody>
-          <a:bodyPr/>
-          <a:lstStyle/>
-          <a:p>
-            <a:fld id="{9FAB18EA-D421-4479-A48C-D4262B204458}" type="slidenum">
-              <a:rPr lang="ru-RU" smtClean="0"/>
-              <a:t>7</a:t>
-            </a:fld>
-            <a:endParaRPr lang="ru-RU"/>
-          </a:p>
-        </p:txBody>
-      </p:sp>
-      <p:sp>
-        <p:nvSpPr>
-          <p:cNvPr id="2" name="TextBox 1"/>
+          <p:cNvPr id="22" name="TextBox 21"/>
           <p:cNvSpPr txBox="1"/>
           <p:nvPr/>
         </p:nvSpPr>
         <p:spPr>
           <a:xfrm>
-            <a:off x="4283242" y="1621684"/>
-            <a:ext cx="1967948" cy="1477328"/>
+            <a:off x="7095316" y="6083403"/>
+            <a:ext cx="3534508" cy="461665"/>
           </a:xfrm>
           <a:prstGeom prst="rect">
             <a:avLst/>
@@ -15013,19 +15358,39 @@
           </a:bodyPr>
           <a:lstStyle/>
           <a:p>
-            <a:r>
-              <a:rPr lang="ru-RU" dirty="0" smtClean="0">
-                <a:solidFill>
-                  <a:srgbClr val="FF0000"/>
-                </a:solidFill>
-              </a:rPr>
-              <a:t>Добавить про объемный разряд изображение свечения и параметры</a:t>
-            </a:r>
-            <a:endParaRPr lang="ru-RU" dirty="0">
-              <a:solidFill>
-                <a:srgbClr val="FF0000"/>
-              </a:solidFill>
-            </a:endParaRPr>
+            <a:pPr algn="ctr"/>
+            <a:r>
+              <a:rPr lang="ru-RU" sz="1200" dirty="0" smtClean="0"/>
+              <a:t>Свечение объемного разряда (а) – с УВ число Маха 3,2</a:t>
+            </a:r>
+            <a:r>
+              <a:rPr lang="en-US" sz="1200" dirty="0" smtClean="0"/>
+              <a:t>;</a:t>
+            </a:r>
+            <a:r>
+              <a:rPr lang="ru-RU" sz="1200" dirty="0" smtClean="0"/>
+              <a:t> (б) – неподвижный воздух 0.04 </a:t>
+            </a:r>
+            <a:r>
+              <a:rPr lang="ru-RU" sz="1200" dirty="0"/>
+              <a:t>кг</a:t>
+            </a:r>
+            <a:r>
+              <a:rPr lang="en-US" sz="1200" dirty="0"/>
+              <a:t>/</a:t>
+            </a:r>
+            <a:r>
+              <a:rPr lang="ru-RU" sz="1200" dirty="0"/>
+              <a:t>м</a:t>
+            </a:r>
+            <a:r>
+              <a:rPr lang="ru-RU" sz="1200" baseline="30000" dirty="0"/>
+              <a:t>3</a:t>
+            </a:r>
+            <a:r>
+              <a:rPr lang="ru-RU" sz="1200" dirty="0"/>
+              <a:t> </a:t>
+            </a:r>
           </a:p>
         </p:txBody>
       </p:sp>
@@ -15078,7 +15443,7 @@
         </p:nvSpPr>
         <p:spPr>
           <a:xfrm>
-            <a:off x="838200" y="360155"/>
+            <a:off x="847868" y="5710"/>
             <a:ext cx="10515600" cy="1325563"/>
           </a:xfrm>
         </p:spPr>
@@ -15092,7 +15457,13 @@
               <a:rPr lang="ru-RU" sz="3600" b="1" u="sng" dirty="0" smtClean="0">
                 <a:latin typeface="Arial Black" panose="020B0A04020102020204" pitchFamily="34" charset="0"/>
               </a:rPr>
-              <a:t>Схема течения в разрядной секции</a:t>
+              <a:t>Течение </a:t>
+            </a:r>
+            <a:r>
+              <a:rPr lang="ru-RU" sz="3600" b="1" u="sng" dirty="0" smtClean="0">
+                <a:latin typeface="Arial Black" panose="020B0A04020102020204" pitchFamily="34" charset="0"/>
+              </a:rPr>
+              <a:t>в разрядной секции</a:t>
             </a:r>
             <a:endParaRPr lang="ru-RU" sz="3600" b="1" u="sng" dirty="0">
               <a:latin typeface="Arial Black" panose="020B0A04020102020204" pitchFamily="34" charset="0"/>
@@ -15131,7 +15502,7 @@
         </p:nvGrpSpPr>
         <p:grpSpPr>
           <a:xfrm>
-            <a:off x="60035" y="2632986"/>
+            <a:off x="267577" y="2566302"/>
             <a:ext cx="7506877" cy="2399510"/>
             <a:chOff x="263474" y="1946087"/>
             <a:chExt cx="8340974" cy="2666122"/>
@@ -19397,16 +19768,211 @@
           </p:sp>
         </p:grpSp>
       </p:grpSp>
+      <p:grpSp>
+        <p:nvGrpSpPr>
+          <p:cNvPr id="68" name="Группа 67"/>
+          <p:cNvGrpSpPr/>
+          <p:nvPr/>
+        </p:nvGrpSpPr>
+        <p:grpSpPr>
+          <a:xfrm>
+            <a:off x="8256416" y="2038496"/>
+            <a:ext cx="3233574" cy="2871186"/>
+            <a:chOff x="2142392" y="1134208"/>
+            <a:chExt cx="5032131" cy="4378568"/>
+          </a:xfrm>
+        </p:grpSpPr>
+        <p:pic>
+          <p:nvPicPr>
+            <p:cNvPr id="69" name="Рисунок 68"/>
+            <p:cNvPicPr>
+              <a:picLocks noChangeAspect="1"/>
+            </p:cNvPicPr>
+            <p:nvPr/>
+          </p:nvPicPr>
+          <p:blipFill>
+            <a:blip r:embed="rId2">
+              <a:extLst>
+                <a:ext uri="{28A0092B-C50C-407E-A947-70E740481C1C}">
+                  <a14:useLocalDpi xmlns:a14="http://schemas.microsoft.com/office/drawing/2010/main" val="0"/>
+                </a:ext>
+              </a:extLst>
+            </a:blip>
+            <a:stretch>
+              <a:fillRect/>
+            </a:stretch>
+          </p:blipFill>
+          <p:spPr>
+            <a:xfrm>
+              <a:off x="2142392" y="1134208"/>
+              <a:ext cx="2438400" cy="1371600"/>
+            </a:xfrm>
+            <a:prstGeom prst="rect">
+              <a:avLst/>
+            </a:prstGeom>
+          </p:spPr>
+        </p:pic>
+        <p:pic>
+          <p:nvPicPr>
+            <p:cNvPr id="70" name="Рисунок 69"/>
+            <p:cNvPicPr>
+              <a:picLocks noChangeAspect="1"/>
+            </p:cNvPicPr>
+            <p:nvPr/>
+          </p:nvPicPr>
+          <p:blipFill>
+            <a:blip r:embed="rId3">
+              <a:extLst>
+                <a:ext uri="{28A0092B-C50C-407E-A947-70E740481C1C}">
+                  <a14:useLocalDpi xmlns:a14="http://schemas.microsoft.com/office/drawing/2010/main" val="0"/>
+                </a:ext>
+              </a:extLst>
+            </a:blip>
+            <a:stretch>
+              <a:fillRect/>
+            </a:stretch>
+          </p:blipFill>
+          <p:spPr>
+            <a:xfrm>
+              <a:off x="4736123" y="1134208"/>
+              <a:ext cx="2438400" cy="1371600"/>
+            </a:xfrm>
+            <a:prstGeom prst="rect">
+              <a:avLst/>
+            </a:prstGeom>
+          </p:spPr>
+        </p:pic>
+        <p:pic>
+          <p:nvPicPr>
+            <p:cNvPr id="71" name="Рисунок 70"/>
+            <p:cNvPicPr>
+              <a:picLocks noChangeAspect="1"/>
+            </p:cNvPicPr>
+            <p:nvPr/>
+          </p:nvPicPr>
+          <p:blipFill>
+            <a:blip r:embed="rId4">
+              <a:extLst>
+                <a:ext uri="{28A0092B-C50C-407E-A947-70E740481C1C}">
+                  <a14:useLocalDpi xmlns:a14="http://schemas.microsoft.com/office/drawing/2010/main" val="0"/>
+                </a:ext>
+              </a:extLst>
+            </a:blip>
+            <a:stretch>
+              <a:fillRect/>
+            </a:stretch>
+          </p:blipFill>
+          <p:spPr>
+            <a:xfrm>
+              <a:off x="2142392" y="2637692"/>
+              <a:ext cx="2438400" cy="1371600"/>
+            </a:xfrm>
+            <a:prstGeom prst="rect">
+              <a:avLst/>
+            </a:prstGeom>
+          </p:spPr>
+        </p:pic>
+        <p:pic>
+          <p:nvPicPr>
+            <p:cNvPr id="72" name="Рисунок 71"/>
+            <p:cNvPicPr>
+              <a:picLocks noChangeAspect="1"/>
+            </p:cNvPicPr>
+            <p:nvPr/>
+          </p:nvPicPr>
+          <p:blipFill>
+            <a:blip r:embed="rId5">
+              <a:extLst>
+                <a:ext uri="{28A0092B-C50C-407E-A947-70E740481C1C}">
+                  <a14:useLocalDpi xmlns:a14="http://schemas.microsoft.com/office/drawing/2010/main" val="0"/>
+                </a:ext>
+              </a:extLst>
+            </a:blip>
+            <a:stretch>
+              <a:fillRect/>
+            </a:stretch>
+          </p:blipFill>
+          <p:spPr>
+            <a:xfrm>
+              <a:off x="4736123" y="2637692"/>
+              <a:ext cx="2438400" cy="1371600"/>
+            </a:xfrm>
+            <a:prstGeom prst="rect">
+              <a:avLst/>
+            </a:prstGeom>
+          </p:spPr>
+        </p:pic>
+        <p:pic>
+          <p:nvPicPr>
+            <p:cNvPr id="73" name="Рисунок 72"/>
+            <p:cNvPicPr>
+              <a:picLocks noChangeAspect="1"/>
+            </p:cNvPicPr>
+            <p:nvPr/>
+          </p:nvPicPr>
+          <p:blipFill>
+            <a:blip r:embed="rId6">
+              <a:extLst>
+                <a:ext uri="{28A0092B-C50C-407E-A947-70E740481C1C}">
+                  <a14:useLocalDpi xmlns:a14="http://schemas.microsoft.com/office/drawing/2010/main" val="0"/>
+                </a:ext>
+              </a:extLst>
+            </a:blip>
+            <a:stretch>
+              <a:fillRect/>
+            </a:stretch>
+          </p:blipFill>
+          <p:spPr>
+            <a:xfrm>
+              <a:off x="2142392" y="4141176"/>
+              <a:ext cx="2438400" cy="1371600"/>
+            </a:xfrm>
+            <a:prstGeom prst="rect">
+              <a:avLst/>
+            </a:prstGeom>
+          </p:spPr>
+        </p:pic>
+        <p:pic>
+          <p:nvPicPr>
+            <p:cNvPr id="74" name="Рисунок 73"/>
+            <p:cNvPicPr>
+              <a:picLocks noChangeAspect="1"/>
+            </p:cNvPicPr>
+            <p:nvPr/>
+          </p:nvPicPr>
+          <p:blipFill>
+            <a:blip r:embed="rId7">
+              <a:extLst>
+                <a:ext uri="{28A0092B-C50C-407E-A947-70E740481C1C}">
+                  <a14:useLocalDpi xmlns:a14="http://schemas.microsoft.com/office/drawing/2010/main" val="0"/>
+                </a:ext>
+              </a:extLst>
+            </a:blip>
+            <a:stretch>
+              <a:fillRect/>
+            </a:stretch>
+          </p:blipFill>
+          <p:spPr>
+            <a:xfrm>
+              <a:off x="4736123" y="4141176"/>
+              <a:ext cx="2438400" cy="1371600"/>
+            </a:xfrm>
+            <a:prstGeom prst="rect">
+              <a:avLst/>
+            </a:prstGeom>
+          </p:spPr>
+        </p:pic>
+      </p:grpSp>
       <p:sp>
         <p:nvSpPr>
-          <p:cNvPr id="3" name="TextBox 2"/>
+          <p:cNvPr id="5" name="TextBox 4"/>
           <p:cNvSpPr txBox="1"/>
           <p:nvPr/>
         </p:nvSpPr>
         <p:spPr>
           <a:xfrm>
-            <a:off x="1138030" y="1774135"/>
-            <a:ext cx="3071192" cy="646331"/>
+            <a:off x="2082805" y="5177384"/>
+            <a:ext cx="3394431" cy="338554"/>
           </a:xfrm>
           <a:prstGeom prst="rect">
             <a:avLst/>
@@ -19419,23 +19985,25 @@
           </a:bodyPr>
           <a:lstStyle/>
           <a:p>
-            <a:r>
-              <a:rPr lang="ru-RU" dirty="0" smtClean="0"/>
-              <a:t>Схемы течения и теневые изображения</a:t>
-            </a:r>
+            <a:pPr algn="ctr"/>
+            <a:r>
+              <a:rPr lang="ru-RU" sz="1600" i="1" u="sng" dirty="0" smtClean="0"/>
+              <a:t>Схема течения в разрядной камере</a:t>
+            </a:r>
+            <a:endParaRPr lang="ru-RU" sz="1600" i="1" u="sng" dirty="0"/>
           </a:p>
         </p:txBody>
       </p:sp>
       <p:sp>
         <p:nvSpPr>
-          <p:cNvPr id="67" name="TextBox 66"/>
+          <p:cNvPr id="6" name="TextBox 5"/>
           <p:cNvSpPr txBox="1"/>
           <p:nvPr/>
         </p:nvSpPr>
         <p:spPr>
           <a:xfrm>
-            <a:off x="7866822" y="1625048"/>
-            <a:ext cx="2544417" cy="646331"/>
+            <a:off x="8213798" y="5023495"/>
+            <a:ext cx="3418624" cy="984885"/>
           </a:xfrm>
           <a:prstGeom prst="rect">
             <a:avLst/>
@@ -19448,11 +20016,23 @@
           </a:bodyPr>
           <a:lstStyle/>
           <a:p>
-            <a:r>
-              <a:rPr lang="ru-RU" dirty="0" smtClean="0"/>
-              <a:t>Привести теневые изображения</a:t>
-            </a:r>
-            <a:endParaRPr lang="ru-RU" dirty="0"/>
+            <a:pPr algn="ctr"/>
+            <a:r>
+              <a:rPr lang="ru-RU" sz="1400" i="1" u="sng" dirty="0" smtClean="0"/>
+              <a:t>Динамика установления наклонной ударной волны</a:t>
+            </a:r>
+          </a:p>
+          <a:p>
+            <a:pPr algn="ctr"/>
+            <a:r>
+              <a:rPr lang="ru-RU" sz="1400" i="1" u="sng" dirty="0" smtClean="0"/>
+              <a:t>(фотоизображения в высокоскоростной камеры</a:t>
+            </a:r>
+            <a:r>
+              <a:rPr lang="ru-RU" sz="1600" i="1" u="sng" dirty="0" smtClean="0"/>
+              <a:t>)</a:t>
+            </a:r>
+            <a:endParaRPr lang="ru-RU" sz="1600" i="1" u="sng" dirty="0"/>
           </a:p>
         </p:txBody>
       </p:sp>
@@ -19495,7 +20075,930 @@
       </p:grpSpPr>
       <p:sp>
         <p:nvSpPr>
-          <p:cNvPr id="4" name="Номер слайда 3"/>
+          <p:cNvPr id="4" name="Заголовок 1"/>
+          <p:cNvSpPr>
+            <a:spLocks noGrp="1"/>
+          </p:cNvSpPr>
+          <p:nvPr>
+            <p:ph type="title"/>
+          </p:nvPr>
+        </p:nvSpPr>
+        <p:spPr>
+          <a:xfrm>
+            <a:off x="838200" y="0"/>
+            <a:ext cx="10515600" cy="1325563"/>
+          </a:xfrm>
+        </p:spPr>
+        <p:txBody>
+          <a:bodyPr>
+            <a:normAutofit/>
+          </a:bodyPr>
+          <a:lstStyle/>
+          <a:p>
+            <a:r>
+              <a:rPr lang="ru-RU" sz="3600" b="1" u="sng" dirty="0" smtClean="0">
+                <a:latin typeface="Arial Black" panose="020B0A04020102020204" pitchFamily="34" charset="0"/>
+              </a:rPr>
+              <a:t>Спектры излучения</a:t>
+            </a:r>
+            <a:endParaRPr lang="ru-RU" sz="3600" b="1" u="sng" dirty="0">
+              <a:latin typeface="Arial Black" panose="020B0A04020102020204" pitchFamily="34" charset="0"/>
+            </a:endParaRPr>
+          </a:p>
+        </p:txBody>
+      </p:sp>
+      <p:grpSp>
+        <p:nvGrpSpPr>
+          <p:cNvPr id="34" name="Группа 33"/>
+          <p:cNvGrpSpPr/>
+          <p:nvPr/>
+        </p:nvGrpSpPr>
+        <p:grpSpPr>
+          <a:xfrm>
+            <a:off x="994611" y="1262462"/>
+            <a:ext cx="6770307" cy="5106254"/>
+            <a:chOff x="2646656" y="1294546"/>
+            <a:chExt cx="6931267" cy="5198450"/>
+          </a:xfrm>
+        </p:grpSpPr>
+        <p:pic>
+          <p:nvPicPr>
+            <p:cNvPr id="5" name="Рисунок 4"/>
+            <p:cNvPicPr>
+              <a:picLocks noChangeAspect="1"/>
+            </p:cNvPicPr>
+            <p:nvPr/>
+          </p:nvPicPr>
+          <p:blipFill>
+            <a:blip r:embed="rId2">
+              <a:extLst>
+                <a:ext uri="{28A0092B-C50C-407E-A947-70E740481C1C}">
+                  <a14:useLocalDpi xmlns:a14="http://schemas.microsoft.com/office/drawing/2010/main" val="0"/>
+                </a:ext>
+              </a:extLst>
+            </a:blip>
+            <a:stretch>
+              <a:fillRect/>
+            </a:stretch>
+          </p:blipFill>
+          <p:spPr>
+            <a:xfrm>
+              <a:off x="2646656" y="1294546"/>
+              <a:ext cx="6931267" cy="5198450"/>
+            </a:xfrm>
+            <a:prstGeom prst="rect">
+              <a:avLst/>
+            </a:prstGeom>
+          </p:spPr>
+        </p:pic>
+        <p:grpSp>
+          <p:nvGrpSpPr>
+            <p:cNvPr id="19" name="Группа 18"/>
+            <p:cNvGrpSpPr/>
+            <p:nvPr/>
+          </p:nvGrpSpPr>
+          <p:grpSpPr>
+            <a:xfrm>
+              <a:off x="4076674" y="1858132"/>
+              <a:ext cx="3838703" cy="3491640"/>
+              <a:chOff x="4205011" y="1039985"/>
+              <a:chExt cx="3838703" cy="3491640"/>
+            </a:xfrm>
+          </p:grpSpPr>
+          <p:sp>
+            <p:nvSpPr>
+              <p:cNvPr id="6" name="Правая фигурная скобка 5"/>
+              <p:cNvSpPr/>
+              <p:nvPr/>
+            </p:nvSpPr>
+            <p:spPr>
+              <a:xfrm rot="16200000">
+                <a:off x="4839943" y="1027047"/>
+                <a:ext cx="220263" cy="1072651"/>
+              </a:xfrm>
+              <a:prstGeom prst="rightBrace">
+                <a:avLst/>
+              </a:prstGeom>
+            </p:spPr>
+            <p:style>
+              <a:lnRef idx="1">
+                <a:schemeClr val="dk1"/>
+              </a:lnRef>
+              <a:fillRef idx="0">
+                <a:schemeClr val="dk1"/>
+              </a:fillRef>
+              <a:effectRef idx="0">
+                <a:schemeClr val="dk1"/>
+              </a:effectRef>
+              <a:fontRef idx="minor">
+                <a:schemeClr val="tx1"/>
+              </a:fontRef>
+            </p:style>
+            <p:txBody>
+              <a:bodyPr rtlCol="0" anchor="ctr"/>
+              <a:lstStyle/>
+              <a:p>
+                <a:pPr algn="ctr"/>
+                <a:endParaRPr lang="ru-RU"/>
+              </a:p>
+            </p:txBody>
+          </p:sp>
+          <mc:AlternateContent xmlns:mc="http://schemas.openxmlformats.org/markup-compatibility/2006" xmlns:a14="http://schemas.microsoft.com/office/drawing/2010/main">
+            <mc:Choice Requires="a14">
+              <p:sp>
+                <p:nvSpPr>
+                  <p:cNvPr id="7" name="TextBox 6"/>
+                  <p:cNvSpPr txBox="1"/>
+                  <p:nvPr/>
+                </p:nvSpPr>
+                <p:spPr>
+                  <a:xfrm>
+                    <a:off x="4205011" y="1039985"/>
+                    <a:ext cx="1490126" cy="413013"/>
+                  </a:xfrm>
+                  <a:prstGeom prst="rect">
+                    <a:avLst/>
+                  </a:prstGeom>
+                  <a:noFill/>
+                </p:spPr>
+                <p:txBody>
+                  <a:bodyPr wrap="square" rtlCol="0">
+                    <a:spAutoFit/>
+                  </a:bodyPr>
+                  <a:lstStyle/>
+                  <a:p>
+                    <a:pPr/>
+                    <a14:m>
+                      <m:oMathPara xmlns:m="http://schemas.openxmlformats.org/officeDocument/2006/math">
+                        <m:oMathParaPr>
+                          <m:jc m:val="centerGroup"/>
+                        </m:oMathParaPr>
+                        <m:oMath xmlns:m="http://schemas.openxmlformats.org/officeDocument/2006/math">
+                          <m:sSup>
+                            <m:sSupPr>
+                              <m:ctrlPr>
+                                <a:rPr lang="ru-RU" sz="1600" i="1" smtClean="0">
+                                  <a:latin typeface="Cambria Math" panose="02040503050406030204" pitchFamily="18" charset="0"/>
+                                </a:rPr>
+                              </m:ctrlPr>
+                            </m:sSupPr>
+                            <m:e>
+                              <m:sSubSup>
+                                <m:sSubSupPr>
+                                  <m:ctrlPr>
+                                    <a:rPr lang="ru-RU" sz="1600" i="1">
+                                      <a:latin typeface="Cambria Math" panose="02040503050406030204" pitchFamily="18" charset="0"/>
+                                    </a:rPr>
+                                  </m:ctrlPr>
+                                </m:sSubSupPr>
+                                <m:e>
+                                  <m:r>
+                                    <a:rPr lang="en-US" sz="1600" i="1">
+                                      <a:latin typeface="Cambria Math"/>
+                                    </a:rPr>
+                                    <m:t>𝑁</m:t>
+                                  </m:r>
+                                </m:e>
+                                <m:sub>
+                                  <m:r>
+                                    <a:rPr lang="en-US" sz="1600" i="1">
+                                      <a:latin typeface="Cambria Math"/>
+                                    </a:rPr>
+                                    <m:t>2</m:t>
+                                  </m:r>
+                                </m:sub>
+                                <m:sup>
+                                  <m:r>
+                                    <a:rPr lang="ru-RU" sz="1600" b="0" i="1" smtClean="0">
+                                      <a:latin typeface="Cambria Math" panose="02040503050406030204" pitchFamily="18" charset="0"/>
+                                    </a:rPr>
+                                    <m:t>+</m:t>
+                                  </m:r>
+                                </m:sup>
+                              </m:sSubSup>
+                            </m:e>
+                            <m:sup/>
+                          </m:sSup>
+                          <m:r>
+                            <a:rPr lang="en-US" sz="1600" b="0" i="1" smtClean="0">
+                              <a:latin typeface="Cambria Math"/>
+                            </a:rPr>
+                            <m:t>(</m:t>
+                          </m:r>
+                          <m:r>
+                            <a:rPr lang="en-US" sz="1600" b="0" i="1" smtClean="0">
+                              <a:latin typeface="Cambria Math"/>
+                            </a:rPr>
+                            <m:t>𝐶</m:t>
+                          </m:r>
+                          <m:r>
+                            <a:rPr lang="en-US" sz="1600" b="0" i="1" smtClean="0">
+                              <a:latin typeface="Cambria Math"/>
+                              <a:ea typeface="Cambria Math"/>
+                            </a:rPr>
+                            <m:t>→</m:t>
+                          </m:r>
+                          <m:r>
+                            <a:rPr lang="en-US" sz="1600" b="0" i="1" smtClean="0">
+                              <a:latin typeface="Cambria Math"/>
+                              <a:ea typeface="Cambria Math"/>
+                            </a:rPr>
+                            <m:t>𝐵</m:t>
+                          </m:r>
+                          <m:r>
+                            <a:rPr lang="en-US" sz="1600" b="0" i="1" smtClean="0">
+                              <a:latin typeface="Cambria Math"/>
+                              <a:ea typeface="Cambria Math"/>
+                            </a:rPr>
+                            <m:t>)</m:t>
+                          </m:r>
+                        </m:oMath>
+                      </m:oMathPara>
+                    </a14:m>
+                    <a:endParaRPr lang="ru-RU" sz="1600" dirty="0"/>
+                  </a:p>
+                </p:txBody>
+              </p:sp>
+            </mc:Choice>
+            <mc:Fallback xmlns="">
+              <p:sp>
+                <p:nvSpPr>
+                  <p:cNvPr id="7" name="TextBox 6"/>
+                  <p:cNvSpPr txBox="1">
+                    <a:spLocks noRot="1" noChangeAspect="1" noMove="1" noResize="1" noEditPoints="1" noAdjustHandles="1" noChangeArrowheads="1" noChangeShapeType="1" noTextEdit="1"/>
+                  </p:cNvSpPr>
+                  <p:nvPr/>
+                </p:nvSpPr>
+                <p:spPr>
+                  <a:xfrm>
+                    <a:off x="4205011" y="1039985"/>
+                    <a:ext cx="1490126" cy="413013"/>
+                  </a:xfrm>
+                  <a:prstGeom prst="rect">
+                    <a:avLst/>
+                  </a:prstGeom>
+                  <a:blipFill>
+                    <a:blip r:embed="rId3"/>
+                    <a:stretch>
+                      <a:fillRect b="-9091"/>
+                    </a:stretch>
+                  </a:blipFill>
+                </p:spPr>
+                <p:txBody>
+                  <a:bodyPr/>
+                  <a:lstStyle/>
+                  <a:p>
+                    <a:r>
+                      <a:rPr lang="ru-RU">
+                        <a:noFill/>
+                      </a:rPr>
+                      <a:t> </a:t>
+                    </a:r>
+                  </a:p>
+                </p:txBody>
+              </p:sp>
+            </mc:Fallback>
+          </mc:AlternateContent>
+          <p:cxnSp>
+            <p:nvCxnSpPr>
+              <p:cNvPr id="8" name="Прямая со стрелкой 7"/>
+              <p:cNvCxnSpPr/>
+              <p:nvPr/>
+            </p:nvCxnSpPr>
+            <p:spPr>
+              <a:xfrm flipH="1">
+                <a:off x="6533286" y="1617450"/>
+                <a:ext cx="520554" cy="382342"/>
+              </a:xfrm>
+              <a:prstGeom prst="straightConnector1">
+                <a:avLst/>
+              </a:prstGeom>
+              <a:ln>
+                <a:tailEnd type="arrow"/>
+              </a:ln>
+            </p:spPr>
+            <p:style>
+              <a:lnRef idx="1">
+                <a:schemeClr val="dk1"/>
+              </a:lnRef>
+              <a:fillRef idx="0">
+                <a:schemeClr val="dk1"/>
+              </a:fillRef>
+              <a:effectRef idx="0">
+                <a:schemeClr val="dk1"/>
+              </a:effectRef>
+              <a:fontRef idx="minor">
+                <a:schemeClr val="tx1"/>
+              </a:fontRef>
+            </p:style>
+          </p:cxnSp>
+          <p:cxnSp>
+            <p:nvCxnSpPr>
+              <p:cNvPr id="9" name="Прямая со стрелкой 8"/>
+              <p:cNvCxnSpPr>
+                <a:stCxn id="24" idx="2"/>
+              </p:cNvCxnSpPr>
+              <p:nvPr/>
+            </p:nvCxnSpPr>
+            <p:spPr>
+              <a:xfrm flipH="1">
+                <a:off x="5460636" y="1528854"/>
+                <a:ext cx="592650" cy="1137385"/>
+              </a:xfrm>
+              <a:prstGeom prst="straightConnector1">
+                <a:avLst/>
+              </a:prstGeom>
+              <a:ln>
+                <a:tailEnd type="arrow"/>
+              </a:ln>
+            </p:spPr>
+            <p:style>
+              <a:lnRef idx="1">
+                <a:schemeClr val="dk1"/>
+              </a:lnRef>
+              <a:fillRef idx="0">
+                <a:schemeClr val="dk1"/>
+              </a:fillRef>
+              <a:effectRef idx="0">
+                <a:schemeClr val="dk1"/>
+              </a:effectRef>
+              <a:fontRef idx="minor">
+                <a:schemeClr val="tx1"/>
+              </a:fontRef>
+            </p:style>
+          </p:cxnSp>
+          <p:cxnSp>
+            <p:nvCxnSpPr>
+              <p:cNvPr id="10" name="Прямая со стрелкой 9"/>
+              <p:cNvCxnSpPr/>
+              <p:nvPr/>
+            </p:nvCxnSpPr>
+            <p:spPr>
+              <a:xfrm flipH="1">
+                <a:off x="5960073" y="2666239"/>
+                <a:ext cx="47858" cy="765563"/>
+              </a:xfrm>
+              <a:prstGeom prst="straightConnector1">
+                <a:avLst/>
+              </a:prstGeom>
+              <a:ln>
+                <a:tailEnd type="arrow"/>
+              </a:ln>
+            </p:spPr>
+            <p:style>
+              <a:lnRef idx="1">
+                <a:schemeClr val="dk1"/>
+              </a:lnRef>
+              <a:fillRef idx="0">
+                <a:schemeClr val="dk1"/>
+              </a:fillRef>
+              <a:effectRef idx="0">
+                <a:schemeClr val="dk1"/>
+              </a:effectRef>
+              <a:fontRef idx="minor">
+                <a:schemeClr val="tx1"/>
+              </a:fontRef>
+            </p:style>
+          </p:cxnSp>
+          <p:cxnSp>
+            <p:nvCxnSpPr>
+              <p:cNvPr id="11" name="Прямая со стрелкой 10"/>
+              <p:cNvCxnSpPr/>
+              <p:nvPr/>
+            </p:nvCxnSpPr>
+            <p:spPr>
+              <a:xfrm flipH="1">
+                <a:off x="7026050" y="3285642"/>
+                <a:ext cx="55578" cy="698500"/>
+              </a:xfrm>
+              <a:prstGeom prst="straightConnector1">
+                <a:avLst/>
+              </a:prstGeom>
+              <a:ln>
+                <a:tailEnd type="arrow"/>
+              </a:ln>
+            </p:spPr>
+            <p:style>
+              <a:lnRef idx="1">
+                <a:schemeClr val="dk1"/>
+              </a:lnRef>
+              <a:fillRef idx="0">
+                <a:schemeClr val="dk1"/>
+              </a:fillRef>
+              <a:effectRef idx="0">
+                <a:schemeClr val="dk1"/>
+              </a:effectRef>
+              <a:fontRef idx="minor">
+                <a:schemeClr val="tx1"/>
+              </a:fontRef>
+            </p:style>
+          </p:cxnSp>
+          <p:cxnSp>
+            <p:nvCxnSpPr>
+              <p:cNvPr id="12" name="Прямая со стрелкой 11"/>
+              <p:cNvCxnSpPr/>
+              <p:nvPr/>
+            </p:nvCxnSpPr>
+            <p:spPr>
+              <a:xfrm flipH="1">
+                <a:off x="6985099" y="3626985"/>
+                <a:ext cx="610945" cy="714314"/>
+              </a:xfrm>
+              <a:prstGeom prst="straightConnector1">
+                <a:avLst/>
+              </a:prstGeom>
+              <a:ln>
+                <a:tailEnd type="arrow"/>
+              </a:ln>
+            </p:spPr>
+            <p:style>
+              <a:lnRef idx="1">
+                <a:schemeClr val="dk1"/>
+              </a:lnRef>
+              <a:fillRef idx="0">
+                <a:schemeClr val="dk1"/>
+              </a:fillRef>
+              <a:effectRef idx="0">
+                <a:schemeClr val="dk1"/>
+              </a:effectRef>
+              <a:fontRef idx="minor">
+                <a:schemeClr val="tx1"/>
+              </a:fontRef>
+            </p:style>
+          </p:cxnSp>
+          <p:cxnSp>
+            <p:nvCxnSpPr>
+              <p:cNvPr id="13" name="Прямая со стрелкой 12"/>
+              <p:cNvCxnSpPr/>
+              <p:nvPr/>
+            </p:nvCxnSpPr>
+            <p:spPr>
+              <a:xfrm flipH="1">
+                <a:off x="7373573" y="3595660"/>
+                <a:ext cx="222471" cy="745638"/>
+              </a:xfrm>
+              <a:prstGeom prst="straightConnector1">
+                <a:avLst/>
+              </a:prstGeom>
+              <a:ln>
+                <a:tailEnd type="arrow"/>
+              </a:ln>
+            </p:spPr>
+            <p:style>
+              <a:lnRef idx="1">
+                <a:schemeClr val="dk1"/>
+              </a:lnRef>
+              <a:fillRef idx="0">
+                <a:schemeClr val="dk1"/>
+              </a:fillRef>
+              <a:effectRef idx="0">
+                <a:schemeClr val="dk1"/>
+              </a:effectRef>
+              <a:fontRef idx="minor">
+                <a:schemeClr val="tx1"/>
+              </a:fontRef>
+            </p:style>
+          </p:cxnSp>
+          <p:cxnSp>
+            <p:nvCxnSpPr>
+              <p:cNvPr id="14" name="Прямая со стрелкой 13"/>
+              <p:cNvCxnSpPr/>
+              <p:nvPr/>
+            </p:nvCxnSpPr>
+            <p:spPr>
+              <a:xfrm flipH="1">
+                <a:off x="7550378" y="3626985"/>
+                <a:ext cx="45666" cy="904640"/>
+              </a:xfrm>
+              <a:prstGeom prst="straightConnector1">
+                <a:avLst/>
+              </a:prstGeom>
+              <a:ln>
+                <a:tailEnd type="arrow"/>
+              </a:ln>
+            </p:spPr>
+            <p:style>
+              <a:lnRef idx="1">
+                <a:schemeClr val="dk1"/>
+              </a:lnRef>
+              <a:fillRef idx="0">
+                <a:schemeClr val="dk1"/>
+              </a:fillRef>
+              <a:effectRef idx="0">
+                <a:schemeClr val="dk1"/>
+              </a:effectRef>
+              <a:fontRef idx="minor">
+                <a:schemeClr val="tx1"/>
+              </a:fontRef>
+            </p:style>
+          </p:cxnSp>
+          <mc:AlternateContent xmlns:mc="http://schemas.openxmlformats.org/markup-compatibility/2006">
+            <mc:Choice xmlns:a14="http://schemas.microsoft.com/office/drawing/2010/main" Requires="a14">
+              <p:sp>
+                <p:nvSpPr>
+                  <p:cNvPr id="15" name="TextBox 14"/>
+                  <p:cNvSpPr txBox="1"/>
+                  <p:nvPr/>
+                </p:nvSpPr>
+                <p:spPr>
+                  <a:xfrm>
+                    <a:off x="6665598" y="1222375"/>
+                    <a:ext cx="807151" cy="376000"/>
+                  </a:xfrm>
+                  <a:prstGeom prst="rect">
+                    <a:avLst/>
+                  </a:prstGeom>
+                  <a:noFill/>
+                </p:spPr>
+                <p:txBody>
+                  <a:bodyPr wrap="square" rtlCol="0">
+                    <a:spAutoFit/>
+                  </a:bodyPr>
+                  <a:lstStyle/>
+                  <a:p>
+                    <a:pPr/>
+                    <a14:m>
+                      <m:oMathPara xmlns:m="http://schemas.openxmlformats.org/officeDocument/2006/math">
+                        <m:oMathParaPr>
+                          <m:jc m:val="centerGroup"/>
+                        </m:oMathParaPr>
+                        <m:oMath xmlns:m="http://schemas.openxmlformats.org/officeDocument/2006/math">
+                          <m:r>
+                            <m:rPr>
+                              <m:nor/>
+                            </m:rPr>
+                            <a:rPr lang="en-US" i="1">
+                              <a:latin typeface="Times New Roman" panose="02020603050405020304" pitchFamily="18" charset="0"/>
+                              <a:cs typeface="Times New Roman" panose="02020603050405020304" pitchFamily="18" charset="0"/>
+                            </a:rPr>
+                            <m:t>H</m:t>
+                          </m:r>
+                          <m:r>
+                            <m:rPr>
+                              <m:nor/>
+                            </m:rPr>
+                            <a:rPr lang="en-US" i="1" baseline="-25000">
+                              <a:sym typeface="Symbol" panose="05050102010706020507" pitchFamily="18" charset="2"/>
+                            </a:rPr>
+                            <m:t></m:t>
+                          </m:r>
+                        </m:oMath>
+                      </m:oMathPara>
+                    </a14:m>
+                    <a:endParaRPr lang="ru-RU" sz="2000" i="1" dirty="0"/>
+                  </a:p>
+                </p:txBody>
+              </p:sp>
+            </mc:Choice>
+            <mc:Fallback>
+              <p:sp>
+                <p:nvSpPr>
+                  <p:cNvPr id="15" name="TextBox 14"/>
+                  <p:cNvSpPr txBox="1">
+                    <a:spLocks noRot="1" noChangeAspect="1" noMove="1" noResize="1" noEditPoints="1" noAdjustHandles="1" noChangeArrowheads="1" noChangeShapeType="1" noTextEdit="1"/>
+                  </p:cNvSpPr>
+                  <p:nvPr/>
+                </p:nvSpPr>
+                <p:spPr>
+                  <a:xfrm>
+                    <a:off x="6665598" y="1222375"/>
+                    <a:ext cx="807151" cy="376000"/>
+                  </a:xfrm>
+                  <a:prstGeom prst="rect">
+                    <a:avLst/>
+                  </a:prstGeom>
+                  <a:blipFill>
+                    <a:blip r:embed="rId4"/>
+                    <a:stretch>
+                      <a:fillRect/>
+                    </a:stretch>
+                  </a:blipFill>
+                </p:spPr>
+                <p:txBody>
+                  <a:bodyPr/>
+                  <a:lstStyle/>
+                  <a:p>
+                    <a:r>
+                      <a:rPr lang="ru-RU">
+                        <a:noFill/>
+                      </a:rPr>
+                      <a:t> </a:t>
+                    </a:r>
+                  </a:p>
+                </p:txBody>
+              </p:sp>
+            </mc:Fallback>
+          </mc:AlternateContent>
+          <mc:AlternateContent xmlns:mc="http://schemas.openxmlformats.org/markup-compatibility/2006" xmlns:a14="http://schemas.microsoft.com/office/drawing/2010/main">
+            <mc:Choice Requires="a14">
+              <p:sp>
+                <p:nvSpPr>
+                  <p:cNvPr id="16" name="TextBox 15"/>
+                  <p:cNvSpPr txBox="1"/>
+                  <p:nvPr/>
+                </p:nvSpPr>
+                <p:spPr>
+                  <a:xfrm>
+                    <a:off x="5604355" y="2280364"/>
+                    <a:ext cx="807151" cy="310018"/>
+                  </a:xfrm>
+                  <a:prstGeom prst="rect">
+                    <a:avLst/>
+                  </a:prstGeom>
+                  <a:noFill/>
+                </p:spPr>
+                <p:txBody>
+                  <a:bodyPr wrap="square" rtlCol="0">
+                    <a:spAutoFit/>
+                  </a:bodyPr>
+                  <a:lstStyle/>
+                  <a:p>
+                    <a:pPr/>
+                    <a14:m>
+                      <m:oMathPara xmlns:m="http://schemas.openxmlformats.org/officeDocument/2006/math">
+                        <m:oMathParaPr>
+                          <m:jc m:val="centerGroup"/>
+                        </m:oMathParaPr>
+                        <m:oMath xmlns:m="http://schemas.openxmlformats.org/officeDocument/2006/math">
+                          <m:r>
+                            <a:rPr lang="en-US" sz="2000" b="0" i="1" smtClean="0">
+                              <a:latin typeface="Cambria Math"/>
+                            </a:rPr>
+                            <m:t>𝐶𝑢</m:t>
+                          </m:r>
+                        </m:oMath>
+                      </m:oMathPara>
+                    </a14:m>
+                    <a:endParaRPr lang="en-US" sz="2000" b="0" dirty="0" smtClean="0"/>
+                  </a:p>
+                </p:txBody>
+              </p:sp>
+            </mc:Choice>
+            <mc:Fallback xmlns="">
+              <p:sp>
+                <p:nvSpPr>
+                  <p:cNvPr id="16" name="TextBox 15"/>
+                  <p:cNvSpPr txBox="1">
+                    <a:spLocks noRot="1" noChangeAspect="1" noMove="1" noResize="1" noEditPoints="1" noAdjustHandles="1" noChangeArrowheads="1" noChangeShapeType="1" noTextEdit="1"/>
+                  </p:cNvSpPr>
+                  <p:nvPr/>
+                </p:nvSpPr>
+                <p:spPr>
+                  <a:xfrm>
+                    <a:off x="5604355" y="2280364"/>
+                    <a:ext cx="807151" cy="310018"/>
+                  </a:xfrm>
+                  <a:prstGeom prst="rect">
+                    <a:avLst/>
+                  </a:prstGeom>
+                  <a:blipFill>
+                    <a:blip r:embed="rId5"/>
+                    <a:stretch>
+                      <a:fillRect b="-22000"/>
+                    </a:stretch>
+                  </a:blipFill>
+                </p:spPr>
+                <p:txBody>
+                  <a:bodyPr/>
+                  <a:lstStyle/>
+                  <a:p>
+                    <a:r>
+                      <a:rPr lang="ru-RU">
+                        <a:noFill/>
+                      </a:rPr>
+                      <a:t> </a:t>
+                    </a:r>
+                  </a:p>
+                </p:txBody>
+              </p:sp>
+            </mc:Fallback>
+          </mc:AlternateContent>
+          <mc:AlternateContent xmlns:mc="http://schemas.openxmlformats.org/markup-compatibility/2006" xmlns:a14="http://schemas.microsoft.com/office/drawing/2010/main">
+            <mc:Choice Requires="a14">
+              <p:sp>
+                <p:nvSpPr>
+                  <p:cNvPr id="17" name="TextBox 16"/>
+                  <p:cNvSpPr txBox="1"/>
+                  <p:nvPr/>
+                </p:nvSpPr>
+                <p:spPr>
+                  <a:xfrm>
+                    <a:off x="6743227" y="2915550"/>
+                    <a:ext cx="807151" cy="310018"/>
+                  </a:xfrm>
+                  <a:prstGeom prst="rect">
+                    <a:avLst/>
+                  </a:prstGeom>
+                  <a:noFill/>
+                </p:spPr>
+                <p:txBody>
+                  <a:bodyPr wrap="square" rtlCol="0">
+                    <a:spAutoFit/>
+                  </a:bodyPr>
+                  <a:lstStyle/>
+                  <a:p>
+                    <a:pPr/>
+                    <a14:m>
+                      <m:oMathPara xmlns:m="http://schemas.openxmlformats.org/officeDocument/2006/math">
+                        <m:oMathParaPr>
+                          <m:jc m:val="centerGroup"/>
+                        </m:oMathParaPr>
+                        <m:oMath xmlns:m="http://schemas.openxmlformats.org/officeDocument/2006/math">
+                          <m:r>
+                            <a:rPr lang="en-US" sz="2000" b="0" i="1" smtClean="0">
+                              <a:latin typeface="Cambria Math"/>
+                            </a:rPr>
+                            <m:t>𝑂</m:t>
+                          </m:r>
+                        </m:oMath>
+                      </m:oMathPara>
+                    </a14:m>
+                    <a:endParaRPr lang="ru-RU" sz="2000" dirty="0"/>
+                  </a:p>
+                </p:txBody>
+              </p:sp>
+            </mc:Choice>
+            <mc:Fallback xmlns="">
+              <p:sp>
+                <p:nvSpPr>
+                  <p:cNvPr id="17" name="TextBox 16"/>
+                  <p:cNvSpPr txBox="1">
+                    <a:spLocks noRot="1" noChangeAspect="1" noMove="1" noResize="1" noEditPoints="1" noAdjustHandles="1" noChangeArrowheads="1" noChangeShapeType="1" noTextEdit="1"/>
+                  </p:cNvSpPr>
+                  <p:nvPr/>
+                </p:nvSpPr>
+                <p:spPr>
+                  <a:xfrm>
+                    <a:off x="6743227" y="2915550"/>
+                    <a:ext cx="807151" cy="310018"/>
+                  </a:xfrm>
+                  <a:prstGeom prst="rect">
+                    <a:avLst/>
+                  </a:prstGeom>
+                  <a:blipFill>
+                    <a:blip r:embed="rId6"/>
+                    <a:stretch>
+                      <a:fillRect b="-22000"/>
+                    </a:stretch>
+                  </a:blipFill>
+                </p:spPr>
+                <p:txBody>
+                  <a:bodyPr/>
+                  <a:lstStyle/>
+                  <a:p>
+                    <a:r>
+                      <a:rPr lang="ru-RU">
+                        <a:noFill/>
+                      </a:rPr>
+                      <a:t> </a:t>
+                    </a:r>
+                  </a:p>
+                </p:txBody>
+              </p:sp>
+            </mc:Fallback>
+          </mc:AlternateContent>
+          <mc:AlternateContent xmlns:mc="http://schemas.openxmlformats.org/markup-compatibility/2006" xmlns:a14="http://schemas.microsoft.com/office/drawing/2010/main">
+            <mc:Choice Requires="a14">
+              <p:sp>
+                <p:nvSpPr>
+                  <p:cNvPr id="18" name="TextBox 17"/>
+                  <p:cNvSpPr txBox="1"/>
+                  <p:nvPr/>
+                </p:nvSpPr>
+                <p:spPr>
+                  <a:xfrm>
+                    <a:off x="7236563" y="3285642"/>
+                    <a:ext cx="807151" cy="310018"/>
+                  </a:xfrm>
+                  <a:prstGeom prst="rect">
+                    <a:avLst/>
+                  </a:prstGeom>
+                  <a:noFill/>
+                </p:spPr>
+                <p:txBody>
+                  <a:bodyPr wrap="square" rtlCol="0">
+                    <a:spAutoFit/>
+                  </a:bodyPr>
+                  <a:lstStyle/>
+                  <a:p>
+                    <a:pPr/>
+                    <a14:m>
+                      <m:oMathPara xmlns:m="http://schemas.openxmlformats.org/officeDocument/2006/math">
+                        <m:oMathParaPr>
+                          <m:jc m:val="centerGroup"/>
+                        </m:oMathParaPr>
+                        <m:oMath xmlns:m="http://schemas.openxmlformats.org/officeDocument/2006/math">
+                          <m:r>
+                            <a:rPr lang="en-US" sz="2000" b="0" i="1" smtClean="0">
+                              <a:latin typeface="Cambria Math"/>
+                            </a:rPr>
+                            <m:t>𝑁</m:t>
+                          </m:r>
+                          <m:r>
+                            <a:rPr lang="en-US" sz="2000" b="0" i="1" smtClean="0">
+                              <a:latin typeface="Cambria Math"/>
+                            </a:rPr>
+                            <m:t> </m:t>
+                          </m:r>
+                          <m:r>
+                            <a:rPr lang="en-US" sz="2000" b="0" i="1" smtClean="0">
+                              <a:latin typeface="Cambria Math"/>
+                            </a:rPr>
+                            <m:t>𝐼</m:t>
+                          </m:r>
+                        </m:oMath>
+                      </m:oMathPara>
+                    </a14:m>
+                    <a:endParaRPr lang="ru-RU" sz="2000" dirty="0"/>
+                  </a:p>
+                </p:txBody>
+              </p:sp>
+            </mc:Choice>
+            <mc:Fallback xmlns="">
+              <p:sp>
+                <p:nvSpPr>
+                  <p:cNvPr id="18" name="TextBox 17"/>
+                  <p:cNvSpPr txBox="1">
+                    <a:spLocks noRot="1" noChangeAspect="1" noMove="1" noResize="1" noEditPoints="1" noAdjustHandles="1" noChangeArrowheads="1" noChangeShapeType="1" noTextEdit="1"/>
+                  </p:cNvSpPr>
+                  <p:nvPr/>
+                </p:nvSpPr>
+                <p:spPr>
+                  <a:xfrm>
+                    <a:off x="7236563" y="3285642"/>
+                    <a:ext cx="807151" cy="310018"/>
+                  </a:xfrm>
+                  <a:prstGeom prst="rect">
+                    <a:avLst/>
+                  </a:prstGeom>
+                  <a:blipFill>
+                    <a:blip r:embed="rId7"/>
+                    <a:stretch>
+                      <a:fillRect b="-22000"/>
+                    </a:stretch>
+                  </a:blipFill>
+                </p:spPr>
+                <p:txBody>
+                  <a:bodyPr/>
+                  <a:lstStyle/>
+                  <a:p>
+                    <a:r>
+                      <a:rPr lang="ru-RU">
+                        <a:noFill/>
+                      </a:rPr>
+                      <a:t> </a:t>
+                    </a:r>
+                  </a:p>
+                </p:txBody>
+              </p:sp>
+            </mc:Fallback>
+          </mc:AlternateContent>
+        </p:grpSp>
+      </p:grpSp>
+      <p:sp>
+        <p:nvSpPr>
+          <p:cNvPr id="37" name="TextBox 36"/>
+          <p:cNvSpPr txBox="1"/>
+          <p:nvPr/>
+        </p:nvSpPr>
+        <p:spPr>
+          <a:xfrm>
+            <a:off x="7657791" y="2913663"/>
+            <a:ext cx="4112338" cy="1600438"/>
+          </a:xfrm>
+          <a:prstGeom prst="rect">
+            <a:avLst/>
+          </a:prstGeom>
+          <a:noFill/>
+        </p:spPr>
+        <p:txBody>
+          <a:bodyPr wrap="square" rtlCol="0">
+            <a:spAutoFit/>
+          </a:bodyPr>
+          <a:lstStyle/>
+          <a:p>
+            <a:r>
+              <a:rPr lang="ru-RU" sz="2000" dirty="0" smtClean="0"/>
+              <a:t>Спектры излучения в воздушном потоке (1) и в неподвижном воздухе (2). Число Маха потока 1.42, плотность 0.10 </a:t>
+            </a:r>
+            <a:r>
+              <a:rPr lang="en-US" sz="2000" dirty="0" smtClean="0"/>
+              <a:t>kg/m</a:t>
+            </a:r>
+            <a:r>
+              <a:rPr lang="en-US" sz="2000" baseline="30000" dirty="0" smtClean="0"/>
+              <a:t>3</a:t>
+            </a:r>
+            <a:endParaRPr lang="ru-RU" sz="2000" dirty="0" smtClean="0"/>
+          </a:p>
+          <a:p>
+            <a:endParaRPr lang="ru-RU" dirty="0"/>
+          </a:p>
+        </p:txBody>
+      </p:sp>
+      <p:sp>
+        <p:nvSpPr>
+          <p:cNvPr id="2" name="Номер слайда 1"/>
           <p:cNvSpPr>
             <a:spLocks noGrp="1"/>
           </p:cNvSpPr>
@@ -19516,215 +21019,107 @@
           </a:p>
         </p:txBody>
       </p:sp>
-      <p:sp>
-        <p:nvSpPr>
-          <p:cNvPr id="5" name="Заголовок 1"/>
-          <p:cNvSpPr>
-            <a:spLocks noGrp="1"/>
-          </p:cNvSpPr>
-          <p:nvPr>
-            <p:ph type="title"/>
-          </p:nvPr>
-        </p:nvSpPr>
-        <p:spPr>
-          <a:xfrm>
-            <a:off x="838200" y="360155"/>
-            <a:ext cx="10515600" cy="1325563"/>
-          </a:xfrm>
-        </p:spPr>
-        <p:txBody>
-          <a:bodyPr>
-            <a:normAutofit/>
-          </a:bodyPr>
-          <a:lstStyle/>
-          <a:p>
-            <a:r>
-              <a:rPr lang="ru-RU" sz="3600" b="1" u="sng" dirty="0" smtClean="0">
-                <a:latin typeface="Arial Black" panose="020B0A04020102020204" pitchFamily="34" charset="0"/>
-              </a:rPr>
-              <a:t>Свечение и ток разряда</a:t>
-            </a:r>
-            <a:endParaRPr lang="ru-RU" sz="3600" b="1" u="sng" dirty="0">
-              <a:latin typeface="Arial Black" panose="020B0A04020102020204" pitchFamily="34" charset="0"/>
-            </a:endParaRPr>
-          </a:p>
-        </p:txBody>
-      </p:sp>
-      <p:sp>
-        <p:nvSpPr>
-          <p:cNvPr id="7" name="Прямоугольник 6"/>
-          <p:cNvSpPr/>
-          <p:nvPr/>
-        </p:nvSpPr>
-        <p:spPr>
-          <a:xfrm>
-            <a:off x="6671975" y="4699975"/>
-            <a:ext cx="5192634" cy="1323439"/>
-          </a:xfrm>
-          <a:prstGeom prst="rect">
-            <a:avLst/>
-          </a:prstGeom>
-        </p:spPr>
-        <p:txBody>
-          <a:bodyPr wrap="square">
-            <a:spAutoFit/>
-          </a:bodyPr>
-          <a:lstStyle/>
-          <a:p>
-            <a:pPr algn="ctr"/>
-            <a:r>
-              <a:rPr lang="ru-RU" sz="1600" b="1" dirty="0" smtClean="0">
-                <a:latin typeface="Times New Roman" panose="02020603050405020304" pitchFamily="18" charset="0"/>
-                <a:cs typeface="Times New Roman" panose="02020603050405020304" pitchFamily="18" charset="0"/>
-              </a:rPr>
-              <a:t>Свечение поверхностного скользящего разряда </a:t>
-            </a:r>
-            <a:r>
-              <a:rPr lang="ru-RU" sz="1600" dirty="0" smtClean="0">
-                <a:latin typeface="Times New Roman" panose="02020603050405020304" pitchFamily="18" charset="0"/>
-                <a:cs typeface="Times New Roman" panose="02020603050405020304" pitchFamily="18" charset="0"/>
-              </a:rPr>
-              <a:t>в потоке с косым скачком уплотнения (число Маха 1.37). </a:t>
-            </a:r>
-          </a:p>
-          <a:p>
-            <a:pPr lvl="0" algn="ctr"/>
-            <a:r>
-              <a:rPr lang="ru-RU" sz="1600" dirty="0" smtClean="0">
-                <a:latin typeface="Times New Roman" panose="02020603050405020304" pitchFamily="18" charset="0"/>
-                <a:cs typeface="Times New Roman" panose="02020603050405020304" pitchFamily="18" charset="0"/>
-              </a:rPr>
-              <a:t>Нижнее изображение получено через светофильтр, пропускающий излучение с длиной волны 405 </a:t>
-            </a:r>
-            <a:r>
-              <a:rPr lang="ru-RU" sz="1600" dirty="0" err="1" smtClean="0">
-                <a:latin typeface="Times New Roman" panose="02020603050405020304" pitchFamily="18" charset="0"/>
-                <a:cs typeface="Times New Roman" panose="02020603050405020304" pitchFamily="18" charset="0"/>
-              </a:rPr>
-              <a:t>нм</a:t>
-            </a:r>
-            <a:r>
-              <a:rPr lang="ru-RU" sz="1600" dirty="0" smtClean="0">
-                <a:latin typeface="Times New Roman" panose="02020603050405020304" pitchFamily="18" charset="0"/>
-                <a:cs typeface="Times New Roman" panose="02020603050405020304" pitchFamily="18" charset="0"/>
-              </a:rPr>
-              <a:t>. </a:t>
-            </a:r>
-            <a:r>
-              <a:rPr lang="ru-RU" sz="1600" i="1" dirty="0">
-                <a:latin typeface="Times New Roman" panose="02020603050405020304" pitchFamily="18" charset="0"/>
-                <a:cs typeface="Times New Roman" panose="02020603050405020304" pitchFamily="18" charset="0"/>
-              </a:rPr>
-              <a:t>Инициировался верхний плазменный лист</a:t>
-            </a:r>
-            <a:r>
-              <a:rPr lang="ru-RU" sz="1600" i="1" dirty="0" smtClean="0">
-                <a:latin typeface="Times New Roman" panose="02020603050405020304" pitchFamily="18" charset="0"/>
-                <a:cs typeface="Times New Roman" panose="02020603050405020304" pitchFamily="18" charset="0"/>
-              </a:rPr>
-              <a:t>.</a:t>
-            </a:r>
-            <a:endParaRPr lang="ru-RU" sz="1600" dirty="0">
-              <a:latin typeface="Times New Roman" panose="02020603050405020304" pitchFamily="18" charset="0"/>
-              <a:cs typeface="Times New Roman" panose="02020603050405020304" pitchFamily="18" charset="0"/>
-            </a:endParaRPr>
-          </a:p>
-        </p:txBody>
-      </p:sp>
-      <p:pic>
-        <p:nvPicPr>
-          <p:cNvPr id="8" name="Рисунок 7"/>
-          <p:cNvPicPr preferRelativeResize="0">
-            <a:picLocks noChangeAspect="1"/>
-          </p:cNvPicPr>
-          <p:nvPr/>
-        </p:nvPicPr>
-        <p:blipFill>
-          <a:blip r:embed="rId2"/>
-          <a:stretch>
-            <a:fillRect/>
-          </a:stretch>
-        </p:blipFill>
-        <p:spPr>
-          <a:xfrm>
-            <a:off x="7928796" y="2268686"/>
-            <a:ext cx="3825065" cy="1931282"/>
-          </a:xfrm>
-          <a:prstGeom prst="rect">
-            <a:avLst/>
-          </a:prstGeom>
-          <a:ln w="228600" cap="sq" cmpd="thickThin">
-            <a:solidFill>
-              <a:srgbClr val="000000"/>
-            </a:solidFill>
-            <a:prstDash val="solid"/>
-            <a:miter lim="800000"/>
-          </a:ln>
-          <a:effectLst>
-            <a:innerShdw blurRad="76200">
-              <a:srgbClr val="000000"/>
-            </a:innerShdw>
-          </a:effectLst>
-        </p:spPr>
-      </p:pic>
-      <p:sp>
-        <p:nvSpPr>
-          <p:cNvPr id="9" name="TextBox 8"/>
-          <p:cNvSpPr txBox="1"/>
-          <p:nvPr/>
-        </p:nvSpPr>
-        <p:spPr>
-          <a:xfrm>
-            <a:off x="2524539" y="1615109"/>
-            <a:ext cx="2469874" cy="646331"/>
-          </a:xfrm>
-          <a:prstGeom prst="rect">
-            <a:avLst/>
-          </a:prstGeom>
-          <a:noFill/>
-        </p:spPr>
-        <p:txBody>
-          <a:bodyPr wrap="square" rtlCol="0">
-            <a:spAutoFit/>
-          </a:bodyPr>
-          <a:lstStyle/>
-          <a:p>
-            <a:r>
-              <a:rPr lang="ru-RU" dirty="0" smtClean="0">
-                <a:solidFill>
-                  <a:srgbClr val="FF0000"/>
-                </a:solidFill>
-              </a:rPr>
-              <a:t>Фото свечения </a:t>
-            </a:r>
-            <a:r>
-              <a:rPr lang="ru-RU" baseline="-25000" dirty="0" smtClean="0">
-                <a:solidFill>
-                  <a:srgbClr val="FF0000"/>
-                </a:solidFill>
-              </a:rPr>
-              <a:t>+</a:t>
-            </a:r>
-            <a:r>
-              <a:rPr lang="ru-RU" dirty="0" smtClean="0">
-                <a:solidFill>
-                  <a:srgbClr val="FF0000"/>
-                </a:solidFill>
-              </a:rPr>
-              <a:t> осциллограммы</a:t>
-            </a:r>
-            <a:endParaRPr lang="ru-RU" dirty="0">
-              <a:solidFill>
-                <a:srgbClr val="FF0000"/>
-              </a:solidFill>
-            </a:endParaRPr>
-          </a:p>
-        </p:txBody>
-      </p:sp>
+      <mc:AlternateContent xmlns:mc="http://schemas.openxmlformats.org/markup-compatibility/2006">
+        <mc:Choice xmlns:a14="http://schemas.microsoft.com/office/drawing/2010/main" Requires="a14">
+          <p:sp>
+            <p:nvSpPr>
+              <p:cNvPr id="24" name="TextBox 23"/>
+              <p:cNvSpPr txBox="1"/>
+              <p:nvPr/>
+            </p:nvSpPr>
+            <p:spPr>
+              <a:xfrm>
+                <a:off x="3802570" y="1926920"/>
+                <a:ext cx="788407" cy="369332"/>
+              </a:xfrm>
+              <a:prstGeom prst="rect">
+                <a:avLst/>
+              </a:prstGeom>
+              <a:noFill/>
+            </p:spPr>
+            <p:txBody>
+              <a:bodyPr wrap="square" rtlCol="0">
+                <a:spAutoFit/>
+              </a:bodyPr>
+              <a:lstStyle/>
+              <a:p>
+                <a:pPr/>
+                <a14:m>
+                  <m:oMathPara xmlns:m="http://schemas.openxmlformats.org/officeDocument/2006/math">
+                    <m:oMathParaPr>
+                      <m:jc m:val="centerGroup"/>
+                    </m:oMathParaPr>
+                    <m:oMath xmlns:m="http://schemas.openxmlformats.org/officeDocument/2006/math">
+                      <m:r>
+                        <m:rPr>
+                          <m:nor/>
+                        </m:rPr>
+                        <a:rPr lang="en-US" i="1">
+                          <a:latin typeface="Times New Roman" panose="02020603050405020304" pitchFamily="18" charset="0"/>
+                          <a:cs typeface="Times New Roman" panose="02020603050405020304" pitchFamily="18" charset="0"/>
+                        </a:rPr>
+                        <m:t>H</m:t>
+                      </m:r>
+                      <m:r>
+                        <m:rPr>
+                          <m:nor/>
+                        </m:rPr>
+                        <a:rPr lang="en-US" baseline="-25000">
+                          <a:sym typeface="Symbol" panose="05050102010706020507" pitchFamily="18" charset="2"/>
+                        </a:rPr>
+                        <m:t></m:t>
+                      </m:r>
+                    </m:oMath>
+                  </m:oMathPara>
+                </a14:m>
+                <a:endParaRPr lang="ru-RU" sz="2000" i="1" dirty="0"/>
+              </a:p>
+            </p:txBody>
+          </p:sp>
+        </mc:Choice>
+        <mc:Fallback>
+          <p:sp>
+            <p:nvSpPr>
+              <p:cNvPr id="24" name="TextBox 23"/>
+              <p:cNvSpPr txBox="1">
+                <a:spLocks noRot="1" noChangeAspect="1" noMove="1" noResize="1" noEditPoints="1" noAdjustHandles="1" noChangeArrowheads="1" noChangeShapeType="1" noTextEdit="1"/>
+              </p:cNvSpPr>
+              <p:nvPr/>
+            </p:nvSpPr>
+            <p:spPr>
+              <a:xfrm>
+                <a:off x="3802570" y="1926920"/>
+                <a:ext cx="788407" cy="369332"/>
+              </a:xfrm>
+              <a:prstGeom prst="rect">
+                <a:avLst/>
+              </a:prstGeom>
+              <a:blipFill>
+                <a:blip r:embed="rId8"/>
+                <a:stretch>
+                  <a:fillRect b="-9836"/>
+                </a:stretch>
+              </a:blipFill>
+            </p:spPr>
+            <p:txBody>
+              <a:bodyPr/>
+              <a:lstStyle/>
+              <a:p>
+                <a:r>
+                  <a:rPr lang="ru-RU">
+                    <a:noFill/>
+                  </a:rPr>
+                  <a:t> </a:t>
+                </a:r>
+              </a:p>
+            </p:txBody>
+          </p:sp>
+        </mc:Fallback>
+      </mc:AlternateContent>
     </p:spTree>
     <p:extLst>
       <p:ext uri="{BB962C8B-B14F-4D97-AF65-F5344CB8AC3E}">
-        <p14:creationId xmlns:p14="http://schemas.microsoft.com/office/powerpoint/2010/main" val="2319609491"/>
+        <p14:creationId xmlns:p14="http://schemas.microsoft.com/office/powerpoint/2010/main" val="699643018"/>
       </p:ext>
     </p:extLst>
   </p:cSld>

--- a/МАГ.ДИСС/предзащита.pptx
+++ b/МАГ.ДИСС/предзащита.pptx
@@ -6643,7 +6643,7 @@
       </p:sp>
       <p:pic>
         <p:nvPicPr>
-          <p:cNvPr id="30" name="Рисунок 29"/>
+          <p:cNvPr id="39" name="Рисунок 38"/>
           <p:cNvPicPr>
             <a:picLocks noChangeAspect="1"/>
           </p:cNvPicPr>
@@ -6657,8 +6657,8 @@
         </p:blipFill>
         <p:spPr>
           <a:xfrm>
-            <a:off x="6975520" y="3921220"/>
-            <a:ext cx="3836959" cy="2770078"/>
+            <a:off x="6674696" y="2026082"/>
+            <a:ext cx="4679104" cy="3501829"/>
           </a:xfrm>
           <a:prstGeom prst="rect">
             <a:avLst/>
@@ -6667,7 +6667,7 @@
       </p:pic>
       <p:pic>
         <p:nvPicPr>
-          <p:cNvPr id="39" name="Рисунок 38"/>
+          <p:cNvPr id="30" name="Рисунок 29"/>
           <p:cNvPicPr>
             <a:picLocks noChangeAspect="1"/>
           </p:cNvPicPr>
@@ -6681,8 +6681,8 @@
         </p:blipFill>
         <p:spPr>
           <a:xfrm>
-            <a:off x="7060228" y="1278737"/>
-            <a:ext cx="3667545" cy="2744781"/>
+            <a:off x="6217311" y="1690688"/>
+            <a:ext cx="5661260" cy="4087125"/>
           </a:xfrm>
           <a:prstGeom prst="rect">
             <a:avLst/>
@@ -6702,7 +6702,75 @@
   <p:timing>
     <p:tnLst>
       <p:par>
-        <p:cTn id="1" dur="indefinite" restart="never" nodeType="tmRoot"/>
+        <p:cTn id="1" dur="indefinite" restart="never" nodeType="tmRoot">
+          <p:childTnLst>
+            <p:seq concurrent="1" nextAc="seek">
+              <p:cTn id="2" dur="indefinite" nodeType="mainSeq">
+                <p:childTnLst>
+                  <p:par>
+                    <p:cTn id="3" fill="hold">
+                      <p:stCondLst>
+                        <p:cond delay="indefinite"/>
+                      </p:stCondLst>
+                      <p:childTnLst>
+                        <p:par>
+                          <p:cTn id="4" fill="hold">
+                            <p:stCondLst>
+                              <p:cond delay="0"/>
+                            </p:stCondLst>
+                            <p:childTnLst>
+                              <p:par>
+                                <p:cTn id="5" presetID="1" presetClass="entr" presetSubtype="0" fill="hold" nodeType="clickEffect">
+                                  <p:stCondLst>
+                                    <p:cond delay="0"/>
+                                  </p:stCondLst>
+                                  <p:childTnLst>
+                                    <p:set>
+                                      <p:cBhvr>
+                                        <p:cTn id="6" dur="1" fill="hold">
+                                          <p:stCondLst>
+                                            <p:cond delay="0"/>
+                                          </p:stCondLst>
+                                        </p:cTn>
+                                        <p:tgtEl>
+                                          <p:spTgt spid="30"/>
+                                        </p:tgtEl>
+                                        <p:attrNameLst>
+                                          <p:attrName>style.visibility</p:attrName>
+                                        </p:attrNameLst>
+                                      </p:cBhvr>
+                                      <p:to>
+                                        <p:strVal val="visible"/>
+                                      </p:to>
+                                    </p:set>
+                                  </p:childTnLst>
+                                </p:cTn>
+                              </p:par>
+                            </p:childTnLst>
+                          </p:cTn>
+                        </p:par>
+                      </p:childTnLst>
+                    </p:cTn>
+                  </p:par>
+                </p:childTnLst>
+              </p:cTn>
+              <p:prevCondLst>
+                <p:cond evt="onPrev" delay="0">
+                  <p:tgtEl>
+                    <p:sldTgt/>
+                  </p:tgtEl>
+                </p:cond>
+              </p:prevCondLst>
+              <p:nextCondLst>
+                <p:cond evt="onNext" delay="0">
+                  <p:tgtEl>
+                    <p:sldTgt/>
+                  </p:tgtEl>
+                </p:cond>
+              </p:nextCondLst>
+            </p:seq>
+          </p:childTnLst>
+        </p:cTn>
       </p:par>
     </p:tnLst>
   </p:timing>
@@ -6726,182 +6794,6 @@
           <a:chExt cx="0" cy="0"/>
         </a:xfrm>
       </p:grpSpPr>
-      <p:pic>
-        <p:nvPicPr>
-          <p:cNvPr id="13" name="Рисунок 12"/>
-          <p:cNvPicPr>
-            <a:picLocks noChangeAspect="1"/>
-          </p:cNvPicPr>
-          <p:nvPr/>
-        </p:nvPicPr>
-        <p:blipFill>
-          <a:blip r:embed="rId2">
-            <a:extLst>
-              <a:ext uri="{28A0092B-C50C-407E-A947-70E740481C1C}">
-                <a14:useLocalDpi xmlns:a14="http://schemas.microsoft.com/office/drawing/2010/main" val="0"/>
-              </a:ext>
-            </a:extLst>
-          </a:blip>
-          <a:stretch>
-            <a:fillRect/>
-          </a:stretch>
-        </p:blipFill>
-        <p:spPr>
-          <a:xfrm>
-            <a:off x="6531743" y="1517375"/>
-            <a:ext cx="5744478" cy="4308359"/>
-          </a:xfrm>
-          <a:prstGeom prst="rect">
-            <a:avLst/>
-          </a:prstGeom>
-        </p:spPr>
-      </p:pic>
-      <p:cxnSp>
-        <p:nvCxnSpPr>
-          <p:cNvPr id="8" name="Прямая со стрелкой 7"/>
-          <p:cNvCxnSpPr/>
-          <p:nvPr/>
-        </p:nvCxnSpPr>
-        <p:spPr>
-          <a:xfrm>
-            <a:off x="7940842" y="2374244"/>
-            <a:ext cx="769222" cy="192493"/>
-          </a:xfrm>
-          <a:prstGeom prst="straightConnector1">
-            <a:avLst/>
-          </a:prstGeom>
-          <a:ln>
-            <a:tailEnd type="triangle"/>
-          </a:ln>
-        </p:spPr>
-        <p:style>
-          <a:lnRef idx="3">
-            <a:schemeClr val="dk1"/>
-          </a:lnRef>
-          <a:fillRef idx="0">
-            <a:schemeClr val="dk1"/>
-          </a:fillRef>
-          <a:effectRef idx="2">
-            <a:schemeClr val="dk1"/>
-          </a:effectRef>
-          <a:fontRef idx="minor">
-            <a:schemeClr val="tx1"/>
-          </a:fontRef>
-        </p:style>
-      </p:cxnSp>
-      <p:cxnSp>
-        <p:nvCxnSpPr>
-          <p:cNvPr id="9" name="Прямая со стрелкой 8"/>
-          <p:cNvCxnSpPr/>
-          <p:nvPr/>
-        </p:nvCxnSpPr>
-        <p:spPr>
-          <a:xfrm flipH="1">
-            <a:off x="10420141" y="3288632"/>
-            <a:ext cx="39312" cy="1439117"/>
-          </a:xfrm>
-          <a:prstGeom prst="straightConnector1">
-            <a:avLst/>
-          </a:prstGeom>
-          <a:ln>
-            <a:tailEnd type="triangle"/>
-          </a:ln>
-        </p:spPr>
-        <p:style>
-          <a:lnRef idx="3">
-            <a:schemeClr val="dk1"/>
-          </a:lnRef>
-          <a:fillRef idx="0">
-            <a:schemeClr val="dk1"/>
-          </a:fillRef>
-          <a:effectRef idx="2">
-            <a:schemeClr val="dk1"/>
-          </a:effectRef>
-          <a:fontRef idx="minor">
-            <a:schemeClr val="tx1"/>
-          </a:fontRef>
-        </p:style>
-      </p:cxnSp>
-      <p:sp>
-        <p:nvSpPr>
-          <p:cNvPr id="11" name="TextBox 10"/>
-          <p:cNvSpPr txBox="1"/>
-          <p:nvPr/>
-        </p:nvSpPr>
-        <p:spPr>
-          <a:xfrm>
-            <a:off x="7217105" y="1968052"/>
-            <a:ext cx="1445386" cy="461665"/>
-          </a:xfrm>
-          <a:prstGeom prst="rect">
-            <a:avLst/>
-          </a:prstGeom>
-          <a:noFill/>
-        </p:spPr>
-        <p:txBody>
-          <a:bodyPr wrap="square" rtlCol="0">
-            <a:spAutoFit/>
-          </a:bodyPr>
-          <a:lstStyle/>
-          <a:p>
-            <a:r>
-              <a:rPr lang="ru-RU" sz="2400" dirty="0" smtClean="0"/>
-              <a:t>N</a:t>
-            </a:r>
-            <a:r>
-              <a:rPr lang="ru-RU" sz="2400" baseline="-25000" dirty="0" smtClean="0"/>
-              <a:t>2</a:t>
-            </a:r>
-            <a:r>
-              <a:rPr lang="ru-RU" sz="2400" dirty="0" smtClean="0"/>
-              <a:t> (0-0)</a:t>
-            </a:r>
-            <a:endParaRPr lang="ru-RU" sz="2400" dirty="0"/>
-          </a:p>
-        </p:txBody>
-      </p:sp>
-      <p:sp>
-        <p:nvSpPr>
-          <p:cNvPr id="12" name="TextBox 11"/>
-          <p:cNvSpPr txBox="1"/>
-          <p:nvPr/>
-        </p:nvSpPr>
-        <p:spPr>
-          <a:xfrm>
-            <a:off x="9982200" y="2780435"/>
-            <a:ext cx="1383941" cy="461665"/>
-          </a:xfrm>
-          <a:prstGeom prst="rect">
-            <a:avLst/>
-          </a:prstGeom>
-          <a:noFill/>
-        </p:spPr>
-        <p:txBody>
-          <a:bodyPr wrap="square" rtlCol="0">
-            <a:spAutoFit/>
-          </a:bodyPr>
-          <a:lstStyle/>
-          <a:p>
-            <a:r>
-              <a:rPr lang="ru-RU" sz="2400" dirty="0"/>
-              <a:t>N</a:t>
-            </a:r>
-            <a:r>
-              <a:rPr lang="ru-RU" sz="2400" baseline="-25000" dirty="0"/>
-              <a:t>2</a:t>
-            </a:r>
-            <a:r>
-              <a:rPr lang="ru-RU" sz="2400" baseline="30000" dirty="0"/>
-              <a:t>+</a:t>
-            </a:r>
-            <a:r>
-              <a:rPr lang="ru-RU" sz="2400" dirty="0" smtClean="0"/>
-              <a:t>(0-0)</a:t>
-            </a:r>
-            <a:endParaRPr lang="ru-RU" sz="2400" dirty="0"/>
-          </a:p>
-        </p:txBody>
-      </p:sp>
       <p:sp>
         <p:nvSpPr>
           <p:cNvPr id="2" name="Номер слайда 1"/>
@@ -6933,8 +6825,8 @@
         </p:nvSpPr>
         <p:spPr>
           <a:xfrm>
-            <a:off x="1251019" y="5502568"/>
-            <a:ext cx="3104941" cy="646331"/>
+            <a:off x="7104103" y="4470022"/>
+            <a:ext cx="4068327" cy="830997"/>
           </a:xfrm>
           <a:prstGeom prst="rect">
             <a:avLst/>
@@ -6947,111 +6839,20 @@
           </a:bodyPr>
           <a:lstStyle/>
           <a:p>
-            <a:r>
-              <a:rPr lang="ru-RU" dirty="0" smtClean="0"/>
-              <a:t>Результаты полученные в потоке в диапазонах</a:t>
-            </a:r>
-            <a:endParaRPr lang="ru-RU" dirty="0"/>
-          </a:p>
-        </p:txBody>
-      </p:sp>
-      <p:pic>
-        <p:nvPicPr>
-          <p:cNvPr id="5" name="Рисунок 4"/>
-          <p:cNvPicPr>
-            <a:picLocks noChangeAspect="1"/>
-          </p:cNvPicPr>
-          <p:nvPr/>
-        </p:nvPicPr>
-        <p:blipFill rotWithShape="1">
-          <a:blip r:embed="rId3" cstate="print">
-            <a:extLst>
-              <a:ext uri="{28A0092B-C50C-407E-A947-70E740481C1C}">
-                <a14:useLocalDpi xmlns:a14="http://schemas.microsoft.com/office/drawing/2010/main" val="0"/>
-              </a:ext>
-            </a:extLst>
-          </a:blip>
-          <a:srcRect l="18802" t="66113" r="53634" b="6937"/>
-          <a:stretch/>
-        </p:blipFill>
-        <p:spPr>
-          <a:xfrm flipH="1">
-            <a:off x="452176" y="1649036"/>
-            <a:ext cx="2527162" cy="1642907"/>
-          </a:xfrm>
-          <a:prstGeom prst="rect">
-            <a:avLst/>
-          </a:prstGeom>
-        </p:spPr>
-      </p:pic>
-      <p:pic>
-        <p:nvPicPr>
-          <p:cNvPr id="7" name="Рисунок 6"/>
-          <p:cNvPicPr>
-            <a:picLocks noChangeAspect="1"/>
-          </p:cNvPicPr>
-          <p:nvPr/>
-        </p:nvPicPr>
-        <p:blipFill rotWithShape="1">
-          <a:blip r:embed="rId4" cstate="print">
-            <a:extLst>
-              <a:ext uri="{BEBA8EAE-BF5A-486C-A8C5-ECC9F3942E4B}">
-                <a14:imgProps xmlns:a14="http://schemas.microsoft.com/office/drawing/2010/main">
-                  <a14:imgLayer r:embed="rId5">
-                    <a14:imgEffect>
-                      <a14:sharpenSoften amount="-50000"/>
-                    </a14:imgEffect>
-                    <a14:imgEffect>
-                      <a14:brightnessContrast bright="40000" contrast="-40000"/>
-                    </a14:imgEffect>
-                  </a14:imgLayer>
-                </a14:imgProps>
-              </a:ext>
-              <a:ext uri="{28A0092B-C50C-407E-A947-70E740481C1C}">
-                <a14:useLocalDpi xmlns:a14="http://schemas.microsoft.com/office/drawing/2010/main" val="0"/>
-              </a:ext>
-            </a:extLst>
-          </a:blip>
-          <a:srcRect l="61266" t="70696" r="11335" b="4396"/>
-          <a:stretch/>
-        </p:blipFill>
-        <p:spPr>
-          <a:xfrm>
-            <a:off x="3277437" y="1649036"/>
-            <a:ext cx="2818563" cy="1708219"/>
-          </a:xfrm>
-          <a:prstGeom prst="rect">
-            <a:avLst/>
-          </a:prstGeom>
-        </p:spPr>
-      </p:pic>
-      <p:sp>
-        <p:nvSpPr>
-          <p:cNvPr id="10" name="TextBox 9"/>
-          <p:cNvSpPr txBox="1"/>
-          <p:nvPr/>
-        </p:nvSpPr>
-        <p:spPr>
-          <a:xfrm>
-            <a:off x="1436914" y="3431512"/>
-            <a:ext cx="2733152" cy="1477328"/>
-          </a:xfrm>
-          <a:prstGeom prst="rect">
-            <a:avLst/>
-          </a:prstGeom>
-          <a:noFill/>
-        </p:spPr>
-        <p:txBody>
-          <a:bodyPr wrap="square" rtlCol="0">
-            <a:spAutoFit/>
-          </a:bodyPr>
-          <a:lstStyle/>
-          <a:p>
-            <a:r>
-              <a:rPr lang="ru-RU" dirty="0" smtClean="0"/>
-              <a:t>Направление потока вправо. Один и тот же разряд разные фотоаппараты.  Поток 4,75 число Маха</a:t>
-            </a:r>
-            <a:endParaRPr lang="ru-RU" dirty="0"/>
+            <a:pPr algn="ctr"/>
+            <a:r>
+              <a:rPr lang="ru-RU" sz="1600" i="1" dirty="0" smtClean="0"/>
+              <a:t>Фотоизображения разряда в потоке (поток движется направо)</a:t>
+            </a:r>
+            <a:r>
+              <a:rPr lang="en-US" sz="1600" i="1" dirty="0" smtClean="0"/>
+              <a:t>; </a:t>
+            </a:r>
+            <a:r>
+              <a:rPr lang="ru-RU" sz="1600" i="1" dirty="0" smtClean="0"/>
+              <a:t>число Маха потока – 4.75</a:t>
+            </a:r>
+            <a:endParaRPr lang="ru-RU" sz="1600" i="1" dirty="0"/>
           </a:p>
         </p:txBody>
       </p:sp>
@@ -7089,44 +6890,222 @@
           </a:p>
         </p:txBody>
       </p:sp>
-      <p:sp>
-        <p:nvSpPr>
-          <p:cNvPr id="21" name="TextBox 20"/>
-          <p:cNvSpPr txBox="1"/>
+      <p:grpSp>
+        <p:nvGrpSpPr>
+          <p:cNvPr id="18" name="Группа 17"/>
+          <p:cNvGrpSpPr/>
           <p:nvPr/>
-        </p:nvSpPr>
+        </p:nvGrpSpPr>
+        <p:grpSpPr>
+          <a:xfrm>
+            <a:off x="6516285" y="2691753"/>
+            <a:ext cx="5141982" cy="1638000"/>
+            <a:chOff x="1429261" y="1603387"/>
+            <a:chExt cx="5141982" cy="1638000"/>
+          </a:xfrm>
+        </p:grpSpPr>
+        <p:grpSp>
+          <p:nvGrpSpPr>
+            <p:cNvPr id="19" name="Группа 18"/>
+            <p:cNvGrpSpPr/>
+            <p:nvPr/>
+          </p:nvGrpSpPr>
+          <p:grpSpPr>
+            <a:xfrm>
+              <a:off x="1429261" y="1603387"/>
+              <a:ext cx="5141982" cy="1638000"/>
+              <a:chOff x="452176" y="1649036"/>
+              <a:chExt cx="5141982" cy="1638000"/>
+            </a:xfrm>
+          </p:grpSpPr>
+          <p:pic>
+            <p:nvPicPr>
+              <p:cNvPr id="24" name="Рисунок 23"/>
+              <p:cNvPicPr>
+                <a:picLocks noChangeAspect="1"/>
+              </p:cNvPicPr>
+              <p:nvPr/>
+            </p:nvPicPr>
+            <p:blipFill rotWithShape="1">
+              <a:blip r:embed="rId2" cstate="print">
+                <a:extLst>
+                  <a:ext uri="{28A0092B-C50C-407E-A947-70E740481C1C}">
+                    <a14:useLocalDpi xmlns:a14="http://schemas.microsoft.com/office/drawing/2010/main" val="0"/>
+                  </a:ext>
+                </a:extLst>
+              </a:blip>
+              <a:srcRect l="18802" t="66113" r="53634" b="6937"/>
+              <a:stretch/>
+            </p:blipFill>
+            <p:spPr>
+              <a:xfrm flipH="1">
+                <a:off x="452176" y="1649036"/>
+                <a:ext cx="2519614" cy="1638000"/>
+              </a:xfrm>
+              <a:prstGeom prst="rect">
+                <a:avLst/>
+              </a:prstGeom>
+            </p:spPr>
+          </p:pic>
+          <p:pic>
+            <p:nvPicPr>
+              <p:cNvPr id="25" name="Рисунок 24"/>
+              <p:cNvPicPr>
+                <a:picLocks noChangeAspect="1"/>
+              </p:cNvPicPr>
+              <p:nvPr/>
+            </p:nvPicPr>
+            <p:blipFill rotWithShape="1">
+              <a:blip r:embed="rId3" cstate="print">
+                <a:extLst>
+                  <a:ext uri="{BEBA8EAE-BF5A-486C-A8C5-ECC9F3942E4B}">
+                    <a14:imgProps xmlns:a14="http://schemas.microsoft.com/office/drawing/2010/main">
+                      <a14:imgLayer r:embed="rId4">
+                        <a14:imgEffect>
+                          <a14:sharpenSoften amount="-50000"/>
+                        </a14:imgEffect>
+                        <a14:imgEffect>
+                          <a14:brightnessContrast bright="40000" contrast="-40000"/>
+                        </a14:imgEffect>
+                      </a14:imgLayer>
+                    </a14:imgProps>
+                  </a:ext>
+                  <a:ext uri="{28A0092B-C50C-407E-A947-70E740481C1C}">
+                    <a14:useLocalDpi xmlns:a14="http://schemas.microsoft.com/office/drawing/2010/main" val="0"/>
+                  </a:ext>
+                </a:extLst>
+              </a:blip>
+              <a:srcRect l="61266" t="70696" r="14057" b="4396"/>
+              <a:stretch/>
+            </p:blipFill>
+            <p:spPr>
+              <a:xfrm>
+                <a:off x="3074158" y="1649037"/>
+                <a:ext cx="2520000" cy="1610915"/>
+              </a:xfrm>
+              <a:prstGeom prst="rect">
+                <a:avLst/>
+              </a:prstGeom>
+            </p:spPr>
+          </p:pic>
+        </p:grpSp>
+        <p:sp>
+          <p:nvSpPr>
+            <p:cNvPr id="22" name="Стрелка вправо 21"/>
+            <p:cNvSpPr/>
+            <p:nvPr/>
+          </p:nvSpPr>
+          <p:spPr>
+            <a:xfrm>
+              <a:off x="3274167" y="1722871"/>
+              <a:ext cx="674708" cy="298938"/>
+            </a:xfrm>
+            <a:prstGeom prst="rightArrow">
+              <a:avLst/>
+            </a:prstGeom>
+            <a:solidFill>
+              <a:schemeClr val="accent3">
+                <a:alpha val="50000"/>
+              </a:schemeClr>
+            </a:solidFill>
+            <a:ln>
+              <a:noFill/>
+            </a:ln>
+          </p:spPr>
+          <p:style>
+            <a:lnRef idx="0">
+              <a:scrgbClr r="0" g="0" b="0"/>
+            </a:lnRef>
+            <a:fillRef idx="0">
+              <a:scrgbClr r="0" g="0" b="0"/>
+            </a:fillRef>
+            <a:effectRef idx="0">
+              <a:scrgbClr r="0" g="0" b="0"/>
+            </a:effectRef>
+            <a:fontRef idx="minor">
+              <a:schemeClr val="lt1"/>
+            </a:fontRef>
+          </p:style>
+          <p:txBody>
+            <a:bodyPr rtlCol="0" anchor="ctr"/>
+            <a:lstStyle/>
+            <a:p>
+              <a:pPr algn="ctr"/>
+              <a:endParaRPr lang="ru-RU"/>
+            </a:p>
+          </p:txBody>
+        </p:sp>
+        <p:sp>
+          <p:nvSpPr>
+            <p:cNvPr id="23" name="Стрелка вправо 22"/>
+            <p:cNvSpPr/>
+            <p:nvPr/>
+          </p:nvSpPr>
+          <p:spPr>
+            <a:xfrm>
+              <a:off x="5863030" y="1749661"/>
+              <a:ext cx="674708" cy="298938"/>
+            </a:xfrm>
+            <a:prstGeom prst="rightArrow">
+              <a:avLst/>
+            </a:prstGeom>
+            <a:solidFill>
+              <a:schemeClr val="accent3">
+                <a:alpha val="50000"/>
+              </a:schemeClr>
+            </a:solidFill>
+            <a:ln>
+              <a:noFill/>
+            </a:ln>
+          </p:spPr>
+          <p:style>
+            <a:lnRef idx="0">
+              <a:scrgbClr r="0" g="0" b="0"/>
+            </a:lnRef>
+            <a:fillRef idx="0">
+              <a:scrgbClr r="0" g="0" b="0"/>
+            </a:fillRef>
+            <a:effectRef idx="0">
+              <a:scrgbClr r="0" g="0" b="0"/>
+            </a:effectRef>
+            <a:fontRef idx="minor">
+              <a:schemeClr val="lt1"/>
+            </a:fontRef>
+          </p:style>
+          <p:txBody>
+            <a:bodyPr rtlCol="0" anchor="ctr"/>
+            <a:lstStyle/>
+            <a:p>
+              <a:pPr algn="ctr"/>
+              <a:endParaRPr lang="ru-RU"/>
+            </a:p>
+          </p:txBody>
+        </p:sp>
+      </p:grpSp>
+      <p:pic>
+        <p:nvPicPr>
+          <p:cNvPr id="14" name="Рисунок 13"/>
+          <p:cNvPicPr>
+            <a:picLocks noChangeAspect="1"/>
+          </p:cNvPicPr>
+          <p:nvPr/>
+        </p:nvPicPr>
+        <p:blipFill>
+          <a:blip r:embed="rId5"/>
+          <a:stretch>
+            <a:fillRect/>
+          </a:stretch>
+        </p:blipFill>
         <p:spPr>
           <a:xfrm>
-            <a:off x="3732143" y="4253948"/>
-            <a:ext cx="1958009" cy="1200329"/>
+            <a:off x="384142" y="1690688"/>
+            <a:ext cx="5919729" cy="4523624"/>
           </a:xfrm>
           <a:prstGeom prst="rect">
             <a:avLst/>
           </a:prstGeom>
-          <a:noFill/>
         </p:spPr>
-        <p:txBody>
-          <a:bodyPr wrap="square" rtlCol="0">
-            <a:spAutoFit/>
-          </a:bodyPr>
-          <a:lstStyle/>
-          <a:p>
-            <a:r>
-              <a:rPr lang="ru-RU" dirty="0" smtClean="0"/>
-              <a:t>График</a:t>
-            </a:r>
-            <a:r>
-              <a:rPr lang="en-US" dirty="0" smtClean="0"/>
-              <a:t> E/N </a:t>
-            </a:r>
-            <a:r>
-              <a:rPr lang="ru-RU" dirty="0" smtClean="0"/>
-              <a:t>от плотности: два ряда – в спектре, расчет среднего </a:t>
-            </a:r>
-            <a:endParaRPr lang="ru-RU" dirty="0"/>
-          </a:p>
-        </p:txBody>
-      </p:sp>
+      </p:pic>
     </p:spTree>
     <p:extLst>
       <p:ext uri="{BB962C8B-B14F-4D97-AF65-F5344CB8AC3E}">
